--- a/trunk/doc/tutorials/PlusTutorialBuildingfCalPhantom.pptx
+++ b/trunk/doc/tutorials/PlusTutorialBuildingfCalPhantom.pptx
@@ -198,7 +198,7 @@
             <a:fld id="{08AE2C8F-80C9-49EC-8D3E-1E16295FA588}" type="datetimeFigureOut">
               <a:rPr lang="en-US" smtClean="0"/>
               <a:pPr/>
-              <a:t>10/25/2011</a:t>
+              <a:t>11/3/2012</a:t>
             </a:fld>
             <a:endParaRPr lang="en-US"/>
           </a:p>
@@ -367,7 +367,7 @@
     </p:spTree>
     <p:extLst>
       <p:ext uri="{BB962C8B-B14F-4D97-AF65-F5344CB8AC3E}">
-        <p14:creationId xmlns:p14="http://schemas.microsoft.com/office/powerpoint/2010/main" xmlns="" val="1721994723"/>
+        <p14:creationId xmlns:p14="http://schemas.microsoft.com/office/powerpoint/2010/main" val="1721994723"/>
       </p:ext>
     </p:extLst>
   </p:cSld>
@@ -700,7 +700,7 @@
     </p:spTree>
     <p:extLst>
       <p:ext uri="{BB962C8B-B14F-4D97-AF65-F5344CB8AC3E}">
-        <p14:creationId xmlns:p14="http://schemas.microsoft.com/office/powerpoint/2010/main" xmlns="" val="3892539312"/>
+        <p14:creationId xmlns:p14="http://schemas.microsoft.com/office/powerpoint/2010/main" val="3892539312"/>
       </p:ext>
     </p:extLst>
   </p:cSld>
@@ -871,7 +871,7 @@
     </p:spTree>
     <p:extLst>
       <p:ext uri="{BB962C8B-B14F-4D97-AF65-F5344CB8AC3E}">
-        <p14:creationId xmlns:p14="http://schemas.microsoft.com/office/powerpoint/2010/main" xmlns="" val="3423903465"/>
+        <p14:creationId xmlns:p14="http://schemas.microsoft.com/office/powerpoint/2010/main" val="3423903465"/>
       </p:ext>
     </p:extLst>
   </p:cSld>
@@ -1052,7 +1052,7 @@
     </p:spTree>
     <p:extLst>
       <p:ext uri="{BB962C8B-B14F-4D97-AF65-F5344CB8AC3E}">
-        <p14:creationId xmlns:p14="http://schemas.microsoft.com/office/powerpoint/2010/main" xmlns="" val="1745478568"/>
+        <p14:creationId xmlns:p14="http://schemas.microsoft.com/office/powerpoint/2010/main" val="1745478568"/>
       </p:ext>
     </p:extLst>
   </p:cSld>
@@ -1210,7 +1210,7 @@
     </p:spTree>
     <p:extLst>
       <p:ext uri="{BB962C8B-B14F-4D97-AF65-F5344CB8AC3E}">
-        <p14:creationId xmlns:p14="http://schemas.microsoft.com/office/powerpoint/2010/main" xmlns="" val="3785962744"/>
+        <p14:creationId xmlns:p14="http://schemas.microsoft.com/office/powerpoint/2010/main" val="3785962744"/>
       </p:ext>
     </p:extLst>
   </p:cSld>
@@ -1457,7 +1457,7 @@
     </p:spTree>
     <p:extLst>
       <p:ext uri="{BB962C8B-B14F-4D97-AF65-F5344CB8AC3E}">
-        <p14:creationId xmlns:p14="http://schemas.microsoft.com/office/powerpoint/2010/main" xmlns="" val="1492444062"/>
+        <p14:creationId xmlns:p14="http://schemas.microsoft.com/office/powerpoint/2010/main" val="1492444062"/>
       </p:ext>
     </p:extLst>
   </p:cSld>
@@ -1746,7 +1746,7 @@
     </p:spTree>
     <p:extLst>
       <p:ext uri="{BB962C8B-B14F-4D97-AF65-F5344CB8AC3E}">
-        <p14:creationId xmlns:p14="http://schemas.microsoft.com/office/powerpoint/2010/main" xmlns="" val="4261488272"/>
+        <p14:creationId xmlns:p14="http://schemas.microsoft.com/office/powerpoint/2010/main" val="4261488272"/>
       </p:ext>
     </p:extLst>
   </p:cSld>
@@ -2169,7 +2169,7 @@
     </p:spTree>
     <p:extLst>
       <p:ext uri="{BB962C8B-B14F-4D97-AF65-F5344CB8AC3E}">
-        <p14:creationId xmlns:p14="http://schemas.microsoft.com/office/powerpoint/2010/main" xmlns="" val="1796189605"/>
+        <p14:creationId xmlns:p14="http://schemas.microsoft.com/office/powerpoint/2010/main" val="1796189605"/>
       </p:ext>
     </p:extLst>
   </p:cSld>
@@ -2288,7 +2288,7 @@
     </p:spTree>
     <p:extLst>
       <p:ext uri="{BB962C8B-B14F-4D97-AF65-F5344CB8AC3E}">
-        <p14:creationId xmlns:p14="http://schemas.microsoft.com/office/powerpoint/2010/main" xmlns="" val="2010297597"/>
+        <p14:creationId xmlns:p14="http://schemas.microsoft.com/office/powerpoint/2010/main" val="2010297597"/>
       </p:ext>
     </p:extLst>
   </p:cSld>
@@ -2384,7 +2384,7 @@
     </p:spTree>
     <p:extLst>
       <p:ext uri="{BB962C8B-B14F-4D97-AF65-F5344CB8AC3E}">
-        <p14:creationId xmlns:p14="http://schemas.microsoft.com/office/powerpoint/2010/main" xmlns="" val="2172930321"/>
+        <p14:creationId xmlns:p14="http://schemas.microsoft.com/office/powerpoint/2010/main" val="2172930321"/>
       </p:ext>
     </p:extLst>
   </p:cSld>
@@ -2662,7 +2662,7 @@
     </p:spTree>
     <p:extLst>
       <p:ext uri="{BB962C8B-B14F-4D97-AF65-F5344CB8AC3E}">
-        <p14:creationId xmlns:p14="http://schemas.microsoft.com/office/powerpoint/2010/main" xmlns="" val="1511297989"/>
+        <p14:creationId xmlns:p14="http://schemas.microsoft.com/office/powerpoint/2010/main" val="1511297989"/>
       </p:ext>
     </p:extLst>
   </p:cSld>
@@ -2916,7 +2916,7 @@
     </p:spTree>
     <p:extLst>
       <p:ext uri="{BB962C8B-B14F-4D97-AF65-F5344CB8AC3E}">
-        <p14:creationId xmlns:p14="http://schemas.microsoft.com/office/powerpoint/2010/main" xmlns="" val="1927584635"/>
+        <p14:creationId xmlns:p14="http://schemas.microsoft.com/office/powerpoint/2010/main" val="1927584635"/>
       </p:ext>
     </p:extLst>
   </p:cSld>
@@ -3166,7 +3166,7 @@
     </p:spTree>
     <p:extLst>
       <p:ext uri="{BB962C8B-B14F-4D97-AF65-F5344CB8AC3E}">
-        <p14:creationId xmlns:p14="http://schemas.microsoft.com/office/powerpoint/2010/main" xmlns="" val="2161496115"/>
+        <p14:creationId xmlns:p14="http://schemas.microsoft.com/office/powerpoint/2010/main" val="2161496115"/>
       </p:ext>
     </p:extLst>
   </p:cSld>
@@ -3540,8 +3540,8 @@
               <a:defRPr/>
             </a:pPr>
             <a:r>
-              <a:rPr lang="en-US" sz="2000" dirty="0" smtClean="0"/>
-              <a:t>Author: Andras Lasso</a:t>
+              <a:rPr lang="en-US" sz="1800" dirty="0" smtClean="0"/>
+              <a:t>Source: doc\tutorials\PlusTutorialBuildingfCalPhantom.pptx </a:t>
             </a:r>
           </a:p>
         </p:txBody>
@@ -3549,7 +3549,7 @@
     </p:spTree>
     <p:extLst>
       <p:ext uri="{BB962C8B-B14F-4D97-AF65-F5344CB8AC3E}">
-        <p14:creationId xmlns:p14="http://schemas.microsoft.com/office/powerpoint/2010/main" xmlns="" val="69688651"/>
+        <p14:creationId xmlns:p14="http://schemas.microsoft.com/office/powerpoint/2010/main" val="69688651"/>
       </p:ext>
     </p:extLst>
   </p:cSld>
@@ -3618,7 +3618,7 @@
         </p:nvSpPr>
         <p:spPr>
           <a:xfrm>
-            <a:off x="457200" y="1295400"/>
+            <a:off x="457200" y="1066800"/>
             <a:ext cx="8229600" cy="4830763"/>
           </a:xfrm>
         </p:spPr>
@@ -3628,37 +3628,107 @@
           <a:p>
             <a:r>
               <a:rPr lang="en-CA" dirty="0" smtClean="0"/>
-              <a:t>Download the phantom model from the repository:</a:t>
+              <a:t>Download the phantom model from the </a:t>
+            </a:r>
+            <a:r>
+              <a:rPr lang="en-CA" dirty="0" smtClean="0"/>
+              <a:t>repository:</a:t>
+            </a:r>
+          </a:p>
+          <a:p>
+            <a:pPr lvl="1"/>
+            <a:r>
+              <a:rPr lang="en-CA" dirty="0" smtClean="0"/>
+              <a:t>Editable CAD files: </a:t>
+            </a:r>
+            <a:r>
+              <a:rPr lang="en-CA" dirty="0" smtClean="0">
+                <a:hlinkClick r:id="rId2"/>
+              </a:rPr>
+              <a:t>https</a:t>
+            </a:r>
+            <a:r>
+              <a:rPr lang="en-CA" dirty="0" smtClean="0">
+                <a:hlinkClick r:id="rId2"/>
+              </a:rPr>
+              <a:t>://</a:t>
+            </a:r>
+            <a:r>
+              <a:rPr lang="en-CA" dirty="0" smtClean="0">
+                <a:hlinkClick r:id="rId2"/>
+              </a:rPr>
+              <a:t>www.assembla.com/code/plus/subversion/nodes/trunk/doc/specifications/fCalPhantom</a:t>
+            </a:r>
+            <a:endParaRPr lang="en-CA" dirty="0"/>
+          </a:p>
+          <a:p>
+            <a:pPr lvl="1"/>
+            <a:r>
+              <a:rPr lang="en-CA" dirty="0" smtClean="0"/>
+              <a:t>Printable STL files: </a:t>
+            </a:r>
+            <a:r>
+              <a:rPr lang="en-CA" dirty="0">
+                <a:hlinkClick r:id="rId2"/>
+              </a:rPr>
+              <a:t>https://</a:t>
+            </a:r>
+            <a:r>
+              <a:rPr lang="en-CA" dirty="0" smtClean="0">
+                <a:hlinkClick r:id="rId2"/>
+              </a:rPr>
+              <a:t>www.assembla.com/code/plus/subversion/nodes/trunk/PlusLiv/data/CADModels/fCalPhantom</a:t>
+            </a:r>
+            <a:endParaRPr lang="en-CA" dirty="0" smtClean="0"/>
+          </a:p>
+          <a:p>
+            <a:r>
+              <a:rPr lang="en-CA" dirty="0" smtClean="0"/>
+              <a:t>You can have a look at the model if you open it in </a:t>
+            </a:r>
+            <a:r>
+              <a:rPr lang="en-CA" dirty="0" err="1" smtClean="0"/>
+              <a:t>Paraview</a:t>
+            </a:r>
+            <a:r>
+              <a:rPr lang="en-CA" dirty="0" smtClean="0"/>
+              <a:t> or 3D Slicer</a:t>
+            </a:r>
+          </a:p>
+          <a:p>
+            <a:r>
+              <a:rPr lang="en-CA" dirty="0" smtClean="0"/>
+              <a:t>Print the STL file using </a:t>
+            </a:r>
+            <a:r>
+              <a:rPr lang="en-CA" dirty="0" smtClean="0"/>
+              <a:t>a</a:t>
             </a:r>
             <a:br>
               <a:rPr lang="en-CA" dirty="0" smtClean="0"/>
             </a:br>
             <a:r>
-              <a:rPr lang="en-CA" dirty="0" smtClean="0">
-                <a:hlinkClick r:id="rId2"/>
-              </a:rPr>
-              <a:t>https://www.assembla.com/code/plus/subversion/nodes/trunk/PlusLib/data/CADModels/fCalPhantom/FCal_1.2.stl#</a:t>
-            </a:r>
-            <a:endParaRPr lang="en-CA" dirty="0" smtClean="0"/>
-          </a:p>
-          <a:p>
-            <a:r>
               <a:rPr lang="en-CA" dirty="0" smtClean="0"/>
-              <a:t>You can have a look at the model if you open it in </a:t>
-            </a:r>
-            <a:r>
-              <a:rPr lang="en-CA" dirty="0" err="1" smtClean="0"/>
-              <a:t>Paraview</a:t>
+              <a:t>regular </a:t>
             </a:r>
             <a:r>
               <a:rPr lang="en-CA" dirty="0" smtClean="0"/>
-              <a:t> or 3D Slicer</a:t>
-            </a:r>
-          </a:p>
-          <a:p>
+              <a:t>3D rapid </a:t>
+            </a:r>
             <a:r>
               <a:rPr lang="en-CA" dirty="0" smtClean="0"/>
-              <a:t>Print the STL file using a regular 3D rapid prototyping printer</a:t>
+              <a:t/>
+            </a:r>
+            <a:br>
+              <a:rPr lang="en-CA" dirty="0" smtClean="0"/>
+            </a:br>
+            <a:r>
+              <a:rPr lang="en-CA" dirty="0" smtClean="0"/>
+              <a:t>prototyping </a:t>
+            </a:r>
+            <a:r>
+              <a:rPr lang="en-CA" dirty="0" smtClean="0"/>
+              <a:t>printer</a:t>
             </a:r>
           </a:p>
         </p:txBody>
@@ -3675,7 +3745,7 @@
           <a:blip r:embed="rId3" cstate="print">
             <a:extLst>
               <a:ext uri="{28A0092B-C50C-407E-A947-70E740481C1C}">
-                <a14:useLocalDpi xmlns:a14="http://schemas.microsoft.com/office/drawing/2010/main" xmlns="" val="0"/>
+                <a14:useLocalDpi xmlns:a14="http://schemas.microsoft.com/office/drawing/2010/main" val="0"/>
               </a:ext>
             </a:extLst>
           </a:blip>
@@ -3684,8 +3754,8 @@
         </p:blipFill>
         <p:spPr bwMode="auto">
           <a:xfrm>
-            <a:off x="1905000" y="3810000"/>
-            <a:ext cx="5629478" cy="2370236"/>
+            <a:off x="4114624" y="4191000"/>
+            <a:ext cx="4724576" cy="1989236"/>
           </a:xfrm>
           <a:prstGeom prst="rect">
             <a:avLst/>
@@ -3697,14 +3767,14 @@
           <a:effectLst/>
           <a:extLst>
             <a:ext uri="{909E8E84-426E-40DD-AFC4-6F175D3DCCD1}">
-              <a14:hiddenFill xmlns:a14="http://schemas.microsoft.com/office/drawing/2010/main" xmlns="">
+              <a14:hiddenFill xmlns:a14="http://schemas.microsoft.com/office/drawing/2010/main">
                 <a:solidFill>
                   <a:schemeClr val="accent1"/>
                 </a:solidFill>
               </a14:hiddenFill>
             </a:ext>
             <a:ext uri="{91240B29-F687-4F45-9708-019B960494DF}">
-              <a14:hiddenLine xmlns:a14="http://schemas.microsoft.com/office/drawing/2010/main" xmlns="" w="9525">
+              <a14:hiddenLine xmlns:a14="http://schemas.microsoft.com/office/drawing/2010/main" w="9525">
                 <a:solidFill>
                   <a:schemeClr val="tx1"/>
                 </a:solidFill>
@@ -3714,7 +3784,7 @@
               </a14:hiddenLine>
             </a:ext>
             <a:ext uri="{AF507438-7753-43E0-B8FC-AC1667EBCBE1}">
-              <a14:hiddenEffects xmlns:a14="http://schemas.microsoft.com/office/drawing/2010/main" xmlns="">
+              <a14:hiddenEffects xmlns:a14="http://schemas.microsoft.com/office/drawing/2010/main">
                 <a:effectLst>
                   <a:outerShdw dist="35921" dir="2700000" algn="ctr" rotWithShape="0">
                     <a:schemeClr val="bg2"/>
@@ -3753,7 +3823,7 @@
     </p:spTree>
     <p:extLst>
       <p:ext uri="{BB962C8B-B14F-4D97-AF65-F5344CB8AC3E}">
-        <p14:creationId xmlns:p14="http://schemas.microsoft.com/office/powerpoint/2010/main" xmlns="" val="2239487779"/>
+        <p14:creationId xmlns:p14="http://schemas.microsoft.com/office/powerpoint/2010/main" val="2239487779"/>
       </p:ext>
     </p:extLst>
   </p:cSld>
@@ -5684,7 +5754,7 @@
     </p:spTree>
     <p:extLst>
       <p:ext uri="{BB962C8B-B14F-4D97-AF65-F5344CB8AC3E}">
-        <p14:creationId xmlns:p14="http://schemas.microsoft.com/office/powerpoint/2010/main" xmlns="" val="2239487779"/>
+        <p14:creationId xmlns:p14="http://schemas.microsoft.com/office/powerpoint/2010/main" val="2239487779"/>
       </p:ext>
     </p:extLst>
   </p:cSld>
@@ -7053,7 +7123,7 @@
     </p:spTree>
     <p:extLst>
       <p:ext uri="{BB962C8B-B14F-4D97-AF65-F5344CB8AC3E}">
-        <p14:creationId xmlns:p14="http://schemas.microsoft.com/office/powerpoint/2010/main" xmlns="" val="2239487779"/>
+        <p14:creationId xmlns:p14="http://schemas.microsoft.com/office/powerpoint/2010/main" val="2239487779"/>
       </p:ext>
     </p:extLst>
   </p:cSld>
@@ -7115,8 +7185,8 @@
         </p:nvSpPr>
         <p:spPr>
           <a:xfrm>
-            <a:off x="533400" y="990601"/>
-            <a:ext cx="8153400" cy="2438400"/>
+            <a:off x="533400" y="990600"/>
+            <a:ext cx="8153400" cy="2666999"/>
           </a:xfrm>
         </p:spPr>
         <p:txBody>
@@ -7127,7 +7197,18 @@
           <a:p>
             <a:r>
               <a:rPr lang="en-US" dirty="0" smtClean="0"/>
-              <a:t>The fiducial line has a much smaller diameter than the printed holes, therefore it makes a big difference which side of the hole the line is aligned to</a:t>
+              <a:t>Line alignment is only an issue for fCal_1 phantoms. Slanted holes in fCal_2 and later phantoms take care of line alignment within a hole.</a:t>
+            </a:r>
+            <a:endParaRPr lang="en-US" dirty="0"/>
+          </a:p>
+          <a:p>
+            <a:r>
+              <a:rPr lang="en-US" dirty="0" smtClean="0"/>
+              <a:t>The </a:t>
+            </a:r>
+            <a:r>
+              <a:rPr lang="en-US" dirty="0" smtClean="0"/>
+              <a:t>fiducial line has a much smaller diameter than the printed holes, therefore it makes a big difference which side of the hole the line is aligned to</a:t>
             </a:r>
           </a:p>
           <a:p>
@@ -8151,7 +8232,7 @@
     </p:spTree>
     <p:extLst>
       <p:ext uri="{BB962C8B-B14F-4D97-AF65-F5344CB8AC3E}">
-        <p14:creationId xmlns:p14="http://schemas.microsoft.com/office/powerpoint/2010/main" xmlns="" val="1352437256"/>
+        <p14:creationId xmlns:p14="http://schemas.microsoft.com/office/powerpoint/2010/main" val="1352437256"/>
       </p:ext>
     </p:extLst>
   </p:cSld>
@@ -8408,7 +8489,7 @@
     </p:spTree>
     <p:extLst>
       <p:ext uri="{BB962C8B-B14F-4D97-AF65-F5344CB8AC3E}">
-        <p14:creationId xmlns:p14="http://schemas.microsoft.com/office/powerpoint/2010/main" xmlns="" val="1352437256"/>
+        <p14:creationId xmlns:p14="http://schemas.microsoft.com/office/powerpoint/2010/main" val="1352437256"/>
       </p:ext>
     </p:extLst>
   </p:cSld>

--- a/trunk/doc/tutorials/PlusTutorialBuildingfCalPhantom.pptx
+++ b/trunk/doc/tutorials/PlusTutorialBuildingfCalPhantom.pptx
@@ -3514,8 +3514,8 @@
         </p:nvSpPr>
         <p:spPr>
           <a:xfrm>
-            <a:off x="1371600" y="4800600"/>
-            <a:ext cx="6400800" cy="1066800"/>
+            <a:off x="457200" y="4800600"/>
+            <a:ext cx="8229600" cy="1066800"/>
           </a:xfrm>
         </p:spPr>
         <p:txBody>
@@ -3540,9 +3540,28 @@
               <a:defRPr/>
             </a:pPr>
             <a:r>
-              <a:rPr lang="en-US" sz="1800" dirty="0" smtClean="0"/>
-              <a:t>Source: doc\tutorials\PlusTutorialBuildingfCalPhantom.pptx </a:t>
-            </a:r>
+              <a:rPr lang="en-US" sz="1200" dirty="0" smtClean="0"/>
+              <a:t>Source: </a:t>
+            </a:r>
+            <a:r>
+              <a:rPr lang="en-US" sz="1200" dirty="0">
+                <a:hlinkClick r:id="rId3"/>
+              </a:rPr>
+              <a:t>https://</a:t>
+            </a:r>
+            <a:r>
+              <a:rPr lang="en-US" sz="1200" dirty="0" smtClean="0">
+                <a:hlinkClick r:id="rId3"/>
+              </a:rPr>
+              <a:t>subversion.assembla.com/svn/plus/trunk/doc/tutorials/PlusTutorialBuildingfCalPhantom.pptx</a:t>
+            </a:r>
+            <a:endParaRPr lang="en-US" sz="1200" dirty="0" smtClean="0"/>
+          </a:p>
+          <a:p>
+            <a:pPr>
+              <a:defRPr/>
+            </a:pPr>
+            <a:endParaRPr lang="en-US" sz="1800" dirty="0" smtClean="0"/>
           </a:p>
         </p:txBody>
       </p:sp>
@@ -3628,11 +3647,7 @@
           <a:p>
             <a:r>
               <a:rPr lang="en-CA" dirty="0" smtClean="0"/>
-              <a:t>Download the phantom model from the </a:t>
-            </a:r>
-            <a:r>
-              <a:rPr lang="en-CA" dirty="0" smtClean="0"/>
-              <a:t>repository:</a:t>
+              <a:t>Download the phantom model from the repository:</a:t>
             </a:r>
           </a:p>
           <a:p>
@@ -3642,42 +3657,34 @@
               <a:t>Editable CAD files: </a:t>
             </a:r>
             <a:r>
+              <a:rPr lang="en-CA" dirty="0">
+                <a:hlinkClick r:id="rId2"/>
+              </a:rPr>
+              <a:t>https://subversion.assembla.com/svn/plus/trunk/doc/specifications/fCalPhantom</a:t>
+            </a:r>
+            <a:r>
               <a:rPr lang="en-CA" dirty="0" smtClean="0">
                 <a:hlinkClick r:id="rId2"/>
               </a:rPr>
-              <a:t>https</a:t>
-            </a:r>
-            <a:r>
-              <a:rPr lang="en-CA" dirty="0" smtClean="0">
-                <a:hlinkClick r:id="rId2"/>
-              </a:rPr>
-              <a:t>://</a:t>
-            </a:r>
-            <a:r>
-              <a:rPr lang="en-CA" dirty="0" smtClean="0">
-                <a:hlinkClick r:id="rId2"/>
-              </a:rPr>
-              <a:t>www.assembla.com/code/plus/subversion/nodes/trunk/doc/specifications/fCalPhantom</a:t>
-            </a:r>
-            <a:endParaRPr lang="en-CA" dirty="0"/>
+              <a:t>/</a:t>
+            </a:r>
+            <a:endParaRPr lang="en-CA" dirty="0" smtClean="0"/>
           </a:p>
           <a:p>
             <a:pPr lvl="1"/>
             <a:r>
               <a:rPr lang="en-CA" dirty="0" smtClean="0"/>
-              <a:t>Printable STL files: </a:t>
+              <a:t>Printable </a:t>
+            </a:r>
+            <a:r>
+              <a:rPr lang="en-CA" dirty="0" smtClean="0"/>
+              <a:t>STL files: </a:t>
             </a:r>
             <a:r>
               <a:rPr lang="en-CA" dirty="0">
-                <a:hlinkClick r:id="rId2"/>
-              </a:rPr>
-              <a:t>https://</a:t>
-            </a:r>
-            <a:r>
-              <a:rPr lang="en-CA" dirty="0" smtClean="0">
-                <a:hlinkClick r:id="rId2"/>
-              </a:rPr>
-              <a:t>www.assembla.com/code/plus/subversion/nodes/trunk/PlusLiv/data/CADModels/fCalPhantom</a:t>
+                <a:hlinkClick r:id="rId3"/>
+              </a:rPr>
+              <a:t>https://subversion.assembla.com/svn/plus/trunk/PlusLib/data/CADModels/fCalPhantom/</a:t>
             </a:r>
             <a:endParaRPr lang="en-CA" dirty="0" smtClean="0"/>
           </a:p>
@@ -3698,37 +3705,21 @@
           <a:p>
             <a:r>
               <a:rPr lang="en-CA" dirty="0" smtClean="0"/>
-              <a:t>Print the STL file using </a:t>
-            </a:r>
-            <a:r>
-              <a:rPr lang="en-CA" dirty="0" smtClean="0"/>
-              <a:t>a</a:t>
+              <a:t>Print the STL file using a</a:t>
             </a:r>
             <a:br>
               <a:rPr lang="en-CA" dirty="0" smtClean="0"/>
             </a:br>
             <a:r>
               <a:rPr lang="en-CA" dirty="0" smtClean="0"/>
-              <a:t>regular </a:t>
-            </a:r>
-            <a:r>
-              <a:rPr lang="en-CA" dirty="0" smtClean="0"/>
-              <a:t>3D rapid </a:t>
-            </a:r>
-            <a:r>
-              <a:rPr lang="en-CA" dirty="0" smtClean="0"/>
-              <a:t/>
+              <a:t>regular 3D rapid </a:t>
             </a:r>
             <a:br>
               <a:rPr lang="en-CA" dirty="0" smtClean="0"/>
             </a:br>
             <a:r>
               <a:rPr lang="en-CA" dirty="0" smtClean="0"/>
-              <a:t>prototyping </a:t>
-            </a:r>
-            <a:r>
-              <a:rPr lang="en-CA" dirty="0" smtClean="0"/>
-              <a:t>printer</a:t>
+              <a:t>prototyping printer</a:t>
             </a:r>
           </a:p>
         </p:txBody>
@@ -3742,7 +3733,7 @@
           <p:nvPr/>
         </p:nvPicPr>
         <p:blipFill rotWithShape="1">
-          <a:blip r:embed="rId3" cstate="print">
+          <a:blip r:embed="rId4" cstate="print">
             <a:extLst>
               <a:ext uri="{28A0092B-C50C-407E-A947-70E740481C1C}">
                 <a14:useLocalDpi xmlns:a14="http://schemas.microsoft.com/office/drawing/2010/main" val="0"/>
@@ -4069,21 +4060,10 @@
           </a:bodyPr>
           <a:lstStyle/>
           <a:p>
-            <a:pPr marL="0" marR="0" lvl="0" indent="0" algn="l" defTabSz="914400" rtl="0" eaLnBrk="1" fontAlgn="auto" latinLnBrk="0" hangingPunct="1">
-              <a:lnSpc>
-                <a:spcPct val="100000"/>
-              </a:lnSpc>
+            <a:pPr lvl="0">
               <a:spcBef>
                 <a:spcPct val="20000"/>
               </a:spcBef>
-              <a:spcAft>
-                <a:spcPts val="0"/>
-              </a:spcAft>
-              <a:buClrTx/>
-              <a:buSzTx/>
-              <a:buFont typeface="Arial" pitchFamily="34" charset="0"/>
-              <a:buNone/>
-              <a:tabLst/>
               <a:defRPr/>
             </a:pPr>
             <a:r>
@@ -4154,23 +4134,26 @@
               </a:rPr>
             </a:br>
             <a:r>
-              <a:rPr kumimoji="0" lang="en-US" sz="1000" b="0" i="0" u="none" strike="noStrike" kern="1200" cap="none" spc="0" normalizeH="0" baseline="0" noProof="0" dirty="0" smtClean="0">
-                <a:ln>
-                  <a:noFill/>
-                </a:ln>
-                <a:solidFill>
-                  <a:schemeClr val="tx1"/>
-                </a:solidFill>
-                <a:effectLst/>
-                <a:uLnTx/>
-                <a:uFillTx/>
-                <a:latin typeface="+mn-lt"/>
-                <a:ea typeface="+mn-ea"/>
-                <a:cs typeface="+mn-cs"/>
+              <a:rPr lang="en-US" sz="1000" dirty="0">
                 <a:hlinkClick r:id="rId4"/>
               </a:rPr>
-              <a:t>https://www.assembla.com/code/plus/subversion/nodes/trunk/PlusLib/docs/fCAL/CoordinateSystems</a:t>
-            </a:r>
+              <a:t>https://</a:t>
+            </a:r>
+            <a:r>
+              <a:rPr lang="en-US" sz="1000" dirty="0" smtClean="0">
+                <a:hlinkClick r:id="rId4"/>
+              </a:rPr>
+              <a:t>subversion.assembla.com/svn/plus/trunk/doc/specifications/CoordinateSystems/FreehandCalibration_CoordinateRepresentation.png</a:t>
+            </a:r>
+            <a:endParaRPr lang="en-US" sz="1000" dirty="0" smtClean="0"/>
+          </a:p>
+          <a:p>
+            <a:pPr lvl="0">
+              <a:spcBef>
+                <a:spcPct val="20000"/>
+              </a:spcBef>
+              <a:defRPr/>
+            </a:pPr>
             <a:endParaRPr kumimoji="0" lang="en-CA" sz="1400" b="0" i="0" u="none" strike="noStrike" kern="1200" cap="none" spc="0" normalizeH="0" baseline="0" noProof="0" dirty="0" smtClean="0">
               <a:ln>
                 <a:noFill/>
@@ -7204,11 +7187,7 @@
           <a:p>
             <a:r>
               <a:rPr lang="en-US" dirty="0" smtClean="0"/>
-              <a:t>The </a:t>
-            </a:r>
-            <a:r>
-              <a:rPr lang="en-US" dirty="0" smtClean="0"/>
-              <a:t>fiducial line has a much smaller diameter than the printed holes, therefore it makes a big difference which side of the hole the line is aligned to</a:t>
+              <a:t>The fiducial line has a much smaller diameter than the printed holes, therefore it makes a big difference which side of the hole the line is aligned to</a:t>
             </a:r>
           </a:p>
           <a:p>

--- a/trunk/doc/tutorials/PlusTutorialBuildingfCalPhantom.pptx
+++ b/trunk/doc/tutorials/PlusTutorialBuildingfCalPhantom.pptx
@@ -5,15 +5,16 @@
     <p:sldMasterId id="2147483648" r:id="rId1"/>
   </p:sldMasterIdLst>
   <p:notesMasterIdLst>
-    <p:notesMasterId r:id="rId8"/>
+    <p:notesMasterId r:id="rId9"/>
   </p:notesMasterIdLst>
   <p:sldIdLst>
     <p:sldId id="256" r:id="rId2"/>
     <p:sldId id="262" r:id="rId3"/>
     <p:sldId id="263" r:id="rId4"/>
-    <p:sldId id="264" r:id="rId5"/>
-    <p:sldId id="259" r:id="rId6"/>
-    <p:sldId id="265" r:id="rId7"/>
+    <p:sldId id="266" r:id="rId5"/>
+    <p:sldId id="264" r:id="rId6"/>
+    <p:sldId id="259" r:id="rId7"/>
+    <p:sldId id="265" r:id="rId8"/>
   </p:sldIdLst>
   <p:sldSz cx="9144000" cy="6858000" type="screen4x3"/>
   <p:notesSz cx="6858000" cy="9144000"/>
@@ -198,7 +199,7 @@
             <a:fld id="{08AE2C8F-80C9-49EC-8D3E-1E16295FA588}" type="datetimeFigureOut">
               <a:rPr lang="en-US" smtClean="0"/>
               <a:pPr/>
-              <a:t>11/3/2012</a:t>
+              <a:t>4/1/2013</a:t>
             </a:fld>
             <a:endParaRPr lang="en-US"/>
           </a:p>
@@ -3674,11 +3675,7 @@
             <a:pPr lvl="1"/>
             <a:r>
               <a:rPr lang="en-CA" dirty="0" smtClean="0"/>
-              <a:t>Printable </a:t>
-            </a:r>
-            <a:r>
-              <a:rPr lang="en-CA" dirty="0" smtClean="0"/>
-              <a:t>STL files: </a:t>
+              <a:t>Printable STL files: </a:t>
             </a:r>
             <a:r>
               <a:rPr lang="en-CA" dirty="0">
@@ -3896,23 +3893,40 @@
           <a:p>
             <a:r>
               <a:rPr lang="en-CA" sz="1400" dirty="0" smtClean="0"/>
-              <a:t>The endpoints of the fiducial lines shall correspond to the description in the device set configuration XML file, such as:</a:t>
-            </a:r>
-            <a:br>
+              <a:t>The endpoints of the fiducial lines shall correspond to the description in the device set configuration XML file, such </a:t>
+            </a:r>
+            <a:r>
               <a:rPr lang="en-CA" sz="1400" dirty="0" smtClean="0"/>
-            </a:br>
-            <a:r>
-              <a:rPr lang="en-CA" sz="1000" dirty="0" smtClean="0">
+              <a:t>as: </a:t>
+            </a:r>
+            <a:r>
+              <a:rPr lang="en-CA" sz="900" dirty="0" smtClean="0">
                 <a:hlinkClick r:id="rId2"/>
               </a:rPr>
-              <a:t>https://www.assembla.com/code/plus/subversion/nodes/trunk/PlusLib/data/ConfigFiles/PlusConfiguration_SonixTouch_Ascension3DG_L14_fCal1.xml</a:t>
-            </a:r>
-            <a:endParaRPr lang="en-CA" sz="1000" dirty="0" smtClean="0"/>
+              <a:t>https</a:t>
+            </a:r>
+            <a:r>
+              <a:rPr lang="en-CA" sz="900" dirty="0">
+                <a:hlinkClick r:id="rId2"/>
+              </a:rPr>
+              <a:t>://</a:t>
+            </a:r>
+            <a:r>
+              <a:rPr lang="en-CA" sz="900" dirty="0" smtClean="0">
+                <a:hlinkClick r:id="rId2"/>
+              </a:rPr>
+              <a:t>subversion.assembla.com/svn/plus/trunk/PlusLib/data/ConfigFiles/PlusConfiguration_SonixTouch_Ascension3DG_L14_fCal2.0.xml</a:t>
+            </a:r>
+            <a:endParaRPr lang="en-CA" sz="1400" dirty="0"/>
           </a:p>
           <a:p>
             <a:r>
               <a:rPr lang="en-CA" sz="1400" dirty="0" smtClean="0"/>
-              <a:t>The automatic calibration method in </a:t>
+              <a:t>The </a:t>
+            </a:r>
+            <a:r>
+              <a:rPr lang="en-CA" sz="1400" dirty="0" smtClean="0"/>
+              <a:t>automatic calibration method in </a:t>
             </a:r>
             <a:r>
               <a:rPr lang="en-CA" sz="1400" dirty="0" err="1" smtClean="0"/>
@@ -3920,7 +3934,19 @@
             </a:r>
             <a:r>
               <a:rPr lang="en-CA" sz="1400" dirty="0" smtClean="0"/>
-              <a:t> supports a fiducial line structure containing two parallel N patterns.</a:t>
+              <a:t> supports a fiducial line structure containing </a:t>
+            </a:r>
+            <a:r>
+              <a:rPr lang="en-CA" sz="1400" dirty="0" smtClean="0"/>
+              <a:t>any number of </a:t>
+            </a:r>
+            <a:r>
+              <a:rPr lang="en-CA" sz="1400" dirty="0" smtClean="0"/>
+              <a:t>parallel </a:t>
+            </a:r>
+            <a:r>
+              <a:rPr lang="en-CA" sz="1400" dirty="0" smtClean="0"/>
+              <a:t>N patterns.</a:t>
             </a:r>
           </a:p>
         </p:txBody>
@@ -4214,7 +4240,7 @@
         </p:nvSpPr>
         <p:spPr>
           <a:xfrm>
-            <a:off x="457200" y="2895600"/>
+            <a:off x="457200" y="2514600"/>
             <a:ext cx="5562600" cy="2362200"/>
           </a:xfrm>
           <a:prstGeom prst="rect">
@@ -4245,7 +4271,7 @@
               <a:defRPr/>
             </a:pPr>
             <a:r>
-              <a:rPr kumimoji="0" lang="en-US" sz="1400" b="0" i="0" u="none" strike="noStrike" kern="1200" cap="none" spc="0" normalizeH="0" baseline="0" noProof="0" dirty="0" smtClean="0">
+              <a:rPr kumimoji="0" lang="en-US" sz="1100" b="1" i="0" u="none" strike="noStrike" kern="1200" cap="none" spc="0" normalizeH="0" baseline="0" noProof="0" dirty="0" smtClean="0">
                 <a:ln>
                   <a:noFill/>
                 </a:ln>
@@ -4255,12 +4281,668 @@
                 <a:effectLst/>
                 <a:uLnTx/>
                 <a:uFillTx/>
-                <a:latin typeface="+mn-lt"/>
-                <a:ea typeface="+mn-ea"/>
-                <a:cs typeface="+mn-cs"/>
-              </a:rPr>
-              <a:t>Phantom mode: fCal_1.0, Wiring: wiring_1.0:</a:t>
-            </a:r>
+                <a:latin typeface="Courier New" pitchFamily="49" charset="0"/>
+                <a:cs typeface="Courier New" pitchFamily="49" charset="0"/>
+              </a:rPr>
+              <a:t>Phantom mode: </a:t>
+            </a:r>
+            <a:r>
+              <a:rPr kumimoji="0" lang="en-US" sz="1100" b="1" i="0" u="none" strike="noStrike" kern="1200" cap="none" spc="0" normalizeH="0" baseline="0" noProof="0" dirty="0" smtClean="0">
+                <a:ln>
+                  <a:noFill/>
+                </a:ln>
+                <a:solidFill>
+                  <a:schemeClr val="tx1"/>
+                </a:solidFill>
+                <a:effectLst/>
+                <a:uLnTx/>
+                <a:uFillTx/>
+                <a:latin typeface="Courier New" pitchFamily="49" charset="0"/>
+                <a:cs typeface="Courier New" pitchFamily="49" charset="0"/>
+              </a:rPr>
+              <a:t>fCal_2.0</a:t>
+            </a:r>
+            <a:r>
+              <a:rPr kumimoji="0" lang="en-US" sz="1100" b="1" i="0" u="none" strike="noStrike" kern="1200" cap="none" spc="0" normalizeH="0" baseline="0" noProof="0" dirty="0" smtClean="0">
+                <a:ln>
+                  <a:noFill/>
+                </a:ln>
+                <a:solidFill>
+                  <a:schemeClr val="tx1"/>
+                </a:solidFill>
+                <a:effectLst/>
+                <a:uLnTx/>
+                <a:uFillTx/>
+                <a:latin typeface="Courier New" pitchFamily="49" charset="0"/>
+                <a:cs typeface="Courier New" pitchFamily="49" charset="0"/>
+              </a:rPr>
+              <a:t>, Wiring: </a:t>
+            </a:r>
+            <a:r>
+              <a:rPr kumimoji="0" lang="en-US" sz="1100" b="1" i="0" u="none" strike="noStrike" kern="1200" cap="none" spc="0" normalizeH="0" baseline="0" noProof="0" dirty="0" smtClean="0">
+                <a:ln>
+                  <a:noFill/>
+                </a:ln>
+                <a:solidFill>
+                  <a:schemeClr val="tx1"/>
+                </a:solidFill>
+                <a:effectLst/>
+                <a:uLnTx/>
+                <a:uFillTx/>
+                <a:latin typeface="Courier New" pitchFamily="49" charset="0"/>
+                <a:cs typeface="Courier New" pitchFamily="49" charset="0"/>
+              </a:rPr>
+              <a:t>wiring_2.0</a:t>
+            </a:r>
+            <a:r>
+              <a:rPr kumimoji="0" lang="en-US" sz="1100" b="1" i="0" u="none" strike="noStrike" kern="1200" cap="none" spc="0" normalizeH="0" baseline="0" noProof="0" dirty="0" smtClean="0">
+                <a:ln>
+                  <a:noFill/>
+                </a:ln>
+                <a:solidFill>
+                  <a:schemeClr val="tx1"/>
+                </a:solidFill>
+                <a:effectLst/>
+                <a:uLnTx/>
+                <a:uFillTx/>
+                <a:latin typeface="Courier New" pitchFamily="49" charset="0"/>
+                <a:cs typeface="Courier New" pitchFamily="49" charset="0"/>
+              </a:rPr>
+              <a:t>:</a:t>
+            </a:r>
+          </a:p>
+          <a:p>
+            <a:pPr marL="53975" lvl="0">
+              <a:spcBef>
+                <a:spcPct val="20000"/>
+              </a:spcBef>
+              <a:defRPr/>
+            </a:pPr>
+            <a:r>
+              <a:rPr kumimoji="0" lang="en-US" sz="700" b="1" i="0" u="none" strike="noStrike" kern="1200" cap="none" spc="0" normalizeH="0" baseline="0" noProof="0" dirty="0" smtClean="0">
+                <a:ln>
+                  <a:noFill/>
+                </a:ln>
+                <a:solidFill>
+                  <a:schemeClr val="tx1"/>
+                </a:solidFill>
+                <a:effectLst/>
+                <a:uLnTx/>
+                <a:uFillTx/>
+                <a:latin typeface="Courier New" pitchFamily="49" charset="0"/>
+                <a:cs typeface="Courier New" pitchFamily="49" charset="0"/>
+              </a:rPr>
+              <a:t>&lt;</a:t>
+            </a:r>
+            <a:r>
+              <a:rPr kumimoji="0" lang="en-US" sz="700" b="1" i="0" u="none" strike="noStrike" kern="1200" cap="none" spc="0" normalizeH="0" baseline="0" noProof="0" dirty="0" smtClean="0">
+                <a:ln>
+                  <a:noFill/>
+                </a:ln>
+                <a:solidFill>
+                  <a:schemeClr val="tx1"/>
+                </a:solidFill>
+                <a:effectLst/>
+                <a:uLnTx/>
+                <a:uFillTx/>
+                <a:latin typeface="Courier New" pitchFamily="49" charset="0"/>
+                <a:cs typeface="Courier New" pitchFamily="49" charset="0"/>
+              </a:rPr>
+              <a:t>Geometry&gt;</a:t>
+            </a:r>
+            <a:br>
+              <a:rPr kumimoji="0" lang="en-US" sz="700" b="1" i="0" u="none" strike="noStrike" kern="1200" cap="none" spc="0" normalizeH="0" baseline="0" noProof="0" dirty="0" smtClean="0">
+                <a:ln>
+                  <a:noFill/>
+                </a:ln>
+                <a:solidFill>
+                  <a:schemeClr val="tx1"/>
+                </a:solidFill>
+                <a:effectLst/>
+                <a:uLnTx/>
+                <a:uFillTx/>
+                <a:latin typeface="Courier New" pitchFamily="49" charset="0"/>
+                <a:cs typeface="Courier New" pitchFamily="49" charset="0"/>
+              </a:rPr>
+            </a:br>
+            <a:r>
+              <a:rPr lang="en-US" sz="700" b="1" dirty="0">
+                <a:latin typeface="Courier New" pitchFamily="49" charset="0"/>
+                <a:cs typeface="Courier New" pitchFamily="49" charset="0"/>
+              </a:rPr>
+              <a:t> &lt;Pattern Type="</a:t>
+            </a:r>
+            <a:r>
+              <a:rPr lang="en-US" sz="700" b="1" dirty="0" err="1">
+                <a:latin typeface="Courier New" pitchFamily="49" charset="0"/>
+                <a:cs typeface="Courier New" pitchFamily="49" charset="0"/>
+              </a:rPr>
+              <a:t>NWire</a:t>
+            </a:r>
+            <a:r>
+              <a:rPr lang="en-US" sz="700" b="1" dirty="0">
+                <a:latin typeface="Courier New" pitchFamily="49" charset="0"/>
+                <a:cs typeface="Courier New" pitchFamily="49" charset="0"/>
+              </a:rPr>
+              <a:t>"&gt;</a:t>
+            </a:r>
+          </a:p>
+          <a:p>
+            <a:pPr marL="53975" lvl="0">
+              <a:spcBef>
+                <a:spcPct val="20000"/>
+              </a:spcBef>
+              <a:defRPr/>
+            </a:pPr>
+            <a:r>
+              <a:rPr lang="en-US" sz="700" b="1" dirty="0">
+                <a:latin typeface="Courier New" pitchFamily="49" charset="0"/>
+                <a:cs typeface="Courier New" pitchFamily="49" charset="0"/>
+              </a:rPr>
+              <a:t>        &lt;Wire Name="7:G1_g1" </a:t>
+            </a:r>
+            <a:r>
+              <a:rPr lang="en-US" sz="700" b="1" dirty="0" err="1">
+                <a:latin typeface="Courier New" pitchFamily="49" charset="0"/>
+                <a:cs typeface="Courier New" pitchFamily="49" charset="0"/>
+              </a:rPr>
+              <a:t>EndPointFront</a:t>
+            </a:r>
+            <a:r>
+              <a:rPr lang="en-US" sz="700" b="1" dirty="0">
+                <a:latin typeface="Courier New" pitchFamily="49" charset="0"/>
+                <a:cs typeface="Courier New" pitchFamily="49" charset="0"/>
+              </a:rPr>
+              <a:t>="30.0 0.0 20.0" </a:t>
+            </a:r>
+            <a:r>
+              <a:rPr lang="en-US" sz="700" b="1" dirty="0" err="1">
+                <a:latin typeface="Courier New" pitchFamily="49" charset="0"/>
+                <a:cs typeface="Courier New" pitchFamily="49" charset="0"/>
+              </a:rPr>
+              <a:t>EndPointBack</a:t>
+            </a:r>
+            <a:r>
+              <a:rPr lang="en-US" sz="700" b="1" dirty="0">
+                <a:latin typeface="Courier New" pitchFamily="49" charset="0"/>
+                <a:cs typeface="Courier New" pitchFamily="49" charset="0"/>
+              </a:rPr>
+              <a:t>="30.0 40.0 20.0" /&gt;</a:t>
+            </a:r>
+          </a:p>
+          <a:p>
+            <a:pPr marL="53975" lvl="0">
+              <a:spcBef>
+                <a:spcPct val="20000"/>
+              </a:spcBef>
+              <a:defRPr/>
+            </a:pPr>
+            <a:r>
+              <a:rPr lang="en-US" sz="700" b="1" dirty="0">
+                <a:latin typeface="Courier New" pitchFamily="49" charset="0"/>
+                <a:cs typeface="Courier New" pitchFamily="49" charset="0"/>
+              </a:rPr>
+              <a:t>        &lt;Wire Name="8:L1_h1" </a:t>
+            </a:r>
+            <a:r>
+              <a:rPr lang="en-US" sz="700" b="1" dirty="0" err="1">
+                <a:latin typeface="Courier New" pitchFamily="49" charset="0"/>
+                <a:cs typeface="Courier New" pitchFamily="49" charset="0"/>
+              </a:rPr>
+              <a:t>EndPointFront</a:t>
+            </a:r>
+            <a:r>
+              <a:rPr lang="en-US" sz="700" b="1" dirty="0">
+                <a:latin typeface="Courier New" pitchFamily="49" charset="0"/>
+                <a:cs typeface="Courier New" pitchFamily="49" charset="0"/>
+              </a:rPr>
+              <a:t>="55.0 0.0 20.0" </a:t>
+            </a:r>
+            <a:r>
+              <a:rPr lang="en-US" sz="700" b="1" dirty="0" err="1">
+                <a:latin typeface="Courier New" pitchFamily="49" charset="0"/>
+                <a:cs typeface="Courier New" pitchFamily="49" charset="0"/>
+              </a:rPr>
+              <a:t>EndPointBack</a:t>
+            </a:r>
+            <a:r>
+              <a:rPr lang="en-US" sz="700" b="1" dirty="0">
+                <a:latin typeface="Courier New" pitchFamily="49" charset="0"/>
+                <a:cs typeface="Courier New" pitchFamily="49" charset="0"/>
+              </a:rPr>
+              <a:t>="35.0 40.0 20.0" /&gt;</a:t>
+            </a:r>
+          </a:p>
+          <a:p>
+            <a:pPr marL="53975" lvl="0">
+              <a:spcBef>
+                <a:spcPct val="20000"/>
+              </a:spcBef>
+              <a:defRPr/>
+            </a:pPr>
+            <a:r>
+              <a:rPr lang="en-US" sz="700" b="1" dirty="0">
+                <a:latin typeface="Courier New" pitchFamily="49" charset="0"/>
+                <a:cs typeface="Courier New" pitchFamily="49" charset="0"/>
+              </a:rPr>
+              <a:t>        &lt;Wire Name="9:M1_m1" </a:t>
+            </a:r>
+            <a:r>
+              <a:rPr lang="en-US" sz="700" b="1" dirty="0" err="1">
+                <a:latin typeface="Courier New" pitchFamily="49" charset="0"/>
+                <a:cs typeface="Courier New" pitchFamily="49" charset="0"/>
+              </a:rPr>
+              <a:t>EndPointFront</a:t>
+            </a:r>
+            <a:r>
+              <a:rPr lang="en-US" sz="700" b="1" dirty="0">
+                <a:latin typeface="Courier New" pitchFamily="49" charset="0"/>
+                <a:cs typeface="Courier New" pitchFamily="49" charset="0"/>
+              </a:rPr>
+              <a:t>="60.0 0.0 20.0" </a:t>
+            </a:r>
+            <a:r>
+              <a:rPr lang="en-US" sz="700" b="1" dirty="0" err="1">
+                <a:latin typeface="Courier New" pitchFamily="49" charset="0"/>
+                <a:cs typeface="Courier New" pitchFamily="49" charset="0"/>
+              </a:rPr>
+              <a:t>EndPointBack</a:t>
+            </a:r>
+            <a:r>
+              <a:rPr lang="en-US" sz="700" b="1" dirty="0">
+                <a:latin typeface="Courier New" pitchFamily="49" charset="0"/>
+                <a:cs typeface="Courier New" pitchFamily="49" charset="0"/>
+              </a:rPr>
+              <a:t>="60.0 40.0 20.0" /&gt;</a:t>
+            </a:r>
+          </a:p>
+          <a:p>
+            <a:pPr marL="53975" lvl="0">
+              <a:spcBef>
+                <a:spcPct val="20000"/>
+              </a:spcBef>
+              <a:defRPr/>
+            </a:pPr>
+            <a:r>
+              <a:rPr lang="en-US" sz="700" b="1" dirty="0">
+                <a:latin typeface="Courier New" pitchFamily="49" charset="0"/>
+                <a:cs typeface="Courier New" pitchFamily="49" charset="0"/>
+              </a:rPr>
+              <a:t>      &lt;/Pattern&gt;</a:t>
+            </a:r>
+          </a:p>
+          <a:p>
+            <a:pPr marL="53975" lvl="0">
+              <a:spcBef>
+                <a:spcPct val="20000"/>
+              </a:spcBef>
+              <a:defRPr/>
+            </a:pPr>
+            <a:r>
+              <a:rPr lang="en-US" sz="700" b="1" dirty="0">
+                <a:latin typeface="Courier New" pitchFamily="49" charset="0"/>
+                <a:cs typeface="Courier New" pitchFamily="49" charset="0"/>
+              </a:rPr>
+              <a:t>   </a:t>
+            </a:r>
+            <a:r>
+              <a:rPr lang="en-US" sz="700" b="1" dirty="0" smtClean="0">
+                <a:latin typeface="Courier New" pitchFamily="49" charset="0"/>
+                <a:cs typeface="Courier New" pitchFamily="49" charset="0"/>
+              </a:rPr>
+              <a:t>   </a:t>
+            </a:r>
+            <a:r>
+              <a:rPr lang="en-US" sz="700" b="1" dirty="0">
+                <a:latin typeface="Courier New" pitchFamily="49" charset="0"/>
+                <a:cs typeface="Courier New" pitchFamily="49" charset="0"/>
+              </a:rPr>
+              <a:t>&lt;Pattern Type="</a:t>
+            </a:r>
+            <a:r>
+              <a:rPr lang="en-US" sz="700" b="1" dirty="0" err="1">
+                <a:latin typeface="Courier New" pitchFamily="49" charset="0"/>
+                <a:cs typeface="Courier New" pitchFamily="49" charset="0"/>
+              </a:rPr>
+              <a:t>NWire</a:t>
+            </a:r>
+            <a:r>
+              <a:rPr lang="en-US" sz="700" b="1" dirty="0">
+                <a:latin typeface="Courier New" pitchFamily="49" charset="0"/>
+                <a:cs typeface="Courier New" pitchFamily="49" charset="0"/>
+              </a:rPr>
+              <a:t>"&gt;</a:t>
+            </a:r>
+          </a:p>
+          <a:p>
+            <a:pPr marL="53975" lvl="0">
+              <a:spcBef>
+                <a:spcPct val="20000"/>
+              </a:spcBef>
+              <a:defRPr/>
+            </a:pPr>
+            <a:r>
+              <a:rPr lang="en-US" sz="700" b="1" dirty="0">
+                <a:latin typeface="Courier New" pitchFamily="49" charset="0"/>
+                <a:cs typeface="Courier New" pitchFamily="49" charset="0"/>
+              </a:rPr>
+              <a:t>        &lt;Wire Name="4:G3_g3" </a:t>
+            </a:r>
+            <a:r>
+              <a:rPr lang="en-US" sz="700" b="1" dirty="0" err="1">
+                <a:latin typeface="Courier New" pitchFamily="49" charset="0"/>
+                <a:cs typeface="Courier New" pitchFamily="49" charset="0"/>
+              </a:rPr>
+              <a:t>EndPointFront</a:t>
+            </a:r>
+            <a:r>
+              <a:rPr lang="en-US" sz="700" b="1" dirty="0">
+                <a:latin typeface="Courier New" pitchFamily="49" charset="0"/>
+                <a:cs typeface="Courier New" pitchFamily="49" charset="0"/>
+              </a:rPr>
+              <a:t>="30.0 0.0 10.0" </a:t>
+            </a:r>
+            <a:r>
+              <a:rPr lang="en-US" sz="700" b="1" dirty="0" err="1">
+                <a:latin typeface="Courier New" pitchFamily="49" charset="0"/>
+                <a:cs typeface="Courier New" pitchFamily="49" charset="0"/>
+              </a:rPr>
+              <a:t>EndPointBack</a:t>
+            </a:r>
+            <a:r>
+              <a:rPr lang="en-US" sz="700" b="1" dirty="0">
+                <a:latin typeface="Courier New" pitchFamily="49" charset="0"/>
+                <a:cs typeface="Courier New" pitchFamily="49" charset="0"/>
+              </a:rPr>
+              <a:t>="30.0 40.0 10.0" /&gt;</a:t>
+            </a:r>
+          </a:p>
+          <a:p>
+            <a:pPr marL="53975" lvl="0">
+              <a:spcBef>
+                <a:spcPct val="20000"/>
+              </a:spcBef>
+              <a:defRPr/>
+            </a:pPr>
+            <a:r>
+              <a:rPr lang="en-US" sz="700" b="1" dirty="0">
+                <a:latin typeface="Courier New" pitchFamily="49" charset="0"/>
+                <a:cs typeface="Courier New" pitchFamily="49" charset="0"/>
+              </a:rPr>
+              <a:t>        &lt;Wire Name="5:H3_l3" </a:t>
+            </a:r>
+            <a:r>
+              <a:rPr lang="en-US" sz="700" b="1" dirty="0" err="1">
+                <a:latin typeface="Courier New" pitchFamily="49" charset="0"/>
+                <a:cs typeface="Courier New" pitchFamily="49" charset="0"/>
+              </a:rPr>
+              <a:t>EndPointFront</a:t>
+            </a:r>
+            <a:r>
+              <a:rPr lang="en-US" sz="700" b="1" dirty="0">
+                <a:latin typeface="Courier New" pitchFamily="49" charset="0"/>
+                <a:cs typeface="Courier New" pitchFamily="49" charset="0"/>
+              </a:rPr>
+              <a:t>="35.0 0.0 10.0" </a:t>
+            </a:r>
+            <a:r>
+              <a:rPr lang="en-US" sz="700" b="1" dirty="0" err="1">
+                <a:latin typeface="Courier New" pitchFamily="49" charset="0"/>
+                <a:cs typeface="Courier New" pitchFamily="49" charset="0"/>
+              </a:rPr>
+              <a:t>EndPointBack</a:t>
+            </a:r>
+            <a:r>
+              <a:rPr lang="en-US" sz="700" b="1" dirty="0">
+                <a:latin typeface="Courier New" pitchFamily="49" charset="0"/>
+                <a:cs typeface="Courier New" pitchFamily="49" charset="0"/>
+              </a:rPr>
+              <a:t>="55.0 40.0 10.0" /&gt;</a:t>
+            </a:r>
+          </a:p>
+          <a:p>
+            <a:pPr marL="53975" lvl="0">
+              <a:spcBef>
+                <a:spcPct val="20000"/>
+              </a:spcBef>
+              <a:defRPr/>
+            </a:pPr>
+            <a:r>
+              <a:rPr lang="en-US" sz="700" b="1" dirty="0">
+                <a:latin typeface="Courier New" pitchFamily="49" charset="0"/>
+                <a:cs typeface="Courier New" pitchFamily="49" charset="0"/>
+              </a:rPr>
+              <a:t>        &lt;Wire Name="6:M3_m3" </a:t>
+            </a:r>
+            <a:r>
+              <a:rPr lang="en-US" sz="700" b="1" dirty="0" err="1">
+                <a:latin typeface="Courier New" pitchFamily="49" charset="0"/>
+                <a:cs typeface="Courier New" pitchFamily="49" charset="0"/>
+              </a:rPr>
+              <a:t>EndPointFront</a:t>
+            </a:r>
+            <a:r>
+              <a:rPr lang="en-US" sz="700" b="1" dirty="0">
+                <a:latin typeface="Courier New" pitchFamily="49" charset="0"/>
+                <a:cs typeface="Courier New" pitchFamily="49" charset="0"/>
+              </a:rPr>
+              <a:t>="60.0 0.0 10.0" </a:t>
+            </a:r>
+            <a:r>
+              <a:rPr lang="en-US" sz="700" b="1" dirty="0" err="1">
+                <a:latin typeface="Courier New" pitchFamily="49" charset="0"/>
+                <a:cs typeface="Courier New" pitchFamily="49" charset="0"/>
+              </a:rPr>
+              <a:t>EndPointBack</a:t>
+            </a:r>
+            <a:r>
+              <a:rPr lang="en-US" sz="700" b="1" dirty="0">
+                <a:latin typeface="Courier New" pitchFamily="49" charset="0"/>
+                <a:cs typeface="Courier New" pitchFamily="49" charset="0"/>
+              </a:rPr>
+              <a:t>="60.0 40.0 10.0" /&gt;</a:t>
+            </a:r>
+          </a:p>
+          <a:p>
+            <a:pPr marL="53975" lvl="0">
+              <a:spcBef>
+                <a:spcPct val="20000"/>
+              </a:spcBef>
+              <a:defRPr/>
+            </a:pPr>
+            <a:r>
+              <a:rPr lang="en-US" sz="700" b="1" dirty="0">
+                <a:latin typeface="Courier New" pitchFamily="49" charset="0"/>
+                <a:cs typeface="Courier New" pitchFamily="49" charset="0"/>
+              </a:rPr>
+              <a:t>      &lt;/Pattern&gt;</a:t>
+            </a:r>
+          </a:p>
+          <a:p>
+            <a:pPr marL="53975" lvl="0">
+              <a:spcBef>
+                <a:spcPct val="20000"/>
+              </a:spcBef>
+              <a:defRPr/>
+            </a:pPr>
+            <a:r>
+              <a:rPr lang="en-US" sz="700" b="1" dirty="0">
+                <a:latin typeface="Courier New" pitchFamily="49" charset="0"/>
+                <a:cs typeface="Courier New" pitchFamily="49" charset="0"/>
+              </a:rPr>
+              <a:t>      &lt;Pattern Type="</a:t>
+            </a:r>
+            <a:r>
+              <a:rPr lang="en-US" sz="700" b="1" dirty="0" err="1">
+                <a:latin typeface="Courier New" pitchFamily="49" charset="0"/>
+                <a:cs typeface="Courier New" pitchFamily="49" charset="0"/>
+              </a:rPr>
+              <a:t>NWire</a:t>
+            </a:r>
+            <a:r>
+              <a:rPr lang="en-US" sz="700" b="1" dirty="0">
+                <a:latin typeface="Courier New" pitchFamily="49" charset="0"/>
+                <a:cs typeface="Courier New" pitchFamily="49" charset="0"/>
+              </a:rPr>
+              <a:t>"&gt;</a:t>
+            </a:r>
+          </a:p>
+          <a:p>
+            <a:pPr marL="53975" lvl="0">
+              <a:spcBef>
+                <a:spcPct val="20000"/>
+              </a:spcBef>
+              <a:defRPr/>
+            </a:pPr>
+            <a:r>
+              <a:rPr lang="en-US" sz="700" b="1" dirty="0">
+                <a:latin typeface="Courier New" pitchFamily="49" charset="0"/>
+                <a:cs typeface="Courier New" pitchFamily="49" charset="0"/>
+              </a:rPr>
+              <a:t>        &lt;Wire Name="1:H5_h5" </a:t>
+            </a:r>
+            <a:r>
+              <a:rPr lang="en-US" sz="700" b="1" dirty="0" err="1">
+                <a:latin typeface="Courier New" pitchFamily="49" charset="0"/>
+                <a:cs typeface="Courier New" pitchFamily="49" charset="0"/>
+              </a:rPr>
+              <a:t>EndPointFront</a:t>
+            </a:r>
+            <a:r>
+              <a:rPr lang="en-US" sz="700" b="1" dirty="0">
+                <a:latin typeface="Courier New" pitchFamily="49" charset="0"/>
+                <a:cs typeface="Courier New" pitchFamily="49" charset="0"/>
+              </a:rPr>
+              <a:t>="35.0 0.0 0.0" </a:t>
+            </a:r>
+            <a:r>
+              <a:rPr lang="en-US" sz="700" b="1" dirty="0" err="1">
+                <a:latin typeface="Courier New" pitchFamily="49" charset="0"/>
+                <a:cs typeface="Courier New" pitchFamily="49" charset="0"/>
+              </a:rPr>
+              <a:t>EndPointBack</a:t>
+            </a:r>
+            <a:r>
+              <a:rPr lang="en-US" sz="700" b="1" dirty="0">
+                <a:latin typeface="Courier New" pitchFamily="49" charset="0"/>
+                <a:cs typeface="Courier New" pitchFamily="49" charset="0"/>
+              </a:rPr>
+              <a:t>="35.0 40.0 0.0" /&gt;</a:t>
+            </a:r>
+          </a:p>
+          <a:p>
+            <a:pPr marL="53975" lvl="0">
+              <a:spcBef>
+                <a:spcPct val="20000"/>
+              </a:spcBef>
+              <a:defRPr/>
+            </a:pPr>
+            <a:r>
+              <a:rPr lang="en-US" sz="700" b="1" dirty="0">
+                <a:latin typeface="Courier New" pitchFamily="49" charset="0"/>
+                <a:cs typeface="Courier New" pitchFamily="49" charset="0"/>
+              </a:rPr>
+              <a:t>        &lt;Wire Name="2:L5_i5" </a:t>
+            </a:r>
+            <a:r>
+              <a:rPr lang="en-US" sz="700" b="1" dirty="0" err="1">
+                <a:latin typeface="Courier New" pitchFamily="49" charset="0"/>
+                <a:cs typeface="Courier New" pitchFamily="49" charset="0"/>
+              </a:rPr>
+              <a:t>EndPointFront</a:t>
+            </a:r>
+            <a:r>
+              <a:rPr lang="en-US" sz="700" b="1" dirty="0">
+                <a:latin typeface="Courier New" pitchFamily="49" charset="0"/>
+                <a:cs typeface="Courier New" pitchFamily="49" charset="0"/>
+              </a:rPr>
+              <a:t>="55.0 0.0 0.0" </a:t>
+            </a:r>
+            <a:r>
+              <a:rPr lang="en-US" sz="700" b="1" dirty="0" err="1">
+                <a:latin typeface="Courier New" pitchFamily="49" charset="0"/>
+                <a:cs typeface="Courier New" pitchFamily="49" charset="0"/>
+              </a:rPr>
+              <a:t>EndPointBack</a:t>
+            </a:r>
+            <a:r>
+              <a:rPr lang="en-US" sz="700" b="1" dirty="0">
+                <a:latin typeface="Courier New" pitchFamily="49" charset="0"/>
+                <a:cs typeface="Courier New" pitchFamily="49" charset="0"/>
+              </a:rPr>
+              <a:t>="40.0 40.0 0.0" /&gt;</a:t>
+            </a:r>
+          </a:p>
+          <a:p>
+            <a:pPr marL="53975" lvl="0">
+              <a:spcBef>
+                <a:spcPct val="20000"/>
+              </a:spcBef>
+              <a:defRPr/>
+            </a:pPr>
+            <a:r>
+              <a:rPr lang="en-US" sz="700" b="1" dirty="0">
+                <a:latin typeface="Courier New" pitchFamily="49" charset="0"/>
+                <a:cs typeface="Courier New" pitchFamily="49" charset="0"/>
+              </a:rPr>
+              <a:t>        &lt;Wire Name="3:M5_m5" </a:t>
+            </a:r>
+            <a:r>
+              <a:rPr lang="en-US" sz="700" b="1" dirty="0" err="1">
+                <a:latin typeface="Courier New" pitchFamily="49" charset="0"/>
+                <a:cs typeface="Courier New" pitchFamily="49" charset="0"/>
+              </a:rPr>
+              <a:t>EndPointFront</a:t>
+            </a:r>
+            <a:r>
+              <a:rPr lang="en-US" sz="700" b="1" dirty="0">
+                <a:latin typeface="Courier New" pitchFamily="49" charset="0"/>
+                <a:cs typeface="Courier New" pitchFamily="49" charset="0"/>
+              </a:rPr>
+              <a:t>="60.0 0.0 0.0" </a:t>
+            </a:r>
+            <a:r>
+              <a:rPr lang="en-US" sz="700" b="1" dirty="0" err="1">
+                <a:latin typeface="Courier New" pitchFamily="49" charset="0"/>
+                <a:cs typeface="Courier New" pitchFamily="49" charset="0"/>
+              </a:rPr>
+              <a:t>EndPointBack</a:t>
+            </a:r>
+            <a:r>
+              <a:rPr lang="en-US" sz="700" b="1" dirty="0">
+                <a:latin typeface="Courier New" pitchFamily="49" charset="0"/>
+                <a:cs typeface="Courier New" pitchFamily="49" charset="0"/>
+              </a:rPr>
+              <a:t>="60.0 40.0 0.0" /&gt;</a:t>
+            </a:r>
+          </a:p>
+          <a:p>
+            <a:pPr marL="53975" lvl="0">
+              <a:spcBef>
+                <a:spcPct val="20000"/>
+              </a:spcBef>
+              <a:defRPr/>
+            </a:pPr>
+            <a:r>
+              <a:rPr lang="en-US" sz="700" b="1" dirty="0">
+                <a:latin typeface="Courier New" pitchFamily="49" charset="0"/>
+                <a:cs typeface="Courier New" pitchFamily="49" charset="0"/>
+              </a:rPr>
+              <a:t>      &lt;/Pattern&gt;</a:t>
+            </a:r>
+            <a:endParaRPr kumimoji="0" lang="en-US" sz="700" b="1" i="0" u="none" strike="noStrike" kern="1200" cap="none" spc="0" normalizeH="0" baseline="0" noProof="0" dirty="0" smtClean="0">
+              <a:ln>
+                <a:noFill/>
+              </a:ln>
+              <a:solidFill>
+                <a:schemeClr val="tx1"/>
+              </a:solidFill>
+              <a:effectLst/>
+              <a:uLnTx/>
+              <a:uFillTx/>
+              <a:latin typeface="Courier New" pitchFamily="49" charset="0"/>
+              <a:cs typeface="Courier New" pitchFamily="49" charset="0"/>
+            </a:endParaRPr>
           </a:p>
           <a:p>
             <a:pPr marL="53975" marR="0" lvl="0" indent="0" algn="l" defTabSz="914400" rtl="0" eaLnBrk="1" fontAlgn="auto" latinLnBrk="0" hangingPunct="1">
@@ -4280,20 +4962,22 @@
               <a:tabLst/>
               <a:defRPr/>
             </a:pPr>
-            <a:endParaRPr kumimoji="0" lang="en-US" sz="700" b="1" i="0" u="none" strike="noStrike" kern="1200" cap="none" spc="0" normalizeH="0" baseline="0" noProof="0" dirty="0" smtClean="0">
-              <a:ln>
-                <a:noFill/>
-              </a:ln>
-              <a:solidFill>
-                <a:schemeClr val="tx1"/>
-              </a:solidFill>
-              <a:effectLst/>
-              <a:uLnTx/>
-              <a:uFillTx/>
-              <a:latin typeface="Courier" pitchFamily="49" charset="0"/>
-              <a:ea typeface="+mn-ea"/>
-              <a:cs typeface="+mn-cs"/>
-            </a:endParaRPr>
+            <a:r>
+              <a:rPr kumimoji="0" lang="en-US" sz="700" b="1" i="0" u="none" strike="noStrike" kern="1200" cap="none" spc="0" normalizeH="0" baseline="0" noProof="0" dirty="0" smtClean="0">
+                <a:ln>
+                  <a:noFill/>
+                </a:ln>
+                <a:solidFill>
+                  <a:schemeClr val="tx1"/>
+                </a:solidFill>
+                <a:effectLst/>
+                <a:uLnTx/>
+                <a:uFillTx/>
+                <a:latin typeface="Courier New" pitchFamily="49" charset="0"/>
+                <a:cs typeface="Courier New" pitchFamily="49" charset="0"/>
+              </a:rPr>
+              <a:t>...</a:t>
+            </a:r>
           </a:p>
           <a:p>
             <a:pPr marL="53975" marR="0" lvl="0" indent="0" algn="l" defTabSz="914400" rtl="0" eaLnBrk="1" fontAlgn="auto" latinLnBrk="0" hangingPunct="1">
@@ -4324,1396 +5008,8 @@
                 <a:effectLst/>
                 <a:uLnTx/>
                 <a:uFillTx/>
-                <a:latin typeface="Courier" pitchFamily="49" charset="0"/>
-                <a:ea typeface="+mn-ea"/>
-                <a:cs typeface="+mn-cs"/>
-              </a:rPr>
-              <a:t>&lt;Geometry&gt;</a:t>
-            </a:r>
-            <a:br>
-              <a:rPr kumimoji="0" lang="en-US" sz="700" b="1" i="0" u="none" strike="noStrike" kern="1200" cap="none" spc="0" normalizeH="0" baseline="0" noProof="0" dirty="0" smtClean="0">
-                <a:ln>
-                  <a:noFill/>
-                </a:ln>
-                <a:solidFill>
-                  <a:schemeClr val="tx1"/>
-                </a:solidFill>
-                <a:effectLst/>
-                <a:uLnTx/>
-                <a:uFillTx/>
-                <a:latin typeface="Courier" pitchFamily="49" charset="0"/>
-                <a:ea typeface="+mn-ea"/>
-                <a:cs typeface="+mn-cs"/>
-              </a:rPr>
-            </a:br>
-            <a:r>
-              <a:rPr kumimoji="0" lang="en-US" sz="700" b="1" i="0" u="none" strike="noStrike" kern="1200" cap="none" spc="0" normalizeH="0" baseline="0" noProof="0" dirty="0" smtClean="0">
-                <a:ln>
-                  <a:noFill/>
-                </a:ln>
-                <a:solidFill>
-                  <a:schemeClr val="tx1"/>
-                </a:solidFill>
-                <a:effectLst/>
-                <a:uLnTx/>
-                <a:uFillTx/>
-                <a:latin typeface="Courier" pitchFamily="49" charset="0"/>
-                <a:ea typeface="+mn-ea"/>
-                <a:cs typeface="+mn-cs"/>
-              </a:rPr>
-              <a:t>      &lt;!-- N wire definitions --&gt;</a:t>
-            </a:r>
-            <a:br>
-              <a:rPr kumimoji="0" lang="en-US" sz="700" b="1" i="0" u="none" strike="noStrike" kern="1200" cap="none" spc="0" normalizeH="0" baseline="0" noProof="0" dirty="0" smtClean="0">
-                <a:ln>
-                  <a:noFill/>
-                </a:ln>
-                <a:solidFill>
-                  <a:schemeClr val="tx1"/>
-                </a:solidFill>
-                <a:effectLst/>
-                <a:uLnTx/>
-                <a:uFillTx/>
-                <a:latin typeface="Courier" pitchFamily="49" charset="0"/>
-                <a:ea typeface="+mn-ea"/>
-                <a:cs typeface="+mn-cs"/>
-              </a:rPr>
-            </a:br>
-            <a:r>
-              <a:rPr kumimoji="0" lang="en-US" sz="700" b="1" i="0" u="none" strike="noStrike" kern="1200" cap="none" spc="0" normalizeH="0" baseline="0" noProof="0" dirty="0" smtClean="0">
-                <a:ln>
-                  <a:noFill/>
-                </a:ln>
-                <a:solidFill>
-                  <a:schemeClr val="tx1"/>
-                </a:solidFill>
-                <a:effectLst/>
-                <a:uLnTx/>
-                <a:uFillTx/>
-                <a:latin typeface="Courier" pitchFamily="49" charset="0"/>
-                <a:ea typeface="+mn-ea"/>
-                <a:cs typeface="+mn-cs"/>
-              </a:rPr>
-              <a:t>      &lt;</a:t>
-            </a:r>
-            <a:r>
-              <a:rPr kumimoji="0" lang="en-US" sz="700" b="1" i="0" u="none" strike="noStrike" kern="1200" cap="none" spc="0" normalizeH="0" baseline="0" noProof="0" dirty="0" err="1" smtClean="0">
-                <a:ln>
-                  <a:noFill/>
-                </a:ln>
-                <a:solidFill>
-                  <a:schemeClr val="tx1"/>
-                </a:solidFill>
-                <a:effectLst/>
-                <a:uLnTx/>
-                <a:uFillTx/>
-                <a:latin typeface="Courier" pitchFamily="49" charset="0"/>
-                <a:ea typeface="+mn-ea"/>
-                <a:cs typeface="+mn-cs"/>
-              </a:rPr>
-              <a:t>NWire</a:t>
-            </a:r>
-            <a:r>
-              <a:rPr kumimoji="0" lang="en-US" sz="700" b="1" i="0" u="none" strike="noStrike" kern="1200" cap="none" spc="0" normalizeH="0" baseline="0" noProof="0" dirty="0" smtClean="0">
-                <a:ln>
-                  <a:noFill/>
-                </a:ln>
-                <a:solidFill>
-                  <a:schemeClr val="tx1"/>
-                </a:solidFill>
-                <a:effectLst/>
-                <a:uLnTx/>
-                <a:uFillTx/>
-                <a:latin typeface="Courier" pitchFamily="49" charset="0"/>
-                <a:ea typeface="+mn-ea"/>
-                <a:cs typeface="+mn-cs"/>
-              </a:rPr>
-              <a:t>&gt;</a:t>
-            </a:r>
-            <a:br>
-              <a:rPr kumimoji="0" lang="en-US" sz="700" b="1" i="0" u="none" strike="noStrike" kern="1200" cap="none" spc="0" normalizeH="0" baseline="0" noProof="0" dirty="0" smtClean="0">
-                <a:ln>
-                  <a:noFill/>
-                </a:ln>
-                <a:solidFill>
-                  <a:schemeClr val="tx1"/>
-                </a:solidFill>
-                <a:effectLst/>
-                <a:uLnTx/>
-                <a:uFillTx/>
-                <a:latin typeface="Courier" pitchFamily="49" charset="0"/>
-                <a:ea typeface="+mn-ea"/>
-                <a:cs typeface="+mn-cs"/>
-              </a:rPr>
-            </a:br>
-            <a:r>
-              <a:rPr kumimoji="0" lang="en-US" sz="700" b="1" i="0" u="none" strike="noStrike" kern="1200" cap="none" spc="0" normalizeH="0" baseline="0" noProof="0" dirty="0" smtClean="0">
-                <a:ln>
-                  <a:noFill/>
-                </a:ln>
-                <a:solidFill>
-                  <a:schemeClr val="tx1"/>
-                </a:solidFill>
-                <a:effectLst/>
-                <a:uLnTx/>
-                <a:uFillTx/>
-                <a:latin typeface="Courier" pitchFamily="49" charset="0"/>
-                <a:ea typeface="+mn-ea"/>
-                <a:cs typeface="+mn-cs"/>
-              </a:rPr>
-              <a:t>        &lt;Wire Id="1" Name="E3_e3" </a:t>
-            </a:r>
-            <a:r>
-              <a:rPr kumimoji="0" lang="en-US" sz="700" b="1" i="0" u="none" strike="noStrike" kern="1200" cap="none" spc="0" normalizeH="0" baseline="0" noProof="0" dirty="0" err="1" smtClean="0">
-                <a:ln>
-                  <a:noFill/>
-                </a:ln>
-                <a:solidFill>
-                  <a:schemeClr val="tx1"/>
-                </a:solidFill>
-                <a:effectLst/>
-                <a:uLnTx/>
-                <a:uFillTx/>
-                <a:latin typeface="Courier" pitchFamily="49" charset="0"/>
-                <a:ea typeface="+mn-ea"/>
-                <a:cs typeface="+mn-cs"/>
-              </a:rPr>
-              <a:t>EndPointFront</a:t>
-            </a:r>
-            <a:r>
-              <a:rPr kumimoji="0" lang="en-US" sz="700" b="1" i="0" u="none" strike="noStrike" kern="1200" cap="none" spc="0" normalizeH="0" baseline="0" noProof="0" dirty="0" smtClean="0">
-                <a:ln>
-                  <a:noFill/>
-                </a:ln>
-                <a:solidFill>
-                  <a:schemeClr val="tx1"/>
-                </a:solidFill>
-                <a:effectLst/>
-                <a:uLnTx/>
-                <a:uFillTx/>
-                <a:latin typeface="Courier" pitchFamily="49" charset="0"/>
-                <a:ea typeface="+mn-ea"/>
-                <a:cs typeface="+mn-cs"/>
-              </a:rPr>
-              <a:t>="</a:t>
-            </a:r>
-            <a:r>
-              <a:rPr kumimoji="0" lang="en-US" sz="700" b="1" i="0" u="none" strike="noStrike" kern="1200" cap="none" spc="0" normalizeH="0" baseline="0" noProof="0" dirty="0" smtClean="0">
-                <a:ln>
-                  <a:noFill/>
-                </a:ln>
-                <a:solidFill>
-                  <a:srgbClr val="0070C0"/>
-                </a:solidFill>
-                <a:effectLst/>
-                <a:uLnTx/>
-                <a:uFillTx/>
-                <a:latin typeface="Courier" pitchFamily="49" charset="0"/>
-                <a:ea typeface="+mn-ea"/>
-                <a:cs typeface="+mn-cs"/>
-              </a:rPr>
-              <a:t>20.0 0.0 5.0</a:t>
-            </a:r>
-            <a:r>
-              <a:rPr kumimoji="0" lang="en-US" sz="700" b="1" i="0" u="none" strike="noStrike" kern="1200" cap="none" spc="0" normalizeH="0" baseline="0" noProof="0" dirty="0" smtClean="0">
-                <a:ln>
-                  <a:noFill/>
-                </a:ln>
-                <a:solidFill>
-                  <a:schemeClr val="tx1"/>
-                </a:solidFill>
-                <a:effectLst/>
-                <a:uLnTx/>
-                <a:uFillTx/>
-                <a:latin typeface="Courier" pitchFamily="49" charset="0"/>
-                <a:ea typeface="+mn-ea"/>
-                <a:cs typeface="+mn-cs"/>
-              </a:rPr>
-              <a:t>" </a:t>
-            </a:r>
-            <a:r>
-              <a:rPr kumimoji="0" lang="en-US" sz="700" b="1" i="0" u="none" strike="noStrike" kern="1200" cap="none" spc="0" normalizeH="0" baseline="0" noProof="0" dirty="0" err="1" smtClean="0">
-                <a:ln>
-                  <a:noFill/>
-                </a:ln>
-                <a:solidFill>
-                  <a:schemeClr val="tx1"/>
-                </a:solidFill>
-                <a:effectLst/>
-                <a:uLnTx/>
-                <a:uFillTx/>
-                <a:latin typeface="Courier" pitchFamily="49" charset="0"/>
-                <a:ea typeface="+mn-ea"/>
-                <a:cs typeface="+mn-cs"/>
-              </a:rPr>
-              <a:t>EndPointBack</a:t>
-            </a:r>
-            <a:r>
-              <a:rPr kumimoji="0" lang="en-US" sz="700" b="1" i="0" u="none" strike="noStrike" kern="1200" cap="none" spc="0" normalizeH="0" baseline="0" noProof="0" dirty="0" smtClean="0">
-                <a:ln>
-                  <a:noFill/>
-                </a:ln>
-                <a:solidFill>
-                  <a:schemeClr val="tx1"/>
-                </a:solidFill>
-                <a:effectLst/>
-                <a:uLnTx/>
-                <a:uFillTx/>
-                <a:latin typeface="Courier" pitchFamily="49" charset="0"/>
-                <a:ea typeface="+mn-ea"/>
-                <a:cs typeface="+mn-cs"/>
-              </a:rPr>
-              <a:t>="</a:t>
-            </a:r>
-            <a:r>
-              <a:rPr kumimoji="0" lang="en-US" sz="700" b="1" i="0" u="none" strike="noStrike" kern="1200" cap="none" spc="0" normalizeH="0" baseline="0" noProof="0" dirty="0" smtClean="0">
-                <a:ln>
-                  <a:noFill/>
-                </a:ln>
-                <a:solidFill>
-                  <a:srgbClr val="0070C0"/>
-                </a:solidFill>
-                <a:effectLst/>
-                <a:uLnTx/>
-                <a:uFillTx/>
-                <a:latin typeface="Courier" pitchFamily="49" charset="0"/>
-                <a:ea typeface="+mn-ea"/>
-                <a:cs typeface="+mn-cs"/>
-              </a:rPr>
-              <a:t>20.0 40.0 5.0</a:t>
-            </a:r>
-            <a:r>
-              <a:rPr kumimoji="0" lang="en-US" sz="700" b="1" i="0" u="none" strike="noStrike" kern="1200" cap="none" spc="0" normalizeH="0" baseline="0" noProof="0" dirty="0" smtClean="0">
-                <a:ln>
-                  <a:noFill/>
-                </a:ln>
-                <a:solidFill>
-                  <a:schemeClr val="tx1"/>
-                </a:solidFill>
-                <a:effectLst/>
-                <a:uLnTx/>
-                <a:uFillTx/>
-                <a:latin typeface="Courier" pitchFamily="49" charset="0"/>
-                <a:ea typeface="+mn-ea"/>
-                <a:cs typeface="+mn-cs"/>
-              </a:rPr>
-              <a:t>" /&gt;</a:t>
-            </a:r>
-            <a:br>
-              <a:rPr kumimoji="0" lang="en-US" sz="700" b="1" i="0" u="none" strike="noStrike" kern="1200" cap="none" spc="0" normalizeH="0" baseline="0" noProof="0" dirty="0" smtClean="0">
-                <a:ln>
-                  <a:noFill/>
-                </a:ln>
-                <a:solidFill>
-                  <a:schemeClr val="tx1"/>
-                </a:solidFill>
-                <a:effectLst/>
-                <a:uLnTx/>
-                <a:uFillTx/>
-                <a:latin typeface="Courier" pitchFamily="49" charset="0"/>
-                <a:ea typeface="+mn-ea"/>
-                <a:cs typeface="+mn-cs"/>
-              </a:rPr>
-            </a:br>
-            <a:r>
-              <a:rPr kumimoji="0" lang="en-US" sz="700" b="1" i="0" u="none" strike="noStrike" kern="1200" cap="none" spc="0" normalizeH="0" baseline="0" noProof="0" dirty="0" smtClean="0">
-                <a:ln>
-                  <a:noFill/>
-                </a:ln>
-                <a:solidFill>
-                  <a:schemeClr val="tx1"/>
-                </a:solidFill>
-                <a:effectLst/>
-                <a:uLnTx/>
-                <a:uFillTx/>
-                <a:latin typeface="Courier" pitchFamily="49" charset="0"/>
-                <a:ea typeface="+mn-ea"/>
-                <a:cs typeface="+mn-cs"/>
-              </a:rPr>
-              <a:t>        &lt;Wire Id="2" Name="F3_j3" </a:t>
-            </a:r>
-            <a:r>
-              <a:rPr kumimoji="0" lang="en-US" sz="700" b="1" i="0" u="none" strike="noStrike" kern="1200" cap="none" spc="0" normalizeH="0" baseline="0" noProof="0" dirty="0" err="1" smtClean="0">
-                <a:ln>
-                  <a:noFill/>
-                </a:ln>
-                <a:solidFill>
-                  <a:schemeClr val="tx1"/>
-                </a:solidFill>
-                <a:effectLst/>
-                <a:uLnTx/>
-                <a:uFillTx/>
-                <a:latin typeface="Courier" pitchFamily="49" charset="0"/>
-                <a:ea typeface="+mn-ea"/>
-                <a:cs typeface="+mn-cs"/>
-              </a:rPr>
-              <a:t>EndPointFront</a:t>
-            </a:r>
-            <a:r>
-              <a:rPr kumimoji="0" lang="en-US" sz="700" b="1" i="0" u="none" strike="noStrike" kern="1200" cap="none" spc="0" normalizeH="0" baseline="0" noProof="0" dirty="0" smtClean="0">
-                <a:ln>
-                  <a:noFill/>
-                </a:ln>
-                <a:solidFill>
-                  <a:schemeClr val="tx1"/>
-                </a:solidFill>
-                <a:effectLst/>
-                <a:uLnTx/>
-                <a:uFillTx/>
-                <a:latin typeface="Courier" pitchFamily="49" charset="0"/>
-                <a:ea typeface="+mn-ea"/>
-                <a:cs typeface="+mn-cs"/>
-              </a:rPr>
-              <a:t>="</a:t>
-            </a:r>
-            <a:r>
-              <a:rPr kumimoji="0" lang="en-US" sz="700" b="1" i="0" u="none" strike="noStrike" kern="1200" cap="none" spc="0" normalizeH="0" baseline="0" noProof="0" dirty="0" smtClean="0">
-                <a:ln>
-                  <a:noFill/>
-                </a:ln>
-                <a:solidFill>
-                  <a:srgbClr val="0070C0"/>
-                </a:solidFill>
-                <a:effectLst/>
-                <a:uLnTx/>
-                <a:uFillTx/>
-                <a:latin typeface="Courier" pitchFamily="49" charset="0"/>
-                <a:ea typeface="+mn-ea"/>
-                <a:cs typeface="+mn-cs"/>
-              </a:rPr>
-              <a:t>25.0 0.0 5.0</a:t>
-            </a:r>
-            <a:r>
-              <a:rPr kumimoji="0" lang="en-US" sz="700" b="1" i="0" u="none" strike="noStrike" kern="1200" cap="none" spc="0" normalizeH="0" baseline="0" noProof="0" dirty="0" smtClean="0">
-                <a:ln>
-                  <a:noFill/>
-                </a:ln>
-                <a:solidFill>
-                  <a:schemeClr val="tx1"/>
-                </a:solidFill>
-                <a:effectLst/>
-                <a:uLnTx/>
-                <a:uFillTx/>
-                <a:latin typeface="Courier" pitchFamily="49" charset="0"/>
-                <a:ea typeface="+mn-ea"/>
-                <a:cs typeface="+mn-cs"/>
-              </a:rPr>
-              <a:t>" </a:t>
-            </a:r>
-            <a:r>
-              <a:rPr kumimoji="0" lang="en-US" sz="700" b="1" i="0" u="none" strike="noStrike" kern="1200" cap="none" spc="0" normalizeH="0" baseline="0" noProof="0" dirty="0" err="1" smtClean="0">
-                <a:ln>
-                  <a:noFill/>
-                </a:ln>
-                <a:solidFill>
-                  <a:schemeClr val="tx1"/>
-                </a:solidFill>
-                <a:effectLst/>
-                <a:uLnTx/>
-                <a:uFillTx/>
-                <a:latin typeface="Courier" pitchFamily="49" charset="0"/>
-                <a:ea typeface="+mn-ea"/>
-                <a:cs typeface="+mn-cs"/>
-              </a:rPr>
-              <a:t>EndPointBack</a:t>
-            </a:r>
-            <a:r>
-              <a:rPr kumimoji="0" lang="en-US" sz="700" b="1" i="0" u="none" strike="noStrike" kern="1200" cap="none" spc="0" normalizeH="0" baseline="0" noProof="0" dirty="0" smtClean="0">
-                <a:ln>
-                  <a:noFill/>
-                </a:ln>
-                <a:solidFill>
-                  <a:schemeClr val="tx1"/>
-                </a:solidFill>
-                <a:effectLst/>
-                <a:uLnTx/>
-                <a:uFillTx/>
-                <a:latin typeface="Courier" pitchFamily="49" charset="0"/>
-                <a:ea typeface="+mn-ea"/>
-                <a:cs typeface="+mn-cs"/>
-              </a:rPr>
-              <a:t>="</a:t>
-            </a:r>
-            <a:r>
-              <a:rPr kumimoji="0" lang="en-US" sz="700" b="1" i="0" u="none" strike="noStrike" kern="1200" cap="none" spc="0" normalizeH="0" baseline="0" noProof="0" dirty="0" smtClean="0">
-                <a:ln>
-                  <a:noFill/>
-                </a:ln>
-                <a:solidFill>
-                  <a:srgbClr val="0070C0"/>
-                </a:solidFill>
-                <a:effectLst/>
-                <a:uLnTx/>
-                <a:uFillTx/>
-                <a:latin typeface="Courier" pitchFamily="49" charset="0"/>
-                <a:ea typeface="+mn-ea"/>
-                <a:cs typeface="+mn-cs"/>
-              </a:rPr>
-              <a:t>45.0 40.0 5.0</a:t>
-            </a:r>
-            <a:r>
-              <a:rPr kumimoji="0" lang="en-US" sz="700" b="1" i="0" u="none" strike="noStrike" kern="1200" cap="none" spc="0" normalizeH="0" baseline="0" noProof="0" dirty="0" smtClean="0">
-                <a:ln>
-                  <a:noFill/>
-                </a:ln>
-                <a:solidFill>
-                  <a:schemeClr val="tx1"/>
-                </a:solidFill>
-                <a:effectLst/>
-                <a:uLnTx/>
-                <a:uFillTx/>
-                <a:latin typeface="Courier" pitchFamily="49" charset="0"/>
-                <a:ea typeface="+mn-ea"/>
-                <a:cs typeface="+mn-cs"/>
-              </a:rPr>
-              <a:t>" /&gt;</a:t>
-            </a:r>
-            <a:br>
-              <a:rPr kumimoji="0" lang="en-US" sz="700" b="1" i="0" u="none" strike="noStrike" kern="1200" cap="none" spc="0" normalizeH="0" baseline="0" noProof="0" dirty="0" smtClean="0">
-                <a:ln>
-                  <a:noFill/>
-                </a:ln>
-                <a:solidFill>
-                  <a:schemeClr val="tx1"/>
-                </a:solidFill>
-                <a:effectLst/>
-                <a:uLnTx/>
-                <a:uFillTx/>
-                <a:latin typeface="Courier" pitchFamily="49" charset="0"/>
-                <a:ea typeface="+mn-ea"/>
-                <a:cs typeface="+mn-cs"/>
-              </a:rPr>
-            </a:br>
-            <a:r>
-              <a:rPr kumimoji="0" lang="en-US" sz="700" b="1" i="0" u="none" strike="noStrike" kern="1200" cap="none" spc="0" normalizeH="0" baseline="0" noProof="0" dirty="0" smtClean="0">
-                <a:ln>
-                  <a:noFill/>
-                </a:ln>
-                <a:solidFill>
-                  <a:schemeClr val="tx1"/>
-                </a:solidFill>
-                <a:effectLst/>
-                <a:uLnTx/>
-                <a:uFillTx/>
-                <a:latin typeface="Courier" pitchFamily="49" charset="0"/>
-                <a:ea typeface="+mn-ea"/>
-                <a:cs typeface="+mn-cs"/>
-              </a:rPr>
-              <a:t>        &lt;Wire Id="3" Name="K3_k3" </a:t>
-            </a:r>
-            <a:r>
-              <a:rPr kumimoji="0" lang="en-US" sz="700" b="1" i="0" u="none" strike="noStrike" kern="1200" cap="none" spc="0" normalizeH="0" baseline="0" noProof="0" dirty="0" err="1" smtClean="0">
-                <a:ln>
-                  <a:noFill/>
-                </a:ln>
-                <a:solidFill>
-                  <a:schemeClr val="tx1"/>
-                </a:solidFill>
-                <a:effectLst/>
-                <a:uLnTx/>
-                <a:uFillTx/>
-                <a:latin typeface="Courier" pitchFamily="49" charset="0"/>
-                <a:ea typeface="+mn-ea"/>
-                <a:cs typeface="+mn-cs"/>
-              </a:rPr>
-              <a:t>EndPointFront</a:t>
-            </a:r>
-            <a:r>
-              <a:rPr kumimoji="0" lang="en-US" sz="700" b="1" i="0" u="none" strike="noStrike" kern="1200" cap="none" spc="0" normalizeH="0" baseline="0" noProof="0" dirty="0" smtClean="0">
-                <a:ln>
-                  <a:noFill/>
-                </a:ln>
-                <a:solidFill>
-                  <a:schemeClr val="tx1"/>
-                </a:solidFill>
-                <a:effectLst/>
-                <a:uLnTx/>
-                <a:uFillTx/>
-                <a:latin typeface="Courier" pitchFamily="49" charset="0"/>
-                <a:ea typeface="+mn-ea"/>
-                <a:cs typeface="+mn-cs"/>
-              </a:rPr>
-              <a:t>="</a:t>
-            </a:r>
-            <a:r>
-              <a:rPr kumimoji="0" lang="en-US" sz="700" b="1" i="0" u="none" strike="noStrike" kern="1200" cap="none" spc="0" normalizeH="0" baseline="0" noProof="0" dirty="0" smtClean="0">
-                <a:ln>
-                  <a:noFill/>
-                </a:ln>
-                <a:solidFill>
-                  <a:srgbClr val="0070C0"/>
-                </a:solidFill>
-                <a:effectLst/>
-                <a:uLnTx/>
-                <a:uFillTx/>
-                <a:latin typeface="Courier" pitchFamily="49" charset="0"/>
-                <a:ea typeface="+mn-ea"/>
-                <a:cs typeface="+mn-cs"/>
-              </a:rPr>
-              <a:t>50.0 0.0 5.0</a:t>
-            </a:r>
-            <a:r>
-              <a:rPr kumimoji="0" lang="en-US" sz="700" b="1" i="0" u="none" strike="noStrike" kern="1200" cap="none" spc="0" normalizeH="0" baseline="0" noProof="0" dirty="0" smtClean="0">
-                <a:ln>
-                  <a:noFill/>
-                </a:ln>
-                <a:solidFill>
-                  <a:schemeClr val="tx1"/>
-                </a:solidFill>
-                <a:effectLst/>
-                <a:uLnTx/>
-                <a:uFillTx/>
-                <a:latin typeface="Courier" pitchFamily="49" charset="0"/>
-                <a:ea typeface="+mn-ea"/>
-                <a:cs typeface="+mn-cs"/>
-              </a:rPr>
-              <a:t>" </a:t>
-            </a:r>
-            <a:r>
-              <a:rPr kumimoji="0" lang="en-US" sz="700" b="1" i="0" u="none" strike="noStrike" kern="1200" cap="none" spc="0" normalizeH="0" baseline="0" noProof="0" dirty="0" err="1" smtClean="0">
-                <a:ln>
-                  <a:noFill/>
-                </a:ln>
-                <a:solidFill>
-                  <a:schemeClr val="tx1"/>
-                </a:solidFill>
-                <a:effectLst/>
-                <a:uLnTx/>
-                <a:uFillTx/>
-                <a:latin typeface="Courier" pitchFamily="49" charset="0"/>
-                <a:ea typeface="+mn-ea"/>
-                <a:cs typeface="+mn-cs"/>
-              </a:rPr>
-              <a:t>EndPointBack</a:t>
-            </a:r>
-            <a:r>
-              <a:rPr kumimoji="0" lang="en-US" sz="700" b="1" i="0" u="none" strike="noStrike" kern="1200" cap="none" spc="0" normalizeH="0" baseline="0" noProof="0" dirty="0" smtClean="0">
-                <a:ln>
-                  <a:noFill/>
-                </a:ln>
-                <a:solidFill>
-                  <a:schemeClr val="tx1"/>
-                </a:solidFill>
-                <a:effectLst/>
-                <a:uLnTx/>
-                <a:uFillTx/>
-                <a:latin typeface="Courier" pitchFamily="49" charset="0"/>
-                <a:ea typeface="+mn-ea"/>
-                <a:cs typeface="+mn-cs"/>
-              </a:rPr>
-              <a:t>="</a:t>
-            </a:r>
-            <a:r>
-              <a:rPr kumimoji="0" lang="en-US" sz="700" b="1" i="0" u="none" strike="noStrike" kern="1200" cap="none" spc="0" normalizeH="0" baseline="0" noProof="0" dirty="0" smtClean="0">
-                <a:ln>
-                  <a:noFill/>
-                </a:ln>
-                <a:solidFill>
-                  <a:srgbClr val="0070C0"/>
-                </a:solidFill>
-                <a:effectLst/>
-                <a:uLnTx/>
-                <a:uFillTx/>
-                <a:latin typeface="Courier" pitchFamily="49" charset="0"/>
-                <a:ea typeface="+mn-ea"/>
-                <a:cs typeface="+mn-cs"/>
-              </a:rPr>
-              <a:t>50.0 40.0 5.0</a:t>
-            </a:r>
-            <a:r>
-              <a:rPr kumimoji="0" lang="en-US" sz="700" b="1" i="0" u="none" strike="noStrike" kern="1200" cap="none" spc="0" normalizeH="0" baseline="0" noProof="0" dirty="0" smtClean="0">
-                <a:ln>
-                  <a:noFill/>
-                </a:ln>
-                <a:solidFill>
-                  <a:schemeClr val="tx1"/>
-                </a:solidFill>
-                <a:effectLst/>
-                <a:uLnTx/>
-                <a:uFillTx/>
-                <a:latin typeface="Courier" pitchFamily="49" charset="0"/>
-                <a:ea typeface="+mn-ea"/>
-                <a:cs typeface="+mn-cs"/>
-              </a:rPr>
-              <a:t>" /&gt;</a:t>
-            </a:r>
-            <a:br>
-              <a:rPr kumimoji="0" lang="en-US" sz="700" b="1" i="0" u="none" strike="noStrike" kern="1200" cap="none" spc="0" normalizeH="0" baseline="0" noProof="0" dirty="0" smtClean="0">
-                <a:ln>
-                  <a:noFill/>
-                </a:ln>
-                <a:solidFill>
-                  <a:schemeClr val="tx1"/>
-                </a:solidFill>
-                <a:effectLst/>
-                <a:uLnTx/>
-                <a:uFillTx/>
-                <a:latin typeface="Courier" pitchFamily="49" charset="0"/>
-                <a:ea typeface="+mn-ea"/>
-                <a:cs typeface="+mn-cs"/>
-              </a:rPr>
-            </a:br>
-            <a:r>
-              <a:rPr kumimoji="0" lang="en-US" sz="700" b="1" i="0" u="none" strike="noStrike" kern="1200" cap="none" spc="0" normalizeH="0" baseline="0" noProof="0" dirty="0" smtClean="0">
-                <a:ln>
-                  <a:noFill/>
-                </a:ln>
-                <a:solidFill>
-                  <a:schemeClr val="tx1"/>
-                </a:solidFill>
-                <a:effectLst/>
-                <a:uLnTx/>
-                <a:uFillTx/>
-                <a:latin typeface="Courier" pitchFamily="49" charset="0"/>
-                <a:ea typeface="+mn-ea"/>
-                <a:cs typeface="+mn-cs"/>
-              </a:rPr>
-              <a:t>      &lt;/</a:t>
-            </a:r>
-            <a:r>
-              <a:rPr kumimoji="0" lang="en-US" sz="700" b="1" i="0" u="none" strike="noStrike" kern="1200" cap="none" spc="0" normalizeH="0" baseline="0" noProof="0" dirty="0" err="1" smtClean="0">
-                <a:ln>
-                  <a:noFill/>
-                </a:ln>
-                <a:solidFill>
-                  <a:schemeClr val="tx1"/>
-                </a:solidFill>
-                <a:effectLst/>
-                <a:uLnTx/>
-                <a:uFillTx/>
-                <a:latin typeface="Courier" pitchFamily="49" charset="0"/>
-                <a:ea typeface="+mn-ea"/>
-                <a:cs typeface="+mn-cs"/>
-              </a:rPr>
-              <a:t>NWire</a:t>
-            </a:r>
-            <a:r>
-              <a:rPr kumimoji="0" lang="en-US" sz="700" b="1" i="0" u="none" strike="noStrike" kern="1200" cap="none" spc="0" normalizeH="0" baseline="0" noProof="0" dirty="0" smtClean="0">
-                <a:ln>
-                  <a:noFill/>
-                </a:ln>
-                <a:solidFill>
-                  <a:schemeClr val="tx1"/>
-                </a:solidFill>
-                <a:effectLst/>
-                <a:uLnTx/>
-                <a:uFillTx/>
-                <a:latin typeface="Courier" pitchFamily="49" charset="0"/>
-                <a:ea typeface="+mn-ea"/>
-                <a:cs typeface="+mn-cs"/>
-              </a:rPr>
-              <a:t>&gt;</a:t>
-            </a:r>
-            <a:br>
-              <a:rPr kumimoji="0" lang="en-US" sz="700" b="1" i="0" u="none" strike="noStrike" kern="1200" cap="none" spc="0" normalizeH="0" baseline="0" noProof="0" dirty="0" smtClean="0">
-                <a:ln>
-                  <a:noFill/>
-                </a:ln>
-                <a:solidFill>
-                  <a:schemeClr val="tx1"/>
-                </a:solidFill>
-                <a:effectLst/>
-                <a:uLnTx/>
-                <a:uFillTx/>
-                <a:latin typeface="Courier" pitchFamily="49" charset="0"/>
-                <a:ea typeface="+mn-ea"/>
-                <a:cs typeface="+mn-cs"/>
-              </a:rPr>
-            </a:br>
-            <a:r>
-              <a:rPr kumimoji="0" lang="en-US" sz="700" b="1" i="0" u="none" strike="noStrike" kern="1200" cap="none" spc="0" normalizeH="0" baseline="0" noProof="0" dirty="0" smtClean="0">
-                <a:ln>
-                  <a:noFill/>
-                </a:ln>
-                <a:solidFill>
-                  <a:schemeClr val="tx1"/>
-                </a:solidFill>
-                <a:effectLst/>
-                <a:uLnTx/>
-                <a:uFillTx/>
-                <a:latin typeface="Courier" pitchFamily="49" charset="0"/>
-                <a:ea typeface="+mn-ea"/>
-                <a:cs typeface="+mn-cs"/>
-              </a:rPr>
-              <a:t>      &lt;</a:t>
-            </a:r>
-            <a:r>
-              <a:rPr kumimoji="0" lang="en-US" sz="700" b="1" i="0" u="none" strike="noStrike" kern="1200" cap="none" spc="0" normalizeH="0" baseline="0" noProof="0" dirty="0" err="1" smtClean="0">
-                <a:ln>
-                  <a:noFill/>
-                </a:ln>
-                <a:solidFill>
-                  <a:schemeClr val="tx1"/>
-                </a:solidFill>
-                <a:effectLst/>
-                <a:uLnTx/>
-                <a:uFillTx/>
-                <a:latin typeface="Courier" pitchFamily="49" charset="0"/>
-                <a:ea typeface="+mn-ea"/>
-                <a:cs typeface="+mn-cs"/>
-              </a:rPr>
-              <a:t>NWire</a:t>
-            </a:r>
-            <a:r>
-              <a:rPr kumimoji="0" lang="en-US" sz="700" b="1" i="0" u="none" strike="noStrike" kern="1200" cap="none" spc="0" normalizeH="0" baseline="0" noProof="0" dirty="0" smtClean="0">
-                <a:ln>
-                  <a:noFill/>
-                </a:ln>
-                <a:solidFill>
-                  <a:schemeClr val="tx1"/>
-                </a:solidFill>
-                <a:effectLst/>
-                <a:uLnTx/>
-                <a:uFillTx/>
-                <a:latin typeface="Courier" pitchFamily="49" charset="0"/>
-                <a:ea typeface="+mn-ea"/>
-                <a:cs typeface="+mn-cs"/>
-              </a:rPr>
-              <a:t>&gt;</a:t>
-            </a:r>
-            <a:br>
-              <a:rPr kumimoji="0" lang="en-US" sz="700" b="1" i="0" u="none" strike="noStrike" kern="1200" cap="none" spc="0" normalizeH="0" baseline="0" noProof="0" dirty="0" smtClean="0">
-                <a:ln>
-                  <a:noFill/>
-                </a:ln>
-                <a:solidFill>
-                  <a:schemeClr val="tx1"/>
-                </a:solidFill>
-                <a:effectLst/>
-                <a:uLnTx/>
-                <a:uFillTx/>
-                <a:latin typeface="Courier" pitchFamily="49" charset="0"/>
-                <a:ea typeface="+mn-ea"/>
-                <a:cs typeface="+mn-cs"/>
-              </a:rPr>
-            </a:br>
-            <a:r>
-              <a:rPr kumimoji="0" lang="en-US" sz="700" b="1" i="0" u="none" strike="noStrike" kern="1200" cap="none" spc="0" normalizeH="0" baseline="0" noProof="0" dirty="0" smtClean="0">
-                <a:ln>
-                  <a:noFill/>
-                </a:ln>
-                <a:solidFill>
-                  <a:schemeClr val="tx1"/>
-                </a:solidFill>
-                <a:effectLst/>
-                <a:uLnTx/>
-                <a:uFillTx/>
-                <a:latin typeface="Courier" pitchFamily="49" charset="0"/>
-                <a:ea typeface="+mn-ea"/>
-                <a:cs typeface="+mn-cs"/>
-              </a:rPr>
-              <a:t>        &lt;Wire Id="4" Name="E4_e4" </a:t>
-            </a:r>
-            <a:r>
-              <a:rPr kumimoji="0" lang="en-US" sz="700" b="1" i="0" u="none" strike="noStrike" kern="1200" cap="none" spc="0" normalizeH="0" baseline="0" noProof="0" dirty="0" err="1" smtClean="0">
-                <a:ln>
-                  <a:noFill/>
-                </a:ln>
-                <a:solidFill>
-                  <a:schemeClr val="tx1"/>
-                </a:solidFill>
-                <a:effectLst/>
-                <a:uLnTx/>
-                <a:uFillTx/>
-                <a:latin typeface="Courier" pitchFamily="49" charset="0"/>
-                <a:ea typeface="+mn-ea"/>
-                <a:cs typeface="+mn-cs"/>
-              </a:rPr>
-              <a:t>EndPointFront</a:t>
-            </a:r>
-            <a:r>
-              <a:rPr kumimoji="0" lang="en-US" sz="700" b="1" i="0" u="none" strike="noStrike" kern="1200" cap="none" spc="0" normalizeH="0" baseline="0" noProof="0" dirty="0" smtClean="0">
-                <a:ln>
-                  <a:noFill/>
-                </a:ln>
-                <a:solidFill>
-                  <a:schemeClr val="tx1"/>
-                </a:solidFill>
-                <a:effectLst/>
-                <a:uLnTx/>
-                <a:uFillTx/>
-                <a:latin typeface="Courier" pitchFamily="49" charset="0"/>
-                <a:ea typeface="+mn-ea"/>
-                <a:cs typeface="+mn-cs"/>
-              </a:rPr>
-              <a:t>="</a:t>
-            </a:r>
-            <a:r>
-              <a:rPr kumimoji="0" lang="en-US" sz="700" b="1" i="0" u="none" strike="noStrike" kern="1200" cap="none" spc="0" normalizeH="0" baseline="0" noProof="0" dirty="0" smtClean="0">
-                <a:ln>
-                  <a:noFill/>
-                </a:ln>
-                <a:solidFill>
-                  <a:srgbClr val="0070C0"/>
-                </a:solidFill>
-                <a:effectLst/>
-                <a:uLnTx/>
-                <a:uFillTx/>
-                <a:latin typeface="Courier" pitchFamily="49" charset="0"/>
-                <a:ea typeface="+mn-ea"/>
-                <a:cs typeface="+mn-cs"/>
-              </a:rPr>
-              <a:t>20.0 0.0 0.0</a:t>
-            </a:r>
-            <a:r>
-              <a:rPr kumimoji="0" lang="en-US" sz="700" b="1" i="0" u="none" strike="noStrike" kern="1200" cap="none" spc="0" normalizeH="0" baseline="0" noProof="0" dirty="0" smtClean="0">
-                <a:ln>
-                  <a:noFill/>
-                </a:ln>
-                <a:solidFill>
-                  <a:schemeClr val="tx1"/>
-                </a:solidFill>
-                <a:effectLst/>
-                <a:uLnTx/>
-                <a:uFillTx/>
-                <a:latin typeface="Courier" pitchFamily="49" charset="0"/>
-                <a:ea typeface="+mn-ea"/>
-                <a:cs typeface="+mn-cs"/>
-              </a:rPr>
-              <a:t>" </a:t>
-            </a:r>
-            <a:r>
-              <a:rPr kumimoji="0" lang="en-US" sz="700" b="1" i="0" u="none" strike="noStrike" kern="1200" cap="none" spc="0" normalizeH="0" baseline="0" noProof="0" dirty="0" err="1" smtClean="0">
-                <a:ln>
-                  <a:noFill/>
-                </a:ln>
-                <a:solidFill>
-                  <a:schemeClr val="tx1"/>
-                </a:solidFill>
-                <a:effectLst/>
-                <a:uLnTx/>
-                <a:uFillTx/>
-                <a:latin typeface="Courier" pitchFamily="49" charset="0"/>
-                <a:ea typeface="+mn-ea"/>
-                <a:cs typeface="+mn-cs"/>
-              </a:rPr>
-              <a:t>EndPointBack</a:t>
-            </a:r>
-            <a:r>
-              <a:rPr kumimoji="0" lang="en-US" sz="700" b="1" i="0" u="none" strike="noStrike" kern="1200" cap="none" spc="0" normalizeH="0" baseline="0" noProof="0" dirty="0" smtClean="0">
-                <a:ln>
-                  <a:noFill/>
-                </a:ln>
-                <a:solidFill>
-                  <a:schemeClr val="tx1"/>
-                </a:solidFill>
-                <a:effectLst/>
-                <a:uLnTx/>
-                <a:uFillTx/>
-                <a:latin typeface="Courier" pitchFamily="49" charset="0"/>
-                <a:ea typeface="+mn-ea"/>
-                <a:cs typeface="+mn-cs"/>
-              </a:rPr>
-              <a:t>="</a:t>
-            </a:r>
-            <a:r>
-              <a:rPr kumimoji="0" lang="en-US" sz="700" b="1" i="0" u="none" strike="noStrike" kern="1200" cap="none" spc="0" normalizeH="0" baseline="0" noProof="0" dirty="0" smtClean="0">
-                <a:ln>
-                  <a:noFill/>
-                </a:ln>
-                <a:solidFill>
-                  <a:srgbClr val="0070C0"/>
-                </a:solidFill>
-                <a:effectLst/>
-                <a:uLnTx/>
-                <a:uFillTx/>
-                <a:latin typeface="Courier" pitchFamily="49" charset="0"/>
-                <a:ea typeface="+mn-ea"/>
-                <a:cs typeface="+mn-cs"/>
-              </a:rPr>
-              <a:t>20.0 40.0 0.0</a:t>
-            </a:r>
-            <a:r>
-              <a:rPr kumimoji="0" lang="en-US" sz="700" b="1" i="0" u="none" strike="noStrike" kern="1200" cap="none" spc="0" normalizeH="0" baseline="0" noProof="0" dirty="0" smtClean="0">
-                <a:ln>
-                  <a:noFill/>
-                </a:ln>
-                <a:solidFill>
-                  <a:schemeClr val="tx1"/>
-                </a:solidFill>
-                <a:effectLst/>
-                <a:uLnTx/>
-                <a:uFillTx/>
-                <a:latin typeface="Courier" pitchFamily="49" charset="0"/>
-                <a:ea typeface="+mn-ea"/>
-                <a:cs typeface="+mn-cs"/>
-              </a:rPr>
-              <a:t>" /&gt;</a:t>
-            </a:r>
-            <a:br>
-              <a:rPr kumimoji="0" lang="en-US" sz="700" b="1" i="0" u="none" strike="noStrike" kern="1200" cap="none" spc="0" normalizeH="0" baseline="0" noProof="0" dirty="0" smtClean="0">
-                <a:ln>
-                  <a:noFill/>
-                </a:ln>
-                <a:solidFill>
-                  <a:schemeClr val="tx1"/>
-                </a:solidFill>
-                <a:effectLst/>
-                <a:uLnTx/>
-                <a:uFillTx/>
-                <a:latin typeface="Courier" pitchFamily="49" charset="0"/>
-                <a:ea typeface="+mn-ea"/>
-                <a:cs typeface="+mn-cs"/>
-              </a:rPr>
-            </a:br>
-            <a:r>
-              <a:rPr kumimoji="0" lang="en-US" sz="700" b="1" i="0" u="none" strike="noStrike" kern="1200" cap="none" spc="0" normalizeH="0" baseline="0" noProof="0" dirty="0" smtClean="0">
-                <a:ln>
-                  <a:noFill/>
-                </a:ln>
-                <a:solidFill>
-                  <a:schemeClr val="tx1"/>
-                </a:solidFill>
-                <a:effectLst/>
-                <a:uLnTx/>
-                <a:uFillTx/>
-                <a:latin typeface="Courier" pitchFamily="49" charset="0"/>
-                <a:ea typeface="+mn-ea"/>
-                <a:cs typeface="+mn-cs"/>
-              </a:rPr>
-              <a:t>        &lt;Wire Id="5" Name="J4_f4" </a:t>
-            </a:r>
-            <a:r>
-              <a:rPr kumimoji="0" lang="en-US" sz="700" b="1" i="0" u="none" strike="noStrike" kern="1200" cap="none" spc="0" normalizeH="0" baseline="0" noProof="0" dirty="0" err="1" smtClean="0">
-                <a:ln>
-                  <a:noFill/>
-                </a:ln>
-                <a:solidFill>
-                  <a:schemeClr val="tx1"/>
-                </a:solidFill>
-                <a:effectLst/>
-                <a:uLnTx/>
-                <a:uFillTx/>
-                <a:latin typeface="Courier" pitchFamily="49" charset="0"/>
-                <a:ea typeface="+mn-ea"/>
-                <a:cs typeface="+mn-cs"/>
-              </a:rPr>
-              <a:t>EndPointFront</a:t>
-            </a:r>
-            <a:r>
-              <a:rPr kumimoji="0" lang="en-US" sz="700" b="1" i="0" u="none" strike="noStrike" kern="1200" cap="none" spc="0" normalizeH="0" baseline="0" noProof="0" dirty="0" smtClean="0">
-                <a:ln>
-                  <a:noFill/>
-                </a:ln>
-                <a:solidFill>
-                  <a:schemeClr val="tx1"/>
-                </a:solidFill>
-                <a:effectLst/>
-                <a:uLnTx/>
-                <a:uFillTx/>
-                <a:latin typeface="Courier" pitchFamily="49" charset="0"/>
-                <a:ea typeface="+mn-ea"/>
-                <a:cs typeface="+mn-cs"/>
-              </a:rPr>
-              <a:t>="</a:t>
-            </a:r>
-            <a:r>
-              <a:rPr kumimoji="0" lang="en-US" sz="700" b="1" i="0" u="none" strike="noStrike" kern="1200" cap="none" spc="0" normalizeH="0" baseline="0" noProof="0" dirty="0" smtClean="0">
-                <a:ln>
-                  <a:noFill/>
-                </a:ln>
-                <a:solidFill>
-                  <a:srgbClr val="0070C0"/>
-                </a:solidFill>
-                <a:effectLst/>
-                <a:uLnTx/>
-                <a:uFillTx/>
-                <a:latin typeface="Courier" pitchFamily="49" charset="0"/>
-                <a:ea typeface="+mn-ea"/>
-                <a:cs typeface="+mn-cs"/>
-              </a:rPr>
-              <a:t>45.0 0.0 0.0</a:t>
-            </a:r>
-            <a:r>
-              <a:rPr kumimoji="0" lang="en-US" sz="700" b="1" i="0" u="none" strike="noStrike" kern="1200" cap="none" spc="0" normalizeH="0" baseline="0" noProof="0" dirty="0" smtClean="0">
-                <a:ln>
-                  <a:noFill/>
-                </a:ln>
-                <a:solidFill>
-                  <a:schemeClr val="tx1"/>
-                </a:solidFill>
-                <a:effectLst/>
-                <a:uLnTx/>
-                <a:uFillTx/>
-                <a:latin typeface="Courier" pitchFamily="49" charset="0"/>
-                <a:ea typeface="+mn-ea"/>
-                <a:cs typeface="+mn-cs"/>
-              </a:rPr>
-              <a:t>" </a:t>
-            </a:r>
-            <a:r>
-              <a:rPr kumimoji="0" lang="en-US" sz="700" b="1" i="0" u="none" strike="noStrike" kern="1200" cap="none" spc="0" normalizeH="0" baseline="0" noProof="0" dirty="0" err="1" smtClean="0">
-                <a:ln>
-                  <a:noFill/>
-                </a:ln>
-                <a:solidFill>
-                  <a:schemeClr val="tx1"/>
-                </a:solidFill>
-                <a:effectLst/>
-                <a:uLnTx/>
-                <a:uFillTx/>
-                <a:latin typeface="Courier" pitchFamily="49" charset="0"/>
-                <a:ea typeface="+mn-ea"/>
-                <a:cs typeface="+mn-cs"/>
-              </a:rPr>
-              <a:t>EndPointBack</a:t>
-            </a:r>
-            <a:r>
-              <a:rPr kumimoji="0" lang="en-US" sz="700" b="1" i="0" u="none" strike="noStrike" kern="1200" cap="none" spc="0" normalizeH="0" baseline="0" noProof="0" dirty="0" smtClean="0">
-                <a:ln>
-                  <a:noFill/>
-                </a:ln>
-                <a:solidFill>
-                  <a:schemeClr val="tx1"/>
-                </a:solidFill>
-                <a:effectLst/>
-                <a:uLnTx/>
-                <a:uFillTx/>
-                <a:latin typeface="Courier" pitchFamily="49" charset="0"/>
-                <a:ea typeface="+mn-ea"/>
-                <a:cs typeface="+mn-cs"/>
-              </a:rPr>
-              <a:t>="</a:t>
-            </a:r>
-            <a:r>
-              <a:rPr kumimoji="0" lang="en-US" sz="700" b="1" i="0" u="none" strike="noStrike" kern="1200" cap="none" spc="0" normalizeH="0" baseline="0" noProof="0" dirty="0" smtClean="0">
-                <a:ln>
-                  <a:noFill/>
-                </a:ln>
-                <a:solidFill>
-                  <a:srgbClr val="0070C0"/>
-                </a:solidFill>
-                <a:effectLst/>
-                <a:uLnTx/>
-                <a:uFillTx/>
-                <a:latin typeface="Courier" pitchFamily="49" charset="0"/>
-                <a:ea typeface="+mn-ea"/>
-                <a:cs typeface="+mn-cs"/>
-              </a:rPr>
-              <a:t>25.0 40.0 0.0</a:t>
-            </a:r>
-            <a:r>
-              <a:rPr kumimoji="0" lang="en-US" sz="700" b="1" i="0" u="none" strike="noStrike" kern="1200" cap="none" spc="0" normalizeH="0" baseline="0" noProof="0" dirty="0" smtClean="0">
-                <a:ln>
-                  <a:noFill/>
-                </a:ln>
-                <a:solidFill>
-                  <a:schemeClr val="tx1"/>
-                </a:solidFill>
-                <a:effectLst/>
-                <a:uLnTx/>
-                <a:uFillTx/>
-                <a:latin typeface="Courier" pitchFamily="49" charset="0"/>
-                <a:ea typeface="+mn-ea"/>
-                <a:cs typeface="+mn-cs"/>
-              </a:rPr>
-              <a:t>" /&gt;</a:t>
-            </a:r>
-            <a:br>
-              <a:rPr kumimoji="0" lang="en-US" sz="700" b="1" i="0" u="none" strike="noStrike" kern="1200" cap="none" spc="0" normalizeH="0" baseline="0" noProof="0" dirty="0" smtClean="0">
-                <a:ln>
-                  <a:noFill/>
-                </a:ln>
-                <a:solidFill>
-                  <a:schemeClr val="tx1"/>
-                </a:solidFill>
-                <a:effectLst/>
-                <a:uLnTx/>
-                <a:uFillTx/>
-                <a:latin typeface="Courier" pitchFamily="49" charset="0"/>
-                <a:ea typeface="+mn-ea"/>
-                <a:cs typeface="+mn-cs"/>
-              </a:rPr>
-            </a:br>
-            <a:r>
-              <a:rPr kumimoji="0" lang="en-US" sz="700" b="1" i="0" u="none" strike="noStrike" kern="1200" cap="none" spc="0" normalizeH="0" baseline="0" noProof="0" dirty="0" smtClean="0">
-                <a:ln>
-                  <a:noFill/>
-                </a:ln>
-                <a:solidFill>
-                  <a:schemeClr val="tx1"/>
-                </a:solidFill>
-                <a:effectLst/>
-                <a:uLnTx/>
-                <a:uFillTx/>
-                <a:latin typeface="Courier" pitchFamily="49" charset="0"/>
-                <a:ea typeface="+mn-ea"/>
-                <a:cs typeface="+mn-cs"/>
-              </a:rPr>
-              <a:t>        &lt;Wire Id="6" Name="K4_k4" </a:t>
-            </a:r>
-            <a:r>
-              <a:rPr kumimoji="0" lang="en-US" sz="700" b="1" i="0" u="none" strike="noStrike" kern="1200" cap="none" spc="0" normalizeH="0" baseline="0" noProof="0" dirty="0" err="1" smtClean="0">
-                <a:ln>
-                  <a:noFill/>
-                </a:ln>
-                <a:solidFill>
-                  <a:schemeClr val="tx1"/>
-                </a:solidFill>
-                <a:effectLst/>
-                <a:uLnTx/>
-                <a:uFillTx/>
-                <a:latin typeface="Courier" pitchFamily="49" charset="0"/>
-                <a:ea typeface="+mn-ea"/>
-                <a:cs typeface="+mn-cs"/>
-              </a:rPr>
-              <a:t>EndPointFront</a:t>
-            </a:r>
-            <a:r>
-              <a:rPr kumimoji="0" lang="en-US" sz="700" b="1" i="0" u="none" strike="noStrike" kern="1200" cap="none" spc="0" normalizeH="0" baseline="0" noProof="0" dirty="0" smtClean="0">
-                <a:ln>
-                  <a:noFill/>
-                </a:ln>
-                <a:solidFill>
-                  <a:schemeClr val="tx1"/>
-                </a:solidFill>
-                <a:effectLst/>
-                <a:uLnTx/>
-                <a:uFillTx/>
-                <a:latin typeface="Courier" pitchFamily="49" charset="0"/>
-                <a:ea typeface="+mn-ea"/>
-                <a:cs typeface="+mn-cs"/>
-              </a:rPr>
-              <a:t>="</a:t>
-            </a:r>
-            <a:r>
-              <a:rPr kumimoji="0" lang="en-US" sz="700" b="1" i="0" u="none" strike="noStrike" kern="1200" cap="none" spc="0" normalizeH="0" baseline="0" noProof="0" dirty="0" smtClean="0">
-                <a:ln>
-                  <a:noFill/>
-                </a:ln>
-                <a:solidFill>
-                  <a:srgbClr val="0070C0"/>
-                </a:solidFill>
-                <a:effectLst/>
-                <a:uLnTx/>
-                <a:uFillTx/>
-                <a:latin typeface="Courier" pitchFamily="49" charset="0"/>
-                <a:ea typeface="+mn-ea"/>
-                <a:cs typeface="+mn-cs"/>
-              </a:rPr>
-              <a:t>50.0 0.0 0.0</a:t>
-            </a:r>
-            <a:r>
-              <a:rPr kumimoji="0" lang="en-US" sz="700" b="1" i="0" u="none" strike="noStrike" kern="1200" cap="none" spc="0" normalizeH="0" baseline="0" noProof="0" dirty="0" smtClean="0">
-                <a:ln>
-                  <a:noFill/>
-                </a:ln>
-                <a:solidFill>
-                  <a:schemeClr val="tx1"/>
-                </a:solidFill>
-                <a:effectLst/>
-                <a:uLnTx/>
-                <a:uFillTx/>
-                <a:latin typeface="Courier" pitchFamily="49" charset="0"/>
-                <a:ea typeface="+mn-ea"/>
-                <a:cs typeface="+mn-cs"/>
-              </a:rPr>
-              <a:t>" </a:t>
-            </a:r>
-            <a:r>
-              <a:rPr kumimoji="0" lang="en-US" sz="700" b="1" i="0" u="none" strike="noStrike" kern="1200" cap="none" spc="0" normalizeH="0" baseline="0" noProof="0" dirty="0" err="1" smtClean="0">
-                <a:ln>
-                  <a:noFill/>
-                </a:ln>
-                <a:solidFill>
-                  <a:schemeClr val="tx1"/>
-                </a:solidFill>
-                <a:effectLst/>
-                <a:uLnTx/>
-                <a:uFillTx/>
-                <a:latin typeface="Courier" pitchFamily="49" charset="0"/>
-                <a:ea typeface="+mn-ea"/>
-                <a:cs typeface="+mn-cs"/>
-              </a:rPr>
-              <a:t>EndPointBack</a:t>
-            </a:r>
-            <a:r>
-              <a:rPr kumimoji="0" lang="en-US" sz="700" b="1" i="0" u="none" strike="noStrike" kern="1200" cap="none" spc="0" normalizeH="0" baseline="0" noProof="0" dirty="0" smtClean="0">
-                <a:ln>
-                  <a:noFill/>
-                </a:ln>
-                <a:solidFill>
-                  <a:schemeClr val="tx1"/>
-                </a:solidFill>
-                <a:effectLst/>
-                <a:uLnTx/>
-                <a:uFillTx/>
-                <a:latin typeface="Courier" pitchFamily="49" charset="0"/>
-                <a:ea typeface="+mn-ea"/>
-                <a:cs typeface="+mn-cs"/>
-              </a:rPr>
-              <a:t>="</a:t>
-            </a:r>
-            <a:r>
-              <a:rPr kumimoji="0" lang="en-US" sz="700" b="1" i="0" u="none" strike="noStrike" kern="1200" cap="none" spc="0" normalizeH="0" baseline="0" noProof="0" dirty="0" smtClean="0">
-                <a:ln>
-                  <a:noFill/>
-                </a:ln>
-                <a:solidFill>
-                  <a:srgbClr val="0070C0"/>
-                </a:solidFill>
-                <a:effectLst/>
-                <a:uLnTx/>
-                <a:uFillTx/>
-                <a:latin typeface="Courier" pitchFamily="49" charset="0"/>
-                <a:ea typeface="+mn-ea"/>
-                <a:cs typeface="+mn-cs"/>
-              </a:rPr>
-              <a:t>50.0 40.0 0.0</a:t>
-            </a:r>
-            <a:r>
-              <a:rPr kumimoji="0" lang="en-US" sz="700" b="1" i="0" u="none" strike="noStrike" kern="1200" cap="none" spc="0" normalizeH="0" baseline="0" noProof="0" dirty="0" smtClean="0">
-                <a:ln>
-                  <a:noFill/>
-                </a:ln>
-                <a:solidFill>
-                  <a:schemeClr val="tx1"/>
-                </a:solidFill>
-                <a:effectLst/>
-                <a:uLnTx/>
-                <a:uFillTx/>
-                <a:latin typeface="Courier" pitchFamily="49" charset="0"/>
-                <a:ea typeface="+mn-ea"/>
-                <a:cs typeface="+mn-cs"/>
-              </a:rPr>
-              <a:t>" /&gt;</a:t>
-            </a:r>
-            <a:br>
-              <a:rPr kumimoji="0" lang="en-US" sz="700" b="1" i="0" u="none" strike="noStrike" kern="1200" cap="none" spc="0" normalizeH="0" baseline="0" noProof="0" dirty="0" smtClean="0">
-                <a:ln>
-                  <a:noFill/>
-                </a:ln>
-                <a:solidFill>
-                  <a:schemeClr val="tx1"/>
-                </a:solidFill>
-                <a:effectLst/>
-                <a:uLnTx/>
-                <a:uFillTx/>
-                <a:latin typeface="Courier" pitchFamily="49" charset="0"/>
-                <a:ea typeface="+mn-ea"/>
-                <a:cs typeface="+mn-cs"/>
-              </a:rPr>
-            </a:br>
-            <a:r>
-              <a:rPr kumimoji="0" lang="en-US" sz="700" b="1" i="0" u="none" strike="noStrike" kern="1200" cap="none" spc="0" normalizeH="0" baseline="0" noProof="0" dirty="0" smtClean="0">
-                <a:ln>
-                  <a:noFill/>
-                </a:ln>
-                <a:solidFill>
-                  <a:schemeClr val="tx1"/>
-                </a:solidFill>
-                <a:effectLst/>
-                <a:uLnTx/>
-                <a:uFillTx/>
-                <a:latin typeface="Courier" pitchFamily="49" charset="0"/>
-                <a:ea typeface="+mn-ea"/>
-                <a:cs typeface="+mn-cs"/>
-              </a:rPr>
-              <a:t>      &lt;/</a:t>
-            </a:r>
-            <a:r>
-              <a:rPr kumimoji="0" lang="en-US" sz="700" b="1" i="0" u="none" strike="noStrike" kern="1200" cap="none" spc="0" normalizeH="0" baseline="0" noProof="0" dirty="0" err="1" smtClean="0">
-                <a:ln>
-                  <a:noFill/>
-                </a:ln>
-                <a:solidFill>
-                  <a:schemeClr val="tx1"/>
-                </a:solidFill>
-                <a:effectLst/>
-                <a:uLnTx/>
-                <a:uFillTx/>
-                <a:latin typeface="Courier" pitchFamily="49" charset="0"/>
-                <a:ea typeface="+mn-ea"/>
-                <a:cs typeface="+mn-cs"/>
-              </a:rPr>
-              <a:t>NWire</a:t>
-            </a:r>
-            <a:r>
-              <a:rPr kumimoji="0" lang="en-US" sz="700" b="1" i="0" u="none" strike="noStrike" kern="1200" cap="none" spc="0" normalizeH="0" baseline="0" noProof="0" dirty="0" smtClean="0">
-                <a:ln>
-                  <a:noFill/>
-                </a:ln>
-                <a:solidFill>
-                  <a:schemeClr val="tx1"/>
-                </a:solidFill>
-                <a:effectLst/>
-                <a:uLnTx/>
-                <a:uFillTx/>
-                <a:latin typeface="Courier" pitchFamily="49" charset="0"/>
-                <a:ea typeface="+mn-ea"/>
-                <a:cs typeface="+mn-cs"/>
-              </a:rPr>
-              <a:t>&gt;</a:t>
-            </a:r>
-          </a:p>
-          <a:p>
-            <a:pPr marL="53975" marR="0" lvl="0" indent="0" algn="l" defTabSz="914400" rtl="0" eaLnBrk="1" fontAlgn="auto" latinLnBrk="0" hangingPunct="1">
-              <a:lnSpc>
-                <a:spcPct val="100000"/>
-              </a:lnSpc>
-              <a:spcBef>
-                <a:spcPct val="20000"/>
-              </a:spcBef>
-              <a:spcAft>
-                <a:spcPts val="0"/>
-              </a:spcAft>
-              <a:buClrTx/>
-              <a:buSzTx/>
-              <a:buFont typeface="Arial" pitchFamily="34" charset="0"/>
-              <a:buNone/>
-              <a:tabLst/>
-              <a:defRPr/>
-            </a:pPr>
-            <a:r>
-              <a:rPr kumimoji="0" lang="en-US" sz="700" b="1" i="0" u="none" strike="noStrike" kern="1200" cap="none" spc="0" normalizeH="0" baseline="0" noProof="0" dirty="0" smtClean="0">
-                <a:ln>
-                  <a:noFill/>
-                </a:ln>
-                <a:solidFill>
-                  <a:schemeClr val="tx1"/>
-                </a:solidFill>
-                <a:effectLst/>
-                <a:uLnTx/>
-                <a:uFillTx/>
-                <a:latin typeface="Courier" pitchFamily="49" charset="0"/>
-                <a:ea typeface="+mn-ea"/>
-                <a:cs typeface="+mn-cs"/>
-              </a:rPr>
-              <a:t>...</a:t>
-            </a:r>
-          </a:p>
-          <a:p>
-            <a:pPr marL="53975" marR="0" lvl="0" indent="0" algn="l" defTabSz="914400" rtl="0" eaLnBrk="1" fontAlgn="auto" latinLnBrk="0" hangingPunct="1">
-              <a:lnSpc>
-                <a:spcPct val="100000"/>
-              </a:lnSpc>
-              <a:spcBef>
-                <a:spcPct val="20000"/>
-              </a:spcBef>
-              <a:spcAft>
-                <a:spcPts val="0"/>
-              </a:spcAft>
-              <a:buClrTx/>
-              <a:buSzTx/>
-              <a:buFont typeface="Arial" pitchFamily="34" charset="0"/>
-              <a:buNone/>
-              <a:tabLst/>
-              <a:defRPr/>
-            </a:pPr>
-            <a:r>
-              <a:rPr kumimoji="0" lang="en-US" sz="700" b="1" i="0" u="none" strike="noStrike" kern="1200" cap="none" spc="0" normalizeH="0" baseline="0" noProof="0" dirty="0" smtClean="0">
-                <a:ln>
-                  <a:noFill/>
-                </a:ln>
-                <a:solidFill>
-                  <a:schemeClr val="tx1"/>
-                </a:solidFill>
-                <a:effectLst/>
-                <a:uLnTx/>
-                <a:uFillTx/>
-                <a:latin typeface="Courier" pitchFamily="49" charset="0"/>
-                <a:ea typeface="+mn-ea"/>
-                <a:cs typeface="+mn-cs"/>
+                <a:latin typeface="Courier New" pitchFamily="49" charset="0"/>
+                <a:cs typeface="Courier New" pitchFamily="49" charset="0"/>
               </a:rPr>
               <a:t>&lt;/Geometry&gt;</a:t>
             </a:r>
@@ -5727,9 +5023,8 @@
               <a:effectLst/>
               <a:uLnTx/>
               <a:uFillTx/>
-              <a:latin typeface="+mn-lt"/>
-              <a:ea typeface="+mn-ea"/>
-              <a:cs typeface="+mn-cs"/>
+              <a:latin typeface="Courier New" pitchFamily="49" charset="0"/>
+              <a:cs typeface="Courier New" pitchFamily="49" charset="0"/>
             </a:endParaRPr>
           </a:p>
         </p:txBody>
@@ -5816,14 +5111,20 @@
             </a:pPr>
             <a:r>
               <a:rPr lang="en-CA" dirty="0" smtClean="0"/>
-              <a:t>Phantom mode: fCal_1.0, Wiring: wiring_1.0</a:t>
-            </a:r>
-          </a:p>
-          <a:p>
-            <a:pPr>
-              <a:buNone/>
-            </a:pPr>
-            <a:endParaRPr lang="en-CA" dirty="0" smtClean="0"/>
+              <a:t>Phantom </a:t>
+            </a:r>
+            <a:r>
+              <a:rPr lang="en-CA" dirty="0" smtClean="0"/>
+              <a:t>model: </a:t>
+            </a:r>
+            <a:r>
+              <a:rPr lang="en-CA" dirty="0" smtClean="0"/>
+              <a:t>fCal_1.0, Wiring: </a:t>
+            </a:r>
+            <a:r>
+              <a:rPr lang="en-CA" dirty="0" smtClean="0"/>
+              <a:t>wiring_1.0</a:t>
+            </a:r>
           </a:p>
         </p:txBody>
       </p:sp>
@@ -7106,7 +6407,7 @@
     </p:spTree>
     <p:extLst>
       <p:ext uri="{BB962C8B-B14F-4D97-AF65-F5344CB8AC3E}">
-        <p14:creationId xmlns:p14="http://schemas.microsoft.com/office/powerpoint/2010/main" val="2239487779"/>
+        <p14:creationId xmlns:p14="http://schemas.microsoft.com/office/powerpoint/2010/main" val="843286459"/>
       </p:ext>
     </p:extLst>
   </p:cSld>
@@ -7145,6 +6446,630 @@
         </p:nvSpPr>
         <p:spPr/>
         <p:txBody>
+          <a:bodyPr>
+            <a:normAutofit/>
+          </a:bodyPr>
+          <a:lstStyle/>
+          <a:p>
+            <a:r>
+              <a:rPr lang="en-CA" dirty="0" smtClean="0"/>
+              <a:t>Calibration phantom revisions</a:t>
+            </a:r>
+            <a:endParaRPr lang="en-CA" dirty="0"/>
+          </a:p>
+        </p:txBody>
+      </p:sp>
+      <p:sp>
+        <p:nvSpPr>
+          <p:cNvPr id="3" name="Content Placeholder 2"/>
+          <p:cNvSpPr>
+            <a:spLocks noGrp="1"/>
+          </p:cNvSpPr>
+          <p:nvPr>
+            <p:ph idx="1"/>
+          </p:nvPr>
+        </p:nvSpPr>
+        <p:spPr>
+          <a:xfrm>
+            <a:off x="457200" y="1295400"/>
+            <a:ext cx="8229600" cy="4830763"/>
+          </a:xfrm>
+        </p:spPr>
+        <p:txBody>
+          <a:bodyPr>
+            <a:normAutofit/>
+          </a:bodyPr>
+          <a:lstStyle/>
+          <a:p>
+            <a:r>
+              <a:rPr lang="en-CA" dirty="0" smtClean="0"/>
+              <a:t>Phantom model: </a:t>
+            </a:r>
+            <a:r>
+              <a:rPr lang="en-CA" dirty="0" smtClean="0"/>
+              <a:t>fCal_1.0, Wiring: </a:t>
+            </a:r>
+            <a:r>
+              <a:rPr lang="en-CA" dirty="0" smtClean="0"/>
+              <a:t>wiring_1.x</a:t>
+            </a:r>
+          </a:p>
+          <a:p>
+            <a:pPr lvl="1"/>
+            <a:r>
+              <a:rPr lang="en-CA" dirty="0" smtClean="0"/>
+              <a:t>obsolete, use </a:t>
+            </a:r>
+            <a:r>
+              <a:rPr lang="en-CA" dirty="0" smtClean="0"/>
+              <a:t>fCal_2.0 instead</a:t>
+            </a:r>
+          </a:p>
+          <a:p>
+            <a:r>
+              <a:rPr lang="en-CA" dirty="0"/>
+              <a:t>Phantom model: </a:t>
+            </a:r>
+            <a:r>
+              <a:rPr lang="en-CA" dirty="0" smtClean="0"/>
+              <a:t>fCal_2.0</a:t>
+            </a:r>
+            <a:r>
+              <a:rPr lang="en-CA" dirty="0"/>
+              <a:t>, Wiring: </a:t>
+            </a:r>
+            <a:r>
+              <a:rPr lang="en-CA" dirty="0" smtClean="0"/>
+              <a:t>wiring_2.0</a:t>
+            </a:r>
+          </a:p>
+          <a:p>
+            <a:pPr lvl="1"/>
+            <a:r>
+              <a:rPr lang="en-CA" dirty="0" smtClean="0"/>
+              <a:t>Recommended calibration phantom for 30-90mm imaging depth</a:t>
+            </a:r>
+          </a:p>
+          <a:p>
+            <a:r>
+              <a:rPr lang="en-CA" dirty="0" smtClean="0"/>
+              <a:t>Phantom model: fCal_3.0</a:t>
+            </a:r>
+          </a:p>
+          <a:p>
+            <a:pPr lvl="1"/>
+            <a:r>
+              <a:rPr lang="en-CA" dirty="0" smtClean="0"/>
+              <a:t>Experimental calibration phantom </a:t>
+            </a:r>
+            <a:br>
+              <a:rPr lang="en-CA" dirty="0" smtClean="0"/>
+            </a:br>
+            <a:r>
+              <a:rPr lang="en-CA" dirty="0" smtClean="0"/>
+              <a:t>for &gt;90mm imaging depth</a:t>
+            </a:r>
+          </a:p>
+          <a:p>
+            <a:endParaRPr lang="en-CA" dirty="0" smtClean="0"/>
+          </a:p>
+        </p:txBody>
+      </p:sp>
+      <p:sp>
+        <p:nvSpPr>
+          <p:cNvPr id="4" name="Footer Placeholder 3"/>
+          <p:cNvSpPr>
+            <a:spLocks noGrp="1"/>
+          </p:cNvSpPr>
+          <p:nvPr>
+            <p:ph type="ftr" sz="quarter" idx="11"/>
+          </p:nvPr>
+        </p:nvSpPr>
+        <p:spPr/>
+        <p:txBody>
+          <a:bodyPr/>
+          <a:lstStyle/>
+          <a:p>
+            <a:r>
+              <a:rPr lang="en-US" smtClean="0"/>
+              <a:t>Laboratory for Percutaneous Surgery (The Perk Lab) – Copyright © Queen’s University, 2011</a:t>
+            </a:r>
+          </a:p>
+          <a:p>
+            <a:endParaRPr lang="en-US" dirty="0"/>
+          </a:p>
+        </p:txBody>
+      </p:sp>
+      <p:pic>
+        <p:nvPicPr>
+          <p:cNvPr id="1026" name="Picture 2"/>
+          <p:cNvPicPr>
+            <a:picLocks noChangeAspect="1" noChangeArrowheads="1"/>
+          </p:cNvPicPr>
+          <p:nvPr/>
+        </p:nvPicPr>
+        <p:blipFill rotWithShape="1">
+          <a:blip r:embed="rId2" cstate="print">
+            <a:extLst>
+              <a:ext uri="{28A0092B-C50C-407E-A947-70E740481C1C}">
+                <a14:useLocalDpi xmlns:a14="http://schemas.microsoft.com/office/drawing/2010/main" val="0"/>
+              </a:ext>
+            </a:extLst>
+          </a:blip>
+          <a:srcRect l="7503" t="17904" r="7962" b="13949"/>
+          <a:stretch/>
+        </p:blipFill>
+        <p:spPr bwMode="auto">
+          <a:xfrm>
+            <a:off x="540488" y="4147936"/>
+            <a:ext cx="4031512" cy="1719464"/>
+          </a:xfrm>
+          <a:prstGeom prst="rect">
+            <a:avLst/>
+          </a:prstGeom>
+          <a:noFill/>
+          <a:ln>
+            <a:noFill/>
+          </a:ln>
+          <a:extLst>
+            <a:ext uri="{909E8E84-426E-40DD-AFC4-6F175D3DCCD1}">
+              <a14:hiddenFill xmlns:a14="http://schemas.microsoft.com/office/drawing/2010/main">
+                <a:solidFill>
+                  <a:schemeClr val="accent1"/>
+                </a:solidFill>
+              </a14:hiddenFill>
+            </a:ext>
+            <a:ext uri="{91240B29-F687-4F45-9708-019B960494DF}">
+              <a14:hiddenLine xmlns:a14="http://schemas.microsoft.com/office/drawing/2010/main" w="9525">
+                <a:solidFill>
+                  <a:schemeClr val="tx1"/>
+                </a:solidFill>
+                <a:miter lim="800000"/>
+                <a:headEnd/>
+                <a:tailEnd/>
+              </a14:hiddenLine>
+            </a:ext>
+          </a:extLst>
+        </p:spPr>
+      </p:pic>
+      <p:pic>
+        <p:nvPicPr>
+          <p:cNvPr id="1027" name="Picture 3"/>
+          <p:cNvPicPr>
+            <a:picLocks noChangeAspect="1" noChangeArrowheads="1"/>
+          </p:cNvPicPr>
+          <p:nvPr/>
+        </p:nvPicPr>
+        <p:blipFill>
+          <a:blip r:embed="rId3">
+            <a:extLst>
+              <a:ext uri="{28A0092B-C50C-407E-A947-70E740481C1C}">
+                <a14:useLocalDpi xmlns:a14="http://schemas.microsoft.com/office/drawing/2010/main" val="0"/>
+              </a:ext>
+            </a:extLst>
+          </a:blip>
+          <a:srcRect/>
+          <a:stretch>
+            <a:fillRect/>
+          </a:stretch>
+        </p:blipFill>
+        <p:spPr bwMode="auto">
+          <a:xfrm>
+            <a:off x="5410200" y="3192486"/>
+            <a:ext cx="3252788" cy="2751114"/>
+          </a:xfrm>
+          <a:prstGeom prst="rect">
+            <a:avLst/>
+          </a:prstGeom>
+          <a:noFill/>
+          <a:ln>
+            <a:noFill/>
+          </a:ln>
+          <a:extLst>
+            <a:ext uri="{909E8E84-426E-40DD-AFC4-6F175D3DCCD1}">
+              <a14:hiddenFill xmlns:a14="http://schemas.microsoft.com/office/drawing/2010/main">
+                <a:solidFill>
+                  <a:schemeClr val="accent1"/>
+                </a:solidFill>
+              </a14:hiddenFill>
+            </a:ext>
+            <a:ext uri="{91240B29-F687-4F45-9708-019B960494DF}">
+              <a14:hiddenLine xmlns:a14="http://schemas.microsoft.com/office/drawing/2010/main" w="9525">
+                <a:solidFill>
+                  <a:schemeClr val="tx1"/>
+                </a:solidFill>
+                <a:miter lim="800000"/>
+                <a:headEnd/>
+                <a:tailEnd/>
+              </a14:hiddenLine>
+            </a:ext>
+          </a:extLst>
+        </p:spPr>
+      </p:pic>
+      <p:sp>
+        <p:nvSpPr>
+          <p:cNvPr id="33" name="Content Placeholder 2"/>
+          <p:cNvSpPr txBox="1">
+            <a:spLocks/>
+          </p:cNvSpPr>
+          <p:nvPr/>
+        </p:nvSpPr>
+        <p:spPr>
+          <a:xfrm>
+            <a:off x="1447800" y="5867400"/>
+            <a:ext cx="1946644" cy="609600"/>
+          </a:xfrm>
+          <a:prstGeom prst="rect">
+            <a:avLst/>
+          </a:prstGeom>
+        </p:spPr>
+        <p:txBody>
+          <a:bodyPr vert="horz" lIns="91440" tIns="45720" rIns="91440" bIns="45720" rtlCol="0">
+            <a:normAutofit/>
+          </a:bodyPr>
+          <a:lstStyle>
+            <a:lvl1pPr marL="342900" indent="-342900" algn="l" defTabSz="914400" rtl="0" eaLnBrk="1" latinLnBrk="0" hangingPunct="1">
+              <a:spcBef>
+                <a:spcPct val="20000"/>
+              </a:spcBef>
+              <a:buFont typeface="Arial" pitchFamily="34" charset="0"/>
+              <a:buChar char="•"/>
+              <a:defRPr sz="2400" kern="1200">
+                <a:solidFill>
+                  <a:schemeClr val="tx1"/>
+                </a:solidFill>
+                <a:latin typeface="+mn-lt"/>
+                <a:ea typeface="+mn-ea"/>
+                <a:cs typeface="+mn-cs"/>
+              </a:defRPr>
+            </a:lvl1pPr>
+            <a:lvl2pPr marL="742950" indent="-285750" algn="l" defTabSz="914400" rtl="0" eaLnBrk="1" latinLnBrk="0" hangingPunct="1">
+              <a:spcBef>
+                <a:spcPct val="20000"/>
+              </a:spcBef>
+              <a:buFont typeface="Arial" pitchFamily="34" charset="0"/>
+              <a:buChar char="–"/>
+              <a:defRPr sz="2000" kern="1200">
+                <a:solidFill>
+                  <a:schemeClr val="tx1"/>
+                </a:solidFill>
+                <a:latin typeface="+mn-lt"/>
+                <a:ea typeface="+mn-ea"/>
+                <a:cs typeface="+mn-cs"/>
+              </a:defRPr>
+            </a:lvl2pPr>
+            <a:lvl3pPr marL="1143000" indent="-228600" algn="l" defTabSz="914400" rtl="0" eaLnBrk="1" latinLnBrk="0" hangingPunct="1">
+              <a:spcBef>
+                <a:spcPct val="20000"/>
+              </a:spcBef>
+              <a:buFont typeface="Arial" pitchFamily="34" charset="0"/>
+              <a:buChar char="•"/>
+              <a:defRPr sz="1800" kern="1200">
+                <a:solidFill>
+                  <a:schemeClr val="tx1"/>
+                </a:solidFill>
+                <a:latin typeface="+mn-lt"/>
+                <a:ea typeface="+mn-ea"/>
+                <a:cs typeface="+mn-cs"/>
+              </a:defRPr>
+            </a:lvl3pPr>
+            <a:lvl4pPr marL="1600200" indent="-228600" algn="l" defTabSz="914400" rtl="0" eaLnBrk="1" latinLnBrk="0" hangingPunct="1">
+              <a:spcBef>
+                <a:spcPct val="20000"/>
+              </a:spcBef>
+              <a:buFont typeface="Arial" pitchFamily="34" charset="0"/>
+              <a:buChar char="–"/>
+              <a:defRPr sz="1600" kern="1200">
+                <a:solidFill>
+                  <a:schemeClr val="tx1"/>
+                </a:solidFill>
+                <a:latin typeface="+mn-lt"/>
+                <a:ea typeface="+mn-ea"/>
+                <a:cs typeface="+mn-cs"/>
+              </a:defRPr>
+            </a:lvl4pPr>
+            <a:lvl5pPr marL="2057400" indent="-228600" algn="l" defTabSz="914400" rtl="0" eaLnBrk="1" latinLnBrk="0" hangingPunct="1">
+              <a:spcBef>
+                <a:spcPct val="20000"/>
+              </a:spcBef>
+              <a:buFont typeface="Arial" pitchFamily="34" charset="0"/>
+              <a:buChar char="»"/>
+              <a:defRPr sz="1600" kern="1200">
+                <a:solidFill>
+                  <a:schemeClr val="tx1"/>
+                </a:solidFill>
+                <a:latin typeface="+mn-lt"/>
+                <a:ea typeface="+mn-ea"/>
+                <a:cs typeface="+mn-cs"/>
+              </a:defRPr>
+            </a:lvl5pPr>
+            <a:lvl6pPr marL="2514600" indent="-228600" algn="l" defTabSz="914400" rtl="0" eaLnBrk="1" latinLnBrk="0" hangingPunct="1">
+              <a:spcBef>
+                <a:spcPct val="20000"/>
+              </a:spcBef>
+              <a:buFont typeface="Arial" pitchFamily="34" charset="0"/>
+              <a:buChar char="•"/>
+              <a:defRPr sz="2000" kern="1200">
+                <a:solidFill>
+                  <a:schemeClr val="tx1"/>
+                </a:solidFill>
+                <a:latin typeface="+mn-lt"/>
+                <a:ea typeface="+mn-ea"/>
+                <a:cs typeface="+mn-cs"/>
+              </a:defRPr>
+            </a:lvl6pPr>
+            <a:lvl7pPr marL="2971800" indent="-228600" algn="l" defTabSz="914400" rtl="0" eaLnBrk="1" latinLnBrk="0" hangingPunct="1">
+              <a:spcBef>
+                <a:spcPct val="20000"/>
+              </a:spcBef>
+              <a:buFont typeface="Arial" pitchFamily="34" charset="0"/>
+              <a:buChar char="•"/>
+              <a:defRPr sz="2000" kern="1200">
+                <a:solidFill>
+                  <a:schemeClr val="tx1"/>
+                </a:solidFill>
+                <a:latin typeface="+mn-lt"/>
+                <a:ea typeface="+mn-ea"/>
+                <a:cs typeface="+mn-cs"/>
+              </a:defRPr>
+            </a:lvl7pPr>
+            <a:lvl8pPr marL="3429000" indent="-228600" algn="l" defTabSz="914400" rtl="0" eaLnBrk="1" latinLnBrk="0" hangingPunct="1">
+              <a:spcBef>
+                <a:spcPct val="20000"/>
+              </a:spcBef>
+              <a:buFont typeface="Arial" pitchFamily="34" charset="0"/>
+              <a:buChar char="•"/>
+              <a:defRPr sz="2000" kern="1200">
+                <a:solidFill>
+                  <a:schemeClr val="tx1"/>
+                </a:solidFill>
+                <a:latin typeface="+mn-lt"/>
+                <a:ea typeface="+mn-ea"/>
+                <a:cs typeface="+mn-cs"/>
+              </a:defRPr>
+            </a:lvl8pPr>
+            <a:lvl9pPr marL="3886200" indent="-228600" algn="l" defTabSz="914400" rtl="0" eaLnBrk="1" latinLnBrk="0" hangingPunct="1">
+              <a:spcBef>
+                <a:spcPct val="20000"/>
+              </a:spcBef>
+              <a:buFont typeface="Arial" pitchFamily="34" charset="0"/>
+              <a:buChar char="•"/>
+              <a:defRPr sz="2000" kern="1200">
+                <a:solidFill>
+                  <a:schemeClr val="tx1"/>
+                </a:solidFill>
+                <a:latin typeface="+mn-lt"/>
+                <a:ea typeface="+mn-ea"/>
+                <a:cs typeface="+mn-cs"/>
+              </a:defRPr>
+            </a:lvl9pPr>
+          </a:lstStyle>
+          <a:p>
+            <a:pPr algn="ctr">
+              <a:buFont typeface="Arial" pitchFamily="34" charset="0"/>
+              <a:buNone/>
+            </a:pPr>
+            <a:r>
+              <a:rPr lang="en-CA" dirty="0" smtClean="0"/>
+              <a:t>fCal_2.0</a:t>
+            </a:r>
+            <a:endParaRPr lang="en-CA" dirty="0" smtClean="0"/>
+          </a:p>
+        </p:txBody>
+      </p:sp>
+      <p:sp>
+        <p:nvSpPr>
+          <p:cNvPr id="34" name="Content Placeholder 2"/>
+          <p:cNvSpPr txBox="1">
+            <a:spLocks/>
+          </p:cNvSpPr>
+          <p:nvPr/>
+        </p:nvSpPr>
+        <p:spPr>
+          <a:xfrm>
+            <a:off x="6054356" y="5867400"/>
+            <a:ext cx="1946644" cy="609600"/>
+          </a:xfrm>
+          <a:prstGeom prst="rect">
+            <a:avLst/>
+          </a:prstGeom>
+        </p:spPr>
+        <p:txBody>
+          <a:bodyPr vert="horz" lIns="91440" tIns="45720" rIns="91440" bIns="45720" rtlCol="0">
+            <a:normAutofit/>
+          </a:bodyPr>
+          <a:lstStyle>
+            <a:lvl1pPr marL="342900" indent="-342900" algn="l" defTabSz="914400" rtl="0" eaLnBrk="1" latinLnBrk="0" hangingPunct="1">
+              <a:spcBef>
+                <a:spcPct val="20000"/>
+              </a:spcBef>
+              <a:buFont typeface="Arial" pitchFamily="34" charset="0"/>
+              <a:buChar char="•"/>
+              <a:defRPr sz="2400" kern="1200">
+                <a:solidFill>
+                  <a:schemeClr val="tx1"/>
+                </a:solidFill>
+                <a:latin typeface="+mn-lt"/>
+                <a:ea typeface="+mn-ea"/>
+                <a:cs typeface="+mn-cs"/>
+              </a:defRPr>
+            </a:lvl1pPr>
+            <a:lvl2pPr marL="742950" indent="-285750" algn="l" defTabSz="914400" rtl="0" eaLnBrk="1" latinLnBrk="0" hangingPunct="1">
+              <a:spcBef>
+                <a:spcPct val="20000"/>
+              </a:spcBef>
+              <a:buFont typeface="Arial" pitchFamily="34" charset="0"/>
+              <a:buChar char="–"/>
+              <a:defRPr sz="2000" kern="1200">
+                <a:solidFill>
+                  <a:schemeClr val="tx1"/>
+                </a:solidFill>
+                <a:latin typeface="+mn-lt"/>
+                <a:ea typeface="+mn-ea"/>
+                <a:cs typeface="+mn-cs"/>
+              </a:defRPr>
+            </a:lvl2pPr>
+            <a:lvl3pPr marL="1143000" indent="-228600" algn="l" defTabSz="914400" rtl="0" eaLnBrk="1" latinLnBrk="0" hangingPunct="1">
+              <a:spcBef>
+                <a:spcPct val="20000"/>
+              </a:spcBef>
+              <a:buFont typeface="Arial" pitchFamily="34" charset="0"/>
+              <a:buChar char="•"/>
+              <a:defRPr sz="1800" kern="1200">
+                <a:solidFill>
+                  <a:schemeClr val="tx1"/>
+                </a:solidFill>
+                <a:latin typeface="+mn-lt"/>
+                <a:ea typeface="+mn-ea"/>
+                <a:cs typeface="+mn-cs"/>
+              </a:defRPr>
+            </a:lvl3pPr>
+            <a:lvl4pPr marL="1600200" indent="-228600" algn="l" defTabSz="914400" rtl="0" eaLnBrk="1" latinLnBrk="0" hangingPunct="1">
+              <a:spcBef>
+                <a:spcPct val="20000"/>
+              </a:spcBef>
+              <a:buFont typeface="Arial" pitchFamily="34" charset="0"/>
+              <a:buChar char="–"/>
+              <a:defRPr sz="1600" kern="1200">
+                <a:solidFill>
+                  <a:schemeClr val="tx1"/>
+                </a:solidFill>
+                <a:latin typeface="+mn-lt"/>
+                <a:ea typeface="+mn-ea"/>
+                <a:cs typeface="+mn-cs"/>
+              </a:defRPr>
+            </a:lvl4pPr>
+            <a:lvl5pPr marL="2057400" indent="-228600" algn="l" defTabSz="914400" rtl="0" eaLnBrk="1" latinLnBrk="0" hangingPunct="1">
+              <a:spcBef>
+                <a:spcPct val="20000"/>
+              </a:spcBef>
+              <a:buFont typeface="Arial" pitchFamily="34" charset="0"/>
+              <a:buChar char="»"/>
+              <a:defRPr sz="1600" kern="1200">
+                <a:solidFill>
+                  <a:schemeClr val="tx1"/>
+                </a:solidFill>
+                <a:latin typeface="+mn-lt"/>
+                <a:ea typeface="+mn-ea"/>
+                <a:cs typeface="+mn-cs"/>
+              </a:defRPr>
+            </a:lvl5pPr>
+            <a:lvl6pPr marL="2514600" indent="-228600" algn="l" defTabSz="914400" rtl="0" eaLnBrk="1" latinLnBrk="0" hangingPunct="1">
+              <a:spcBef>
+                <a:spcPct val="20000"/>
+              </a:spcBef>
+              <a:buFont typeface="Arial" pitchFamily="34" charset="0"/>
+              <a:buChar char="•"/>
+              <a:defRPr sz="2000" kern="1200">
+                <a:solidFill>
+                  <a:schemeClr val="tx1"/>
+                </a:solidFill>
+                <a:latin typeface="+mn-lt"/>
+                <a:ea typeface="+mn-ea"/>
+                <a:cs typeface="+mn-cs"/>
+              </a:defRPr>
+            </a:lvl6pPr>
+            <a:lvl7pPr marL="2971800" indent="-228600" algn="l" defTabSz="914400" rtl="0" eaLnBrk="1" latinLnBrk="0" hangingPunct="1">
+              <a:spcBef>
+                <a:spcPct val="20000"/>
+              </a:spcBef>
+              <a:buFont typeface="Arial" pitchFamily="34" charset="0"/>
+              <a:buChar char="•"/>
+              <a:defRPr sz="2000" kern="1200">
+                <a:solidFill>
+                  <a:schemeClr val="tx1"/>
+                </a:solidFill>
+                <a:latin typeface="+mn-lt"/>
+                <a:ea typeface="+mn-ea"/>
+                <a:cs typeface="+mn-cs"/>
+              </a:defRPr>
+            </a:lvl7pPr>
+            <a:lvl8pPr marL="3429000" indent="-228600" algn="l" defTabSz="914400" rtl="0" eaLnBrk="1" latinLnBrk="0" hangingPunct="1">
+              <a:spcBef>
+                <a:spcPct val="20000"/>
+              </a:spcBef>
+              <a:buFont typeface="Arial" pitchFamily="34" charset="0"/>
+              <a:buChar char="•"/>
+              <a:defRPr sz="2000" kern="1200">
+                <a:solidFill>
+                  <a:schemeClr val="tx1"/>
+                </a:solidFill>
+                <a:latin typeface="+mn-lt"/>
+                <a:ea typeface="+mn-ea"/>
+                <a:cs typeface="+mn-cs"/>
+              </a:defRPr>
+            </a:lvl8pPr>
+            <a:lvl9pPr marL="3886200" indent="-228600" algn="l" defTabSz="914400" rtl="0" eaLnBrk="1" latinLnBrk="0" hangingPunct="1">
+              <a:spcBef>
+                <a:spcPct val="20000"/>
+              </a:spcBef>
+              <a:buFont typeface="Arial" pitchFamily="34" charset="0"/>
+              <a:buChar char="•"/>
+              <a:defRPr sz="2000" kern="1200">
+                <a:solidFill>
+                  <a:schemeClr val="tx1"/>
+                </a:solidFill>
+                <a:latin typeface="+mn-lt"/>
+                <a:ea typeface="+mn-ea"/>
+                <a:cs typeface="+mn-cs"/>
+              </a:defRPr>
+            </a:lvl9pPr>
+          </a:lstStyle>
+          <a:p>
+            <a:pPr algn="ctr">
+              <a:buFont typeface="Arial" pitchFamily="34" charset="0"/>
+              <a:buNone/>
+            </a:pPr>
+            <a:r>
+              <a:rPr lang="en-CA" dirty="0" smtClean="0"/>
+              <a:t>fCal_3.0</a:t>
+            </a:r>
+            <a:endParaRPr lang="en-CA" dirty="0" smtClean="0"/>
+          </a:p>
+        </p:txBody>
+      </p:sp>
+    </p:spTree>
+    <p:extLst>
+      <p:ext uri="{BB962C8B-B14F-4D97-AF65-F5344CB8AC3E}">
+        <p14:creationId xmlns:p14="http://schemas.microsoft.com/office/powerpoint/2010/main" val="2239487779"/>
+      </p:ext>
+    </p:extLst>
+  </p:cSld>
+  <p:clrMapOvr>
+    <a:masterClrMapping/>
+  </p:clrMapOvr>
+</p:sld>
+</file>
+
+<file path=ppt/slides/slide6.xml><?xml version="1.0" encoding="utf-8"?>
+<p:sld xmlns:a="http://schemas.openxmlformats.org/drawingml/2006/main" xmlns:r="http://schemas.openxmlformats.org/officeDocument/2006/relationships" xmlns:p="http://schemas.openxmlformats.org/presentationml/2006/main">
+  <p:cSld>
+    <p:spTree>
+      <p:nvGrpSpPr>
+        <p:cNvPr id="1" name=""/>
+        <p:cNvGrpSpPr/>
+        <p:nvPr/>
+      </p:nvGrpSpPr>
+      <p:grpSpPr>
+        <a:xfrm>
+          <a:off x="0" y="0"/>
+          <a:ext cx="0" cy="0"/>
+          <a:chOff x="0" y="0"/>
+          <a:chExt cx="0" cy="0"/>
+        </a:xfrm>
+      </p:grpSpPr>
+      <p:sp>
+        <p:nvSpPr>
+          <p:cNvPr id="2" name="Title 1"/>
+          <p:cNvSpPr>
+            <a:spLocks noGrp="1"/>
+          </p:cNvSpPr>
+          <p:nvPr>
+            <p:ph type="title"/>
+          </p:nvPr>
+        </p:nvSpPr>
+        <p:spPr/>
+        <p:txBody>
           <a:bodyPr/>
           <a:lstStyle/>
           <a:p>
@@ -7180,7 +7105,23 @@
           <a:p>
             <a:r>
               <a:rPr lang="en-US" dirty="0" smtClean="0"/>
-              <a:t>Line alignment is only an issue for fCal_1 phantoms. Slanted holes in fCal_2 and later phantoms take care of line alignment within a hole.</a:t>
+              <a:t>Line alignment is only an issue for </a:t>
+            </a:r>
+            <a:r>
+              <a:rPr lang="en-US" dirty="0" smtClean="0"/>
+              <a:t>fCal_1.x </a:t>
+            </a:r>
+            <a:r>
+              <a:rPr lang="en-US" dirty="0" smtClean="0"/>
+              <a:t>phantoms. Slanted holes in </a:t>
+            </a:r>
+            <a:r>
+              <a:rPr lang="en-US" dirty="0" smtClean="0"/>
+              <a:t>fCal_2.x </a:t>
+            </a:r>
+            <a:r>
+              <a:rPr lang="en-US" dirty="0" smtClean="0"/>
+              <a:t>and later phantoms take care of line alignment within a hole.</a:t>
             </a:r>
             <a:endParaRPr lang="en-US" dirty="0"/>
           </a:p>
@@ -8228,7 +8169,7 @@
 </p:sld>
 </file>
 
-<file path=ppt/slides/slide6.xml><?xml version="1.0" encoding="utf-8"?>
+<file path=ppt/slides/slide7.xml><?xml version="1.0" encoding="utf-8"?>
 <p:sld xmlns:a="http://schemas.openxmlformats.org/drawingml/2006/main" xmlns:r="http://schemas.openxmlformats.org/officeDocument/2006/relationships" xmlns:p="http://schemas.openxmlformats.org/presentationml/2006/main">
   <p:cSld>
     <p:spTree>

--- a/trunk/doc/tutorials/PlusTutorialBuildingfCalPhantom.pptx
+++ b/trunk/doc/tutorials/PlusTutorialBuildingfCalPhantom.pptx
@@ -5,16 +5,18 @@
     <p:sldMasterId id="2147483648" r:id="rId1"/>
   </p:sldMasterIdLst>
   <p:notesMasterIdLst>
-    <p:notesMasterId r:id="rId9"/>
+    <p:notesMasterId r:id="rId11"/>
   </p:notesMasterIdLst>
   <p:sldIdLst>
     <p:sldId id="256" r:id="rId2"/>
-    <p:sldId id="262" r:id="rId3"/>
-    <p:sldId id="263" r:id="rId4"/>
-    <p:sldId id="266" r:id="rId5"/>
-    <p:sldId id="264" r:id="rId6"/>
-    <p:sldId id="259" r:id="rId7"/>
-    <p:sldId id="265" r:id="rId8"/>
+    <p:sldId id="264" r:id="rId3"/>
+    <p:sldId id="262" r:id="rId4"/>
+    <p:sldId id="263" r:id="rId5"/>
+    <p:sldId id="265" r:id="rId6"/>
+    <p:sldId id="267" r:id="rId7"/>
+    <p:sldId id="268" r:id="rId8"/>
+    <p:sldId id="259" r:id="rId9"/>
+    <p:sldId id="266" r:id="rId10"/>
   </p:sldIdLst>
   <p:sldSz cx="9144000" cy="6858000" type="screen4x3"/>
   <p:notesSz cx="6858000" cy="9144000"/>
@@ -199,7 +201,7 @@
             <a:fld id="{08AE2C8F-80C9-49EC-8D3E-1E16295FA588}" type="datetimeFigureOut">
               <a:rPr lang="en-US" smtClean="0"/>
               <a:pPr/>
-              <a:t>4/1/2013</a:t>
+              <a:t>5/16/2013</a:t>
             </a:fld>
             <a:endParaRPr lang="en-US"/>
           </a:p>
@@ -3615,12 +3617,14 @@
         </p:nvSpPr>
         <p:spPr/>
         <p:txBody>
-          <a:bodyPr/>
+          <a:bodyPr>
+            <a:normAutofit/>
+          </a:bodyPr>
           <a:lstStyle/>
           <a:p>
             <a:r>
               <a:rPr lang="en-CA" dirty="0" smtClean="0"/>
-              <a:t>Print the phantom</a:t>
+              <a:t>Calibration phantom revisions</a:t>
             </a:r>
             <a:endParaRPr lang="en-CA" dirty="0"/>
           </a:p>
@@ -3638,86 +3642,105 @@
         </p:nvSpPr>
         <p:spPr>
           <a:xfrm>
-            <a:off x="457200" y="1066800"/>
+            <a:off x="457200" y="1295400"/>
             <a:ext cx="8229600" cy="4830763"/>
           </a:xfrm>
         </p:spPr>
         <p:txBody>
-          <a:bodyPr/>
-          <a:lstStyle/>
-          <a:p>
+          <a:bodyPr>
+            <a:normAutofit/>
+          </a:bodyPr>
+          <a:lstStyle/>
+          <a:p>
+            <a:r>
+              <a:rPr lang="en-CA" b="1" dirty="0" smtClean="0">
+                <a:hlinkClick r:id="rId2"/>
+              </a:rPr>
+              <a:t>Phantom </a:t>
+            </a:r>
+            <a:r>
+              <a:rPr lang="en-CA" b="1" dirty="0">
+                <a:hlinkClick r:id="rId2"/>
+              </a:rPr>
+              <a:t>model: </a:t>
+            </a:r>
+            <a:r>
+              <a:rPr lang="en-CA" b="1" dirty="0" smtClean="0">
+                <a:hlinkClick r:id="rId2"/>
+              </a:rPr>
+              <a:t>fCal_2.0</a:t>
+            </a:r>
+            <a:r>
+              <a:rPr lang="en-CA" b="1" dirty="0">
+                <a:hlinkClick r:id="rId2"/>
+              </a:rPr>
+              <a:t>, Wiring: </a:t>
+            </a:r>
+            <a:r>
+              <a:rPr lang="en-CA" b="1" dirty="0" smtClean="0">
+                <a:hlinkClick r:id="rId2"/>
+              </a:rPr>
+              <a:t>wiring_2.0</a:t>
+            </a:r>
+            <a:endParaRPr lang="en-CA" b="1" dirty="0" smtClean="0"/>
+          </a:p>
+          <a:p>
+            <a:pPr lvl="1"/>
+            <a:r>
+              <a:rPr lang="en-CA" b="1" dirty="0" smtClean="0"/>
+              <a:t>Recommended calibration phantom for 30-90mm imaging depth</a:t>
+            </a:r>
+          </a:p>
+          <a:p>
+            <a:r>
+              <a:rPr lang="en-CA" dirty="0" smtClean="0">
+                <a:hlinkClick r:id="rId3"/>
+              </a:rPr>
+              <a:t>Phantom model: fCal_3.0</a:t>
+            </a:r>
+            <a:endParaRPr lang="en-CA" dirty="0" smtClean="0"/>
+          </a:p>
+          <a:p>
+            <a:pPr lvl="1"/>
             <a:r>
               <a:rPr lang="en-CA" dirty="0" smtClean="0"/>
-              <a:t>Download the phantom model from the repository:</a:t>
-            </a:r>
-          </a:p>
-          <a:p>
-            <a:pPr lvl="1"/>
-            <a:r>
-              <a:rPr lang="en-CA" dirty="0" smtClean="0"/>
-              <a:t>Editable CAD files: </a:t>
-            </a:r>
-            <a:r>
-              <a:rPr lang="en-CA" dirty="0">
-                <a:hlinkClick r:id="rId2"/>
-              </a:rPr>
-              <a:t>https://subversion.assembla.com/svn/plus/trunk/doc/specifications/fCalPhantom</a:t>
-            </a:r>
-            <a:r>
-              <a:rPr lang="en-CA" dirty="0" smtClean="0">
-                <a:hlinkClick r:id="rId2"/>
-              </a:rPr>
-              <a:t>/</a:t>
-            </a:r>
-            <a:endParaRPr lang="en-CA" dirty="0" smtClean="0"/>
-          </a:p>
-          <a:p>
-            <a:pPr lvl="1"/>
-            <a:r>
-              <a:rPr lang="en-CA" dirty="0" smtClean="0"/>
-              <a:t>Printable STL files: </a:t>
-            </a:r>
-            <a:r>
-              <a:rPr lang="en-CA" dirty="0">
-                <a:hlinkClick r:id="rId3"/>
-              </a:rPr>
-              <a:t>https://subversion.assembla.com/svn/plus/trunk/PlusLib/data/CADModels/fCalPhantom/</a:t>
-            </a:r>
-            <a:endParaRPr lang="en-CA" dirty="0" smtClean="0"/>
-          </a:p>
-          <a:p>
-            <a:r>
-              <a:rPr lang="en-CA" dirty="0" smtClean="0"/>
-              <a:t>You can have a look at the model if you open it in </a:t>
-            </a:r>
-            <a:r>
-              <a:rPr lang="en-CA" dirty="0" err="1" smtClean="0"/>
-              <a:t>Paraview</a:t>
-            </a:r>
-            <a:r>
-              <a:rPr lang="en-CA" dirty="0" smtClean="0"/>
-              <a:t> or 3D Slicer</a:t>
-            </a:r>
-          </a:p>
-          <a:p>
-            <a:r>
-              <a:rPr lang="en-CA" dirty="0" smtClean="0"/>
-              <a:t>Print the STL file using a</a:t>
+              <a:t>Experimental calibration phantom </a:t>
             </a:r>
             <a:br>
               <a:rPr lang="en-CA" dirty="0" smtClean="0"/>
             </a:br>
             <a:r>
               <a:rPr lang="en-CA" dirty="0" smtClean="0"/>
-              <a:t>regular 3D rapid </a:t>
-            </a:r>
-            <a:br>
-              <a:rPr lang="en-CA" dirty="0" smtClean="0"/>
-            </a:br>
-            <a:r>
-              <a:rPr lang="en-CA" dirty="0" smtClean="0"/>
-              <a:t>prototyping printer</a:t>
-            </a:r>
+              <a:t>for &gt;90mm imaging depth</a:t>
+            </a:r>
+          </a:p>
+          <a:p>
+            <a:endParaRPr lang="en-CA" dirty="0" smtClean="0"/>
+          </a:p>
+        </p:txBody>
+      </p:sp>
+      <p:sp>
+        <p:nvSpPr>
+          <p:cNvPr id="4" name="Footer Placeholder 3"/>
+          <p:cNvSpPr>
+            <a:spLocks noGrp="1"/>
+          </p:cNvSpPr>
+          <p:nvPr>
+            <p:ph type="ftr" sz="quarter" idx="11"/>
+          </p:nvPr>
+        </p:nvSpPr>
+        <p:spPr/>
+        <p:txBody>
+          <a:bodyPr/>
+          <a:lstStyle/>
+          <a:p>
+            <a:r>
+              <a:rPr lang="en-US" smtClean="0"/>
+              <a:t>Laboratory for Percutaneous Surgery (The Perk Lab) – Copyright © Queen’s University, 2011</a:t>
+            </a:r>
+          </a:p>
+          <a:p>
+            <a:endParaRPr lang="en-US" dirty="0"/>
           </a:p>
         </p:txBody>
       </p:sp>
@@ -3737,13 +3760,13 @@
               </a:ext>
             </a:extLst>
           </a:blip>
-          <a:srcRect t="4032" b="5473"/>
+          <a:srcRect l="7503" t="17904" r="7962" b="13949"/>
           <a:stretch/>
         </p:blipFill>
         <p:spPr bwMode="auto">
           <a:xfrm>
-            <a:off x="4114624" y="4191000"/>
-            <a:ext cx="4724576" cy="1989236"/>
+            <a:off x="304800" y="3754916"/>
+            <a:ext cx="4953000" cy="2112484"/>
           </a:xfrm>
           <a:prstGeom prst="rect">
             <a:avLst/>
@@ -3752,7 +3775,6 @@
           <a:ln>
             <a:noFill/>
           </a:ln>
-          <a:effectLst/>
           <a:extLst>
             <a:ext uri="{909E8E84-426E-40DD-AFC4-6F175D3DCCD1}">
               <a14:hiddenFill xmlns:a14="http://schemas.microsoft.com/office/drawing/2010/main">
@@ -3771,40 +3793,400 @@
                 <a:tailEnd/>
               </a14:hiddenLine>
             </a:ext>
-            <a:ext uri="{AF507438-7753-43E0-B8FC-AC1667EBCBE1}">
-              <a14:hiddenEffects xmlns:a14="http://schemas.microsoft.com/office/drawing/2010/main">
-                <a:effectLst>
-                  <a:outerShdw dist="35921" dir="2700000" algn="ctr" rotWithShape="0">
-                    <a:schemeClr val="bg2"/>
-                  </a:outerShdw>
-                </a:effectLst>
-              </a14:hiddenEffects>
+          </a:extLst>
+        </p:spPr>
+      </p:pic>
+      <p:pic>
+        <p:nvPicPr>
+          <p:cNvPr id="1027" name="Picture 3"/>
+          <p:cNvPicPr>
+            <a:picLocks noChangeAspect="1" noChangeArrowheads="1"/>
+          </p:cNvPicPr>
+          <p:nvPr/>
+        </p:nvPicPr>
+        <p:blipFill>
+          <a:blip r:embed="rId5">
+            <a:extLst>
+              <a:ext uri="{28A0092B-C50C-407E-A947-70E740481C1C}">
+                <a14:useLocalDpi xmlns:a14="http://schemas.microsoft.com/office/drawing/2010/main" val="0"/>
+              </a:ext>
+            </a:extLst>
+          </a:blip>
+          <a:srcRect/>
+          <a:stretch>
+            <a:fillRect/>
+          </a:stretch>
+        </p:blipFill>
+        <p:spPr bwMode="auto">
+          <a:xfrm>
+            <a:off x="5510212" y="3192486"/>
+            <a:ext cx="3252788" cy="2751114"/>
+          </a:xfrm>
+          <a:prstGeom prst="rect">
+            <a:avLst/>
+          </a:prstGeom>
+          <a:noFill/>
+          <a:ln>
+            <a:noFill/>
+          </a:ln>
+          <a:extLst>
+            <a:ext uri="{909E8E84-426E-40DD-AFC4-6F175D3DCCD1}">
+              <a14:hiddenFill xmlns:a14="http://schemas.microsoft.com/office/drawing/2010/main">
+                <a:solidFill>
+                  <a:schemeClr val="accent1"/>
+                </a:solidFill>
+              </a14:hiddenFill>
+            </a:ext>
+            <a:ext uri="{91240B29-F687-4F45-9708-019B960494DF}">
+              <a14:hiddenLine xmlns:a14="http://schemas.microsoft.com/office/drawing/2010/main" w="9525">
+                <a:solidFill>
+                  <a:schemeClr val="tx1"/>
+                </a:solidFill>
+                <a:miter lim="800000"/>
+                <a:headEnd/>
+                <a:tailEnd/>
+              </a14:hiddenLine>
             </a:ext>
           </a:extLst>
         </p:spPr>
       </p:pic>
       <p:sp>
         <p:nvSpPr>
-          <p:cNvPr id="4" name="Footer Placeholder 3"/>
-          <p:cNvSpPr>
-            <a:spLocks noGrp="1"/>
-          </p:cNvSpPr>
-          <p:nvPr>
-            <p:ph type="ftr" sz="quarter" idx="11"/>
-          </p:nvPr>
-        </p:nvSpPr>
-        <p:spPr/>
-        <p:txBody>
-          <a:bodyPr/>
-          <a:lstStyle/>
-          <a:p>
-            <a:r>
-              <a:rPr lang="en-US" smtClean="0"/>
-              <a:t>Laboratory for Percutaneous Surgery (The Perk Lab) – Copyright © Queen’s University, 2011</a:t>
-            </a:r>
-          </a:p>
-          <a:p>
-            <a:endParaRPr lang="en-US" dirty="0"/>
+          <p:cNvPr id="33" name="Content Placeholder 2"/>
+          <p:cNvSpPr txBox="1">
+            <a:spLocks/>
+          </p:cNvSpPr>
+          <p:nvPr/>
+        </p:nvSpPr>
+        <p:spPr>
+          <a:xfrm>
+            <a:off x="1447800" y="5867400"/>
+            <a:ext cx="1946644" cy="609600"/>
+          </a:xfrm>
+          <a:prstGeom prst="rect">
+            <a:avLst/>
+          </a:prstGeom>
+        </p:spPr>
+        <p:txBody>
+          <a:bodyPr vert="horz" lIns="91440" tIns="45720" rIns="91440" bIns="45720" rtlCol="0">
+            <a:normAutofit/>
+          </a:bodyPr>
+          <a:lstStyle>
+            <a:lvl1pPr marL="342900" indent="-342900" algn="l" defTabSz="914400" rtl="0" eaLnBrk="1" latinLnBrk="0" hangingPunct="1">
+              <a:spcBef>
+                <a:spcPct val="20000"/>
+              </a:spcBef>
+              <a:buFont typeface="Arial" pitchFamily="34" charset="0"/>
+              <a:buChar char="•"/>
+              <a:defRPr sz="2400" kern="1200">
+                <a:solidFill>
+                  <a:schemeClr val="tx1"/>
+                </a:solidFill>
+                <a:latin typeface="+mn-lt"/>
+                <a:ea typeface="+mn-ea"/>
+                <a:cs typeface="+mn-cs"/>
+              </a:defRPr>
+            </a:lvl1pPr>
+            <a:lvl2pPr marL="742950" indent="-285750" algn="l" defTabSz="914400" rtl="0" eaLnBrk="1" latinLnBrk="0" hangingPunct="1">
+              <a:spcBef>
+                <a:spcPct val="20000"/>
+              </a:spcBef>
+              <a:buFont typeface="Arial" pitchFamily="34" charset="0"/>
+              <a:buChar char="–"/>
+              <a:defRPr sz="2000" kern="1200">
+                <a:solidFill>
+                  <a:schemeClr val="tx1"/>
+                </a:solidFill>
+                <a:latin typeface="+mn-lt"/>
+                <a:ea typeface="+mn-ea"/>
+                <a:cs typeface="+mn-cs"/>
+              </a:defRPr>
+            </a:lvl2pPr>
+            <a:lvl3pPr marL="1143000" indent="-228600" algn="l" defTabSz="914400" rtl="0" eaLnBrk="1" latinLnBrk="0" hangingPunct="1">
+              <a:spcBef>
+                <a:spcPct val="20000"/>
+              </a:spcBef>
+              <a:buFont typeface="Arial" pitchFamily="34" charset="0"/>
+              <a:buChar char="•"/>
+              <a:defRPr sz="1800" kern="1200">
+                <a:solidFill>
+                  <a:schemeClr val="tx1"/>
+                </a:solidFill>
+                <a:latin typeface="+mn-lt"/>
+                <a:ea typeface="+mn-ea"/>
+                <a:cs typeface="+mn-cs"/>
+              </a:defRPr>
+            </a:lvl3pPr>
+            <a:lvl4pPr marL="1600200" indent="-228600" algn="l" defTabSz="914400" rtl="0" eaLnBrk="1" latinLnBrk="0" hangingPunct="1">
+              <a:spcBef>
+                <a:spcPct val="20000"/>
+              </a:spcBef>
+              <a:buFont typeface="Arial" pitchFamily="34" charset="0"/>
+              <a:buChar char="–"/>
+              <a:defRPr sz="1600" kern="1200">
+                <a:solidFill>
+                  <a:schemeClr val="tx1"/>
+                </a:solidFill>
+                <a:latin typeface="+mn-lt"/>
+                <a:ea typeface="+mn-ea"/>
+                <a:cs typeface="+mn-cs"/>
+              </a:defRPr>
+            </a:lvl4pPr>
+            <a:lvl5pPr marL="2057400" indent="-228600" algn="l" defTabSz="914400" rtl="0" eaLnBrk="1" latinLnBrk="0" hangingPunct="1">
+              <a:spcBef>
+                <a:spcPct val="20000"/>
+              </a:spcBef>
+              <a:buFont typeface="Arial" pitchFamily="34" charset="0"/>
+              <a:buChar char="»"/>
+              <a:defRPr sz="1600" kern="1200">
+                <a:solidFill>
+                  <a:schemeClr val="tx1"/>
+                </a:solidFill>
+                <a:latin typeface="+mn-lt"/>
+                <a:ea typeface="+mn-ea"/>
+                <a:cs typeface="+mn-cs"/>
+              </a:defRPr>
+            </a:lvl5pPr>
+            <a:lvl6pPr marL="2514600" indent="-228600" algn="l" defTabSz="914400" rtl="0" eaLnBrk="1" latinLnBrk="0" hangingPunct="1">
+              <a:spcBef>
+                <a:spcPct val="20000"/>
+              </a:spcBef>
+              <a:buFont typeface="Arial" pitchFamily="34" charset="0"/>
+              <a:buChar char="•"/>
+              <a:defRPr sz="2000" kern="1200">
+                <a:solidFill>
+                  <a:schemeClr val="tx1"/>
+                </a:solidFill>
+                <a:latin typeface="+mn-lt"/>
+                <a:ea typeface="+mn-ea"/>
+                <a:cs typeface="+mn-cs"/>
+              </a:defRPr>
+            </a:lvl6pPr>
+            <a:lvl7pPr marL="2971800" indent="-228600" algn="l" defTabSz="914400" rtl="0" eaLnBrk="1" latinLnBrk="0" hangingPunct="1">
+              <a:spcBef>
+                <a:spcPct val="20000"/>
+              </a:spcBef>
+              <a:buFont typeface="Arial" pitchFamily="34" charset="0"/>
+              <a:buChar char="•"/>
+              <a:defRPr sz="2000" kern="1200">
+                <a:solidFill>
+                  <a:schemeClr val="tx1"/>
+                </a:solidFill>
+                <a:latin typeface="+mn-lt"/>
+                <a:ea typeface="+mn-ea"/>
+                <a:cs typeface="+mn-cs"/>
+              </a:defRPr>
+            </a:lvl7pPr>
+            <a:lvl8pPr marL="3429000" indent="-228600" algn="l" defTabSz="914400" rtl="0" eaLnBrk="1" latinLnBrk="0" hangingPunct="1">
+              <a:spcBef>
+                <a:spcPct val="20000"/>
+              </a:spcBef>
+              <a:buFont typeface="Arial" pitchFamily="34" charset="0"/>
+              <a:buChar char="•"/>
+              <a:defRPr sz="2000" kern="1200">
+                <a:solidFill>
+                  <a:schemeClr val="tx1"/>
+                </a:solidFill>
+                <a:latin typeface="+mn-lt"/>
+                <a:ea typeface="+mn-ea"/>
+                <a:cs typeface="+mn-cs"/>
+              </a:defRPr>
+            </a:lvl8pPr>
+            <a:lvl9pPr marL="3886200" indent="-228600" algn="l" defTabSz="914400" rtl="0" eaLnBrk="1" latinLnBrk="0" hangingPunct="1">
+              <a:spcBef>
+                <a:spcPct val="20000"/>
+              </a:spcBef>
+              <a:buFont typeface="Arial" pitchFamily="34" charset="0"/>
+              <a:buChar char="•"/>
+              <a:defRPr sz="2000" kern="1200">
+                <a:solidFill>
+                  <a:schemeClr val="tx1"/>
+                </a:solidFill>
+                <a:latin typeface="+mn-lt"/>
+                <a:ea typeface="+mn-ea"/>
+                <a:cs typeface="+mn-cs"/>
+              </a:defRPr>
+            </a:lvl9pPr>
+          </a:lstStyle>
+          <a:p>
+            <a:pPr algn="ctr">
+              <a:buFont typeface="Arial" pitchFamily="34" charset="0"/>
+              <a:buNone/>
+            </a:pPr>
+            <a:r>
+              <a:rPr lang="en-CA" dirty="0" smtClean="0"/>
+              <a:t>fCal_2.0</a:t>
+            </a:r>
+          </a:p>
+        </p:txBody>
+      </p:sp>
+      <p:sp>
+        <p:nvSpPr>
+          <p:cNvPr id="34" name="Content Placeholder 2"/>
+          <p:cNvSpPr txBox="1">
+            <a:spLocks/>
+          </p:cNvSpPr>
+          <p:nvPr/>
+        </p:nvSpPr>
+        <p:spPr>
+          <a:xfrm>
+            <a:off x="6054356" y="5867400"/>
+            <a:ext cx="1946644" cy="609600"/>
+          </a:xfrm>
+          <a:prstGeom prst="rect">
+            <a:avLst/>
+          </a:prstGeom>
+        </p:spPr>
+        <p:txBody>
+          <a:bodyPr vert="horz" lIns="91440" tIns="45720" rIns="91440" bIns="45720" rtlCol="0">
+            <a:normAutofit/>
+          </a:bodyPr>
+          <a:lstStyle>
+            <a:lvl1pPr marL="342900" indent="-342900" algn="l" defTabSz="914400" rtl="0" eaLnBrk="1" latinLnBrk="0" hangingPunct="1">
+              <a:spcBef>
+                <a:spcPct val="20000"/>
+              </a:spcBef>
+              <a:buFont typeface="Arial" pitchFamily="34" charset="0"/>
+              <a:buChar char="•"/>
+              <a:defRPr sz="2400" kern="1200">
+                <a:solidFill>
+                  <a:schemeClr val="tx1"/>
+                </a:solidFill>
+                <a:latin typeface="+mn-lt"/>
+                <a:ea typeface="+mn-ea"/>
+                <a:cs typeface="+mn-cs"/>
+              </a:defRPr>
+            </a:lvl1pPr>
+            <a:lvl2pPr marL="742950" indent="-285750" algn="l" defTabSz="914400" rtl="0" eaLnBrk="1" latinLnBrk="0" hangingPunct="1">
+              <a:spcBef>
+                <a:spcPct val="20000"/>
+              </a:spcBef>
+              <a:buFont typeface="Arial" pitchFamily="34" charset="0"/>
+              <a:buChar char="–"/>
+              <a:defRPr sz="2000" kern="1200">
+                <a:solidFill>
+                  <a:schemeClr val="tx1"/>
+                </a:solidFill>
+                <a:latin typeface="+mn-lt"/>
+                <a:ea typeface="+mn-ea"/>
+                <a:cs typeface="+mn-cs"/>
+              </a:defRPr>
+            </a:lvl2pPr>
+            <a:lvl3pPr marL="1143000" indent="-228600" algn="l" defTabSz="914400" rtl="0" eaLnBrk="1" latinLnBrk="0" hangingPunct="1">
+              <a:spcBef>
+                <a:spcPct val="20000"/>
+              </a:spcBef>
+              <a:buFont typeface="Arial" pitchFamily="34" charset="0"/>
+              <a:buChar char="•"/>
+              <a:defRPr sz="1800" kern="1200">
+                <a:solidFill>
+                  <a:schemeClr val="tx1"/>
+                </a:solidFill>
+                <a:latin typeface="+mn-lt"/>
+                <a:ea typeface="+mn-ea"/>
+                <a:cs typeface="+mn-cs"/>
+              </a:defRPr>
+            </a:lvl3pPr>
+            <a:lvl4pPr marL="1600200" indent="-228600" algn="l" defTabSz="914400" rtl="0" eaLnBrk="1" latinLnBrk="0" hangingPunct="1">
+              <a:spcBef>
+                <a:spcPct val="20000"/>
+              </a:spcBef>
+              <a:buFont typeface="Arial" pitchFamily="34" charset="0"/>
+              <a:buChar char="–"/>
+              <a:defRPr sz="1600" kern="1200">
+                <a:solidFill>
+                  <a:schemeClr val="tx1"/>
+                </a:solidFill>
+                <a:latin typeface="+mn-lt"/>
+                <a:ea typeface="+mn-ea"/>
+                <a:cs typeface="+mn-cs"/>
+              </a:defRPr>
+            </a:lvl4pPr>
+            <a:lvl5pPr marL="2057400" indent="-228600" algn="l" defTabSz="914400" rtl="0" eaLnBrk="1" latinLnBrk="0" hangingPunct="1">
+              <a:spcBef>
+                <a:spcPct val="20000"/>
+              </a:spcBef>
+              <a:buFont typeface="Arial" pitchFamily="34" charset="0"/>
+              <a:buChar char="»"/>
+              <a:defRPr sz="1600" kern="1200">
+                <a:solidFill>
+                  <a:schemeClr val="tx1"/>
+                </a:solidFill>
+                <a:latin typeface="+mn-lt"/>
+                <a:ea typeface="+mn-ea"/>
+                <a:cs typeface="+mn-cs"/>
+              </a:defRPr>
+            </a:lvl5pPr>
+            <a:lvl6pPr marL="2514600" indent="-228600" algn="l" defTabSz="914400" rtl="0" eaLnBrk="1" latinLnBrk="0" hangingPunct="1">
+              <a:spcBef>
+                <a:spcPct val="20000"/>
+              </a:spcBef>
+              <a:buFont typeface="Arial" pitchFamily="34" charset="0"/>
+              <a:buChar char="•"/>
+              <a:defRPr sz="2000" kern="1200">
+                <a:solidFill>
+                  <a:schemeClr val="tx1"/>
+                </a:solidFill>
+                <a:latin typeface="+mn-lt"/>
+                <a:ea typeface="+mn-ea"/>
+                <a:cs typeface="+mn-cs"/>
+              </a:defRPr>
+            </a:lvl6pPr>
+            <a:lvl7pPr marL="2971800" indent="-228600" algn="l" defTabSz="914400" rtl="0" eaLnBrk="1" latinLnBrk="0" hangingPunct="1">
+              <a:spcBef>
+                <a:spcPct val="20000"/>
+              </a:spcBef>
+              <a:buFont typeface="Arial" pitchFamily="34" charset="0"/>
+              <a:buChar char="•"/>
+              <a:defRPr sz="2000" kern="1200">
+                <a:solidFill>
+                  <a:schemeClr val="tx1"/>
+                </a:solidFill>
+                <a:latin typeface="+mn-lt"/>
+                <a:ea typeface="+mn-ea"/>
+                <a:cs typeface="+mn-cs"/>
+              </a:defRPr>
+            </a:lvl7pPr>
+            <a:lvl8pPr marL="3429000" indent="-228600" algn="l" defTabSz="914400" rtl="0" eaLnBrk="1" latinLnBrk="0" hangingPunct="1">
+              <a:spcBef>
+                <a:spcPct val="20000"/>
+              </a:spcBef>
+              <a:buFont typeface="Arial" pitchFamily="34" charset="0"/>
+              <a:buChar char="•"/>
+              <a:defRPr sz="2000" kern="1200">
+                <a:solidFill>
+                  <a:schemeClr val="tx1"/>
+                </a:solidFill>
+                <a:latin typeface="+mn-lt"/>
+                <a:ea typeface="+mn-ea"/>
+                <a:cs typeface="+mn-cs"/>
+              </a:defRPr>
+            </a:lvl8pPr>
+            <a:lvl9pPr marL="3886200" indent="-228600" algn="l" defTabSz="914400" rtl="0" eaLnBrk="1" latinLnBrk="0" hangingPunct="1">
+              <a:spcBef>
+                <a:spcPct val="20000"/>
+              </a:spcBef>
+              <a:buFont typeface="Arial" pitchFamily="34" charset="0"/>
+              <a:buChar char="•"/>
+              <a:defRPr sz="2000" kern="1200">
+                <a:solidFill>
+                  <a:schemeClr val="tx1"/>
+                </a:solidFill>
+                <a:latin typeface="+mn-lt"/>
+                <a:ea typeface="+mn-ea"/>
+                <a:cs typeface="+mn-cs"/>
+              </a:defRPr>
+            </a:lvl9pPr>
+          </a:lstStyle>
+          <a:p>
+            <a:pPr algn="ctr">
+              <a:buFont typeface="Arial" pitchFamily="34" charset="0"/>
+              <a:buNone/>
+            </a:pPr>
+            <a:r>
+              <a:rPr lang="en-CA" dirty="0" smtClean="0"/>
+              <a:t>fCal_3.0</a:t>
+            </a:r>
           </a:p>
         </p:txBody>
       </p:sp>
@@ -3850,14 +4232,12 @@
         </p:nvSpPr>
         <p:spPr/>
         <p:txBody>
-          <a:bodyPr>
-            <a:normAutofit fontScale="90000"/>
-          </a:bodyPr>
+          <a:bodyPr/>
           <a:lstStyle/>
           <a:p>
             <a:r>
               <a:rPr lang="en-CA" dirty="0" smtClean="0"/>
-              <a:t>Insert fiducial lines into the phantom</a:t>
+              <a:t>Print the phantom</a:t>
             </a:r>
             <a:endParaRPr lang="en-CA" dirty="0"/>
           </a:p>
@@ -3876,78 +4256,138 @@
         <p:spPr>
           <a:xfrm>
             <a:off x="457200" y="1066800"/>
-            <a:ext cx="8229600" cy="1600200"/>
+            <a:ext cx="8229600" cy="5105400"/>
           </a:xfrm>
         </p:spPr>
         <p:txBody>
           <a:bodyPr>
-            <a:noAutofit/>
+            <a:normAutofit/>
           </a:bodyPr>
           <a:lstStyle/>
           <a:p>
             <a:r>
-              <a:rPr lang="en-CA" sz="1400" dirty="0" smtClean="0"/>
-              <a:t>Fiducial line material: regular fishing line or ice fishing line (ice fishing line has a visibility from a wider angle range)</a:t>
-            </a:r>
-          </a:p>
-          <a:p>
-            <a:r>
-              <a:rPr lang="en-CA" sz="1400" dirty="0" smtClean="0"/>
-              <a:t>The endpoints of the fiducial lines shall correspond to the description in the device set configuration XML file, such </a:t>
-            </a:r>
-            <a:r>
-              <a:rPr lang="en-CA" sz="1400" dirty="0" smtClean="0"/>
-              <a:t>as: </a:t>
-            </a:r>
-            <a:r>
-              <a:rPr lang="en-CA" sz="900" dirty="0" smtClean="0">
+              <a:rPr lang="en-CA" dirty="0" smtClean="0"/>
+              <a:t>Download the phantom model </a:t>
+            </a:r>
+            <a:r>
+              <a:rPr lang="en-CA" dirty="0" smtClean="0"/>
+              <a:t>in STL format from </a:t>
+            </a:r>
+            <a:r>
+              <a:rPr lang="en-CA" dirty="0" smtClean="0"/>
+              <a:t>the repository:</a:t>
+            </a:r>
+          </a:p>
+          <a:p>
+            <a:pPr marL="457200" lvl="1" indent="0">
+              <a:buNone/>
+            </a:pPr>
+            <a:r>
+              <a:rPr lang="en-CA" dirty="0" smtClean="0">
                 <a:hlinkClick r:id="rId2"/>
               </a:rPr>
               <a:t>https</a:t>
             </a:r>
             <a:r>
-              <a:rPr lang="en-CA" sz="900" dirty="0">
+              <a:rPr lang="en-CA" dirty="0">
                 <a:hlinkClick r:id="rId2"/>
               </a:rPr>
+              <a:t>://subversion.assembla.com/svn/plus/trunk/PlusLib/data/CADModels/fCalPhantom/</a:t>
+            </a:r>
+            <a:endParaRPr lang="en-CA" dirty="0" smtClean="0"/>
+          </a:p>
+          <a:p>
+            <a:r>
+              <a:rPr lang="en-CA" dirty="0" smtClean="0"/>
+              <a:t>You can have a look at the model if you open it in </a:t>
+            </a:r>
+            <a:r>
+              <a:rPr lang="en-CA" dirty="0" err="1" smtClean="0"/>
+              <a:t>Paraview</a:t>
+            </a:r>
+            <a:r>
+              <a:rPr lang="en-CA" dirty="0" smtClean="0"/>
+              <a:t> or 3D Slicer</a:t>
+            </a:r>
+          </a:p>
+          <a:p>
+            <a:r>
+              <a:rPr lang="en-CA" dirty="0" smtClean="0"/>
+              <a:t>Print the STL file using </a:t>
+            </a:r>
+            <a:r>
+              <a:rPr lang="en-CA" dirty="0" smtClean="0"/>
+              <a:t>a regular </a:t>
+            </a:r>
+            <a:br>
+              <a:rPr lang="en-CA" dirty="0" smtClean="0"/>
+            </a:br>
+            <a:r>
+              <a:rPr lang="en-CA" dirty="0" smtClean="0"/>
+              <a:t>3D </a:t>
+            </a:r>
+            <a:r>
+              <a:rPr lang="en-CA" dirty="0" smtClean="0"/>
+              <a:t>rapid </a:t>
+            </a:r>
+            <a:r>
+              <a:rPr lang="en-CA" dirty="0" smtClean="0"/>
+              <a:t>prototyping printer </a:t>
+            </a:r>
+            <a:br>
+              <a:rPr lang="en-CA" dirty="0" smtClean="0"/>
+            </a:br>
+            <a:r>
+              <a:rPr lang="en-CA" dirty="0" smtClean="0"/>
+              <a:t>(if you do not know any local</a:t>
+            </a:r>
+            <a:br>
+              <a:rPr lang="en-CA" dirty="0" smtClean="0"/>
+            </a:br>
+            <a:r>
+              <a:rPr lang="en-CA" dirty="0" smtClean="0"/>
+              <a:t>3D printing company, you can </a:t>
+            </a:r>
+            <a:br>
+              <a:rPr lang="en-CA" dirty="0" smtClean="0"/>
+            </a:br>
+            <a:r>
+              <a:rPr lang="en-CA" dirty="0" smtClean="0"/>
+              <a:t>just send your model to an </a:t>
+            </a:r>
+            <a:br>
+              <a:rPr lang="en-CA" dirty="0" smtClean="0"/>
+            </a:br>
+            <a:r>
+              <a:rPr lang="en-CA" dirty="0" smtClean="0"/>
+              <a:t>on-line 3D printing company: </a:t>
+            </a:r>
+            <a:br>
+              <a:rPr lang="en-CA" dirty="0" smtClean="0"/>
+            </a:br>
+            <a:r>
+              <a:rPr lang="en-US" dirty="0" smtClean="0">
+                <a:hlinkClick r:id="rId3"/>
+              </a:rPr>
+              <a:t>http</a:t>
+            </a:r>
+            <a:r>
+              <a:rPr lang="en-US" dirty="0">
+                <a:hlinkClick r:id="rId3"/>
+              </a:rPr>
               <a:t>://</a:t>
             </a:r>
             <a:r>
-              <a:rPr lang="en-CA" sz="900" dirty="0" smtClean="0">
-                <a:hlinkClick r:id="rId2"/>
-              </a:rPr>
-              <a:t>subversion.assembla.com/svn/plus/trunk/PlusLib/data/ConfigFiles/PlusConfiguration_SonixTouch_Ascension3DG_L14_fCal2.0.xml</a:t>
-            </a:r>
-            <a:endParaRPr lang="en-CA" sz="1400" dirty="0"/>
-          </a:p>
-          <a:p>
-            <a:r>
-              <a:rPr lang="en-CA" sz="1400" dirty="0" smtClean="0"/>
-              <a:t>The </a:t>
-            </a:r>
-            <a:r>
-              <a:rPr lang="en-CA" sz="1400" dirty="0" smtClean="0"/>
-              <a:t>automatic calibration method in </a:t>
-            </a:r>
-            <a:r>
-              <a:rPr lang="en-CA" sz="1400" dirty="0" err="1" smtClean="0"/>
-              <a:t>fCal</a:t>
-            </a:r>
-            <a:r>
-              <a:rPr lang="en-CA" sz="1400" dirty="0" smtClean="0"/>
-              <a:t> supports a fiducial line structure containing </a:t>
-            </a:r>
-            <a:r>
-              <a:rPr lang="en-CA" sz="1400" dirty="0" smtClean="0"/>
-              <a:t>any number of </a:t>
-            </a:r>
-            <a:r>
-              <a:rPr lang="en-CA" sz="1400" dirty="0" smtClean="0"/>
-              <a:t>parallel </a:t>
-            </a:r>
-            <a:r>
-              <a:rPr lang="en-CA" sz="1400" dirty="0" smtClean="0"/>
-              <a:t>N patterns.</a:t>
-            </a:r>
+              <a:rPr lang="en-US" dirty="0" smtClean="0">
+                <a:hlinkClick r:id="rId3"/>
+              </a:rPr>
+              <a:t>www.3ders.org/3d-printing/3d-print-services.html</a:t>
+            </a:r>
+            <a:r>
+              <a:rPr lang="en-US" dirty="0" smtClean="0"/>
+              <a:t>)</a:t>
+            </a:r>
+            <a:endParaRPr lang="en-CA" dirty="0" smtClean="0"/>
           </a:p>
         </p:txBody>
       </p:sp>
@@ -3978,1057 +4418,58 @@
       </p:sp>
       <p:pic>
         <p:nvPicPr>
-          <p:cNvPr id="5" name="Picture 2"/>
+          <p:cNvPr id="1027" name="Picture 3"/>
           <p:cNvPicPr>
             <a:picLocks noChangeAspect="1" noChangeArrowheads="1"/>
           </p:cNvPicPr>
           <p:nvPr/>
         </p:nvPicPr>
         <p:blipFill>
-          <a:blip r:embed="rId3" cstate="print"/>
-          <a:srcRect l="16936" t="14976" r="33666" b="10146"/>
+          <a:blip r:embed="rId4" cstate="print">
+            <a:extLst>
+              <a:ext uri="{28A0092B-C50C-407E-A947-70E740481C1C}">
+                <a14:useLocalDpi xmlns:a14="http://schemas.microsoft.com/office/drawing/2010/main" val="0"/>
+              </a:ext>
+            </a:extLst>
+          </a:blip>
+          <a:srcRect/>
           <a:stretch>
             <a:fillRect/>
           </a:stretch>
         </p:blipFill>
         <p:spPr bwMode="auto">
           <a:xfrm>
-            <a:off x="6248400" y="4038600"/>
-            <a:ext cx="2590800" cy="2220686"/>
+            <a:off x="5029200" y="3020145"/>
+            <a:ext cx="3810000" cy="2161455"/>
           </a:xfrm>
           <a:prstGeom prst="rect">
             <a:avLst/>
           </a:prstGeom>
           <a:noFill/>
-          <a:ln w="9525">
+          <a:ln>
             <a:noFill/>
-            <a:miter lim="800000"/>
-            <a:headEnd/>
-            <a:tailEnd/>
           </a:ln>
+          <a:extLst>
+            <a:ext uri="{909E8E84-426E-40DD-AFC4-6F175D3DCCD1}">
+              <a14:hiddenFill xmlns:a14="http://schemas.microsoft.com/office/drawing/2010/main">
+                <a:solidFill>
+                  <a:schemeClr val="accent1"/>
+                </a:solidFill>
+              </a14:hiddenFill>
+            </a:ext>
+            <a:ext uri="{91240B29-F687-4F45-9708-019B960494DF}">
+              <a14:hiddenLine xmlns:a14="http://schemas.microsoft.com/office/drawing/2010/main" w="9525">
+                <a:solidFill>
+                  <a:schemeClr val="tx1"/>
+                </a:solidFill>
+                <a:miter lim="800000"/>
+                <a:headEnd/>
+                <a:tailEnd/>
+              </a14:hiddenLine>
+            </a:ext>
+          </a:extLst>
         </p:spPr>
       </p:pic>
-      <p:sp>
-        <p:nvSpPr>
-          <p:cNvPr id="10" name="Content Placeholder 2"/>
-          <p:cNvSpPr txBox="1">
-            <a:spLocks/>
-          </p:cNvSpPr>
-          <p:nvPr/>
-        </p:nvSpPr>
-        <p:spPr>
-          <a:xfrm>
-            <a:off x="8153400" y="5486400"/>
-            <a:ext cx="609600" cy="228600"/>
-          </a:xfrm>
-          <a:prstGeom prst="rect">
-            <a:avLst/>
-          </a:prstGeom>
-        </p:spPr>
-        <p:txBody>
-          <a:bodyPr vert="horz" lIns="91440" tIns="45720" rIns="91440" bIns="45720" rtlCol="0">
-            <a:normAutofit fontScale="47500" lnSpcReduction="20000"/>
-          </a:bodyPr>
-          <a:lstStyle/>
-          <a:p>
-            <a:pPr marL="342900" marR="0" lvl="0" indent="-342900" algn="l" defTabSz="914400" rtl="0" eaLnBrk="1" fontAlgn="auto" latinLnBrk="0" hangingPunct="1">
-              <a:lnSpc>
-                <a:spcPct val="100000"/>
-              </a:lnSpc>
-              <a:spcBef>
-                <a:spcPct val="20000"/>
-              </a:spcBef>
-              <a:spcAft>
-                <a:spcPts val="0"/>
-              </a:spcAft>
-              <a:buClrTx/>
-              <a:buSzTx/>
-              <a:tabLst/>
-              <a:defRPr/>
-            </a:pPr>
-            <a:r>
-              <a:rPr kumimoji="0" lang="en-US" sz="2400" b="0" i="0" u="none" strike="noStrike" kern="1200" cap="none" spc="0" normalizeH="0" baseline="0" noProof="0" dirty="0" smtClean="0">
-                <a:ln>
-                  <a:noFill/>
-                </a:ln>
-                <a:effectLst/>
-                <a:uLnTx/>
-                <a:uFillTx/>
-                <a:latin typeface="+mn-lt"/>
-                <a:ea typeface="+mn-ea"/>
-                <a:cs typeface="+mn-cs"/>
-              </a:rPr>
-              <a:t>Back</a:t>
-            </a:r>
-          </a:p>
-        </p:txBody>
-      </p:sp>
-      <p:sp>
-        <p:nvSpPr>
-          <p:cNvPr id="11" name="Content Placeholder 2"/>
-          <p:cNvSpPr txBox="1">
-            <a:spLocks/>
-          </p:cNvSpPr>
-          <p:nvPr/>
-        </p:nvSpPr>
-        <p:spPr>
-          <a:xfrm>
-            <a:off x="457200" y="5105400"/>
-            <a:ext cx="5791200" cy="1219200"/>
-          </a:xfrm>
-          <a:prstGeom prst="rect">
-            <a:avLst/>
-          </a:prstGeom>
-        </p:spPr>
-        <p:txBody>
-          <a:bodyPr vert="horz" lIns="91440" tIns="45720" rIns="91440" bIns="45720" rtlCol="0">
-            <a:noAutofit/>
-          </a:bodyPr>
-          <a:lstStyle/>
-          <a:p>
-            <a:pPr lvl="0">
-              <a:spcBef>
-                <a:spcPct val="20000"/>
-              </a:spcBef>
-              <a:defRPr/>
-            </a:pPr>
-            <a:r>
-              <a:rPr kumimoji="0" lang="en-US" sz="1400" b="0" i="0" u="none" strike="noStrike" kern="1200" cap="none" spc="0" normalizeH="0" baseline="0" noProof="0" dirty="0" smtClean="0">
-                <a:ln>
-                  <a:noFill/>
-                </a:ln>
-                <a:solidFill>
-                  <a:schemeClr val="tx1"/>
-                </a:solidFill>
-                <a:effectLst/>
-                <a:uLnTx/>
-                <a:uFillTx/>
-                <a:latin typeface="+mn-lt"/>
-                <a:ea typeface="+mn-ea"/>
-                <a:cs typeface="+mn-cs"/>
-              </a:rPr>
-              <a:t>The 3D coordinates of the </a:t>
-            </a:r>
-            <a:r>
-              <a:rPr kumimoji="0" lang="en-US" sz="1400" b="0" i="0" u="none" strike="noStrike" kern="1200" cap="none" spc="0" normalizeH="0" baseline="0" noProof="0" dirty="0" err="1" smtClean="0">
-                <a:ln>
-                  <a:noFill/>
-                </a:ln>
-                <a:solidFill>
-                  <a:schemeClr val="tx1"/>
-                </a:solidFill>
-                <a:effectLst/>
-                <a:uLnTx/>
-                <a:uFillTx/>
-                <a:latin typeface="+mn-lt"/>
-                <a:ea typeface="+mn-ea"/>
-                <a:cs typeface="+mn-cs"/>
-              </a:rPr>
-              <a:t>EndPoints</a:t>
-            </a:r>
-            <a:r>
-              <a:rPr kumimoji="0" lang="en-US" sz="1400" b="0" i="0" u="none" strike="noStrike" kern="1200" cap="none" spc="0" normalizeH="0" baseline="0" noProof="0" dirty="0" smtClean="0">
-                <a:ln>
-                  <a:noFill/>
-                </a:ln>
-                <a:solidFill>
-                  <a:schemeClr val="tx1"/>
-                </a:solidFill>
-                <a:effectLst/>
-                <a:uLnTx/>
-                <a:uFillTx/>
-                <a:latin typeface="+mn-lt"/>
-                <a:ea typeface="+mn-ea"/>
-                <a:cs typeface="+mn-cs"/>
-              </a:rPr>
-              <a:t> are defined in the Phantom coordinate system. The Phantom coordinate systems origin is the endpoint of the A4 hole inside the box. See the image on the right or the coordinate system definition model here for more information:</a:t>
-            </a:r>
-            <a:br>
-              <a:rPr kumimoji="0" lang="en-US" sz="1400" b="0" i="0" u="none" strike="noStrike" kern="1200" cap="none" spc="0" normalizeH="0" baseline="0" noProof="0" dirty="0" smtClean="0">
-                <a:ln>
-                  <a:noFill/>
-                </a:ln>
-                <a:solidFill>
-                  <a:schemeClr val="tx1"/>
-                </a:solidFill>
-                <a:effectLst/>
-                <a:uLnTx/>
-                <a:uFillTx/>
-                <a:latin typeface="+mn-lt"/>
-                <a:ea typeface="+mn-ea"/>
-                <a:cs typeface="+mn-cs"/>
-              </a:rPr>
-            </a:br>
-            <a:r>
-              <a:rPr lang="en-US" sz="1000" dirty="0">
-                <a:hlinkClick r:id="rId4"/>
-              </a:rPr>
-              <a:t>https://</a:t>
-            </a:r>
-            <a:r>
-              <a:rPr lang="en-US" sz="1000" dirty="0" smtClean="0">
-                <a:hlinkClick r:id="rId4"/>
-              </a:rPr>
-              <a:t>subversion.assembla.com/svn/plus/trunk/doc/specifications/CoordinateSystems/FreehandCalibration_CoordinateRepresentation.png</a:t>
-            </a:r>
-            <a:endParaRPr lang="en-US" sz="1000" dirty="0" smtClean="0"/>
-          </a:p>
-          <a:p>
-            <a:pPr lvl="0">
-              <a:spcBef>
-                <a:spcPct val="20000"/>
-              </a:spcBef>
-              <a:defRPr/>
-            </a:pPr>
-            <a:endParaRPr kumimoji="0" lang="en-CA" sz="1400" b="0" i="0" u="none" strike="noStrike" kern="1200" cap="none" spc="0" normalizeH="0" baseline="0" noProof="0" dirty="0" smtClean="0">
-              <a:ln>
-                <a:noFill/>
-              </a:ln>
-              <a:solidFill>
-                <a:schemeClr val="tx1"/>
-              </a:solidFill>
-              <a:effectLst/>
-              <a:uLnTx/>
-              <a:uFillTx/>
-              <a:latin typeface="+mn-lt"/>
-              <a:ea typeface="+mn-ea"/>
-              <a:cs typeface="+mn-cs"/>
-            </a:endParaRPr>
-          </a:p>
-          <a:p>
-            <a:pPr marL="342900" marR="0" lvl="0" indent="-342900" algn="l" defTabSz="914400" rtl="0" eaLnBrk="1" fontAlgn="auto" latinLnBrk="0" hangingPunct="1">
-              <a:lnSpc>
-                <a:spcPct val="100000"/>
-              </a:lnSpc>
-              <a:spcBef>
-                <a:spcPct val="20000"/>
-              </a:spcBef>
-              <a:spcAft>
-                <a:spcPts val="0"/>
-              </a:spcAft>
-              <a:buClrTx/>
-              <a:buSzTx/>
-              <a:buFont typeface="Arial" pitchFamily="34" charset="0"/>
-              <a:buNone/>
-              <a:tabLst/>
-              <a:defRPr/>
-            </a:pPr>
-            <a:endParaRPr kumimoji="0" lang="en-US" sz="1400" b="0" i="0" u="none" strike="noStrike" kern="1200" cap="none" spc="0" normalizeH="0" baseline="0" noProof="0" dirty="0" smtClean="0">
-              <a:ln>
-                <a:noFill/>
-              </a:ln>
-              <a:solidFill>
-                <a:schemeClr val="tx1"/>
-              </a:solidFill>
-              <a:effectLst/>
-              <a:uLnTx/>
-              <a:uFillTx/>
-              <a:latin typeface="+mn-lt"/>
-              <a:ea typeface="+mn-ea"/>
-              <a:cs typeface="+mn-cs"/>
-            </a:endParaRPr>
-          </a:p>
-        </p:txBody>
-      </p:sp>
-      <p:sp>
-        <p:nvSpPr>
-          <p:cNvPr id="12" name="Content Placeholder 2"/>
-          <p:cNvSpPr txBox="1">
-            <a:spLocks/>
-          </p:cNvSpPr>
-          <p:nvPr/>
-        </p:nvSpPr>
-        <p:spPr>
-          <a:xfrm>
-            <a:off x="457200" y="2514600"/>
-            <a:ext cx="5562600" cy="2362200"/>
-          </a:xfrm>
-          <a:prstGeom prst="rect">
-            <a:avLst/>
-          </a:prstGeom>
-        </p:spPr>
-        <p:txBody>
-          <a:bodyPr vert="horz" lIns="91440" tIns="45720" rIns="91440" bIns="45720" rtlCol="0">
-            <a:noAutofit/>
-          </a:bodyPr>
-          <a:lstStyle/>
-          <a:p>
-            <a:pPr marL="342900" marR="0" lvl="0" indent="-342900" algn="l" defTabSz="914400" rtl="0" eaLnBrk="1" fontAlgn="auto" latinLnBrk="0" hangingPunct="1">
-              <a:lnSpc>
-                <a:spcPct val="100000"/>
-              </a:lnSpc>
-              <a:spcBef>
-                <a:spcPct val="20000"/>
-              </a:spcBef>
-              <a:spcAft>
-                <a:spcPts val="0"/>
-              </a:spcAft>
-              <a:buClrTx/>
-              <a:buSzTx/>
-              <a:buFont typeface="Arial" pitchFamily="34" charset="0"/>
-              <a:buNone/>
-              <a:tabLst/>
-              <a:defRPr/>
-            </a:pPr>
-            <a:r>
-              <a:rPr kumimoji="0" lang="en-US" sz="1100" b="1" i="0" u="none" strike="noStrike" kern="1200" cap="none" spc="0" normalizeH="0" baseline="0" noProof="0" dirty="0" smtClean="0">
-                <a:ln>
-                  <a:noFill/>
-                </a:ln>
-                <a:solidFill>
-                  <a:schemeClr val="tx1"/>
-                </a:solidFill>
-                <a:effectLst/>
-                <a:uLnTx/>
-                <a:uFillTx/>
-                <a:latin typeface="Courier New" pitchFamily="49" charset="0"/>
-                <a:cs typeface="Courier New" pitchFamily="49" charset="0"/>
-              </a:rPr>
-              <a:t>Phantom mode: </a:t>
-            </a:r>
-            <a:r>
-              <a:rPr kumimoji="0" lang="en-US" sz="1100" b="1" i="0" u="none" strike="noStrike" kern="1200" cap="none" spc="0" normalizeH="0" baseline="0" noProof="0" dirty="0" smtClean="0">
-                <a:ln>
-                  <a:noFill/>
-                </a:ln>
-                <a:solidFill>
-                  <a:schemeClr val="tx1"/>
-                </a:solidFill>
-                <a:effectLst/>
-                <a:uLnTx/>
-                <a:uFillTx/>
-                <a:latin typeface="Courier New" pitchFamily="49" charset="0"/>
-                <a:cs typeface="Courier New" pitchFamily="49" charset="0"/>
-              </a:rPr>
-              <a:t>fCal_2.0</a:t>
-            </a:r>
-            <a:r>
-              <a:rPr kumimoji="0" lang="en-US" sz="1100" b="1" i="0" u="none" strike="noStrike" kern="1200" cap="none" spc="0" normalizeH="0" baseline="0" noProof="0" dirty="0" smtClean="0">
-                <a:ln>
-                  <a:noFill/>
-                </a:ln>
-                <a:solidFill>
-                  <a:schemeClr val="tx1"/>
-                </a:solidFill>
-                <a:effectLst/>
-                <a:uLnTx/>
-                <a:uFillTx/>
-                <a:latin typeface="Courier New" pitchFamily="49" charset="0"/>
-                <a:cs typeface="Courier New" pitchFamily="49" charset="0"/>
-              </a:rPr>
-              <a:t>, Wiring: </a:t>
-            </a:r>
-            <a:r>
-              <a:rPr kumimoji="0" lang="en-US" sz="1100" b="1" i="0" u="none" strike="noStrike" kern="1200" cap="none" spc="0" normalizeH="0" baseline="0" noProof="0" dirty="0" smtClean="0">
-                <a:ln>
-                  <a:noFill/>
-                </a:ln>
-                <a:solidFill>
-                  <a:schemeClr val="tx1"/>
-                </a:solidFill>
-                <a:effectLst/>
-                <a:uLnTx/>
-                <a:uFillTx/>
-                <a:latin typeface="Courier New" pitchFamily="49" charset="0"/>
-                <a:cs typeface="Courier New" pitchFamily="49" charset="0"/>
-              </a:rPr>
-              <a:t>wiring_2.0</a:t>
-            </a:r>
-            <a:r>
-              <a:rPr kumimoji="0" lang="en-US" sz="1100" b="1" i="0" u="none" strike="noStrike" kern="1200" cap="none" spc="0" normalizeH="0" baseline="0" noProof="0" dirty="0" smtClean="0">
-                <a:ln>
-                  <a:noFill/>
-                </a:ln>
-                <a:solidFill>
-                  <a:schemeClr val="tx1"/>
-                </a:solidFill>
-                <a:effectLst/>
-                <a:uLnTx/>
-                <a:uFillTx/>
-                <a:latin typeface="Courier New" pitchFamily="49" charset="0"/>
-                <a:cs typeface="Courier New" pitchFamily="49" charset="0"/>
-              </a:rPr>
-              <a:t>:</a:t>
-            </a:r>
-          </a:p>
-          <a:p>
-            <a:pPr marL="53975" lvl="0">
-              <a:spcBef>
-                <a:spcPct val="20000"/>
-              </a:spcBef>
-              <a:defRPr/>
-            </a:pPr>
-            <a:r>
-              <a:rPr kumimoji="0" lang="en-US" sz="700" b="1" i="0" u="none" strike="noStrike" kern="1200" cap="none" spc="0" normalizeH="0" baseline="0" noProof="0" dirty="0" smtClean="0">
-                <a:ln>
-                  <a:noFill/>
-                </a:ln>
-                <a:solidFill>
-                  <a:schemeClr val="tx1"/>
-                </a:solidFill>
-                <a:effectLst/>
-                <a:uLnTx/>
-                <a:uFillTx/>
-                <a:latin typeface="Courier New" pitchFamily="49" charset="0"/>
-                <a:cs typeface="Courier New" pitchFamily="49" charset="0"/>
-              </a:rPr>
-              <a:t>&lt;</a:t>
-            </a:r>
-            <a:r>
-              <a:rPr kumimoji="0" lang="en-US" sz="700" b="1" i="0" u="none" strike="noStrike" kern="1200" cap="none" spc="0" normalizeH="0" baseline="0" noProof="0" dirty="0" smtClean="0">
-                <a:ln>
-                  <a:noFill/>
-                </a:ln>
-                <a:solidFill>
-                  <a:schemeClr val="tx1"/>
-                </a:solidFill>
-                <a:effectLst/>
-                <a:uLnTx/>
-                <a:uFillTx/>
-                <a:latin typeface="Courier New" pitchFamily="49" charset="0"/>
-                <a:cs typeface="Courier New" pitchFamily="49" charset="0"/>
-              </a:rPr>
-              <a:t>Geometry&gt;</a:t>
-            </a:r>
-            <a:br>
-              <a:rPr kumimoji="0" lang="en-US" sz="700" b="1" i="0" u="none" strike="noStrike" kern="1200" cap="none" spc="0" normalizeH="0" baseline="0" noProof="0" dirty="0" smtClean="0">
-                <a:ln>
-                  <a:noFill/>
-                </a:ln>
-                <a:solidFill>
-                  <a:schemeClr val="tx1"/>
-                </a:solidFill>
-                <a:effectLst/>
-                <a:uLnTx/>
-                <a:uFillTx/>
-                <a:latin typeface="Courier New" pitchFamily="49" charset="0"/>
-                <a:cs typeface="Courier New" pitchFamily="49" charset="0"/>
-              </a:rPr>
-            </a:br>
-            <a:r>
-              <a:rPr lang="en-US" sz="700" b="1" dirty="0">
-                <a:latin typeface="Courier New" pitchFamily="49" charset="0"/>
-                <a:cs typeface="Courier New" pitchFamily="49" charset="0"/>
-              </a:rPr>
-              <a:t> &lt;Pattern Type="</a:t>
-            </a:r>
-            <a:r>
-              <a:rPr lang="en-US" sz="700" b="1" dirty="0" err="1">
-                <a:latin typeface="Courier New" pitchFamily="49" charset="0"/>
-                <a:cs typeface="Courier New" pitchFamily="49" charset="0"/>
-              </a:rPr>
-              <a:t>NWire</a:t>
-            </a:r>
-            <a:r>
-              <a:rPr lang="en-US" sz="700" b="1" dirty="0">
-                <a:latin typeface="Courier New" pitchFamily="49" charset="0"/>
-                <a:cs typeface="Courier New" pitchFamily="49" charset="0"/>
-              </a:rPr>
-              <a:t>"&gt;</a:t>
-            </a:r>
-          </a:p>
-          <a:p>
-            <a:pPr marL="53975" lvl="0">
-              <a:spcBef>
-                <a:spcPct val="20000"/>
-              </a:spcBef>
-              <a:defRPr/>
-            </a:pPr>
-            <a:r>
-              <a:rPr lang="en-US" sz="700" b="1" dirty="0">
-                <a:latin typeface="Courier New" pitchFamily="49" charset="0"/>
-                <a:cs typeface="Courier New" pitchFamily="49" charset="0"/>
-              </a:rPr>
-              <a:t>        &lt;Wire Name="7:G1_g1" </a:t>
-            </a:r>
-            <a:r>
-              <a:rPr lang="en-US" sz="700" b="1" dirty="0" err="1">
-                <a:latin typeface="Courier New" pitchFamily="49" charset="0"/>
-                <a:cs typeface="Courier New" pitchFamily="49" charset="0"/>
-              </a:rPr>
-              <a:t>EndPointFront</a:t>
-            </a:r>
-            <a:r>
-              <a:rPr lang="en-US" sz="700" b="1" dirty="0">
-                <a:latin typeface="Courier New" pitchFamily="49" charset="0"/>
-                <a:cs typeface="Courier New" pitchFamily="49" charset="0"/>
-              </a:rPr>
-              <a:t>="30.0 0.0 20.0" </a:t>
-            </a:r>
-            <a:r>
-              <a:rPr lang="en-US" sz="700" b="1" dirty="0" err="1">
-                <a:latin typeface="Courier New" pitchFamily="49" charset="0"/>
-                <a:cs typeface="Courier New" pitchFamily="49" charset="0"/>
-              </a:rPr>
-              <a:t>EndPointBack</a:t>
-            </a:r>
-            <a:r>
-              <a:rPr lang="en-US" sz="700" b="1" dirty="0">
-                <a:latin typeface="Courier New" pitchFamily="49" charset="0"/>
-                <a:cs typeface="Courier New" pitchFamily="49" charset="0"/>
-              </a:rPr>
-              <a:t>="30.0 40.0 20.0" /&gt;</a:t>
-            </a:r>
-          </a:p>
-          <a:p>
-            <a:pPr marL="53975" lvl="0">
-              <a:spcBef>
-                <a:spcPct val="20000"/>
-              </a:spcBef>
-              <a:defRPr/>
-            </a:pPr>
-            <a:r>
-              <a:rPr lang="en-US" sz="700" b="1" dirty="0">
-                <a:latin typeface="Courier New" pitchFamily="49" charset="0"/>
-                <a:cs typeface="Courier New" pitchFamily="49" charset="0"/>
-              </a:rPr>
-              <a:t>        &lt;Wire Name="8:L1_h1" </a:t>
-            </a:r>
-            <a:r>
-              <a:rPr lang="en-US" sz="700" b="1" dirty="0" err="1">
-                <a:latin typeface="Courier New" pitchFamily="49" charset="0"/>
-                <a:cs typeface="Courier New" pitchFamily="49" charset="0"/>
-              </a:rPr>
-              <a:t>EndPointFront</a:t>
-            </a:r>
-            <a:r>
-              <a:rPr lang="en-US" sz="700" b="1" dirty="0">
-                <a:latin typeface="Courier New" pitchFamily="49" charset="0"/>
-                <a:cs typeface="Courier New" pitchFamily="49" charset="0"/>
-              </a:rPr>
-              <a:t>="55.0 0.0 20.0" </a:t>
-            </a:r>
-            <a:r>
-              <a:rPr lang="en-US" sz="700" b="1" dirty="0" err="1">
-                <a:latin typeface="Courier New" pitchFamily="49" charset="0"/>
-                <a:cs typeface="Courier New" pitchFamily="49" charset="0"/>
-              </a:rPr>
-              <a:t>EndPointBack</a:t>
-            </a:r>
-            <a:r>
-              <a:rPr lang="en-US" sz="700" b="1" dirty="0">
-                <a:latin typeface="Courier New" pitchFamily="49" charset="0"/>
-                <a:cs typeface="Courier New" pitchFamily="49" charset="0"/>
-              </a:rPr>
-              <a:t>="35.0 40.0 20.0" /&gt;</a:t>
-            </a:r>
-          </a:p>
-          <a:p>
-            <a:pPr marL="53975" lvl="0">
-              <a:spcBef>
-                <a:spcPct val="20000"/>
-              </a:spcBef>
-              <a:defRPr/>
-            </a:pPr>
-            <a:r>
-              <a:rPr lang="en-US" sz="700" b="1" dirty="0">
-                <a:latin typeface="Courier New" pitchFamily="49" charset="0"/>
-                <a:cs typeface="Courier New" pitchFamily="49" charset="0"/>
-              </a:rPr>
-              <a:t>        &lt;Wire Name="9:M1_m1" </a:t>
-            </a:r>
-            <a:r>
-              <a:rPr lang="en-US" sz="700" b="1" dirty="0" err="1">
-                <a:latin typeface="Courier New" pitchFamily="49" charset="0"/>
-                <a:cs typeface="Courier New" pitchFamily="49" charset="0"/>
-              </a:rPr>
-              <a:t>EndPointFront</a:t>
-            </a:r>
-            <a:r>
-              <a:rPr lang="en-US" sz="700" b="1" dirty="0">
-                <a:latin typeface="Courier New" pitchFamily="49" charset="0"/>
-                <a:cs typeface="Courier New" pitchFamily="49" charset="0"/>
-              </a:rPr>
-              <a:t>="60.0 0.0 20.0" </a:t>
-            </a:r>
-            <a:r>
-              <a:rPr lang="en-US" sz="700" b="1" dirty="0" err="1">
-                <a:latin typeface="Courier New" pitchFamily="49" charset="0"/>
-                <a:cs typeface="Courier New" pitchFamily="49" charset="0"/>
-              </a:rPr>
-              <a:t>EndPointBack</a:t>
-            </a:r>
-            <a:r>
-              <a:rPr lang="en-US" sz="700" b="1" dirty="0">
-                <a:latin typeface="Courier New" pitchFamily="49" charset="0"/>
-                <a:cs typeface="Courier New" pitchFamily="49" charset="0"/>
-              </a:rPr>
-              <a:t>="60.0 40.0 20.0" /&gt;</a:t>
-            </a:r>
-          </a:p>
-          <a:p>
-            <a:pPr marL="53975" lvl="0">
-              <a:spcBef>
-                <a:spcPct val="20000"/>
-              </a:spcBef>
-              <a:defRPr/>
-            </a:pPr>
-            <a:r>
-              <a:rPr lang="en-US" sz="700" b="1" dirty="0">
-                <a:latin typeface="Courier New" pitchFamily="49" charset="0"/>
-                <a:cs typeface="Courier New" pitchFamily="49" charset="0"/>
-              </a:rPr>
-              <a:t>      &lt;/Pattern&gt;</a:t>
-            </a:r>
-          </a:p>
-          <a:p>
-            <a:pPr marL="53975" lvl="0">
-              <a:spcBef>
-                <a:spcPct val="20000"/>
-              </a:spcBef>
-              <a:defRPr/>
-            </a:pPr>
-            <a:r>
-              <a:rPr lang="en-US" sz="700" b="1" dirty="0">
-                <a:latin typeface="Courier New" pitchFamily="49" charset="0"/>
-                <a:cs typeface="Courier New" pitchFamily="49" charset="0"/>
-              </a:rPr>
-              <a:t>   </a:t>
-            </a:r>
-            <a:r>
-              <a:rPr lang="en-US" sz="700" b="1" dirty="0" smtClean="0">
-                <a:latin typeface="Courier New" pitchFamily="49" charset="0"/>
-                <a:cs typeface="Courier New" pitchFamily="49" charset="0"/>
-              </a:rPr>
-              <a:t>   </a:t>
-            </a:r>
-            <a:r>
-              <a:rPr lang="en-US" sz="700" b="1" dirty="0">
-                <a:latin typeface="Courier New" pitchFamily="49" charset="0"/>
-                <a:cs typeface="Courier New" pitchFamily="49" charset="0"/>
-              </a:rPr>
-              <a:t>&lt;Pattern Type="</a:t>
-            </a:r>
-            <a:r>
-              <a:rPr lang="en-US" sz="700" b="1" dirty="0" err="1">
-                <a:latin typeface="Courier New" pitchFamily="49" charset="0"/>
-                <a:cs typeface="Courier New" pitchFamily="49" charset="0"/>
-              </a:rPr>
-              <a:t>NWire</a:t>
-            </a:r>
-            <a:r>
-              <a:rPr lang="en-US" sz="700" b="1" dirty="0">
-                <a:latin typeface="Courier New" pitchFamily="49" charset="0"/>
-                <a:cs typeface="Courier New" pitchFamily="49" charset="0"/>
-              </a:rPr>
-              <a:t>"&gt;</a:t>
-            </a:r>
-          </a:p>
-          <a:p>
-            <a:pPr marL="53975" lvl="0">
-              <a:spcBef>
-                <a:spcPct val="20000"/>
-              </a:spcBef>
-              <a:defRPr/>
-            </a:pPr>
-            <a:r>
-              <a:rPr lang="en-US" sz="700" b="1" dirty="0">
-                <a:latin typeface="Courier New" pitchFamily="49" charset="0"/>
-                <a:cs typeface="Courier New" pitchFamily="49" charset="0"/>
-              </a:rPr>
-              <a:t>        &lt;Wire Name="4:G3_g3" </a:t>
-            </a:r>
-            <a:r>
-              <a:rPr lang="en-US" sz="700" b="1" dirty="0" err="1">
-                <a:latin typeface="Courier New" pitchFamily="49" charset="0"/>
-                <a:cs typeface="Courier New" pitchFamily="49" charset="0"/>
-              </a:rPr>
-              <a:t>EndPointFront</a:t>
-            </a:r>
-            <a:r>
-              <a:rPr lang="en-US" sz="700" b="1" dirty="0">
-                <a:latin typeface="Courier New" pitchFamily="49" charset="0"/>
-                <a:cs typeface="Courier New" pitchFamily="49" charset="0"/>
-              </a:rPr>
-              <a:t>="30.0 0.0 10.0" </a:t>
-            </a:r>
-            <a:r>
-              <a:rPr lang="en-US" sz="700" b="1" dirty="0" err="1">
-                <a:latin typeface="Courier New" pitchFamily="49" charset="0"/>
-                <a:cs typeface="Courier New" pitchFamily="49" charset="0"/>
-              </a:rPr>
-              <a:t>EndPointBack</a:t>
-            </a:r>
-            <a:r>
-              <a:rPr lang="en-US" sz="700" b="1" dirty="0">
-                <a:latin typeface="Courier New" pitchFamily="49" charset="0"/>
-                <a:cs typeface="Courier New" pitchFamily="49" charset="0"/>
-              </a:rPr>
-              <a:t>="30.0 40.0 10.0" /&gt;</a:t>
-            </a:r>
-          </a:p>
-          <a:p>
-            <a:pPr marL="53975" lvl="0">
-              <a:spcBef>
-                <a:spcPct val="20000"/>
-              </a:spcBef>
-              <a:defRPr/>
-            </a:pPr>
-            <a:r>
-              <a:rPr lang="en-US" sz="700" b="1" dirty="0">
-                <a:latin typeface="Courier New" pitchFamily="49" charset="0"/>
-                <a:cs typeface="Courier New" pitchFamily="49" charset="0"/>
-              </a:rPr>
-              <a:t>        &lt;Wire Name="5:H3_l3" </a:t>
-            </a:r>
-            <a:r>
-              <a:rPr lang="en-US" sz="700" b="1" dirty="0" err="1">
-                <a:latin typeface="Courier New" pitchFamily="49" charset="0"/>
-                <a:cs typeface="Courier New" pitchFamily="49" charset="0"/>
-              </a:rPr>
-              <a:t>EndPointFront</a:t>
-            </a:r>
-            <a:r>
-              <a:rPr lang="en-US" sz="700" b="1" dirty="0">
-                <a:latin typeface="Courier New" pitchFamily="49" charset="0"/>
-                <a:cs typeface="Courier New" pitchFamily="49" charset="0"/>
-              </a:rPr>
-              <a:t>="35.0 0.0 10.0" </a:t>
-            </a:r>
-            <a:r>
-              <a:rPr lang="en-US" sz="700" b="1" dirty="0" err="1">
-                <a:latin typeface="Courier New" pitchFamily="49" charset="0"/>
-                <a:cs typeface="Courier New" pitchFamily="49" charset="0"/>
-              </a:rPr>
-              <a:t>EndPointBack</a:t>
-            </a:r>
-            <a:r>
-              <a:rPr lang="en-US" sz="700" b="1" dirty="0">
-                <a:latin typeface="Courier New" pitchFamily="49" charset="0"/>
-                <a:cs typeface="Courier New" pitchFamily="49" charset="0"/>
-              </a:rPr>
-              <a:t>="55.0 40.0 10.0" /&gt;</a:t>
-            </a:r>
-          </a:p>
-          <a:p>
-            <a:pPr marL="53975" lvl="0">
-              <a:spcBef>
-                <a:spcPct val="20000"/>
-              </a:spcBef>
-              <a:defRPr/>
-            </a:pPr>
-            <a:r>
-              <a:rPr lang="en-US" sz="700" b="1" dirty="0">
-                <a:latin typeface="Courier New" pitchFamily="49" charset="0"/>
-                <a:cs typeface="Courier New" pitchFamily="49" charset="0"/>
-              </a:rPr>
-              <a:t>        &lt;Wire Name="6:M3_m3" </a:t>
-            </a:r>
-            <a:r>
-              <a:rPr lang="en-US" sz="700" b="1" dirty="0" err="1">
-                <a:latin typeface="Courier New" pitchFamily="49" charset="0"/>
-                <a:cs typeface="Courier New" pitchFamily="49" charset="0"/>
-              </a:rPr>
-              <a:t>EndPointFront</a:t>
-            </a:r>
-            <a:r>
-              <a:rPr lang="en-US" sz="700" b="1" dirty="0">
-                <a:latin typeface="Courier New" pitchFamily="49" charset="0"/>
-                <a:cs typeface="Courier New" pitchFamily="49" charset="0"/>
-              </a:rPr>
-              <a:t>="60.0 0.0 10.0" </a:t>
-            </a:r>
-            <a:r>
-              <a:rPr lang="en-US" sz="700" b="1" dirty="0" err="1">
-                <a:latin typeface="Courier New" pitchFamily="49" charset="0"/>
-                <a:cs typeface="Courier New" pitchFamily="49" charset="0"/>
-              </a:rPr>
-              <a:t>EndPointBack</a:t>
-            </a:r>
-            <a:r>
-              <a:rPr lang="en-US" sz="700" b="1" dirty="0">
-                <a:latin typeface="Courier New" pitchFamily="49" charset="0"/>
-                <a:cs typeface="Courier New" pitchFamily="49" charset="0"/>
-              </a:rPr>
-              <a:t>="60.0 40.0 10.0" /&gt;</a:t>
-            </a:r>
-          </a:p>
-          <a:p>
-            <a:pPr marL="53975" lvl="0">
-              <a:spcBef>
-                <a:spcPct val="20000"/>
-              </a:spcBef>
-              <a:defRPr/>
-            </a:pPr>
-            <a:r>
-              <a:rPr lang="en-US" sz="700" b="1" dirty="0">
-                <a:latin typeface="Courier New" pitchFamily="49" charset="0"/>
-                <a:cs typeface="Courier New" pitchFamily="49" charset="0"/>
-              </a:rPr>
-              <a:t>      &lt;/Pattern&gt;</a:t>
-            </a:r>
-          </a:p>
-          <a:p>
-            <a:pPr marL="53975" lvl="0">
-              <a:spcBef>
-                <a:spcPct val="20000"/>
-              </a:spcBef>
-              <a:defRPr/>
-            </a:pPr>
-            <a:r>
-              <a:rPr lang="en-US" sz="700" b="1" dirty="0">
-                <a:latin typeface="Courier New" pitchFamily="49" charset="0"/>
-                <a:cs typeface="Courier New" pitchFamily="49" charset="0"/>
-              </a:rPr>
-              <a:t>      &lt;Pattern Type="</a:t>
-            </a:r>
-            <a:r>
-              <a:rPr lang="en-US" sz="700" b="1" dirty="0" err="1">
-                <a:latin typeface="Courier New" pitchFamily="49" charset="0"/>
-                <a:cs typeface="Courier New" pitchFamily="49" charset="0"/>
-              </a:rPr>
-              <a:t>NWire</a:t>
-            </a:r>
-            <a:r>
-              <a:rPr lang="en-US" sz="700" b="1" dirty="0">
-                <a:latin typeface="Courier New" pitchFamily="49" charset="0"/>
-                <a:cs typeface="Courier New" pitchFamily="49" charset="0"/>
-              </a:rPr>
-              <a:t>"&gt;</a:t>
-            </a:r>
-          </a:p>
-          <a:p>
-            <a:pPr marL="53975" lvl="0">
-              <a:spcBef>
-                <a:spcPct val="20000"/>
-              </a:spcBef>
-              <a:defRPr/>
-            </a:pPr>
-            <a:r>
-              <a:rPr lang="en-US" sz="700" b="1" dirty="0">
-                <a:latin typeface="Courier New" pitchFamily="49" charset="0"/>
-                <a:cs typeface="Courier New" pitchFamily="49" charset="0"/>
-              </a:rPr>
-              <a:t>        &lt;Wire Name="1:H5_h5" </a:t>
-            </a:r>
-            <a:r>
-              <a:rPr lang="en-US" sz="700" b="1" dirty="0" err="1">
-                <a:latin typeface="Courier New" pitchFamily="49" charset="0"/>
-                <a:cs typeface="Courier New" pitchFamily="49" charset="0"/>
-              </a:rPr>
-              <a:t>EndPointFront</a:t>
-            </a:r>
-            <a:r>
-              <a:rPr lang="en-US" sz="700" b="1" dirty="0">
-                <a:latin typeface="Courier New" pitchFamily="49" charset="0"/>
-                <a:cs typeface="Courier New" pitchFamily="49" charset="0"/>
-              </a:rPr>
-              <a:t>="35.0 0.0 0.0" </a:t>
-            </a:r>
-            <a:r>
-              <a:rPr lang="en-US" sz="700" b="1" dirty="0" err="1">
-                <a:latin typeface="Courier New" pitchFamily="49" charset="0"/>
-                <a:cs typeface="Courier New" pitchFamily="49" charset="0"/>
-              </a:rPr>
-              <a:t>EndPointBack</a:t>
-            </a:r>
-            <a:r>
-              <a:rPr lang="en-US" sz="700" b="1" dirty="0">
-                <a:latin typeface="Courier New" pitchFamily="49" charset="0"/>
-                <a:cs typeface="Courier New" pitchFamily="49" charset="0"/>
-              </a:rPr>
-              <a:t>="35.0 40.0 0.0" /&gt;</a:t>
-            </a:r>
-          </a:p>
-          <a:p>
-            <a:pPr marL="53975" lvl="0">
-              <a:spcBef>
-                <a:spcPct val="20000"/>
-              </a:spcBef>
-              <a:defRPr/>
-            </a:pPr>
-            <a:r>
-              <a:rPr lang="en-US" sz="700" b="1" dirty="0">
-                <a:latin typeface="Courier New" pitchFamily="49" charset="0"/>
-                <a:cs typeface="Courier New" pitchFamily="49" charset="0"/>
-              </a:rPr>
-              <a:t>        &lt;Wire Name="2:L5_i5" </a:t>
-            </a:r>
-            <a:r>
-              <a:rPr lang="en-US" sz="700" b="1" dirty="0" err="1">
-                <a:latin typeface="Courier New" pitchFamily="49" charset="0"/>
-                <a:cs typeface="Courier New" pitchFamily="49" charset="0"/>
-              </a:rPr>
-              <a:t>EndPointFront</a:t>
-            </a:r>
-            <a:r>
-              <a:rPr lang="en-US" sz="700" b="1" dirty="0">
-                <a:latin typeface="Courier New" pitchFamily="49" charset="0"/>
-                <a:cs typeface="Courier New" pitchFamily="49" charset="0"/>
-              </a:rPr>
-              <a:t>="55.0 0.0 0.0" </a:t>
-            </a:r>
-            <a:r>
-              <a:rPr lang="en-US" sz="700" b="1" dirty="0" err="1">
-                <a:latin typeface="Courier New" pitchFamily="49" charset="0"/>
-                <a:cs typeface="Courier New" pitchFamily="49" charset="0"/>
-              </a:rPr>
-              <a:t>EndPointBack</a:t>
-            </a:r>
-            <a:r>
-              <a:rPr lang="en-US" sz="700" b="1" dirty="0">
-                <a:latin typeface="Courier New" pitchFamily="49" charset="0"/>
-                <a:cs typeface="Courier New" pitchFamily="49" charset="0"/>
-              </a:rPr>
-              <a:t>="40.0 40.0 0.0" /&gt;</a:t>
-            </a:r>
-          </a:p>
-          <a:p>
-            <a:pPr marL="53975" lvl="0">
-              <a:spcBef>
-                <a:spcPct val="20000"/>
-              </a:spcBef>
-              <a:defRPr/>
-            </a:pPr>
-            <a:r>
-              <a:rPr lang="en-US" sz="700" b="1" dirty="0">
-                <a:latin typeface="Courier New" pitchFamily="49" charset="0"/>
-                <a:cs typeface="Courier New" pitchFamily="49" charset="0"/>
-              </a:rPr>
-              <a:t>        &lt;Wire Name="3:M5_m5" </a:t>
-            </a:r>
-            <a:r>
-              <a:rPr lang="en-US" sz="700" b="1" dirty="0" err="1">
-                <a:latin typeface="Courier New" pitchFamily="49" charset="0"/>
-                <a:cs typeface="Courier New" pitchFamily="49" charset="0"/>
-              </a:rPr>
-              <a:t>EndPointFront</a:t>
-            </a:r>
-            <a:r>
-              <a:rPr lang="en-US" sz="700" b="1" dirty="0">
-                <a:latin typeface="Courier New" pitchFamily="49" charset="0"/>
-                <a:cs typeface="Courier New" pitchFamily="49" charset="0"/>
-              </a:rPr>
-              <a:t>="60.0 0.0 0.0" </a:t>
-            </a:r>
-            <a:r>
-              <a:rPr lang="en-US" sz="700" b="1" dirty="0" err="1">
-                <a:latin typeface="Courier New" pitchFamily="49" charset="0"/>
-                <a:cs typeface="Courier New" pitchFamily="49" charset="0"/>
-              </a:rPr>
-              <a:t>EndPointBack</a:t>
-            </a:r>
-            <a:r>
-              <a:rPr lang="en-US" sz="700" b="1" dirty="0">
-                <a:latin typeface="Courier New" pitchFamily="49" charset="0"/>
-                <a:cs typeface="Courier New" pitchFamily="49" charset="0"/>
-              </a:rPr>
-              <a:t>="60.0 40.0 0.0" /&gt;</a:t>
-            </a:r>
-          </a:p>
-          <a:p>
-            <a:pPr marL="53975" lvl="0">
-              <a:spcBef>
-                <a:spcPct val="20000"/>
-              </a:spcBef>
-              <a:defRPr/>
-            </a:pPr>
-            <a:r>
-              <a:rPr lang="en-US" sz="700" b="1" dirty="0">
-                <a:latin typeface="Courier New" pitchFamily="49" charset="0"/>
-                <a:cs typeface="Courier New" pitchFamily="49" charset="0"/>
-              </a:rPr>
-              <a:t>      &lt;/Pattern&gt;</a:t>
-            </a:r>
-            <a:endParaRPr kumimoji="0" lang="en-US" sz="700" b="1" i="0" u="none" strike="noStrike" kern="1200" cap="none" spc="0" normalizeH="0" baseline="0" noProof="0" dirty="0" smtClean="0">
-              <a:ln>
-                <a:noFill/>
-              </a:ln>
-              <a:solidFill>
-                <a:schemeClr val="tx1"/>
-              </a:solidFill>
-              <a:effectLst/>
-              <a:uLnTx/>
-              <a:uFillTx/>
-              <a:latin typeface="Courier New" pitchFamily="49" charset="0"/>
-              <a:cs typeface="Courier New" pitchFamily="49" charset="0"/>
-            </a:endParaRPr>
-          </a:p>
-          <a:p>
-            <a:pPr marL="53975" marR="0" lvl="0" indent="0" algn="l" defTabSz="914400" rtl="0" eaLnBrk="1" fontAlgn="auto" latinLnBrk="0" hangingPunct="1">
-              <a:lnSpc>
-                <a:spcPct val="100000"/>
-              </a:lnSpc>
-              <a:spcBef>
-                <a:spcPct val="20000"/>
-              </a:spcBef>
-              <a:spcAft>
-                <a:spcPts val="0"/>
-              </a:spcAft>
-              <a:buClrTx/>
-              <a:buSzTx/>
-              <a:buFont typeface="Arial" pitchFamily="34" charset="0"/>
-              <a:buNone/>
-              <a:tabLst/>
-              <a:defRPr/>
-            </a:pPr>
-            <a:r>
-              <a:rPr kumimoji="0" lang="en-US" sz="700" b="1" i="0" u="none" strike="noStrike" kern="1200" cap="none" spc="0" normalizeH="0" baseline="0" noProof="0" dirty="0" smtClean="0">
-                <a:ln>
-                  <a:noFill/>
-                </a:ln>
-                <a:solidFill>
-                  <a:schemeClr val="tx1"/>
-                </a:solidFill>
-                <a:effectLst/>
-                <a:uLnTx/>
-                <a:uFillTx/>
-                <a:latin typeface="Courier New" pitchFamily="49" charset="0"/>
-                <a:cs typeface="Courier New" pitchFamily="49" charset="0"/>
-              </a:rPr>
-              <a:t>...</a:t>
-            </a:r>
-          </a:p>
-          <a:p>
-            <a:pPr marL="53975" marR="0" lvl="0" indent="0" algn="l" defTabSz="914400" rtl="0" eaLnBrk="1" fontAlgn="auto" latinLnBrk="0" hangingPunct="1">
-              <a:lnSpc>
-                <a:spcPct val="100000"/>
-              </a:lnSpc>
-              <a:spcBef>
-                <a:spcPct val="20000"/>
-              </a:spcBef>
-              <a:spcAft>
-                <a:spcPts val="0"/>
-              </a:spcAft>
-              <a:buClrTx/>
-              <a:buSzTx/>
-              <a:buFont typeface="Arial" pitchFamily="34" charset="0"/>
-              <a:buNone/>
-              <a:tabLst/>
-              <a:defRPr/>
-            </a:pPr>
-            <a:r>
-              <a:rPr kumimoji="0" lang="en-US" sz="700" b="1" i="0" u="none" strike="noStrike" kern="1200" cap="none" spc="0" normalizeH="0" baseline="0" noProof="0" dirty="0" smtClean="0">
-                <a:ln>
-                  <a:noFill/>
-                </a:ln>
-                <a:solidFill>
-                  <a:schemeClr val="tx1"/>
-                </a:solidFill>
-                <a:effectLst/>
-                <a:uLnTx/>
-                <a:uFillTx/>
-                <a:latin typeface="Courier New" pitchFamily="49" charset="0"/>
-                <a:cs typeface="Courier New" pitchFamily="49" charset="0"/>
-              </a:rPr>
-              <a:t>&lt;/Geometry&gt;</a:t>
-            </a:r>
-            <a:endParaRPr kumimoji="0" lang="en-US" sz="1400" b="0" i="0" u="none" strike="noStrike" kern="1200" cap="none" spc="0" normalizeH="0" baseline="0" noProof="0" dirty="0" smtClean="0">
-              <a:ln>
-                <a:noFill/>
-              </a:ln>
-              <a:solidFill>
-                <a:schemeClr val="tx1"/>
-              </a:solidFill>
-              <a:effectLst/>
-              <a:uLnTx/>
-              <a:uFillTx/>
-              <a:latin typeface="Courier New" pitchFamily="49" charset="0"/>
-              <a:cs typeface="Courier New" pitchFamily="49" charset="0"/>
-            </a:endParaRPr>
-          </a:p>
-        </p:txBody>
-      </p:sp>
     </p:spTree>
     <p:extLst>
       <p:ext uri="{BB962C8B-B14F-4D97-AF65-F5344CB8AC3E}">
@@ -5039,6 +4480,13 @@
   <p:clrMapOvr>
     <a:masterClrMapping/>
   </p:clrMapOvr>
+  <p:timing>
+    <p:tnLst>
+      <p:par>
+        <p:cTn id="1" dur="indefinite" restart="never" nodeType="tmRoot"/>
+      </p:par>
+    </p:tnLst>
+  </p:timing>
 </p:sld>
 </file>
 
@@ -5072,13 +4520,13 @@
         <p:spPr/>
         <p:txBody>
           <a:bodyPr>
-            <a:normAutofit/>
+            <a:normAutofit fontScale="90000"/>
           </a:bodyPr>
           <a:lstStyle/>
           <a:p>
             <a:r>
               <a:rPr lang="en-CA" dirty="0" smtClean="0"/>
-              <a:t>Example</a:t>
+              <a:t>Insert fiducial lines into the phantom</a:t>
             </a:r>
             <a:endParaRPr lang="en-CA" dirty="0"/>
           </a:p>
@@ -5096,34 +4544,98 @@
         </p:nvSpPr>
         <p:spPr>
           <a:xfrm>
-            <a:off x="457200" y="1295400"/>
-            <a:ext cx="8229600" cy="4830763"/>
+            <a:off x="457200" y="1066800"/>
+            <a:ext cx="8229600" cy="1600200"/>
           </a:xfrm>
         </p:spPr>
         <p:txBody>
           <a:bodyPr>
-            <a:normAutofit/>
+            <a:noAutofit/>
           </a:bodyPr>
           <a:lstStyle/>
           <a:p>
-            <a:pPr algn="ctr">
-              <a:buNone/>
-            </a:pPr>
-            <a:r>
-              <a:rPr lang="en-CA" dirty="0" smtClean="0"/>
-              <a:t>Phantom </a:t>
-            </a:r>
-            <a:r>
-              <a:rPr lang="en-CA" dirty="0" smtClean="0"/>
-              <a:t>model: </a:t>
-            </a:r>
-            <a:r>
-              <a:rPr lang="en-CA" dirty="0" smtClean="0"/>
-              <a:t>fCal_1.0, Wiring: </a:t>
-            </a:r>
-            <a:r>
-              <a:rPr lang="en-CA" dirty="0" smtClean="0"/>
-              <a:t>wiring_1.0</a:t>
+            <a:r>
+              <a:rPr lang="en-CA" sz="1400" dirty="0" smtClean="0"/>
+              <a:t>Fiducial line material: regular fishing </a:t>
+            </a:r>
+            <a:r>
+              <a:rPr lang="en-CA" sz="1400" dirty="0" smtClean="0"/>
+              <a:t>line, about 0.2-0.3 mm diameter</a:t>
+            </a:r>
+            <a:endParaRPr lang="en-CA" sz="1400" dirty="0" smtClean="0"/>
+          </a:p>
+          <a:p>
+            <a:r>
+              <a:rPr lang="en-CA" sz="1400" dirty="0" smtClean="0"/>
+              <a:t>The endpoints of the fiducial lines shall correspond to the description in the device set configuration XML file, such as: </a:t>
+            </a:r>
+            <a:r>
+              <a:rPr lang="en-CA" sz="900" dirty="0" smtClean="0">
+                <a:hlinkClick r:id="rId2"/>
+              </a:rPr>
+              <a:t>https</a:t>
+            </a:r>
+            <a:r>
+              <a:rPr lang="en-CA" sz="900" dirty="0">
+                <a:hlinkClick r:id="rId2"/>
+              </a:rPr>
+              <a:t>://</a:t>
+            </a:r>
+            <a:r>
+              <a:rPr lang="en-CA" sz="900" dirty="0" smtClean="0">
+                <a:hlinkClick r:id="rId2"/>
+              </a:rPr>
+              <a:t>subversion.assembla.com/svn/plus/trunk/PlusLib/data/ConfigFiles/PlusConfiguration_SonixTouch_Ascension3DG_L14_fCal2.0.xml</a:t>
+            </a:r>
+            <a:endParaRPr lang="en-CA" sz="1400" dirty="0"/>
+          </a:p>
+          <a:p>
+            <a:r>
+              <a:rPr lang="en-CA" sz="1400" dirty="0" smtClean="0"/>
+              <a:t>The screenshots available at </a:t>
+            </a:r>
+            <a:r>
+              <a:rPr lang="en-US" sz="1200" dirty="0">
+                <a:hlinkClick r:id="rId3"/>
+              </a:rPr>
+              <a:t>https://</a:t>
+            </a:r>
+            <a:r>
+              <a:rPr lang="en-US" sz="1200" dirty="0" smtClean="0">
+                <a:hlinkClick r:id="rId3"/>
+              </a:rPr>
+              <a:t>subversion.assembla.com/svn/plus/trunk/doc/specifications/fCalPhantom</a:t>
+            </a:r>
+            <a:r>
+              <a:rPr lang="en-US" sz="1400" dirty="0" smtClean="0"/>
+              <a:t> can also be helpful in verifying that the </a:t>
+            </a:r>
+            <a:r>
+              <a:rPr lang="en-US" sz="1400" dirty="0" err="1" smtClean="0"/>
+              <a:t>fiducial</a:t>
+            </a:r>
+            <a:r>
+              <a:rPr lang="en-US" sz="1400" dirty="0" smtClean="0"/>
+              <a:t> lines have been inserted correctly</a:t>
+            </a:r>
+            <a:endParaRPr lang="en-CA" sz="1400" dirty="0" smtClean="0"/>
+          </a:p>
+          <a:p>
+            <a:r>
+              <a:rPr lang="en-CA" sz="1400" dirty="0" smtClean="0"/>
+              <a:t>The </a:t>
+            </a:r>
+            <a:r>
+              <a:rPr lang="en-CA" sz="1400" dirty="0" smtClean="0"/>
+              <a:t>automatic calibration method in </a:t>
+            </a:r>
+            <a:r>
+              <a:rPr lang="en-CA" sz="1400" dirty="0" err="1" smtClean="0"/>
+              <a:t>fCal</a:t>
+            </a:r>
+            <a:r>
+              <a:rPr lang="en-CA" sz="1400" dirty="0" smtClean="0"/>
+              <a:t> supports a fiducial line structure containing any number of parallel N patterns.</a:t>
             </a:r>
           </a:p>
         </p:txBody>
@@ -5155,33 +4667,39 @@
       </p:sp>
       <p:pic>
         <p:nvPicPr>
-          <p:cNvPr id="2050" name="Picture 2" descr="H:\DCIM\100OLYMP\PA250546.JPG"/>
+          <p:cNvPr id="5" name="Picture 2"/>
           <p:cNvPicPr>
             <a:picLocks noChangeAspect="1" noChangeArrowheads="1"/>
           </p:cNvPicPr>
           <p:nvPr/>
         </p:nvPicPr>
         <p:blipFill>
-          <a:blip r:embed="rId2" cstate="print"/>
-          <a:srcRect l="4354" t="20319" r="7483" b="8564"/>
+          <a:blip r:embed="rId4" cstate="print"/>
+          <a:srcRect l="16936" t="14976" r="33666" b="10146"/>
           <a:stretch>
             <a:fillRect/>
           </a:stretch>
         </p:blipFill>
         <p:spPr bwMode="auto">
           <a:xfrm>
-            <a:off x="1045030" y="1905000"/>
-            <a:ext cx="7053940" cy="4267200"/>
+            <a:off x="6248400" y="2895600"/>
+            <a:ext cx="2590800" cy="2220686"/>
           </a:xfrm>
           <a:prstGeom prst="rect">
             <a:avLst/>
           </a:prstGeom>
           <a:noFill/>
+          <a:ln w="9525">
+            <a:noFill/>
+            <a:miter lim="800000"/>
+            <a:headEnd/>
+            <a:tailEnd/>
+          </a:ln>
         </p:spPr>
       </p:pic>
       <p:sp>
         <p:nvSpPr>
-          <p:cNvPr id="7" name="Content Placeholder 2"/>
+          <p:cNvPr id="10" name="Content Placeholder 2"/>
           <p:cNvSpPr txBox="1">
             <a:spLocks/>
           </p:cNvSpPr>
@@ -5189,8 +4707,8 @@
         </p:nvSpPr>
         <p:spPr>
           <a:xfrm>
-            <a:off x="2667000" y="4267200"/>
-            <a:ext cx="914400" cy="381000"/>
+            <a:off x="8153400" y="4419600"/>
+            <a:ext cx="609600" cy="228600"/>
           </a:xfrm>
           <a:prstGeom prst="rect">
             <a:avLst/>
@@ -5198,7 +4716,7 @@
         </p:spPr>
         <p:txBody>
           <a:bodyPr vert="horz" lIns="91440" tIns="45720" rIns="91440" bIns="45720" rtlCol="0">
-            <a:normAutofit fontScale="55000" lnSpcReduction="20000"/>
+            <a:normAutofit fontScale="47500" lnSpcReduction="20000"/>
           </a:bodyPr>
           <a:lstStyle/>
           <a:p>
@@ -5222,9 +4740,6 @@
                 <a:ln>
                   <a:noFill/>
                 </a:ln>
-                <a:solidFill>
-                  <a:srgbClr val="FF0000"/>
-                </a:solidFill>
                 <a:effectLst/>
                 <a:uLnTx/>
                 <a:uFillTx/>
@@ -5232,26 +4747,1231 @@
                 <a:ea typeface="+mn-ea"/>
                 <a:cs typeface="+mn-cs"/>
               </a:rPr>
-              <a:t>E3 (wire 1)</a:t>
-            </a:r>
-          </a:p>
-        </p:txBody>
-      </p:sp>
+              <a:t>Back</a:t>
+            </a:r>
+          </a:p>
+        </p:txBody>
+      </p:sp>
+      <p:sp>
+        <p:nvSpPr>
+          <p:cNvPr id="11" name="Content Placeholder 2"/>
+          <p:cNvSpPr txBox="1">
+            <a:spLocks/>
+          </p:cNvSpPr>
+          <p:nvPr/>
+        </p:nvSpPr>
+        <p:spPr>
+          <a:xfrm>
+            <a:off x="457200" y="5410200"/>
+            <a:ext cx="8305800" cy="1219200"/>
+          </a:xfrm>
+          <a:prstGeom prst="rect">
+            <a:avLst/>
+          </a:prstGeom>
+        </p:spPr>
+        <p:txBody>
+          <a:bodyPr vert="horz" lIns="91440" tIns="45720" rIns="91440" bIns="45720" rtlCol="0">
+            <a:noAutofit/>
+          </a:bodyPr>
+          <a:lstStyle/>
+          <a:p>
+            <a:pPr lvl="0">
+              <a:spcBef>
+                <a:spcPct val="20000"/>
+              </a:spcBef>
+              <a:defRPr/>
+            </a:pPr>
+            <a:r>
+              <a:rPr kumimoji="0" lang="en-US" sz="1400" b="0" i="0" u="none" strike="noStrike" kern="1200" cap="none" spc="0" normalizeH="0" baseline="0" noProof="0" dirty="0" smtClean="0">
+                <a:ln>
+                  <a:noFill/>
+                </a:ln>
+                <a:solidFill>
+                  <a:schemeClr val="tx1"/>
+                </a:solidFill>
+                <a:effectLst/>
+                <a:uLnTx/>
+                <a:uFillTx/>
+                <a:latin typeface="+mn-lt"/>
+                <a:ea typeface="+mn-ea"/>
+                <a:cs typeface="+mn-cs"/>
+              </a:rPr>
+              <a:t>The 3D coordinates of the </a:t>
+            </a:r>
+            <a:r>
+              <a:rPr kumimoji="0" lang="en-US" sz="1400" b="0" i="0" u="none" strike="noStrike" kern="1200" cap="none" spc="0" normalizeH="0" baseline="0" noProof="0" dirty="0" err="1" smtClean="0">
+                <a:ln>
+                  <a:noFill/>
+                </a:ln>
+                <a:solidFill>
+                  <a:schemeClr val="tx1"/>
+                </a:solidFill>
+                <a:effectLst/>
+                <a:uLnTx/>
+                <a:uFillTx/>
+                <a:latin typeface="+mn-lt"/>
+                <a:ea typeface="+mn-ea"/>
+                <a:cs typeface="+mn-cs"/>
+              </a:rPr>
+              <a:t>EndPoints</a:t>
+            </a:r>
+            <a:r>
+              <a:rPr kumimoji="0" lang="en-US" sz="1400" b="0" i="0" u="none" strike="noStrike" kern="1200" cap="none" spc="0" normalizeH="0" baseline="0" noProof="0" dirty="0" smtClean="0">
+                <a:ln>
+                  <a:noFill/>
+                </a:ln>
+                <a:solidFill>
+                  <a:schemeClr val="tx1"/>
+                </a:solidFill>
+                <a:effectLst/>
+                <a:uLnTx/>
+                <a:uFillTx/>
+                <a:latin typeface="+mn-lt"/>
+                <a:ea typeface="+mn-ea"/>
+                <a:cs typeface="+mn-cs"/>
+              </a:rPr>
+              <a:t> are defined in the </a:t>
+            </a:r>
+            <a:r>
+              <a:rPr kumimoji="0" lang="en-US" sz="1400" b="0" i="1" u="none" strike="noStrike" kern="1200" cap="none" spc="0" normalizeH="0" baseline="0" noProof="0" dirty="0" smtClean="0">
+                <a:ln>
+                  <a:noFill/>
+                </a:ln>
+                <a:solidFill>
+                  <a:schemeClr val="tx1"/>
+                </a:solidFill>
+                <a:effectLst/>
+                <a:uLnTx/>
+                <a:uFillTx/>
+                <a:latin typeface="+mn-lt"/>
+                <a:ea typeface="+mn-ea"/>
+                <a:cs typeface="+mn-cs"/>
+              </a:rPr>
+              <a:t>Phantom </a:t>
+            </a:r>
+            <a:r>
+              <a:rPr kumimoji="0" lang="en-US" sz="1400" b="0" i="0" u="none" strike="noStrike" kern="1200" cap="none" spc="0" normalizeH="0" baseline="0" noProof="0" dirty="0" smtClean="0">
+                <a:ln>
+                  <a:noFill/>
+                </a:ln>
+                <a:solidFill>
+                  <a:schemeClr val="tx1"/>
+                </a:solidFill>
+                <a:effectLst/>
+                <a:uLnTx/>
+                <a:uFillTx/>
+                <a:latin typeface="+mn-lt"/>
+                <a:ea typeface="+mn-ea"/>
+                <a:cs typeface="+mn-cs"/>
+              </a:rPr>
+              <a:t>coordinate system. The </a:t>
+            </a:r>
+            <a:r>
+              <a:rPr kumimoji="0" lang="en-US" sz="1400" b="0" i="1" u="none" strike="noStrike" kern="1200" cap="none" spc="0" normalizeH="0" baseline="0" noProof="0" dirty="0" smtClean="0">
+                <a:ln>
+                  <a:noFill/>
+                </a:ln>
+                <a:solidFill>
+                  <a:schemeClr val="tx1"/>
+                </a:solidFill>
+                <a:effectLst/>
+                <a:uLnTx/>
+                <a:uFillTx/>
+                <a:latin typeface="+mn-lt"/>
+                <a:ea typeface="+mn-ea"/>
+                <a:cs typeface="+mn-cs"/>
+              </a:rPr>
+              <a:t>Phantom</a:t>
+            </a:r>
+            <a:r>
+              <a:rPr kumimoji="0" lang="en-US" sz="1400" b="0" i="0" u="none" strike="noStrike" kern="1200" cap="none" spc="0" normalizeH="0" baseline="0" noProof="0" dirty="0" smtClean="0">
+                <a:ln>
+                  <a:noFill/>
+                </a:ln>
+                <a:solidFill>
+                  <a:schemeClr val="tx1"/>
+                </a:solidFill>
+                <a:effectLst/>
+                <a:uLnTx/>
+                <a:uFillTx/>
+                <a:latin typeface="+mn-lt"/>
+                <a:ea typeface="+mn-ea"/>
+                <a:cs typeface="+mn-cs"/>
+              </a:rPr>
+              <a:t> coordinate </a:t>
+            </a:r>
+            <a:r>
+              <a:rPr kumimoji="0" lang="en-US" sz="1400" b="0" i="0" u="none" strike="noStrike" kern="1200" cap="none" spc="0" normalizeH="0" baseline="0" noProof="0" dirty="0" smtClean="0">
+                <a:ln>
+                  <a:noFill/>
+                </a:ln>
+                <a:solidFill>
+                  <a:schemeClr val="tx1"/>
+                </a:solidFill>
+                <a:effectLst/>
+                <a:uLnTx/>
+                <a:uFillTx/>
+                <a:latin typeface="+mn-lt"/>
+                <a:ea typeface="+mn-ea"/>
+                <a:cs typeface="+mn-cs"/>
+              </a:rPr>
+              <a:t>system’s </a:t>
+            </a:r>
+            <a:r>
+              <a:rPr kumimoji="0" lang="en-US" sz="1400" b="0" i="0" u="none" strike="noStrike" kern="1200" cap="none" spc="0" normalizeH="0" baseline="0" noProof="0" dirty="0" smtClean="0">
+                <a:ln>
+                  <a:noFill/>
+                </a:ln>
+                <a:solidFill>
+                  <a:schemeClr val="tx1"/>
+                </a:solidFill>
+                <a:effectLst/>
+                <a:uLnTx/>
+                <a:uFillTx/>
+                <a:latin typeface="+mn-lt"/>
+                <a:ea typeface="+mn-ea"/>
+                <a:cs typeface="+mn-cs"/>
+              </a:rPr>
+              <a:t>origin is the endpoint of the </a:t>
+            </a:r>
+            <a:r>
+              <a:rPr kumimoji="0" lang="en-US" sz="1400" b="0" i="0" u="none" strike="noStrike" kern="1200" cap="none" spc="0" normalizeH="0" baseline="0" noProof="0" dirty="0" smtClean="0">
+                <a:ln>
+                  <a:noFill/>
+                </a:ln>
+                <a:solidFill>
+                  <a:schemeClr val="tx1"/>
+                </a:solidFill>
+                <a:effectLst/>
+                <a:uLnTx/>
+                <a:uFillTx/>
+                <a:latin typeface="+mn-lt"/>
+                <a:ea typeface="+mn-ea"/>
+                <a:cs typeface="+mn-cs"/>
+              </a:rPr>
+              <a:t>bottom </a:t>
+            </a:r>
+            <a:r>
+              <a:rPr lang="en-US" sz="1400" dirty="0"/>
+              <a:t>left hole (on fCal-2.x it is the A5</a:t>
+            </a:r>
+            <a:r>
+              <a:rPr lang="en-US" sz="1400" dirty="0" smtClean="0"/>
+              <a:t>), </a:t>
+            </a:r>
+            <a:r>
+              <a:rPr lang="en-US" sz="1400" dirty="0"/>
+              <a:t>inside </a:t>
+            </a:r>
+            <a:r>
+              <a:rPr kumimoji="0" lang="en-US" sz="1400" b="0" i="0" u="none" strike="noStrike" kern="1200" cap="none" spc="0" normalizeH="0" baseline="0" noProof="0" dirty="0" smtClean="0">
+                <a:ln>
+                  <a:noFill/>
+                </a:ln>
+                <a:solidFill>
+                  <a:schemeClr val="tx1"/>
+                </a:solidFill>
+                <a:effectLst/>
+                <a:uLnTx/>
+                <a:uFillTx/>
+                <a:latin typeface="+mn-lt"/>
+                <a:ea typeface="+mn-ea"/>
+                <a:cs typeface="+mn-cs"/>
+              </a:rPr>
+              <a:t>the </a:t>
+            </a:r>
+            <a:r>
+              <a:rPr kumimoji="0" lang="en-US" sz="1400" b="0" i="0" u="none" strike="noStrike" kern="1200" cap="none" spc="0" normalizeH="0" baseline="0" noProof="0" dirty="0" smtClean="0">
+                <a:ln>
+                  <a:noFill/>
+                </a:ln>
+                <a:solidFill>
+                  <a:schemeClr val="tx1"/>
+                </a:solidFill>
+                <a:effectLst/>
+                <a:uLnTx/>
+                <a:uFillTx/>
+                <a:latin typeface="+mn-lt"/>
+                <a:ea typeface="+mn-ea"/>
+                <a:cs typeface="+mn-cs"/>
+              </a:rPr>
+              <a:t>box.</a:t>
+            </a:r>
+          </a:p>
+          <a:p>
+            <a:pPr lvl="0">
+              <a:spcBef>
+                <a:spcPct val="20000"/>
+              </a:spcBef>
+              <a:defRPr/>
+            </a:pPr>
+            <a:r>
+              <a:rPr kumimoji="0" lang="en-US" sz="1400" b="0" i="0" u="none" strike="noStrike" kern="1200" cap="none" spc="0" normalizeH="0" baseline="0" noProof="0" dirty="0" smtClean="0">
+                <a:ln>
+                  <a:noFill/>
+                </a:ln>
+                <a:solidFill>
+                  <a:schemeClr val="tx1"/>
+                </a:solidFill>
+                <a:effectLst/>
+                <a:uLnTx/>
+                <a:uFillTx/>
+                <a:latin typeface="+mn-lt"/>
+                <a:ea typeface="+mn-ea"/>
+                <a:cs typeface="+mn-cs"/>
+              </a:rPr>
+              <a:t>See </a:t>
+            </a:r>
+            <a:r>
+              <a:rPr kumimoji="0" lang="en-US" sz="1400" b="0" i="0" u="none" strike="noStrike" kern="1200" cap="none" spc="0" normalizeH="0" baseline="0" noProof="0" dirty="0" smtClean="0">
+                <a:ln>
+                  <a:noFill/>
+                </a:ln>
+                <a:solidFill>
+                  <a:schemeClr val="tx1"/>
+                </a:solidFill>
+                <a:effectLst/>
+                <a:uLnTx/>
+                <a:uFillTx/>
+                <a:latin typeface="+mn-lt"/>
+                <a:ea typeface="+mn-ea"/>
+                <a:cs typeface="+mn-cs"/>
+              </a:rPr>
+              <a:t>the image on the right or the coordinate system definition model here for more information:</a:t>
+            </a:r>
+            <a:br>
+              <a:rPr kumimoji="0" lang="en-US" sz="1400" b="0" i="0" u="none" strike="noStrike" kern="1200" cap="none" spc="0" normalizeH="0" baseline="0" noProof="0" dirty="0" smtClean="0">
+                <a:ln>
+                  <a:noFill/>
+                </a:ln>
+                <a:solidFill>
+                  <a:schemeClr val="tx1"/>
+                </a:solidFill>
+                <a:effectLst/>
+                <a:uLnTx/>
+                <a:uFillTx/>
+                <a:latin typeface="+mn-lt"/>
+                <a:ea typeface="+mn-ea"/>
+                <a:cs typeface="+mn-cs"/>
+              </a:rPr>
+            </a:br>
+            <a:r>
+              <a:rPr lang="en-US" sz="1000" dirty="0">
+                <a:hlinkClick r:id="rId5"/>
+              </a:rPr>
+              <a:t>https://www.assembla.com/spaces/plus/wiki/Coordinate_system_definitions</a:t>
+            </a:r>
+            <a:endParaRPr lang="en-US" sz="1000" dirty="0" smtClean="0"/>
+          </a:p>
+        </p:txBody>
+      </p:sp>
+      <p:sp>
+        <p:nvSpPr>
+          <p:cNvPr id="12" name="Content Placeholder 2"/>
+          <p:cNvSpPr txBox="1">
+            <a:spLocks/>
+          </p:cNvSpPr>
+          <p:nvPr/>
+        </p:nvSpPr>
+        <p:spPr>
+          <a:xfrm>
+            <a:off x="457200" y="2819400"/>
+            <a:ext cx="5562600" cy="2362200"/>
+          </a:xfrm>
+          <a:prstGeom prst="rect">
+            <a:avLst/>
+          </a:prstGeom>
+        </p:spPr>
+        <p:txBody>
+          <a:bodyPr vert="horz" lIns="91440" tIns="45720" rIns="91440" bIns="45720" rtlCol="0">
+            <a:noAutofit/>
+          </a:bodyPr>
+          <a:lstStyle/>
+          <a:p>
+            <a:pPr marL="342900" marR="0" lvl="0" indent="-342900" algn="l" defTabSz="914400" rtl="0" eaLnBrk="1" fontAlgn="auto" latinLnBrk="0" hangingPunct="1">
+              <a:lnSpc>
+                <a:spcPct val="100000"/>
+              </a:lnSpc>
+              <a:spcBef>
+                <a:spcPct val="20000"/>
+              </a:spcBef>
+              <a:spcAft>
+                <a:spcPts val="0"/>
+              </a:spcAft>
+              <a:buClrTx/>
+              <a:buSzTx/>
+              <a:buFont typeface="Arial" pitchFamily="34" charset="0"/>
+              <a:buNone/>
+              <a:tabLst/>
+              <a:defRPr/>
+            </a:pPr>
+            <a:r>
+              <a:rPr kumimoji="0" lang="en-US" sz="1100" b="1" i="0" u="none" strike="noStrike" kern="1200" cap="none" spc="0" normalizeH="0" baseline="0" noProof="0" dirty="0" smtClean="0">
+                <a:ln>
+                  <a:noFill/>
+                </a:ln>
+                <a:solidFill>
+                  <a:schemeClr val="tx1"/>
+                </a:solidFill>
+                <a:effectLst/>
+                <a:uLnTx/>
+                <a:uFillTx/>
+                <a:latin typeface="Courier New" pitchFamily="49" charset="0"/>
+                <a:cs typeface="Courier New" pitchFamily="49" charset="0"/>
+              </a:rPr>
+              <a:t>Phantom mode: fCal_2.0, Wiring: wiring_2.0:</a:t>
+            </a:r>
+          </a:p>
+          <a:p>
+            <a:pPr marL="53975" lvl="0">
+              <a:spcBef>
+                <a:spcPct val="20000"/>
+              </a:spcBef>
+              <a:defRPr/>
+            </a:pPr>
+            <a:r>
+              <a:rPr kumimoji="0" lang="en-US" sz="700" b="1" i="0" u="none" strike="noStrike" kern="1200" cap="none" spc="0" normalizeH="0" baseline="0" noProof="0" dirty="0" smtClean="0">
+                <a:ln>
+                  <a:noFill/>
+                </a:ln>
+                <a:solidFill>
+                  <a:schemeClr val="tx1"/>
+                </a:solidFill>
+                <a:effectLst/>
+                <a:uLnTx/>
+                <a:uFillTx/>
+                <a:latin typeface="Courier New" pitchFamily="49" charset="0"/>
+                <a:cs typeface="Courier New" pitchFamily="49" charset="0"/>
+              </a:rPr>
+              <a:t>&lt;Geometry&gt;</a:t>
+            </a:r>
+            <a:br>
+              <a:rPr kumimoji="0" lang="en-US" sz="700" b="1" i="0" u="none" strike="noStrike" kern="1200" cap="none" spc="0" normalizeH="0" baseline="0" noProof="0" dirty="0" smtClean="0">
+                <a:ln>
+                  <a:noFill/>
+                </a:ln>
+                <a:solidFill>
+                  <a:schemeClr val="tx1"/>
+                </a:solidFill>
+                <a:effectLst/>
+                <a:uLnTx/>
+                <a:uFillTx/>
+                <a:latin typeface="Courier New" pitchFamily="49" charset="0"/>
+                <a:cs typeface="Courier New" pitchFamily="49" charset="0"/>
+              </a:rPr>
+            </a:br>
+            <a:r>
+              <a:rPr lang="en-US" sz="700" b="1" dirty="0">
+                <a:latin typeface="Courier New" pitchFamily="49" charset="0"/>
+                <a:cs typeface="Courier New" pitchFamily="49" charset="0"/>
+              </a:rPr>
+              <a:t> &lt;Pattern Type="</a:t>
+            </a:r>
+            <a:r>
+              <a:rPr lang="en-US" sz="700" b="1" dirty="0" err="1">
+                <a:latin typeface="Courier New" pitchFamily="49" charset="0"/>
+                <a:cs typeface="Courier New" pitchFamily="49" charset="0"/>
+              </a:rPr>
+              <a:t>NWire</a:t>
+            </a:r>
+            <a:r>
+              <a:rPr lang="en-US" sz="700" b="1" dirty="0">
+                <a:latin typeface="Courier New" pitchFamily="49" charset="0"/>
+                <a:cs typeface="Courier New" pitchFamily="49" charset="0"/>
+              </a:rPr>
+              <a:t>"&gt;</a:t>
+            </a:r>
+          </a:p>
+          <a:p>
+            <a:pPr marL="53975" lvl="0">
+              <a:spcBef>
+                <a:spcPct val="20000"/>
+              </a:spcBef>
+              <a:defRPr/>
+            </a:pPr>
+            <a:r>
+              <a:rPr lang="en-US" sz="700" b="1" dirty="0">
+                <a:latin typeface="Courier New" pitchFamily="49" charset="0"/>
+                <a:cs typeface="Courier New" pitchFamily="49" charset="0"/>
+              </a:rPr>
+              <a:t>        &lt;Wire Name="7:G1_g1" </a:t>
+            </a:r>
+            <a:r>
+              <a:rPr lang="en-US" sz="700" b="1" dirty="0" err="1">
+                <a:latin typeface="Courier New" pitchFamily="49" charset="0"/>
+                <a:cs typeface="Courier New" pitchFamily="49" charset="0"/>
+              </a:rPr>
+              <a:t>EndPointFront</a:t>
+            </a:r>
+            <a:r>
+              <a:rPr lang="en-US" sz="700" b="1" dirty="0">
+                <a:latin typeface="Courier New" pitchFamily="49" charset="0"/>
+                <a:cs typeface="Courier New" pitchFamily="49" charset="0"/>
+              </a:rPr>
+              <a:t>="30.0 0.0 20.0" </a:t>
+            </a:r>
+            <a:r>
+              <a:rPr lang="en-US" sz="700" b="1" dirty="0" err="1">
+                <a:latin typeface="Courier New" pitchFamily="49" charset="0"/>
+                <a:cs typeface="Courier New" pitchFamily="49" charset="0"/>
+              </a:rPr>
+              <a:t>EndPointBack</a:t>
+            </a:r>
+            <a:r>
+              <a:rPr lang="en-US" sz="700" b="1" dirty="0">
+                <a:latin typeface="Courier New" pitchFamily="49" charset="0"/>
+                <a:cs typeface="Courier New" pitchFamily="49" charset="0"/>
+              </a:rPr>
+              <a:t>="30.0 40.0 20.0" /&gt;</a:t>
+            </a:r>
+          </a:p>
+          <a:p>
+            <a:pPr marL="53975" lvl="0">
+              <a:spcBef>
+                <a:spcPct val="20000"/>
+              </a:spcBef>
+              <a:defRPr/>
+            </a:pPr>
+            <a:r>
+              <a:rPr lang="en-US" sz="700" b="1" dirty="0">
+                <a:latin typeface="Courier New" pitchFamily="49" charset="0"/>
+                <a:cs typeface="Courier New" pitchFamily="49" charset="0"/>
+              </a:rPr>
+              <a:t>        &lt;Wire Name="8:L1_h1" </a:t>
+            </a:r>
+            <a:r>
+              <a:rPr lang="en-US" sz="700" b="1" dirty="0" err="1">
+                <a:latin typeface="Courier New" pitchFamily="49" charset="0"/>
+                <a:cs typeface="Courier New" pitchFamily="49" charset="0"/>
+              </a:rPr>
+              <a:t>EndPointFront</a:t>
+            </a:r>
+            <a:r>
+              <a:rPr lang="en-US" sz="700" b="1" dirty="0">
+                <a:latin typeface="Courier New" pitchFamily="49" charset="0"/>
+                <a:cs typeface="Courier New" pitchFamily="49" charset="0"/>
+              </a:rPr>
+              <a:t>="55.0 0.0 20.0" </a:t>
+            </a:r>
+            <a:r>
+              <a:rPr lang="en-US" sz="700" b="1" dirty="0" err="1">
+                <a:latin typeface="Courier New" pitchFamily="49" charset="0"/>
+                <a:cs typeface="Courier New" pitchFamily="49" charset="0"/>
+              </a:rPr>
+              <a:t>EndPointBack</a:t>
+            </a:r>
+            <a:r>
+              <a:rPr lang="en-US" sz="700" b="1" dirty="0">
+                <a:latin typeface="Courier New" pitchFamily="49" charset="0"/>
+                <a:cs typeface="Courier New" pitchFamily="49" charset="0"/>
+              </a:rPr>
+              <a:t>="35.0 40.0 20.0" /&gt;</a:t>
+            </a:r>
+          </a:p>
+          <a:p>
+            <a:pPr marL="53975" lvl="0">
+              <a:spcBef>
+                <a:spcPct val="20000"/>
+              </a:spcBef>
+              <a:defRPr/>
+            </a:pPr>
+            <a:r>
+              <a:rPr lang="en-US" sz="700" b="1" dirty="0">
+                <a:latin typeface="Courier New" pitchFamily="49" charset="0"/>
+                <a:cs typeface="Courier New" pitchFamily="49" charset="0"/>
+              </a:rPr>
+              <a:t>        &lt;Wire Name="9:M1_m1" </a:t>
+            </a:r>
+            <a:r>
+              <a:rPr lang="en-US" sz="700" b="1" dirty="0" err="1">
+                <a:latin typeface="Courier New" pitchFamily="49" charset="0"/>
+                <a:cs typeface="Courier New" pitchFamily="49" charset="0"/>
+              </a:rPr>
+              <a:t>EndPointFront</a:t>
+            </a:r>
+            <a:r>
+              <a:rPr lang="en-US" sz="700" b="1" dirty="0">
+                <a:latin typeface="Courier New" pitchFamily="49" charset="0"/>
+                <a:cs typeface="Courier New" pitchFamily="49" charset="0"/>
+              </a:rPr>
+              <a:t>="60.0 0.0 20.0" </a:t>
+            </a:r>
+            <a:r>
+              <a:rPr lang="en-US" sz="700" b="1" dirty="0" err="1">
+                <a:latin typeface="Courier New" pitchFamily="49" charset="0"/>
+                <a:cs typeface="Courier New" pitchFamily="49" charset="0"/>
+              </a:rPr>
+              <a:t>EndPointBack</a:t>
+            </a:r>
+            <a:r>
+              <a:rPr lang="en-US" sz="700" b="1" dirty="0">
+                <a:latin typeface="Courier New" pitchFamily="49" charset="0"/>
+                <a:cs typeface="Courier New" pitchFamily="49" charset="0"/>
+              </a:rPr>
+              <a:t>="60.0 40.0 20.0" /&gt;</a:t>
+            </a:r>
+          </a:p>
+          <a:p>
+            <a:pPr marL="53975" lvl="0">
+              <a:spcBef>
+                <a:spcPct val="20000"/>
+              </a:spcBef>
+              <a:defRPr/>
+            </a:pPr>
+            <a:r>
+              <a:rPr lang="en-US" sz="700" b="1" dirty="0">
+                <a:latin typeface="Courier New" pitchFamily="49" charset="0"/>
+                <a:cs typeface="Courier New" pitchFamily="49" charset="0"/>
+              </a:rPr>
+              <a:t>      &lt;/Pattern&gt;</a:t>
+            </a:r>
+          </a:p>
+          <a:p>
+            <a:pPr marL="53975" lvl="0">
+              <a:spcBef>
+                <a:spcPct val="20000"/>
+              </a:spcBef>
+              <a:defRPr/>
+            </a:pPr>
+            <a:r>
+              <a:rPr lang="en-US" sz="700" b="1" dirty="0">
+                <a:latin typeface="Courier New" pitchFamily="49" charset="0"/>
+                <a:cs typeface="Courier New" pitchFamily="49" charset="0"/>
+              </a:rPr>
+              <a:t>   </a:t>
+            </a:r>
+            <a:r>
+              <a:rPr lang="en-US" sz="700" b="1" dirty="0" smtClean="0">
+                <a:latin typeface="Courier New" pitchFamily="49" charset="0"/>
+                <a:cs typeface="Courier New" pitchFamily="49" charset="0"/>
+              </a:rPr>
+              <a:t>   </a:t>
+            </a:r>
+            <a:r>
+              <a:rPr lang="en-US" sz="700" b="1" dirty="0">
+                <a:latin typeface="Courier New" pitchFamily="49" charset="0"/>
+                <a:cs typeface="Courier New" pitchFamily="49" charset="0"/>
+              </a:rPr>
+              <a:t>&lt;Pattern Type="</a:t>
+            </a:r>
+            <a:r>
+              <a:rPr lang="en-US" sz="700" b="1" dirty="0" err="1">
+                <a:latin typeface="Courier New" pitchFamily="49" charset="0"/>
+                <a:cs typeface="Courier New" pitchFamily="49" charset="0"/>
+              </a:rPr>
+              <a:t>NWire</a:t>
+            </a:r>
+            <a:r>
+              <a:rPr lang="en-US" sz="700" b="1" dirty="0">
+                <a:latin typeface="Courier New" pitchFamily="49" charset="0"/>
+                <a:cs typeface="Courier New" pitchFamily="49" charset="0"/>
+              </a:rPr>
+              <a:t>"&gt;</a:t>
+            </a:r>
+          </a:p>
+          <a:p>
+            <a:pPr marL="53975" lvl="0">
+              <a:spcBef>
+                <a:spcPct val="20000"/>
+              </a:spcBef>
+              <a:defRPr/>
+            </a:pPr>
+            <a:r>
+              <a:rPr lang="en-US" sz="700" b="1" dirty="0">
+                <a:latin typeface="Courier New" pitchFamily="49" charset="0"/>
+                <a:cs typeface="Courier New" pitchFamily="49" charset="0"/>
+              </a:rPr>
+              <a:t>        &lt;Wire Name="4:G3_g3" </a:t>
+            </a:r>
+            <a:r>
+              <a:rPr lang="en-US" sz="700" b="1" dirty="0" err="1">
+                <a:latin typeface="Courier New" pitchFamily="49" charset="0"/>
+                <a:cs typeface="Courier New" pitchFamily="49" charset="0"/>
+              </a:rPr>
+              <a:t>EndPointFront</a:t>
+            </a:r>
+            <a:r>
+              <a:rPr lang="en-US" sz="700" b="1" dirty="0">
+                <a:latin typeface="Courier New" pitchFamily="49" charset="0"/>
+                <a:cs typeface="Courier New" pitchFamily="49" charset="0"/>
+              </a:rPr>
+              <a:t>="30.0 0.0 10.0" </a:t>
+            </a:r>
+            <a:r>
+              <a:rPr lang="en-US" sz="700" b="1" dirty="0" err="1">
+                <a:latin typeface="Courier New" pitchFamily="49" charset="0"/>
+                <a:cs typeface="Courier New" pitchFamily="49" charset="0"/>
+              </a:rPr>
+              <a:t>EndPointBack</a:t>
+            </a:r>
+            <a:r>
+              <a:rPr lang="en-US" sz="700" b="1" dirty="0">
+                <a:latin typeface="Courier New" pitchFamily="49" charset="0"/>
+                <a:cs typeface="Courier New" pitchFamily="49" charset="0"/>
+              </a:rPr>
+              <a:t>="30.0 40.0 10.0" /&gt;</a:t>
+            </a:r>
+          </a:p>
+          <a:p>
+            <a:pPr marL="53975" lvl="0">
+              <a:spcBef>
+                <a:spcPct val="20000"/>
+              </a:spcBef>
+              <a:defRPr/>
+            </a:pPr>
+            <a:r>
+              <a:rPr lang="en-US" sz="700" b="1" dirty="0">
+                <a:latin typeface="Courier New" pitchFamily="49" charset="0"/>
+                <a:cs typeface="Courier New" pitchFamily="49" charset="0"/>
+              </a:rPr>
+              <a:t>        &lt;Wire Name="5:H3_l3" </a:t>
+            </a:r>
+            <a:r>
+              <a:rPr lang="en-US" sz="700" b="1" dirty="0" err="1">
+                <a:latin typeface="Courier New" pitchFamily="49" charset="0"/>
+                <a:cs typeface="Courier New" pitchFamily="49" charset="0"/>
+              </a:rPr>
+              <a:t>EndPointFront</a:t>
+            </a:r>
+            <a:r>
+              <a:rPr lang="en-US" sz="700" b="1" dirty="0">
+                <a:latin typeface="Courier New" pitchFamily="49" charset="0"/>
+                <a:cs typeface="Courier New" pitchFamily="49" charset="0"/>
+              </a:rPr>
+              <a:t>="35.0 0.0 10.0" </a:t>
+            </a:r>
+            <a:r>
+              <a:rPr lang="en-US" sz="700" b="1" dirty="0" err="1">
+                <a:latin typeface="Courier New" pitchFamily="49" charset="0"/>
+                <a:cs typeface="Courier New" pitchFamily="49" charset="0"/>
+              </a:rPr>
+              <a:t>EndPointBack</a:t>
+            </a:r>
+            <a:r>
+              <a:rPr lang="en-US" sz="700" b="1" dirty="0">
+                <a:latin typeface="Courier New" pitchFamily="49" charset="0"/>
+                <a:cs typeface="Courier New" pitchFamily="49" charset="0"/>
+              </a:rPr>
+              <a:t>="55.0 40.0 10.0" /&gt;</a:t>
+            </a:r>
+          </a:p>
+          <a:p>
+            <a:pPr marL="53975" lvl="0">
+              <a:spcBef>
+                <a:spcPct val="20000"/>
+              </a:spcBef>
+              <a:defRPr/>
+            </a:pPr>
+            <a:r>
+              <a:rPr lang="en-US" sz="700" b="1" dirty="0">
+                <a:latin typeface="Courier New" pitchFamily="49" charset="0"/>
+                <a:cs typeface="Courier New" pitchFamily="49" charset="0"/>
+              </a:rPr>
+              <a:t>        &lt;Wire Name="6:M3_m3" </a:t>
+            </a:r>
+            <a:r>
+              <a:rPr lang="en-US" sz="700" b="1" dirty="0" err="1">
+                <a:latin typeface="Courier New" pitchFamily="49" charset="0"/>
+                <a:cs typeface="Courier New" pitchFamily="49" charset="0"/>
+              </a:rPr>
+              <a:t>EndPointFront</a:t>
+            </a:r>
+            <a:r>
+              <a:rPr lang="en-US" sz="700" b="1" dirty="0">
+                <a:latin typeface="Courier New" pitchFamily="49" charset="0"/>
+                <a:cs typeface="Courier New" pitchFamily="49" charset="0"/>
+              </a:rPr>
+              <a:t>="60.0 0.0 10.0" </a:t>
+            </a:r>
+            <a:r>
+              <a:rPr lang="en-US" sz="700" b="1" dirty="0" err="1">
+                <a:latin typeface="Courier New" pitchFamily="49" charset="0"/>
+                <a:cs typeface="Courier New" pitchFamily="49" charset="0"/>
+              </a:rPr>
+              <a:t>EndPointBack</a:t>
+            </a:r>
+            <a:r>
+              <a:rPr lang="en-US" sz="700" b="1" dirty="0">
+                <a:latin typeface="Courier New" pitchFamily="49" charset="0"/>
+                <a:cs typeface="Courier New" pitchFamily="49" charset="0"/>
+              </a:rPr>
+              <a:t>="60.0 40.0 10.0" /&gt;</a:t>
+            </a:r>
+          </a:p>
+          <a:p>
+            <a:pPr marL="53975" lvl="0">
+              <a:spcBef>
+                <a:spcPct val="20000"/>
+              </a:spcBef>
+              <a:defRPr/>
+            </a:pPr>
+            <a:r>
+              <a:rPr lang="en-US" sz="700" b="1" dirty="0">
+                <a:latin typeface="Courier New" pitchFamily="49" charset="0"/>
+                <a:cs typeface="Courier New" pitchFamily="49" charset="0"/>
+              </a:rPr>
+              <a:t>      &lt;/Pattern&gt;</a:t>
+            </a:r>
+          </a:p>
+          <a:p>
+            <a:pPr marL="53975" lvl="0">
+              <a:spcBef>
+                <a:spcPct val="20000"/>
+              </a:spcBef>
+              <a:defRPr/>
+            </a:pPr>
+            <a:r>
+              <a:rPr lang="en-US" sz="700" b="1" dirty="0">
+                <a:latin typeface="Courier New" pitchFamily="49" charset="0"/>
+                <a:cs typeface="Courier New" pitchFamily="49" charset="0"/>
+              </a:rPr>
+              <a:t>      &lt;Pattern Type="</a:t>
+            </a:r>
+            <a:r>
+              <a:rPr lang="en-US" sz="700" b="1" dirty="0" err="1">
+                <a:latin typeface="Courier New" pitchFamily="49" charset="0"/>
+                <a:cs typeface="Courier New" pitchFamily="49" charset="0"/>
+              </a:rPr>
+              <a:t>NWire</a:t>
+            </a:r>
+            <a:r>
+              <a:rPr lang="en-US" sz="700" b="1" dirty="0">
+                <a:latin typeface="Courier New" pitchFamily="49" charset="0"/>
+                <a:cs typeface="Courier New" pitchFamily="49" charset="0"/>
+              </a:rPr>
+              <a:t>"&gt;</a:t>
+            </a:r>
+          </a:p>
+          <a:p>
+            <a:pPr marL="53975" lvl="0">
+              <a:spcBef>
+                <a:spcPct val="20000"/>
+              </a:spcBef>
+              <a:defRPr/>
+            </a:pPr>
+            <a:r>
+              <a:rPr lang="en-US" sz="700" b="1" dirty="0">
+                <a:latin typeface="Courier New" pitchFamily="49" charset="0"/>
+                <a:cs typeface="Courier New" pitchFamily="49" charset="0"/>
+              </a:rPr>
+              <a:t>        &lt;Wire Name="1:H5_h5" </a:t>
+            </a:r>
+            <a:r>
+              <a:rPr lang="en-US" sz="700" b="1" dirty="0" err="1">
+                <a:latin typeface="Courier New" pitchFamily="49" charset="0"/>
+                <a:cs typeface="Courier New" pitchFamily="49" charset="0"/>
+              </a:rPr>
+              <a:t>EndPointFront</a:t>
+            </a:r>
+            <a:r>
+              <a:rPr lang="en-US" sz="700" b="1" dirty="0">
+                <a:latin typeface="Courier New" pitchFamily="49" charset="0"/>
+                <a:cs typeface="Courier New" pitchFamily="49" charset="0"/>
+              </a:rPr>
+              <a:t>="35.0 0.0 0.0" </a:t>
+            </a:r>
+            <a:r>
+              <a:rPr lang="en-US" sz="700" b="1" dirty="0" err="1">
+                <a:latin typeface="Courier New" pitchFamily="49" charset="0"/>
+                <a:cs typeface="Courier New" pitchFamily="49" charset="0"/>
+              </a:rPr>
+              <a:t>EndPointBack</a:t>
+            </a:r>
+            <a:r>
+              <a:rPr lang="en-US" sz="700" b="1" dirty="0">
+                <a:latin typeface="Courier New" pitchFamily="49" charset="0"/>
+                <a:cs typeface="Courier New" pitchFamily="49" charset="0"/>
+              </a:rPr>
+              <a:t>="35.0 40.0 0.0" /&gt;</a:t>
+            </a:r>
+          </a:p>
+          <a:p>
+            <a:pPr marL="53975" lvl="0">
+              <a:spcBef>
+                <a:spcPct val="20000"/>
+              </a:spcBef>
+              <a:defRPr/>
+            </a:pPr>
+            <a:r>
+              <a:rPr lang="en-US" sz="700" b="1" dirty="0">
+                <a:latin typeface="Courier New" pitchFamily="49" charset="0"/>
+                <a:cs typeface="Courier New" pitchFamily="49" charset="0"/>
+              </a:rPr>
+              <a:t>        &lt;Wire Name="2:L5_i5" </a:t>
+            </a:r>
+            <a:r>
+              <a:rPr lang="en-US" sz="700" b="1" dirty="0" err="1">
+                <a:latin typeface="Courier New" pitchFamily="49" charset="0"/>
+                <a:cs typeface="Courier New" pitchFamily="49" charset="0"/>
+              </a:rPr>
+              <a:t>EndPointFront</a:t>
+            </a:r>
+            <a:r>
+              <a:rPr lang="en-US" sz="700" b="1" dirty="0">
+                <a:latin typeface="Courier New" pitchFamily="49" charset="0"/>
+                <a:cs typeface="Courier New" pitchFamily="49" charset="0"/>
+              </a:rPr>
+              <a:t>="55.0 0.0 0.0" </a:t>
+            </a:r>
+            <a:r>
+              <a:rPr lang="en-US" sz="700" b="1" dirty="0" err="1">
+                <a:latin typeface="Courier New" pitchFamily="49" charset="0"/>
+                <a:cs typeface="Courier New" pitchFamily="49" charset="0"/>
+              </a:rPr>
+              <a:t>EndPointBack</a:t>
+            </a:r>
+            <a:r>
+              <a:rPr lang="en-US" sz="700" b="1" dirty="0">
+                <a:latin typeface="Courier New" pitchFamily="49" charset="0"/>
+                <a:cs typeface="Courier New" pitchFamily="49" charset="0"/>
+              </a:rPr>
+              <a:t>="40.0 40.0 0.0" /&gt;</a:t>
+            </a:r>
+          </a:p>
+          <a:p>
+            <a:pPr marL="53975" lvl="0">
+              <a:spcBef>
+                <a:spcPct val="20000"/>
+              </a:spcBef>
+              <a:defRPr/>
+            </a:pPr>
+            <a:r>
+              <a:rPr lang="en-US" sz="700" b="1" dirty="0">
+                <a:latin typeface="Courier New" pitchFamily="49" charset="0"/>
+                <a:cs typeface="Courier New" pitchFamily="49" charset="0"/>
+              </a:rPr>
+              <a:t>        &lt;Wire Name="3:M5_m5" </a:t>
+            </a:r>
+            <a:r>
+              <a:rPr lang="en-US" sz="700" b="1" dirty="0" err="1">
+                <a:latin typeface="Courier New" pitchFamily="49" charset="0"/>
+                <a:cs typeface="Courier New" pitchFamily="49" charset="0"/>
+              </a:rPr>
+              <a:t>EndPointFront</a:t>
+            </a:r>
+            <a:r>
+              <a:rPr lang="en-US" sz="700" b="1" dirty="0">
+                <a:latin typeface="Courier New" pitchFamily="49" charset="0"/>
+                <a:cs typeface="Courier New" pitchFamily="49" charset="0"/>
+              </a:rPr>
+              <a:t>="60.0 0.0 0.0" </a:t>
+            </a:r>
+            <a:r>
+              <a:rPr lang="en-US" sz="700" b="1" dirty="0" err="1">
+                <a:latin typeface="Courier New" pitchFamily="49" charset="0"/>
+                <a:cs typeface="Courier New" pitchFamily="49" charset="0"/>
+              </a:rPr>
+              <a:t>EndPointBack</a:t>
+            </a:r>
+            <a:r>
+              <a:rPr lang="en-US" sz="700" b="1" dirty="0">
+                <a:latin typeface="Courier New" pitchFamily="49" charset="0"/>
+                <a:cs typeface="Courier New" pitchFamily="49" charset="0"/>
+              </a:rPr>
+              <a:t>="60.0 40.0 0.0" /&gt;</a:t>
+            </a:r>
+          </a:p>
+          <a:p>
+            <a:pPr marL="53975" lvl="0">
+              <a:spcBef>
+                <a:spcPct val="20000"/>
+              </a:spcBef>
+              <a:defRPr/>
+            </a:pPr>
+            <a:r>
+              <a:rPr lang="en-US" sz="700" b="1" dirty="0">
+                <a:latin typeface="Courier New" pitchFamily="49" charset="0"/>
+                <a:cs typeface="Courier New" pitchFamily="49" charset="0"/>
+              </a:rPr>
+              <a:t>      &lt;/Pattern&gt;</a:t>
+            </a:r>
+            <a:endParaRPr kumimoji="0" lang="en-US" sz="700" b="1" i="0" u="none" strike="noStrike" kern="1200" cap="none" spc="0" normalizeH="0" baseline="0" noProof="0" dirty="0" smtClean="0">
+              <a:ln>
+                <a:noFill/>
+              </a:ln>
+              <a:solidFill>
+                <a:schemeClr val="tx1"/>
+              </a:solidFill>
+              <a:effectLst/>
+              <a:uLnTx/>
+              <a:uFillTx/>
+              <a:latin typeface="Courier New" pitchFamily="49" charset="0"/>
+              <a:cs typeface="Courier New" pitchFamily="49" charset="0"/>
+            </a:endParaRPr>
+          </a:p>
+          <a:p>
+            <a:pPr marL="53975" marR="0" lvl="0" indent="0" algn="l" defTabSz="914400" rtl="0" eaLnBrk="1" fontAlgn="auto" latinLnBrk="0" hangingPunct="1">
+              <a:lnSpc>
+                <a:spcPct val="100000"/>
+              </a:lnSpc>
+              <a:spcBef>
+                <a:spcPct val="20000"/>
+              </a:spcBef>
+              <a:spcAft>
+                <a:spcPts val="0"/>
+              </a:spcAft>
+              <a:buClrTx/>
+              <a:buSzTx/>
+              <a:buFont typeface="Arial" pitchFamily="34" charset="0"/>
+              <a:buNone/>
+              <a:tabLst/>
+              <a:defRPr/>
+            </a:pPr>
+            <a:r>
+              <a:rPr kumimoji="0" lang="en-US" sz="700" b="1" i="0" u="none" strike="noStrike" kern="1200" cap="none" spc="0" normalizeH="0" baseline="0" noProof="0" dirty="0" smtClean="0">
+                <a:ln>
+                  <a:noFill/>
+                </a:ln>
+                <a:solidFill>
+                  <a:schemeClr val="tx1"/>
+                </a:solidFill>
+                <a:effectLst/>
+                <a:uLnTx/>
+                <a:uFillTx/>
+                <a:latin typeface="Courier New" pitchFamily="49" charset="0"/>
+                <a:cs typeface="Courier New" pitchFamily="49" charset="0"/>
+              </a:rPr>
+              <a:t>...</a:t>
+            </a:r>
+          </a:p>
+          <a:p>
+            <a:pPr marL="53975" marR="0" lvl="0" indent="0" algn="l" defTabSz="914400" rtl="0" eaLnBrk="1" fontAlgn="auto" latinLnBrk="0" hangingPunct="1">
+              <a:lnSpc>
+                <a:spcPct val="100000"/>
+              </a:lnSpc>
+              <a:spcBef>
+                <a:spcPct val="20000"/>
+              </a:spcBef>
+              <a:spcAft>
+                <a:spcPts val="0"/>
+              </a:spcAft>
+              <a:buClrTx/>
+              <a:buSzTx/>
+              <a:buFont typeface="Arial" pitchFamily="34" charset="0"/>
+              <a:buNone/>
+              <a:tabLst/>
+              <a:defRPr/>
+            </a:pPr>
+            <a:r>
+              <a:rPr kumimoji="0" lang="en-US" sz="700" b="1" i="0" u="none" strike="noStrike" kern="1200" cap="none" spc="0" normalizeH="0" baseline="0" noProof="0" dirty="0" smtClean="0">
+                <a:ln>
+                  <a:noFill/>
+                </a:ln>
+                <a:solidFill>
+                  <a:schemeClr val="tx1"/>
+                </a:solidFill>
+                <a:effectLst/>
+                <a:uLnTx/>
+                <a:uFillTx/>
+                <a:latin typeface="Courier New" pitchFamily="49" charset="0"/>
+                <a:cs typeface="Courier New" pitchFamily="49" charset="0"/>
+              </a:rPr>
+              <a:t>&lt;/Geometry&gt;</a:t>
+            </a:r>
+            <a:endParaRPr kumimoji="0" lang="en-US" sz="1400" b="0" i="0" u="none" strike="noStrike" kern="1200" cap="none" spc="0" normalizeH="0" baseline="0" noProof="0" dirty="0" smtClean="0">
+              <a:ln>
+                <a:noFill/>
+              </a:ln>
+              <a:solidFill>
+                <a:schemeClr val="tx1"/>
+              </a:solidFill>
+              <a:effectLst/>
+              <a:uLnTx/>
+              <a:uFillTx/>
+              <a:latin typeface="Courier New" pitchFamily="49" charset="0"/>
+              <a:cs typeface="Courier New" pitchFamily="49" charset="0"/>
+            </a:endParaRPr>
+          </a:p>
+        </p:txBody>
+      </p:sp>
+    </p:spTree>
+    <p:extLst>
+      <p:ext uri="{BB962C8B-B14F-4D97-AF65-F5344CB8AC3E}">
+        <p14:creationId xmlns:p14="http://schemas.microsoft.com/office/powerpoint/2010/main" val="2239487779"/>
+      </p:ext>
+    </p:extLst>
+  </p:cSld>
+  <p:clrMapOvr>
+    <a:masterClrMapping/>
+  </p:clrMapOvr>
+  <p:timing>
+    <p:tnLst>
+      <p:par>
+        <p:cTn id="1" dur="indefinite" restart="never" nodeType="tmRoot"/>
+      </p:par>
+    </p:tnLst>
+  </p:timing>
+</p:sld>
+</file>
+
+<file path=ppt/slides/slide5.xml><?xml version="1.0" encoding="utf-8"?>
+<p:sld xmlns:a="http://schemas.openxmlformats.org/drawingml/2006/main" xmlns:r="http://schemas.openxmlformats.org/officeDocument/2006/relationships" xmlns:p="http://schemas.openxmlformats.org/presentationml/2006/main">
+  <p:cSld>
+    <p:spTree>
+      <p:nvGrpSpPr>
+        <p:cNvPr id="1" name=""/>
+        <p:cNvGrpSpPr/>
+        <p:nvPr/>
+      </p:nvGrpSpPr>
+      <p:grpSpPr>
+        <a:xfrm>
+          <a:off x="0" y="0"/>
+          <a:ext cx="0" cy="0"/>
+          <a:chOff x="0" y="0"/>
+          <a:chExt cx="0" cy="0"/>
+        </a:xfrm>
+      </p:grpSpPr>
+      <p:sp>
+        <p:nvSpPr>
+          <p:cNvPr id="2" name="Title 1"/>
+          <p:cNvSpPr>
+            <a:spLocks noGrp="1"/>
+          </p:cNvSpPr>
+          <p:nvPr>
+            <p:ph type="title"/>
+          </p:nvPr>
+        </p:nvSpPr>
+        <p:spPr/>
+        <p:txBody>
+          <a:bodyPr/>
+          <a:lstStyle/>
+          <a:p>
+            <a:r>
+              <a:rPr lang="en-US" dirty="0" smtClean="0"/>
+              <a:t>Line stretching</a:t>
+            </a:r>
+            <a:endParaRPr lang="en-US" dirty="0"/>
+          </a:p>
+        </p:txBody>
+      </p:sp>
+      <p:sp>
+        <p:nvSpPr>
+          <p:cNvPr id="3" name="Content Placeholder 2"/>
+          <p:cNvSpPr>
+            <a:spLocks noGrp="1"/>
+          </p:cNvSpPr>
+          <p:nvPr>
+            <p:ph idx="1"/>
+          </p:nvPr>
+        </p:nvSpPr>
+        <p:spPr>
+          <a:xfrm>
+            <a:off x="533400" y="990601"/>
+            <a:ext cx="8153400" cy="2438400"/>
+          </a:xfrm>
+        </p:spPr>
+        <p:txBody>
+          <a:bodyPr>
+            <a:normAutofit fontScale="92500" lnSpcReduction="10000"/>
+          </a:bodyPr>
+          <a:lstStyle/>
+          <a:p>
+            <a:r>
+              <a:rPr lang="en-US" dirty="0" smtClean="0"/>
+              <a:t>The fiducial lines should be stretched enough to be completely straight (the stretching has negligible effect on the line visibility, so it is enough to stretch it just so that it is straight)</a:t>
+            </a:r>
+          </a:p>
+          <a:p>
+            <a:r>
+              <a:rPr lang="en-US" dirty="0" smtClean="0"/>
+              <a:t>You can stretch the fiducial lines by using a rubber band as it is shown in the picture </a:t>
+            </a:r>
+            <a:r>
+              <a:rPr lang="en-US" dirty="0" smtClean="0"/>
+              <a:t>below</a:t>
+            </a:r>
+          </a:p>
+          <a:p>
+            <a:r>
+              <a:rPr lang="en-US" dirty="0"/>
+              <a:t>Slanted holes in fCal_2.x and later phantoms take care of line alignment within a </a:t>
+            </a:r>
+            <a:r>
+              <a:rPr lang="en-US" dirty="0" smtClean="0"/>
+              <a:t>hole.</a:t>
+            </a:r>
+            <a:endParaRPr lang="en-US" dirty="0" smtClean="0"/>
+          </a:p>
+          <a:p>
+            <a:endParaRPr lang="en-US" dirty="0" smtClean="0"/>
+          </a:p>
+          <a:p>
+            <a:endParaRPr lang="en-US" dirty="0" smtClean="0"/>
+          </a:p>
+          <a:p>
+            <a:endParaRPr lang="en-US" dirty="0" smtClean="0"/>
+          </a:p>
+          <a:p>
+            <a:endParaRPr lang="en-US" dirty="0"/>
+          </a:p>
+        </p:txBody>
+      </p:sp>
+      <p:sp>
+        <p:nvSpPr>
+          <p:cNvPr id="6" name="Footer Placeholder 5"/>
+          <p:cNvSpPr>
+            <a:spLocks noGrp="1"/>
+          </p:cNvSpPr>
+          <p:nvPr>
+            <p:ph type="ftr" sz="quarter" idx="11"/>
+          </p:nvPr>
+        </p:nvSpPr>
+        <p:spPr/>
+        <p:txBody>
+          <a:bodyPr/>
+          <a:lstStyle/>
+          <a:p>
+            <a:r>
+              <a:rPr lang="en-US" smtClean="0"/>
+              <a:t>Laboratory for Percutaneous Surgery (The Perk Lab) – Copyright © Queen’s University, 2011</a:t>
+            </a:r>
+          </a:p>
+          <a:p>
+            <a:endParaRPr lang="en-US" dirty="0"/>
+          </a:p>
+        </p:txBody>
+      </p:sp>
+      <p:pic>
+        <p:nvPicPr>
+          <p:cNvPr id="4098" name="Picture 2" descr="H:\DCIM\100OLYMP\PA250552.JPG"/>
+          <p:cNvPicPr>
+            <a:picLocks noChangeAspect="1" noChangeArrowheads="1"/>
+          </p:cNvPicPr>
+          <p:nvPr/>
+        </p:nvPicPr>
+        <p:blipFill>
+          <a:blip r:embed="rId2" cstate="print"/>
+          <a:srcRect l="6438" t="28465" r="3436" b="18599"/>
+          <a:stretch>
+            <a:fillRect/>
+          </a:stretch>
+        </p:blipFill>
+        <p:spPr bwMode="auto">
+          <a:xfrm>
+            <a:off x="1371600" y="3429000"/>
+            <a:ext cx="6400800" cy="2819400"/>
+          </a:xfrm>
+          <a:prstGeom prst="rect">
+            <a:avLst/>
+          </a:prstGeom>
+          <a:noFill/>
+        </p:spPr>
+      </p:pic>
       <p:cxnSp>
         <p:nvCxnSpPr>
-          <p:cNvPr id="9" name="Straight Arrow Connector 8"/>
+          <p:cNvPr id="26" name="Straight Arrow Connector 25"/>
           <p:cNvCxnSpPr/>
           <p:nvPr/>
         </p:nvCxnSpPr>
         <p:spPr>
-          <a:xfrm>
-            <a:off x="3276600" y="4495800"/>
-            <a:ext cx="241300" cy="431800"/>
+          <a:xfrm flipH="1" flipV="1">
+            <a:off x="3886200" y="5410200"/>
+            <a:ext cx="1447800" cy="228600"/>
           </a:xfrm>
           <a:prstGeom prst="straightConnector1">
             <a:avLst/>
           </a:prstGeom>
-          <a:ln>
+          <a:ln w="38100">
             <a:solidFill>
               <a:srgbClr val="FF0000"/>
             </a:solidFill>
@@ -5273,54 +5993,18 @@
           </a:fontRef>
         </p:style>
       </p:cxnSp>
-      <p:cxnSp>
-        <p:nvCxnSpPr>
-          <p:cNvPr id="15" name="Straight Arrow Connector 14"/>
-          <p:cNvCxnSpPr/>
+      <p:sp>
+        <p:nvSpPr>
+          <p:cNvPr id="27" name="Content Placeholder 2"/>
+          <p:cNvSpPr txBox="1">
+            <a:spLocks/>
+          </p:cNvSpPr>
           <p:nvPr/>
-        </p:nvCxnSpPr>
+        </p:nvSpPr>
         <p:spPr>
           <a:xfrm>
-            <a:off x="3860800" y="2927350"/>
-            <a:ext cx="298450" cy="177800"/>
-          </a:xfrm>
-          <a:prstGeom prst="straightConnector1">
-            <a:avLst/>
-          </a:prstGeom>
-          <a:ln>
-            <a:solidFill>
-              <a:srgbClr val="FF0000"/>
-            </a:solidFill>
-            <a:tailEnd type="arrow"/>
-          </a:ln>
-        </p:spPr>
-        <p:style>
-          <a:lnRef idx="1">
-            <a:schemeClr val="accent1"/>
-          </a:lnRef>
-          <a:fillRef idx="0">
-            <a:schemeClr val="accent1"/>
-          </a:fillRef>
-          <a:effectRef idx="0">
-            <a:schemeClr val="accent1"/>
-          </a:effectRef>
-          <a:fontRef idx="minor">
-            <a:schemeClr val="tx1"/>
-          </a:fontRef>
-        </p:style>
-      </p:cxnSp>
-      <p:sp>
-        <p:nvSpPr>
-          <p:cNvPr id="17" name="Content Placeholder 2"/>
-          <p:cNvSpPr txBox="1">
-            <a:spLocks/>
-          </p:cNvSpPr>
-          <p:nvPr/>
-        </p:nvSpPr>
-        <p:spPr>
-          <a:xfrm>
-            <a:off x="3022600" y="2781300"/>
-            <a:ext cx="914400" cy="381000"/>
+            <a:off x="3581400" y="5082540"/>
+            <a:ext cx="1074420" cy="480060"/>
           </a:xfrm>
           <a:prstGeom prst="rect">
             <a:avLst/>
@@ -5328,11 +6012,11 @@
         </p:spPr>
         <p:txBody>
           <a:bodyPr vert="horz" lIns="91440" tIns="45720" rIns="91440" bIns="45720" rtlCol="0">
-            <a:normAutofit fontScale="55000" lnSpcReduction="20000"/>
+            <a:normAutofit/>
           </a:bodyPr>
           <a:lstStyle/>
           <a:p>
-            <a:pPr marL="342900" marR="0" lvl="0" indent="-342900" algn="l" defTabSz="914400" rtl="0" eaLnBrk="1" fontAlgn="auto" latinLnBrk="0" hangingPunct="1">
+            <a:pPr marL="342900" marR="0" lvl="0" indent="-342900" algn="ctr" defTabSz="914400" rtl="0" eaLnBrk="1" fontAlgn="auto" latinLnBrk="0" hangingPunct="1">
               <a:lnSpc>
                 <a:spcPct val="100000"/>
               </a:lnSpc>
@@ -5348,1076 +6032,51 @@
               <a:defRPr/>
             </a:pPr>
             <a:r>
-              <a:rPr kumimoji="0" lang="en-US" sz="2400" b="0" i="0" u="none" strike="noStrike" kern="1200" cap="none" spc="0" normalizeH="0" baseline="0" noProof="0" dirty="0" smtClean="0">
-                <a:ln>
-                  <a:noFill/>
-                </a:ln>
+              <a:rPr lang="en-US" sz="1600" dirty="0" smtClean="0">
                 <a:solidFill>
                   <a:srgbClr val="FF0000"/>
                 </a:solidFill>
-                <a:effectLst/>
-                <a:uLnTx/>
-                <a:uFillTx/>
-                <a:latin typeface="+mn-lt"/>
-                <a:ea typeface="+mn-ea"/>
-                <a:cs typeface="+mn-cs"/>
-              </a:rPr>
-              <a:t>e3 (wire 1)</a:t>
-            </a:r>
-          </a:p>
-        </p:txBody>
-      </p:sp>
-      <p:cxnSp>
-        <p:nvCxnSpPr>
-          <p:cNvPr id="18" name="Straight Arrow Connector 17"/>
-          <p:cNvCxnSpPr/>
-          <p:nvPr/>
-        </p:nvCxnSpPr>
-        <p:spPr>
-          <a:xfrm flipH="1">
-            <a:off x="3765550" y="4648200"/>
-            <a:ext cx="44450" cy="342900"/>
-          </a:xfrm>
-          <a:prstGeom prst="straightConnector1">
-            <a:avLst/>
-          </a:prstGeom>
-          <a:ln>
-            <a:solidFill>
-              <a:srgbClr val="FF0000"/>
-            </a:solidFill>
-            <a:tailEnd type="arrow"/>
-          </a:ln>
-        </p:spPr>
-        <p:style>
-          <a:lnRef idx="1">
-            <a:schemeClr val="accent1"/>
-          </a:lnRef>
-          <a:fillRef idx="0">
-            <a:schemeClr val="accent1"/>
-          </a:fillRef>
-          <a:effectRef idx="0">
-            <a:schemeClr val="accent1"/>
-          </a:effectRef>
-          <a:fontRef idx="minor">
-            <a:schemeClr val="tx1"/>
-          </a:fontRef>
-        </p:style>
-      </p:cxnSp>
-      <p:sp>
-        <p:nvSpPr>
-          <p:cNvPr id="21" name="Content Placeholder 2"/>
-          <p:cNvSpPr txBox="1">
-            <a:spLocks/>
-          </p:cNvSpPr>
-          <p:nvPr/>
-        </p:nvSpPr>
-        <p:spPr>
-          <a:xfrm>
-            <a:off x="3429000" y="4419600"/>
-            <a:ext cx="914400" cy="381000"/>
-          </a:xfrm>
-          <a:prstGeom prst="rect">
-            <a:avLst/>
-          </a:prstGeom>
-        </p:spPr>
-        <p:txBody>
-          <a:bodyPr vert="horz" lIns="91440" tIns="45720" rIns="91440" bIns="45720" rtlCol="0">
-            <a:normAutofit fontScale="55000" lnSpcReduction="20000"/>
-          </a:bodyPr>
-          <a:lstStyle/>
-          <a:p>
-            <a:pPr marL="342900" marR="0" lvl="0" indent="-342900" algn="l" defTabSz="914400" rtl="0" eaLnBrk="1" fontAlgn="auto" latinLnBrk="0" hangingPunct="1">
-              <a:lnSpc>
-                <a:spcPct val="100000"/>
-              </a:lnSpc>
-              <a:spcBef>
-                <a:spcPct val="20000"/>
-              </a:spcBef>
-              <a:spcAft>
-                <a:spcPts val="0"/>
-              </a:spcAft>
-              <a:buClrTx/>
-              <a:buSzTx/>
-              <a:tabLst/>
-              <a:defRPr/>
-            </a:pPr>
-            <a:r>
-              <a:rPr lang="en-US" sz="2400" dirty="0" smtClean="0">
-                <a:solidFill>
-                  <a:srgbClr val="FF0000"/>
-                </a:solidFill>
-              </a:rPr>
-              <a:t>F</a:t>
-            </a:r>
-            <a:r>
-              <a:rPr kumimoji="0" lang="en-US" sz="2400" b="0" i="0" u="none" strike="noStrike" kern="1200" cap="none" spc="0" normalizeH="0" baseline="0" noProof="0" dirty="0" smtClean="0">
-                <a:ln>
-                  <a:noFill/>
-                </a:ln>
-                <a:solidFill>
-                  <a:srgbClr val="FF0000"/>
-                </a:solidFill>
-                <a:effectLst/>
-                <a:uLnTx/>
-                <a:uFillTx/>
-                <a:latin typeface="+mn-lt"/>
-                <a:ea typeface="+mn-ea"/>
-                <a:cs typeface="+mn-cs"/>
-              </a:rPr>
-              <a:t>3 (wire 2)</a:t>
-            </a:r>
-          </a:p>
-        </p:txBody>
-      </p:sp>
-      <p:cxnSp>
-        <p:nvCxnSpPr>
-          <p:cNvPr id="23" name="Straight Arrow Connector 22"/>
-          <p:cNvCxnSpPr/>
-          <p:nvPr/>
-        </p:nvCxnSpPr>
-        <p:spPr>
-          <a:xfrm flipH="1">
-            <a:off x="5270500" y="3003550"/>
-            <a:ext cx="44450" cy="342900"/>
-          </a:xfrm>
-          <a:prstGeom prst="straightConnector1">
-            <a:avLst/>
-          </a:prstGeom>
-          <a:ln>
-            <a:solidFill>
-              <a:srgbClr val="FF0000"/>
-            </a:solidFill>
-            <a:tailEnd type="arrow"/>
-          </a:ln>
-        </p:spPr>
-        <p:style>
-          <a:lnRef idx="1">
-            <a:schemeClr val="accent1"/>
-          </a:lnRef>
-          <a:fillRef idx="0">
-            <a:schemeClr val="accent1"/>
-          </a:fillRef>
-          <a:effectRef idx="0">
-            <a:schemeClr val="accent1"/>
-          </a:effectRef>
-          <a:fontRef idx="minor">
-            <a:schemeClr val="tx1"/>
-          </a:fontRef>
-        </p:style>
-      </p:cxnSp>
-      <p:sp>
-        <p:nvSpPr>
-          <p:cNvPr id="24" name="Content Placeholder 2"/>
-          <p:cNvSpPr txBox="1">
-            <a:spLocks/>
-          </p:cNvSpPr>
-          <p:nvPr/>
-        </p:nvSpPr>
-        <p:spPr>
-          <a:xfrm>
-            <a:off x="4953000" y="2743200"/>
-            <a:ext cx="914400" cy="381000"/>
-          </a:xfrm>
-          <a:prstGeom prst="rect">
-            <a:avLst/>
-          </a:prstGeom>
-        </p:spPr>
-        <p:txBody>
-          <a:bodyPr vert="horz" lIns="91440" tIns="45720" rIns="91440" bIns="45720" rtlCol="0">
-            <a:normAutofit fontScale="55000" lnSpcReduction="20000"/>
-          </a:bodyPr>
-          <a:lstStyle/>
-          <a:p>
-            <a:pPr marL="342900" marR="0" lvl="0" indent="-342900" algn="l" defTabSz="914400" rtl="0" eaLnBrk="1" fontAlgn="auto" latinLnBrk="0" hangingPunct="1">
-              <a:lnSpc>
-                <a:spcPct val="100000"/>
-              </a:lnSpc>
-              <a:spcBef>
-                <a:spcPct val="20000"/>
-              </a:spcBef>
-              <a:spcAft>
-                <a:spcPts val="0"/>
-              </a:spcAft>
-              <a:buClrTx/>
-              <a:buSzTx/>
-              <a:tabLst/>
-              <a:defRPr/>
-            </a:pPr>
-            <a:r>
-              <a:rPr lang="en-US" sz="2400" noProof="0" dirty="0" smtClean="0">
-                <a:solidFill>
-                  <a:srgbClr val="FF0000"/>
-                </a:solidFill>
-              </a:rPr>
-              <a:t>j</a:t>
-            </a:r>
-            <a:r>
-              <a:rPr kumimoji="0" lang="en-US" sz="2400" b="0" i="0" u="none" strike="noStrike" kern="1200" cap="none" spc="0" normalizeH="0" baseline="0" noProof="0" dirty="0" smtClean="0">
-                <a:ln>
-                  <a:noFill/>
-                </a:ln>
-                <a:solidFill>
-                  <a:srgbClr val="FF0000"/>
-                </a:solidFill>
-                <a:effectLst/>
-                <a:uLnTx/>
-                <a:uFillTx/>
-                <a:latin typeface="+mn-lt"/>
-                <a:ea typeface="+mn-ea"/>
-                <a:cs typeface="+mn-cs"/>
-              </a:rPr>
-              <a:t>3 (wire 2)</a:t>
-            </a:r>
-          </a:p>
-        </p:txBody>
-      </p:sp>
-      <p:sp>
-        <p:nvSpPr>
-          <p:cNvPr id="25" name="Content Placeholder 2"/>
-          <p:cNvSpPr txBox="1">
-            <a:spLocks/>
-          </p:cNvSpPr>
-          <p:nvPr/>
-        </p:nvSpPr>
-        <p:spPr>
-          <a:xfrm>
-            <a:off x="4876800" y="4724400"/>
-            <a:ext cx="914400" cy="381000"/>
-          </a:xfrm>
-          <a:prstGeom prst="rect">
-            <a:avLst/>
-          </a:prstGeom>
-        </p:spPr>
-        <p:txBody>
-          <a:bodyPr vert="horz" lIns="91440" tIns="45720" rIns="91440" bIns="45720" rtlCol="0">
-            <a:normAutofit fontScale="55000" lnSpcReduction="20000"/>
-          </a:bodyPr>
-          <a:lstStyle/>
-          <a:p>
-            <a:pPr marL="342900" marR="0" lvl="0" indent="-342900" algn="l" defTabSz="914400" rtl="0" eaLnBrk="1" fontAlgn="auto" latinLnBrk="0" hangingPunct="1">
-              <a:lnSpc>
-                <a:spcPct val="100000"/>
-              </a:lnSpc>
-              <a:spcBef>
-                <a:spcPct val="20000"/>
-              </a:spcBef>
-              <a:spcAft>
-                <a:spcPts val="0"/>
-              </a:spcAft>
-              <a:buClrTx/>
-              <a:buSzTx/>
-              <a:tabLst/>
-              <a:defRPr/>
-            </a:pPr>
-            <a:r>
-              <a:rPr lang="en-US" sz="2400" dirty="0" smtClean="0">
-                <a:solidFill>
-                  <a:srgbClr val="FF0000"/>
-                </a:solidFill>
-              </a:rPr>
-              <a:t>K</a:t>
-            </a:r>
-            <a:r>
-              <a:rPr kumimoji="0" lang="en-US" sz="2400" b="0" i="0" u="none" strike="noStrike" kern="1200" cap="none" spc="0" normalizeH="0" baseline="0" noProof="0" dirty="0" smtClean="0">
-                <a:ln>
-                  <a:noFill/>
-                </a:ln>
-                <a:solidFill>
-                  <a:srgbClr val="FF0000"/>
-                </a:solidFill>
-                <a:effectLst/>
-                <a:uLnTx/>
-                <a:uFillTx/>
-                <a:latin typeface="+mn-lt"/>
-                <a:ea typeface="+mn-ea"/>
-                <a:cs typeface="+mn-cs"/>
-              </a:rPr>
-              <a:t>3 (wire 3)</a:t>
-            </a:r>
-          </a:p>
-        </p:txBody>
-      </p:sp>
-      <p:cxnSp>
-        <p:nvCxnSpPr>
-          <p:cNvPr id="26" name="Straight Arrow Connector 25"/>
-          <p:cNvCxnSpPr/>
-          <p:nvPr/>
-        </p:nvCxnSpPr>
-        <p:spPr>
-          <a:xfrm flipH="1">
-            <a:off x="4889500" y="4953000"/>
-            <a:ext cx="139700" cy="298450"/>
-          </a:xfrm>
-          <a:prstGeom prst="straightConnector1">
-            <a:avLst/>
-          </a:prstGeom>
-          <a:ln>
-            <a:solidFill>
-              <a:srgbClr val="FF0000"/>
-            </a:solidFill>
-            <a:tailEnd type="arrow"/>
-          </a:ln>
-        </p:spPr>
-        <p:style>
-          <a:lnRef idx="1">
-            <a:schemeClr val="accent1"/>
-          </a:lnRef>
-          <a:fillRef idx="0">
-            <a:schemeClr val="accent1"/>
-          </a:fillRef>
-          <a:effectRef idx="0">
-            <a:schemeClr val="accent1"/>
-          </a:effectRef>
-          <a:fontRef idx="minor">
-            <a:schemeClr val="tx1"/>
-          </a:fontRef>
-        </p:style>
-      </p:cxnSp>
-      <p:sp>
-        <p:nvSpPr>
-          <p:cNvPr id="28" name="Content Placeholder 2"/>
-          <p:cNvSpPr txBox="1">
-            <a:spLocks/>
-          </p:cNvSpPr>
-          <p:nvPr/>
-        </p:nvSpPr>
-        <p:spPr>
-          <a:xfrm>
-            <a:off x="5638800" y="3048000"/>
-            <a:ext cx="914400" cy="381000"/>
-          </a:xfrm>
-          <a:prstGeom prst="rect">
-            <a:avLst/>
-          </a:prstGeom>
-        </p:spPr>
-        <p:txBody>
-          <a:bodyPr vert="horz" lIns="91440" tIns="45720" rIns="91440" bIns="45720" rtlCol="0">
-            <a:normAutofit fontScale="55000" lnSpcReduction="20000"/>
-          </a:bodyPr>
-          <a:lstStyle/>
-          <a:p>
-            <a:pPr marL="342900" marR="0" lvl="0" indent="-342900" algn="l" defTabSz="914400" rtl="0" eaLnBrk="1" fontAlgn="auto" latinLnBrk="0" hangingPunct="1">
-              <a:lnSpc>
-                <a:spcPct val="100000"/>
-              </a:lnSpc>
-              <a:spcBef>
-                <a:spcPct val="20000"/>
-              </a:spcBef>
-              <a:spcAft>
-                <a:spcPts val="0"/>
-              </a:spcAft>
-              <a:buClrTx/>
-              <a:buSzTx/>
-              <a:tabLst/>
-              <a:defRPr/>
-            </a:pPr>
-            <a:r>
-              <a:rPr lang="en-US" sz="2400" noProof="0" dirty="0" smtClean="0">
-                <a:solidFill>
-                  <a:srgbClr val="FF0000"/>
-                </a:solidFill>
-              </a:rPr>
-              <a:t>k</a:t>
-            </a:r>
-            <a:r>
-              <a:rPr kumimoji="0" lang="en-US" sz="2400" b="0" i="0" u="none" strike="noStrike" kern="1200" cap="none" spc="0" normalizeH="0" baseline="0" noProof="0" dirty="0" smtClean="0">
-                <a:ln>
-                  <a:noFill/>
-                </a:ln>
-                <a:solidFill>
-                  <a:srgbClr val="FF0000"/>
-                </a:solidFill>
-                <a:effectLst/>
-                <a:uLnTx/>
-                <a:uFillTx/>
-                <a:latin typeface="+mn-lt"/>
-                <a:ea typeface="+mn-ea"/>
-                <a:cs typeface="+mn-cs"/>
-              </a:rPr>
-              <a:t>3 (wire 3)</a:t>
-            </a:r>
-          </a:p>
-        </p:txBody>
-      </p:sp>
-      <p:cxnSp>
-        <p:nvCxnSpPr>
-          <p:cNvPr id="29" name="Straight Arrow Connector 28"/>
-          <p:cNvCxnSpPr/>
-          <p:nvPr/>
-        </p:nvCxnSpPr>
-        <p:spPr>
-          <a:xfrm flipH="1">
-            <a:off x="5499100" y="3200400"/>
-            <a:ext cx="215900" cy="203200"/>
-          </a:xfrm>
-          <a:prstGeom prst="straightConnector1">
-            <a:avLst/>
-          </a:prstGeom>
-          <a:ln>
-            <a:solidFill>
-              <a:srgbClr val="FF0000"/>
-            </a:solidFill>
-            <a:tailEnd type="arrow"/>
-          </a:ln>
-        </p:spPr>
-        <p:style>
-          <a:lnRef idx="1">
-            <a:schemeClr val="accent1"/>
-          </a:lnRef>
-          <a:fillRef idx="0">
-            <a:schemeClr val="accent1"/>
-          </a:fillRef>
-          <a:effectRef idx="0">
-            <a:schemeClr val="accent1"/>
-          </a:effectRef>
-          <a:fontRef idx="minor">
-            <a:schemeClr val="tx1"/>
-          </a:fontRef>
-        </p:style>
-      </p:cxnSp>
-      <p:sp>
-        <p:nvSpPr>
-          <p:cNvPr id="31" name="Content Placeholder 2"/>
-          <p:cNvSpPr txBox="1">
-            <a:spLocks/>
-          </p:cNvSpPr>
-          <p:nvPr/>
-        </p:nvSpPr>
-        <p:spPr>
-          <a:xfrm>
-            <a:off x="2667000" y="5486400"/>
-            <a:ext cx="914400" cy="381000"/>
-          </a:xfrm>
-          <a:prstGeom prst="rect">
-            <a:avLst/>
-          </a:prstGeom>
-        </p:spPr>
-        <p:txBody>
-          <a:bodyPr vert="horz" lIns="91440" tIns="45720" rIns="91440" bIns="45720" rtlCol="0">
-            <a:normAutofit fontScale="55000" lnSpcReduction="20000"/>
-          </a:bodyPr>
-          <a:lstStyle/>
-          <a:p>
-            <a:pPr marL="342900" marR="0" lvl="0" indent="-342900" algn="l" defTabSz="914400" rtl="0" eaLnBrk="1" fontAlgn="auto" latinLnBrk="0" hangingPunct="1">
-              <a:lnSpc>
-                <a:spcPct val="100000"/>
-              </a:lnSpc>
-              <a:spcBef>
-                <a:spcPct val="20000"/>
-              </a:spcBef>
-              <a:spcAft>
-                <a:spcPts val="0"/>
-              </a:spcAft>
-              <a:buClrTx/>
-              <a:buSzTx/>
-              <a:tabLst/>
-              <a:defRPr/>
-            </a:pPr>
-            <a:r>
-              <a:rPr kumimoji="0" lang="en-US" sz="2400" b="0" i="0" u="none" strike="noStrike" kern="1200" cap="none" spc="0" normalizeH="0" baseline="0" noProof="0" dirty="0" smtClean="0">
-                <a:ln>
-                  <a:noFill/>
-                </a:ln>
-                <a:solidFill>
-                  <a:srgbClr val="FF0000"/>
-                </a:solidFill>
-                <a:effectLst/>
-                <a:uLnTx/>
-                <a:uFillTx/>
-                <a:latin typeface="+mn-lt"/>
-                <a:ea typeface="+mn-ea"/>
-                <a:cs typeface="+mn-cs"/>
-              </a:rPr>
-              <a:t>E4 (wire 4)</a:t>
-            </a:r>
-          </a:p>
-        </p:txBody>
-      </p:sp>
-      <p:cxnSp>
-        <p:nvCxnSpPr>
-          <p:cNvPr id="32" name="Straight Arrow Connector 31"/>
-          <p:cNvCxnSpPr/>
-          <p:nvPr/>
-        </p:nvCxnSpPr>
-        <p:spPr>
-          <a:xfrm flipV="1">
-            <a:off x="3352800" y="5022850"/>
-            <a:ext cx="184150" cy="463550"/>
-          </a:xfrm>
-          <a:prstGeom prst="straightConnector1">
-            <a:avLst/>
-          </a:prstGeom>
-          <a:ln>
-            <a:solidFill>
-              <a:srgbClr val="FF0000"/>
-            </a:solidFill>
-            <a:tailEnd type="arrow"/>
-          </a:ln>
-        </p:spPr>
-        <p:style>
-          <a:lnRef idx="1">
-            <a:schemeClr val="accent1"/>
-          </a:lnRef>
-          <a:fillRef idx="0">
-            <a:schemeClr val="accent1"/>
-          </a:fillRef>
-          <a:effectRef idx="0">
-            <a:schemeClr val="accent1"/>
-          </a:effectRef>
-          <a:fontRef idx="minor">
-            <a:schemeClr val="tx1"/>
-          </a:fontRef>
-        </p:style>
-      </p:cxnSp>
-      <p:sp>
-        <p:nvSpPr>
-          <p:cNvPr id="35" name="Content Placeholder 2"/>
-          <p:cNvSpPr txBox="1">
-            <a:spLocks/>
-          </p:cNvSpPr>
-          <p:nvPr/>
-        </p:nvSpPr>
-        <p:spPr>
-          <a:xfrm>
-            <a:off x="3124200" y="3238500"/>
-            <a:ext cx="914400" cy="381000"/>
-          </a:xfrm>
-          <a:prstGeom prst="rect">
-            <a:avLst/>
-          </a:prstGeom>
-        </p:spPr>
-        <p:txBody>
-          <a:bodyPr vert="horz" lIns="91440" tIns="45720" rIns="91440" bIns="45720" rtlCol="0">
-            <a:normAutofit fontScale="55000" lnSpcReduction="20000"/>
-          </a:bodyPr>
-          <a:lstStyle/>
-          <a:p>
-            <a:pPr marL="342900" marR="0" lvl="0" indent="-342900" algn="l" defTabSz="914400" rtl="0" eaLnBrk="1" fontAlgn="auto" latinLnBrk="0" hangingPunct="1">
-              <a:lnSpc>
-                <a:spcPct val="100000"/>
-              </a:lnSpc>
-              <a:spcBef>
-                <a:spcPct val="20000"/>
-              </a:spcBef>
-              <a:spcAft>
-                <a:spcPts val="0"/>
-              </a:spcAft>
-              <a:buClrTx/>
-              <a:buSzTx/>
-              <a:tabLst/>
-              <a:defRPr/>
-            </a:pPr>
-            <a:r>
-              <a:rPr kumimoji="0" lang="en-US" sz="2400" b="0" i="0" u="none" strike="noStrike" kern="1200" cap="none" spc="0" normalizeH="0" baseline="0" noProof="0" dirty="0" smtClean="0">
-                <a:ln>
-                  <a:noFill/>
-                </a:ln>
-                <a:solidFill>
-                  <a:srgbClr val="FF0000"/>
-                </a:solidFill>
-                <a:effectLst/>
-                <a:uLnTx/>
-                <a:uFillTx/>
-                <a:latin typeface="+mn-lt"/>
-                <a:ea typeface="+mn-ea"/>
-                <a:cs typeface="+mn-cs"/>
-              </a:rPr>
-              <a:t>e4 (wire 4)</a:t>
-            </a:r>
-          </a:p>
-        </p:txBody>
-      </p:sp>
-      <p:cxnSp>
-        <p:nvCxnSpPr>
-          <p:cNvPr id="36" name="Straight Arrow Connector 35"/>
-          <p:cNvCxnSpPr/>
-          <p:nvPr/>
-        </p:nvCxnSpPr>
-        <p:spPr>
-          <a:xfrm flipV="1">
-            <a:off x="3937000" y="3232150"/>
-            <a:ext cx="247650" cy="120650"/>
-          </a:xfrm>
-          <a:prstGeom prst="straightConnector1">
-            <a:avLst/>
-          </a:prstGeom>
-          <a:ln>
-            <a:solidFill>
-              <a:srgbClr val="FF0000"/>
-            </a:solidFill>
-            <a:tailEnd type="arrow"/>
-          </a:ln>
-        </p:spPr>
-        <p:style>
-          <a:lnRef idx="1">
-            <a:schemeClr val="accent1"/>
-          </a:lnRef>
-          <a:fillRef idx="0">
-            <a:schemeClr val="accent1"/>
-          </a:fillRef>
-          <a:effectRef idx="0">
-            <a:schemeClr val="accent1"/>
-          </a:effectRef>
-          <a:fontRef idx="minor">
-            <a:schemeClr val="tx1"/>
-          </a:fontRef>
-        </p:style>
-      </p:cxnSp>
-      <p:cxnSp>
-        <p:nvCxnSpPr>
-          <p:cNvPr id="40" name="Straight Arrow Connector 39"/>
-          <p:cNvCxnSpPr>
-            <a:stCxn id="41" idx="0"/>
-          </p:cNvCxnSpPr>
-          <p:nvPr/>
-        </p:nvCxnSpPr>
-        <p:spPr>
-          <a:xfrm flipV="1">
-            <a:off x="4343400" y="5308600"/>
-            <a:ext cx="333375" cy="330200"/>
-          </a:xfrm>
-          <a:prstGeom prst="straightConnector1">
-            <a:avLst/>
-          </a:prstGeom>
-          <a:ln>
-            <a:solidFill>
-              <a:srgbClr val="FF0000"/>
-            </a:solidFill>
-            <a:tailEnd type="arrow"/>
-          </a:ln>
-        </p:spPr>
-        <p:style>
-          <a:lnRef idx="1">
-            <a:schemeClr val="accent1"/>
-          </a:lnRef>
-          <a:fillRef idx="0">
-            <a:schemeClr val="accent1"/>
-          </a:fillRef>
-          <a:effectRef idx="0">
-            <a:schemeClr val="accent1"/>
-          </a:effectRef>
-          <a:fontRef idx="minor">
-            <a:schemeClr val="tx1"/>
-          </a:fontRef>
-        </p:style>
-      </p:cxnSp>
-      <p:sp>
-        <p:nvSpPr>
-          <p:cNvPr id="41" name="Content Placeholder 2"/>
-          <p:cNvSpPr txBox="1">
-            <a:spLocks/>
-          </p:cNvSpPr>
-          <p:nvPr/>
-        </p:nvSpPr>
-        <p:spPr>
-          <a:xfrm>
-            <a:off x="3886200" y="5638800"/>
-            <a:ext cx="914400" cy="381000"/>
-          </a:xfrm>
-          <a:prstGeom prst="rect">
-            <a:avLst/>
-          </a:prstGeom>
-        </p:spPr>
-        <p:txBody>
-          <a:bodyPr vert="horz" lIns="91440" tIns="45720" rIns="91440" bIns="45720" rtlCol="0">
-            <a:normAutofit fontScale="55000" lnSpcReduction="20000"/>
-          </a:bodyPr>
-          <a:lstStyle/>
-          <a:p>
-            <a:pPr marL="342900" marR="0" lvl="0" indent="-342900" algn="l" defTabSz="914400" rtl="0" eaLnBrk="1" fontAlgn="auto" latinLnBrk="0" hangingPunct="1">
-              <a:lnSpc>
-                <a:spcPct val="100000"/>
-              </a:lnSpc>
-              <a:spcBef>
-                <a:spcPct val="20000"/>
-              </a:spcBef>
-              <a:spcAft>
-                <a:spcPts val="0"/>
-              </a:spcAft>
-              <a:buClrTx/>
-              <a:buSzTx/>
-              <a:tabLst/>
-              <a:defRPr/>
-            </a:pPr>
-            <a:r>
-              <a:rPr lang="en-US" sz="2400" dirty="0" smtClean="0">
-                <a:solidFill>
-                  <a:srgbClr val="FF0000"/>
-                </a:solidFill>
-              </a:rPr>
-              <a:t>J</a:t>
-            </a:r>
-            <a:r>
-              <a:rPr kumimoji="0" lang="en-US" sz="2400" b="0" i="0" u="none" strike="noStrike" kern="1200" cap="none" spc="0" normalizeH="0" baseline="0" noProof="0" dirty="0" smtClean="0">
-                <a:ln>
-                  <a:noFill/>
-                </a:ln>
-                <a:solidFill>
-                  <a:srgbClr val="FF0000"/>
-                </a:solidFill>
-                <a:effectLst/>
-                <a:uLnTx/>
-                <a:uFillTx/>
-                <a:latin typeface="+mn-lt"/>
-                <a:ea typeface="+mn-ea"/>
-                <a:cs typeface="+mn-cs"/>
-              </a:rPr>
-              <a:t>4 (wire 5)</a:t>
-            </a:r>
-          </a:p>
-        </p:txBody>
-      </p:sp>
-      <p:sp>
-        <p:nvSpPr>
-          <p:cNvPr id="43" name="Content Placeholder 2"/>
-          <p:cNvSpPr txBox="1">
-            <a:spLocks/>
-          </p:cNvSpPr>
-          <p:nvPr/>
-        </p:nvSpPr>
-        <p:spPr>
-          <a:xfrm>
-            <a:off x="4114800" y="3581400"/>
-            <a:ext cx="914400" cy="381000"/>
-          </a:xfrm>
-          <a:prstGeom prst="rect">
-            <a:avLst/>
-          </a:prstGeom>
-        </p:spPr>
-        <p:txBody>
-          <a:bodyPr vert="horz" lIns="91440" tIns="45720" rIns="91440" bIns="45720" rtlCol="0">
-            <a:normAutofit fontScale="55000" lnSpcReduction="20000"/>
-          </a:bodyPr>
-          <a:lstStyle/>
-          <a:p>
-            <a:pPr marL="342900" marR="0" lvl="0" indent="-342900" algn="l" defTabSz="914400" rtl="0" eaLnBrk="1" fontAlgn="auto" latinLnBrk="0" hangingPunct="1">
-              <a:lnSpc>
-                <a:spcPct val="100000"/>
-              </a:lnSpc>
-              <a:spcBef>
-                <a:spcPct val="20000"/>
-              </a:spcBef>
-              <a:spcAft>
-                <a:spcPts val="0"/>
-              </a:spcAft>
-              <a:buClrTx/>
-              <a:buSzTx/>
-              <a:tabLst/>
-              <a:defRPr/>
-            </a:pPr>
-            <a:r>
-              <a:rPr kumimoji="0" lang="en-US" sz="2400" b="0" i="0" u="none" strike="noStrike" kern="1200" cap="none" spc="0" normalizeH="0" baseline="0" noProof="0" dirty="0" smtClean="0">
-                <a:ln>
-                  <a:noFill/>
-                </a:ln>
-                <a:solidFill>
-                  <a:srgbClr val="FF0000"/>
-                </a:solidFill>
-                <a:effectLst/>
-                <a:uLnTx/>
-                <a:uFillTx/>
-                <a:latin typeface="+mn-lt"/>
-                <a:ea typeface="+mn-ea"/>
-                <a:cs typeface="+mn-cs"/>
-              </a:rPr>
-              <a:t>f4 (wire 5)</a:t>
-            </a:r>
-          </a:p>
-        </p:txBody>
-      </p:sp>
-      <p:cxnSp>
-        <p:nvCxnSpPr>
-          <p:cNvPr id="44" name="Straight Arrow Connector 43"/>
-          <p:cNvCxnSpPr/>
-          <p:nvPr/>
-        </p:nvCxnSpPr>
-        <p:spPr>
-          <a:xfrm flipV="1">
-            <a:off x="4343400" y="3289300"/>
-            <a:ext cx="76200" cy="292100"/>
-          </a:xfrm>
-          <a:prstGeom prst="straightConnector1">
-            <a:avLst/>
-          </a:prstGeom>
-          <a:ln>
-            <a:solidFill>
-              <a:srgbClr val="FF0000"/>
-            </a:solidFill>
-            <a:tailEnd type="arrow"/>
-          </a:ln>
-        </p:spPr>
-        <p:style>
-          <a:lnRef idx="1">
-            <a:schemeClr val="accent1"/>
-          </a:lnRef>
-          <a:fillRef idx="0">
-            <a:schemeClr val="accent1"/>
-          </a:fillRef>
-          <a:effectRef idx="0">
-            <a:schemeClr val="accent1"/>
-          </a:effectRef>
-          <a:fontRef idx="minor">
-            <a:schemeClr val="tx1"/>
-          </a:fontRef>
-        </p:style>
-      </p:cxnSp>
-      <p:sp>
-        <p:nvSpPr>
-          <p:cNvPr id="47" name="Content Placeholder 2"/>
-          <p:cNvSpPr txBox="1">
-            <a:spLocks/>
-          </p:cNvSpPr>
-          <p:nvPr/>
-        </p:nvSpPr>
-        <p:spPr>
-          <a:xfrm>
-            <a:off x="4800600" y="5638800"/>
-            <a:ext cx="914400" cy="381000"/>
-          </a:xfrm>
-          <a:prstGeom prst="rect">
-            <a:avLst/>
-          </a:prstGeom>
-        </p:spPr>
-        <p:txBody>
-          <a:bodyPr vert="horz" lIns="91440" tIns="45720" rIns="91440" bIns="45720" rtlCol="0">
-            <a:normAutofit fontScale="55000" lnSpcReduction="20000"/>
-          </a:bodyPr>
-          <a:lstStyle/>
-          <a:p>
-            <a:pPr marL="342900" marR="0" lvl="0" indent="-342900" algn="l" defTabSz="914400" rtl="0" eaLnBrk="1" fontAlgn="auto" latinLnBrk="0" hangingPunct="1">
-              <a:lnSpc>
-                <a:spcPct val="100000"/>
-              </a:lnSpc>
-              <a:spcBef>
-                <a:spcPct val="20000"/>
-              </a:spcBef>
-              <a:spcAft>
-                <a:spcPts val="0"/>
-              </a:spcAft>
-              <a:buClrTx/>
-              <a:buSzTx/>
-              <a:tabLst/>
-              <a:defRPr/>
-            </a:pPr>
-            <a:r>
-              <a:rPr kumimoji="0" lang="en-US" sz="2400" b="0" i="0" u="none" strike="noStrike" kern="1200" cap="none" spc="0" normalizeH="0" baseline="0" noProof="0" dirty="0" smtClean="0">
-                <a:ln>
-                  <a:noFill/>
-                </a:ln>
-                <a:solidFill>
-                  <a:srgbClr val="FF0000"/>
-                </a:solidFill>
-                <a:effectLst/>
-                <a:uLnTx/>
-                <a:uFillTx/>
-                <a:latin typeface="+mn-lt"/>
-                <a:ea typeface="+mn-ea"/>
-                <a:cs typeface="+mn-cs"/>
-              </a:rPr>
-              <a:t>K4 (wire 6)</a:t>
-            </a:r>
-          </a:p>
-        </p:txBody>
-      </p:sp>
-      <p:cxnSp>
-        <p:nvCxnSpPr>
-          <p:cNvPr id="48" name="Straight Arrow Connector 47"/>
-          <p:cNvCxnSpPr/>
-          <p:nvPr/>
-        </p:nvCxnSpPr>
-        <p:spPr>
-          <a:xfrm flipH="1" flipV="1">
-            <a:off x="4895850" y="5353050"/>
-            <a:ext cx="165100" cy="260350"/>
-          </a:xfrm>
-          <a:prstGeom prst="straightConnector1">
-            <a:avLst/>
-          </a:prstGeom>
-          <a:ln>
-            <a:solidFill>
-              <a:srgbClr val="FF0000"/>
-            </a:solidFill>
-            <a:tailEnd type="arrow"/>
-          </a:ln>
-        </p:spPr>
-        <p:style>
-          <a:lnRef idx="1">
-            <a:schemeClr val="accent1"/>
-          </a:lnRef>
-          <a:fillRef idx="0">
-            <a:schemeClr val="accent1"/>
-          </a:fillRef>
-          <a:effectRef idx="0">
-            <a:schemeClr val="accent1"/>
-          </a:effectRef>
-          <a:fontRef idx="minor">
-            <a:schemeClr val="tx1"/>
-          </a:fontRef>
-        </p:style>
-      </p:cxnSp>
-      <p:sp>
-        <p:nvSpPr>
-          <p:cNvPr id="51" name="Content Placeholder 2"/>
-          <p:cNvSpPr txBox="1">
-            <a:spLocks/>
-          </p:cNvSpPr>
-          <p:nvPr/>
-        </p:nvSpPr>
-        <p:spPr>
-          <a:xfrm>
-            <a:off x="5410200" y="3810000"/>
-            <a:ext cx="914400" cy="381000"/>
-          </a:xfrm>
-          <a:prstGeom prst="rect">
-            <a:avLst/>
-          </a:prstGeom>
-        </p:spPr>
-        <p:txBody>
-          <a:bodyPr vert="horz" lIns="91440" tIns="45720" rIns="91440" bIns="45720" rtlCol="0">
-            <a:normAutofit fontScale="55000" lnSpcReduction="20000"/>
-          </a:bodyPr>
-          <a:lstStyle/>
-          <a:p>
-            <a:pPr marL="342900" marR="0" lvl="0" indent="-342900" algn="l" defTabSz="914400" rtl="0" eaLnBrk="1" fontAlgn="auto" latinLnBrk="0" hangingPunct="1">
-              <a:lnSpc>
-                <a:spcPct val="100000"/>
-              </a:lnSpc>
-              <a:spcBef>
-                <a:spcPct val="20000"/>
-              </a:spcBef>
-              <a:spcAft>
-                <a:spcPts val="0"/>
-              </a:spcAft>
-              <a:buClrTx/>
-              <a:buSzTx/>
-              <a:tabLst/>
-              <a:defRPr/>
-            </a:pPr>
-            <a:r>
-              <a:rPr kumimoji="0" lang="en-US" sz="2400" b="0" i="0" u="none" strike="noStrike" kern="1200" cap="none" spc="0" normalizeH="0" baseline="0" noProof="0" dirty="0" smtClean="0">
-                <a:ln>
-                  <a:noFill/>
-                </a:ln>
-                <a:solidFill>
-                  <a:srgbClr val="FF0000"/>
-                </a:solidFill>
-                <a:effectLst/>
-                <a:uLnTx/>
-                <a:uFillTx/>
-                <a:latin typeface="+mn-lt"/>
-                <a:ea typeface="+mn-ea"/>
-                <a:cs typeface="+mn-cs"/>
-              </a:rPr>
-              <a:t>k4 (wire 6)</a:t>
-            </a:r>
-          </a:p>
-        </p:txBody>
-      </p:sp>
-      <p:cxnSp>
-        <p:nvCxnSpPr>
-          <p:cNvPr id="52" name="Straight Arrow Connector 51"/>
-          <p:cNvCxnSpPr/>
-          <p:nvPr/>
-        </p:nvCxnSpPr>
-        <p:spPr>
-          <a:xfrm flipH="1" flipV="1">
-            <a:off x="5505450" y="3524250"/>
-            <a:ext cx="165100" cy="260350"/>
-          </a:xfrm>
-          <a:prstGeom prst="straightConnector1">
-            <a:avLst/>
-          </a:prstGeom>
-          <a:ln>
-            <a:solidFill>
-              <a:srgbClr val="FF0000"/>
-            </a:solidFill>
-            <a:tailEnd type="arrow"/>
-          </a:ln>
-        </p:spPr>
-        <p:style>
-          <a:lnRef idx="1">
-            <a:schemeClr val="accent1"/>
-          </a:lnRef>
-          <a:fillRef idx="0">
-            <a:schemeClr val="accent1"/>
-          </a:fillRef>
-          <a:effectRef idx="0">
-            <a:schemeClr val="accent1"/>
-          </a:effectRef>
-          <a:fontRef idx="minor">
-            <a:schemeClr val="tx1"/>
-          </a:fontRef>
-        </p:style>
-      </p:cxnSp>
-      <p:sp>
-        <p:nvSpPr>
-          <p:cNvPr id="53" name="Content Placeholder 2"/>
-          <p:cNvSpPr txBox="1">
-            <a:spLocks/>
-          </p:cNvSpPr>
-          <p:nvPr/>
-        </p:nvSpPr>
-        <p:spPr>
-          <a:xfrm>
-            <a:off x="1447800" y="4343400"/>
-            <a:ext cx="838200" cy="381000"/>
-          </a:xfrm>
-          <a:prstGeom prst="rect">
-            <a:avLst/>
-          </a:prstGeom>
-        </p:spPr>
-        <p:txBody>
-          <a:bodyPr vert="horz" lIns="91440" tIns="45720" rIns="91440" bIns="45720" rtlCol="0">
-            <a:normAutofit fontScale="92500" lnSpcReduction="20000"/>
-          </a:bodyPr>
-          <a:lstStyle/>
-          <a:p>
-            <a:pPr marL="342900" marR="0" lvl="0" indent="-342900" algn="l" defTabSz="914400" rtl="0" eaLnBrk="1" fontAlgn="auto" latinLnBrk="0" hangingPunct="1">
-              <a:lnSpc>
-                <a:spcPct val="100000"/>
-              </a:lnSpc>
-              <a:spcBef>
-                <a:spcPct val="20000"/>
-              </a:spcBef>
-              <a:spcAft>
-                <a:spcPts val="0"/>
-              </a:spcAft>
-              <a:buClrTx/>
-              <a:buSzTx/>
-              <a:tabLst/>
-              <a:defRPr/>
-            </a:pPr>
-            <a:r>
-              <a:rPr kumimoji="0" lang="en-US" sz="2400" b="0" i="0" u="none" strike="noStrike" kern="1200" cap="none" spc="0" normalizeH="0" baseline="0" noProof="0" dirty="0" smtClean="0">
-                <a:ln>
-                  <a:noFill/>
-                </a:ln>
-                <a:effectLst/>
-                <a:uLnTx/>
-                <a:uFillTx/>
-                <a:latin typeface="+mn-lt"/>
-                <a:ea typeface="+mn-ea"/>
-                <a:cs typeface="+mn-cs"/>
-              </a:rPr>
-              <a:t>Front</a:t>
-            </a:r>
+              </a:rPr>
+              <a:t>Stretching</a:t>
+            </a:r>
+            <a:endParaRPr kumimoji="0" lang="en-US" sz="1600" b="0" i="0" u="none" strike="noStrike" kern="1200" cap="none" spc="0" normalizeH="0" baseline="0" noProof="0" dirty="0" smtClean="0">
+              <a:ln>
+                <a:noFill/>
+              </a:ln>
+              <a:solidFill>
+                <a:srgbClr val="FF0000"/>
+              </a:solidFill>
+              <a:effectLst/>
+              <a:uLnTx/>
+              <a:uFillTx/>
+              <a:latin typeface="+mn-lt"/>
+              <a:ea typeface="+mn-ea"/>
+              <a:cs typeface="+mn-cs"/>
+            </a:endParaRPr>
           </a:p>
         </p:txBody>
       </p:sp>
     </p:spTree>
     <p:extLst>
       <p:ext uri="{BB962C8B-B14F-4D97-AF65-F5344CB8AC3E}">
-        <p14:creationId xmlns:p14="http://schemas.microsoft.com/office/powerpoint/2010/main" val="843286459"/>
+        <p14:creationId xmlns:p14="http://schemas.microsoft.com/office/powerpoint/2010/main" val="1352437256"/>
       </p:ext>
     </p:extLst>
   </p:cSld>
   <p:clrMapOvr>
     <a:masterClrMapping/>
   </p:clrMapOvr>
+  <p:timing>
+    <p:tnLst>
+      <p:par>
+        <p:cTn id="1" dur="indefinite" restart="never" nodeType="tmRoot"/>
+      </p:par>
+    </p:tnLst>
+  </p:timing>
 </p:sld>
 </file>
 
-<file path=ppt/slides/slide5.xml><?xml version="1.0" encoding="utf-8"?>
+<file path=ppt/slides/slide6.xml><?xml version="1.0" encoding="utf-8"?>
 <p:sld xmlns:a="http://schemas.openxmlformats.org/drawingml/2006/main" xmlns:r="http://schemas.openxmlformats.org/officeDocument/2006/relationships" xmlns:p="http://schemas.openxmlformats.org/presentationml/2006/main">
   <p:cSld>
     <p:spTree>
@@ -6446,14 +6105,92 @@
         </p:nvSpPr>
         <p:spPr/>
         <p:txBody>
+          <a:bodyPr/>
+          <a:lstStyle/>
+          <a:p>
+            <a:r>
+              <a:rPr lang="en-US" dirty="0" smtClean="0"/>
+              <a:t>Appendix</a:t>
+            </a:r>
+            <a:endParaRPr lang="en-US" dirty="0"/>
+          </a:p>
+        </p:txBody>
+      </p:sp>
+      <p:sp>
+        <p:nvSpPr>
+          <p:cNvPr id="4" name="Footer Placeholder 3"/>
+          <p:cNvSpPr>
+            <a:spLocks noGrp="1"/>
+          </p:cNvSpPr>
+          <p:nvPr>
+            <p:ph type="ftr" sz="quarter" idx="11"/>
+          </p:nvPr>
+        </p:nvSpPr>
+        <p:spPr/>
+        <p:txBody>
+          <a:bodyPr/>
+          <a:lstStyle/>
+          <a:p>
+            <a:r>
+              <a:rPr lang="en-US" smtClean="0"/>
+              <a:t>Laboratory for Percutaneous Surgery (The Perk Lab) – Copyright © Queen’s University, 2011</a:t>
+            </a:r>
+          </a:p>
+          <a:p>
+            <a:endParaRPr lang="en-US" dirty="0"/>
+          </a:p>
+        </p:txBody>
+      </p:sp>
+    </p:spTree>
+    <p:extLst>
+      <p:ext uri="{BB962C8B-B14F-4D97-AF65-F5344CB8AC3E}">
+        <p14:creationId xmlns:p14="http://schemas.microsoft.com/office/powerpoint/2010/main" val="188309052"/>
+      </p:ext>
+    </p:extLst>
+  </p:cSld>
+  <p:clrMapOvr>
+    <a:masterClrMapping/>
+  </p:clrMapOvr>
+</p:sld>
+</file>
+
+<file path=ppt/slides/slide7.xml><?xml version="1.0" encoding="utf-8"?>
+<p:sld xmlns:a="http://schemas.openxmlformats.org/drawingml/2006/main" xmlns:r="http://schemas.openxmlformats.org/officeDocument/2006/relationships" xmlns:p="http://schemas.openxmlformats.org/presentationml/2006/main">
+  <p:cSld>
+    <p:spTree>
+      <p:nvGrpSpPr>
+        <p:cNvPr id="1" name=""/>
+        <p:cNvGrpSpPr/>
+        <p:nvPr/>
+      </p:nvGrpSpPr>
+      <p:grpSpPr>
+        <a:xfrm>
+          <a:off x="0" y="0"/>
+          <a:ext cx="0" cy="0"/>
+          <a:chOff x="0" y="0"/>
+          <a:chExt cx="0" cy="0"/>
+        </a:xfrm>
+      </p:grpSpPr>
+      <p:sp>
+        <p:nvSpPr>
+          <p:cNvPr id="2" name="Title 1"/>
+          <p:cNvSpPr>
+            <a:spLocks noGrp="1"/>
+          </p:cNvSpPr>
+          <p:nvPr>
+            <p:ph type="title"/>
+          </p:nvPr>
+        </p:nvSpPr>
+        <p:spPr/>
+        <p:txBody>
           <a:bodyPr>
             <a:normAutofit/>
           </a:bodyPr>
           <a:lstStyle/>
           <a:p>
             <a:r>
-              <a:rPr lang="en-CA" dirty="0" smtClean="0"/>
-              <a:t>Calibration phantom revisions</a:t>
+              <a:rPr lang="en-US" dirty="0"/>
+              <a:t>Obsolete phantom revisions</a:t>
             </a:r>
             <a:endParaRPr lang="en-CA" dirty="0"/>
           </a:p>
@@ -6482,17 +6219,23 @@
           <a:lstStyle/>
           <a:p>
             <a:r>
-              <a:rPr lang="en-CA" dirty="0" smtClean="0"/>
-              <a:t>Phantom model: </a:t>
-            </a:r>
-            <a:r>
-              <a:rPr lang="en-CA" dirty="0" smtClean="0"/>
-              <a:t>fCal_1.0, Wiring: </a:t>
-            </a:r>
-            <a:r>
-              <a:rPr lang="en-CA" dirty="0" smtClean="0"/>
-              <a:t>wiring_1.x</a:t>
-            </a:r>
+              <a:rPr lang="en-CA" dirty="0" smtClean="0">
+                <a:solidFill>
+                  <a:schemeClr val="bg1">
+                    <a:lumMod val="65000"/>
+                  </a:schemeClr>
+                </a:solidFill>
+                <a:hlinkClick r:id="rId2"/>
+              </a:rPr>
+              <a:t>Phantom model: fCal_1.0, Wiring: wiring_1.x</a:t>
+            </a:r>
+            <a:endParaRPr lang="en-CA" dirty="0" smtClean="0">
+              <a:solidFill>
+                <a:schemeClr val="bg1">
+                  <a:lumMod val="65000"/>
+                </a:schemeClr>
+              </a:solidFill>
+            </a:endParaRPr>
           </a:p>
           <a:p>
             <a:pPr lvl="1"/>
@@ -6504,53 +6247,6 @@
               <a:rPr lang="en-CA" dirty="0" smtClean="0"/>
               <a:t>fCal_2.0 instead</a:t>
             </a:r>
-          </a:p>
-          <a:p>
-            <a:r>
-              <a:rPr lang="en-CA" dirty="0"/>
-              <a:t>Phantom model: </a:t>
-            </a:r>
-            <a:r>
-              <a:rPr lang="en-CA" dirty="0" smtClean="0"/>
-              <a:t>fCal_2.0</a:t>
-            </a:r>
-            <a:r>
-              <a:rPr lang="en-CA" dirty="0"/>
-              <a:t>, Wiring: </a:t>
-            </a:r>
-            <a:r>
-              <a:rPr lang="en-CA" dirty="0" smtClean="0"/>
-              <a:t>wiring_2.0</a:t>
-            </a:r>
-          </a:p>
-          <a:p>
-            <a:pPr lvl="1"/>
-            <a:r>
-              <a:rPr lang="en-CA" dirty="0" smtClean="0"/>
-              <a:t>Recommended calibration phantom for 30-90mm imaging depth</a:t>
-            </a:r>
-          </a:p>
-          <a:p>
-            <a:r>
-              <a:rPr lang="en-CA" dirty="0" smtClean="0"/>
-              <a:t>Phantom model: fCal_3.0</a:t>
-            </a:r>
-          </a:p>
-          <a:p>
-            <a:pPr lvl="1"/>
-            <a:r>
-              <a:rPr lang="en-CA" dirty="0" smtClean="0"/>
-              <a:t>Experimental calibration phantom </a:t>
-            </a:r>
-            <a:br>
-              <a:rPr lang="en-CA" dirty="0" smtClean="0"/>
-            </a:br>
-            <a:r>
-              <a:rPr lang="en-CA" dirty="0" smtClean="0"/>
-              <a:t>for &gt;90mm imaging depth</a:t>
-            </a:r>
-          </a:p>
-          <a:p>
             <a:endParaRPr lang="en-CA" dirty="0" smtClean="0"/>
           </a:p>
         </p:txBody>
@@ -6582,59 +6278,7 @@
       </p:sp>
       <p:pic>
         <p:nvPicPr>
-          <p:cNvPr id="1026" name="Picture 2"/>
-          <p:cNvPicPr>
-            <a:picLocks noChangeAspect="1" noChangeArrowheads="1"/>
-          </p:cNvPicPr>
-          <p:nvPr/>
-        </p:nvPicPr>
-        <p:blipFill rotWithShape="1">
-          <a:blip r:embed="rId2" cstate="print">
-            <a:extLst>
-              <a:ext uri="{28A0092B-C50C-407E-A947-70E740481C1C}">
-                <a14:useLocalDpi xmlns:a14="http://schemas.microsoft.com/office/drawing/2010/main" val="0"/>
-              </a:ext>
-            </a:extLst>
-          </a:blip>
-          <a:srcRect l="7503" t="17904" r="7962" b="13949"/>
-          <a:stretch/>
-        </p:blipFill>
-        <p:spPr bwMode="auto">
-          <a:xfrm>
-            <a:off x="540488" y="4147936"/>
-            <a:ext cx="4031512" cy="1719464"/>
-          </a:xfrm>
-          <a:prstGeom prst="rect">
-            <a:avLst/>
-          </a:prstGeom>
-          <a:noFill/>
-          <a:ln>
-            <a:noFill/>
-          </a:ln>
-          <a:extLst>
-            <a:ext uri="{909E8E84-426E-40DD-AFC4-6F175D3DCCD1}">
-              <a14:hiddenFill xmlns:a14="http://schemas.microsoft.com/office/drawing/2010/main">
-                <a:solidFill>
-                  <a:schemeClr val="accent1"/>
-                </a:solidFill>
-              </a14:hiddenFill>
-            </a:ext>
-            <a:ext uri="{91240B29-F687-4F45-9708-019B960494DF}">
-              <a14:hiddenLine xmlns:a14="http://schemas.microsoft.com/office/drawing/2010/main" w="9525">
-                <a:solidFill>
-                  <a:schemeClr val="tx1"/>
-                </a:solidFill>
-                <a:miter lim="800000"/>
-                <a:headEnd/>
-                <a:tailEnd/>
-              </a14:hiddenLine>
-            </a:ext>
-          </a:extLst>
-        </p:spPr>
-      </p:pic>
-      <p:pic>
-        <p:nvPicPr>
-          <p:cNvPr id="1027" name="Picture 3"/>
+          <p:cNvPr id="2050" name="Picture 2"/>
           <p:cNvPicPr>
             <a:picLocks noChangeAspect="1" noChangeArrowheads="1"/>
           </p:cNvPicPr>
@@ -6655,8 +6299,8 @@
         </p:blipFill>
         <p:spPr bwMode="auto">
           <a:xfrm>
-            <a:off x="5410200" y="3192486"/>
-            <a:ext cx="3252788" cy="2751114"/>
+            <a:off x="914400" y="2359245"/>
+            <a:ext cx="7256463" cy="3698579"/>
           </a:xfrm>
           <a:prstGeom prst="rect">
             <a:avLst/>
@@ -6686,352 +6330,10 @@
           </a:extLst>
         </p:spPr>
       </p:pic>
-      <p:sp>
-        <p:nvSpPr>
-          <p:cNvPr id="33" name="Content Placeholder 2"/>
-          <p:cNvSpPr txBox="1">
-            <a:spLocks/>
-          </p:cNvSpPr>
-          <p:nvPr/>
-        </p:nvSpPr>
-        <p:spPr>
-          <a:xfrm>
-            <a:off x="1447800" y="5867400"/>
-            <a:ext cx="1946644" cy="609600"/>
-          </a:xfrm>
-          <a:prstGeom prst="rect">
-            <a:avLst/>
-          </a:prstGeom>
-        </p:spPr>
-        <p:txBody>
-          <a:bodyPr vert="horz" lIns="91440" tIns="45720" rIns="91440" bIns="45720" rtlCol="0">
-            <a:normAutofit/>
-          </a:bodyPr>
-          <a:lstStyle>
-            <a:lvl1pPr marL="342900" indent="-342900" algn="l" defTabSz="914400" rtl="0" eaLnBrk="1" latinLnBrk="0" hangingPunct="1">
-              <a:spcBef>
-                <a:spcPct val="20000"/>
-              </a:spcBef>
-              <a:buFont typeface="Arial" pitchFamily="34" charset="0"/>
-              <a:buChar char="•"/>
-              <a:defRPr sz="2400" kern="1200">
-                <a:solidFill>
-                  <a:schemeClr val="tx1"/>
-                </a:solidFill>
-                <a:latin typeface="+mn-lt"/>
-                <a:ea typeface="+mn-ea"/>
-                <a:cs typeface="+mn-cs"/>
-              </a:defRPr>
-            </a:lvl1pPr>
-            <a:lvl2pPr marL="742950" indent="-285750" algn="l" defTabSz="914400" rtl="0" eaLnBrk="1" latinLnBrk="0" hangingPunct="1">
-              <a:spcBef>
-                <a:spcPct val="20000"/>
-              </a:spcBef>
-              <a:buFont typeface="Arial" pitchFamily="34" charset="0"/>
-              <a:buChar char="–"/>
-              <a:defRPr sz="2000" kern="1200">
-                <a:solidFill>
-                  <a:schemeClr val="tx1"/>
-                </a:solidFill>
-                <a:latin typeface="+mn-lt"/>
-                <a:ea typeface="+mn-ea"/>
-                <a:cs typeface="+mn-cs"/>
-              </a:defRPr>
-            </a:lvl2pPr>
-            <a:lvl3pPr marL="1143000" indent="-228600" algn="l" defTabSz="914400" rtl="0" eaLnBrk="1" latinLnBrk="0" hangingPunct="1">
-              <a:spcBef>
-                <a:spcPct val="20000"/>
-              </a:spcBef>
-              <a:buFont typeface="Arial" pitchFamily="34" charset="0"/>
-              <a:buChar char="•"/>
-              <a:defRPr sz="1800" kern="1200">
-                <a:solidFill>
-                  <a:schemeClr val="tx1"/>
-                </a:solidFill>
-                <a:latin typeface="+mn-lt"/>
-                <a:ea typeface="+mn-ea"/>
-                <a:cs typeface="+mn-cs"/>
-              </a:defRPr>
-            </a:lvl3pPr>
-            <a:lvl4pPr marL="1600200" indent="-228600" algn="l" defTabSz="914400" rtl="0" eaLnBrk="1" latinLnBrk="0" hangingPunct="1">
-              <a:spcBef>
-                <a:spcPct val="20000"/>
-              </a:spcBef>
-              <a:buFont typeface="Arial" pitchFamily="34" charset="0"/>
-              <a:buChar char="–"/>
-              <a:defRPr sz="1600" kern="1200">
-                <a:solidFill>
-                  <a:schemeClr val="tx1"/>
-                </a:solidFill>
-                <a:latin typeface="+mn-lt"/>
-                <a:ea typeface="+mn-ea"/>
-                <a:cs typeface="+mn-cs"/>
-              </a:defRPr>
-            </a:lvl4pPr>
-            <a:lvl5pPr marL="2057400" indent="-228600" algn="l" defTabSz="914400" rtl="0" eaLnBrk="1" latinLnBrk="0" hangingPunct="1">
-              <a:spcBef>
-                <a:spcPct val="20000"/>
-              </a:spcBef>
-              <a:buFont typeface="Arial" pitchFamily="34" charset="0"/>
-              <a:buChar char="»"/>
-              <a:defRPr sz="1600" kern="1200">
-                <a:solidFill>
-                  <a:schemeClr val="tx1"/>
-                </a:solidFill>
-                <a:latin typeface="+mn-lt"/>
-                <a:ea typeface="+mn-ea"/>
-                <a:cs typeface="+mn-cs"/>
-              </a:defRPr>
-            </a:lvl5pPr>
-            <a:lvl6pPr marL="2514600" indent="-228600" algn="l" defTabSz="914400" rtl="0" eaLnBrk="1" latinLnBrk="0" hangingPunct="1">
-              <a:spcBef>
-                <a:spcPct val="20000"/>
-              </a:spcBef>
-              <a:buFont typeface="Arial" pitchFamily="34" charset="0"/>
-              <a:buChar char="•"/>
-              <a:defRPr sz="2000" kern="1200">
-                <a:solidFill>
-                  <a:schemeClr val="tx1"/>
-                </a:solidFill>
-                <a:latin typeface="+mn-lt"/>
-                <a:ea typeface="+mn-ea"/>
-                <a:cs typeface="+mn-cs"/>
-              </a:defRPr>
-            </a:lvl6pPr>
-            <a:lvl7pPr marL="2971800" indent="-228600" algn="l" defTabSz="914400" rtl="0" eaLnBrk="1" latinLnBrk="0" hangingPunct="1">
-              <a:spcBef>
-                <a:spcPct val="20000"/>
-              </a:spcBef>
-              <a:buFont typeface="Arial" pitchFamily="34" charset="0"/>
-              <a:buChar char="•"/>
-              <a:defRPr sz="2000" kern="1200">
-                <a:solidFill>
-                  <a:schemeClr val="tx1"/>
-                </a:solidFill>
-                <a:latin typeface="+mn-lt"/>
-                <a:ea typeface="+mn-ea"/>
-                <a:cs typeface="+mn-cs"/>
-              </a:defRPr>
-            </a:lvl7pPr>
-            <a:lvl8pPr marL="3429000" indent="-228600" algn="l" defTabSz="914400" rtl="0" eaLnBrk="1" latinLnBrk="0" hangingPunct="1">
-              <a:spcBef>
-                <a:spcPct val="20000"/>
-              </a:spcBef>
-              <a:buFont typeface="Arial" pitchFamily="34" charset="0"/>
-              <a:buChar char="•"/>
-              <a:defRPr sz="2000" kern="1200">
-                <a:solidFill>
-                  <a:schemeClr val="tx1"/>
-                </a:solidFill>
-                <a:latin typeface="+mn-lt"/>
-                <a:ea typeface="+mn-ea"/>
-                <a:cs typeface="+mn-cs"/>
-              </a:defRPr>
-            </a:lvl8pPr>
-            <a:lvl9pPr marL="3886200" indent="-228600" algn="l" defTabSz="914400" rtl="0" eaLnBrk="1" latinLnBrk="0" hangingPunct="1">
-              <a:spcBef>
-                <a:spcPct val="20000"/>
-              </a:spcBef>
-              <a:buFont typeface="Arial" pitchFamily="34" charset="0"/>
-              <a:buChar char="•"/>
-              <a:defRPr sz="2000" kern="1200">
-                <a:solidFill>
-                  <a:schemeClr val="tx1"/>
-                </a:solidFill>
-                <a:latin typeface="+mn-lt"/>
-                <a:ea typeface="+mn-ea"/>
-                <a:cs typeface="+mn-cs"/>
-              </a:defRPr>
-            </a:lvl9pPr>
-          </a:lstStyle>
-          <a:p>
-            <a:pPr algn="ctr">
-              <a:buFont typeface="Arial" pitchFamily="34" charset="0"/>
-              <a:buNone/>
-            </a:pPr>
-            <a:r>
-              <a:rPr lang="en-CA" dirty="0" smtClean="0"/>
-              <a:t>fCal_2.0</a:t>
-            </a:r>
-            <a:endParaRPr lang="en-CA" dirty="0" smtClean="0"/>
-          </a:p>
-        </p:txBody>
-      </p:sp>
-      <p:sp>
-        <p:nvSpPr>
-          <p:cNvPr id="34" name="Content Placeholder 2"/>
-          <p:cNvSpPr txBox="1">
-            <a:spLocks/>
-          </p:cNvSpPr>
-          <p:nvPr/>
-        </p:nvSpPr>
-        <p:spPr>
-          <a:xfrm>
-            <a:off x="6054356" y="5867400"/>
-            <a:ext cx="1946644" cy="609600"/>
-          </a:xfrm>
-          <a:prstGeom prst="rect">
-            <a:avLst/>
-          </a:prstGeom>
-        </p:spPr>
-        <p:txBody>
-          <a:bodyPr vert="horz" lIns="91440" tIns="45720" rIns="91440" bIns="45720" rtlCol="0">
-            <a:normAutofit/>
-          </a:bodyPr>
-          <a:lstStyle>
-            <a:lvl1pPr marL="342900" indent="-342900" algn="l" defTabSz="914400" rtl="0" eaLnBrk="1" latinLnBrk="0" hangingPunct="1">
-              <a:spcBef>
-                <a:spcPct val="20000"/>
-              </a:spcBef>
-              <a:buFont typeface="Arial" pitchFamily="34" charset="0"/>
-              <a:buChar char="•"/>
-              <a:defRPr sz="2400" kern="1200">
-                <a:solidFill>
-                  <a:schemeClr val="tx1"/>
-                </a:solidFill>
-                <a:latin typeface="+mn-lt"/>
-                <a:ea typeface="+mn-ea"/>
-                <a:cs typeface="+mn-cs"/>
-              </a:defRPr>
-            </a:lvl1pPr>
-            <a:lvl2pPr marL="742950" indent="-285750" algn="l" defTabSz="914400" rtl="0" eaLnBrk="1" latinLnBrk="0" hangingPunct="1">
-              <a:spcBef>
-                <a:spcPct val="20000"/>
-              </a:spcBef>
-              <a:buFont typeface="Arial" pitchFamily="34" charset="0"/>
-              <a:buChar char="–"/>
-              <a:defRPr sz="2000" kern="1200">
-                <a:solidFill>
-                  <a:schemeClr val="tx1"/>
-                </a:solidFill>
-                <a:latin typeface="+mn-lt"/>
-                <a:ea typeface="+mn-ea"/>
-                <a:cs typeface="+mn-cs"/>
-              </a:defRPr>
-            </a:lvl2pPr>
-            <a:lvl3pPr marL="1143000" indent="-228600" algn="l" defTabSz="914400" rtl="0" eaLnBrk="1" latinLnBrk="0" hangingPunct="1">
-              <a:spcBef>
-                <a:spcPct val="20000"/>
-              </a:spcBef>
-              <a:buFont typeface="Arial" pitchFamily="34" charset="0"/>
-              <a:buChar char="•"/>
-              <a:defRPr sz="1800" kern="1200">
-                <a:solidFill>
-                  <a:schemeClr val="tx1"/>
-                </a:solidFill>
-                <a:latin typeface="+mn-lt"/>
-                <a:ea typeface="+mn-ea"/>
-                <a:cs typeface="+mn-cs"/>
-              </a:defRPr>
-            </a:lvl3pPr>
-            <a:lvl4pPr marL="1600200" indent="-228600" algn="l" defTabSz="914400" rtl="0" eaLnBrk="1" latinLnBrk="0" hangingPunct="1">
-              <a:spcBef>
-                <a:spcPct val="20000"/>
-              </a:spcBef>
-              <a:buFont typeface="Arial" pitchFamily="34" charset="0"/>
-              <a:buChar char="–"/>
-              <a:defRPr sz="1600" kern="1200">
-                <a:solidFill>
-                  <a:schemeClr val="tx1"/>
-                </a:solidFill>
-                <a:latin typeface="+mn-lt"/>
-                <a:ea typeface="+mn-ea"/>
-                <a:cs typeface="+mn-cs"/>
-              </a:defRPr>
-            </a:lvl4pPr>
-            <a:lvl5pPr marL="2057400" indent="-228600" algn="l" defTabSz="914400" rtl="0" eaLnBrk="1" latinLnBrk="0" hangingPunct="1">
-              <a:spcBef>
-                <a:spcPct val="20000"/>
-              </a:spcBef>
-              <a:buFont typeface="Arial" pitchFamily="34" charset="0"/>
-              <a:buChar char="»"/>
-              <a:defRPr sz="1600" kern="1200">
-                <a:solidFill>
-                  <a:schemeClr val="tx1"/>
-                </a:solidFill>
-                <a:latin typeface="+mn-lt"/>
-                <a:ea typeface="+mn-ea"/>
-                <a:cs typeface="+mn-cs"/>
-              </a:defRPr>
-            </a:lvl5pPr>
-            <a:lvl6pPr marL="2514600" indent="-228600" algn="l" defTabSz="914400" rtl="0" eaLnBrk="1" latinLnBrk="0" hangingPunct="1">
-              <a:spcBef>
-                <a:spcPct val="20000"/>
-              </a:spcBef>
-              <a:buFont typeface="Arial" pitchFamily="34" charset="0"/>
-              <a:buChar char="•"/>
-              <a:defRPr sz="2000" kern="1200">
-                <a:solidFill>
-                  <a:schemeClr val="tx1"/>
-                </a:solidFill>
-                <a:latin typeface="+mn-lt"/>
-                <a:ea typeface="+mn-ea"/>
-                <a:cs typeface="+mn-cs"/>
-              </a:defRPr>
-            </a:lvl6pPr>
-            <a:lvl7pPr marL="2971800" indent="-228600" algn="l" defTabSz="914400" rtl="0" eaLnBrk="1" latinLnBrk="0" hangingPunct="1">
-              <a:spcBef>
-                <a:spcPct val="20000"/>
-              </a:spcBef>
-              <a:buFont typeface="Arial" pitchFamily="34" charset="0"/>
-              <a:buChar char="•"/>
-              <a:defRPr sz="2000" kern="1200">
-                <a:solidFill>
-                  <a:schemeClr val="tx1"/>
-                </a:solidFill>
-                <a:latin typeface="+mn-lt"/>
-                <a:ea typeface="+mn-ea"/>
-                <a:cs typeface="+mn-cs"/>
-              </a:defRPr>
-            </a:lvl7pPr>
-            <a:lvl8pPr marL="3429000" indent="-228600" algn="l" defTabSz="914400" rtl="0" eaLnBrk="1" latinLnBrk="0" hangingPunct="1">
-              <a:spcBef>
-                <a:spcPct val="20000"/>
-              </a:spcBef>
-              <a:buFont typeface="Arial" pitchFamily="34" charset="0"/>
-              <a:buChar char="•"/>
-              <a:defRPr sz="2000" kern="1200">
-                <a:solidFill>
-                  <a:schemeClr val="tx1"/>
-                </a:solidFill>
-                <a:latin typeface="+mn-lt"/>
-                <a:ea typeface="+mn-ea"/>
-                <a:cs typeface="+mn-cs"/>
-              </a:defRPr>
-            </a:lvl8pPr>
-            <a:lvl9pPr marL="3886200" indent="-228600" algn="l" defTabSz="914400" rtl="0" eaLnBrk="1" latinLnBrk="0" hangingPunct="1">
-              <a:spcBef>
-                <a:spcPct val="20000"/>
-              </a:spcBef>
-              <a:buFont typeface="Arial" pitchFamily="34" charset="0"/>
-              <a:buChar char="•"/>
-              <a:defRPr sz="2000" kern="1200">
-                <a:solidFill>
-                  <a:schemeClr val="tx1"/>
-                </a:solidFill>
-                <a:latin typeface="+mn-lt"/>
-                <a:ea typeface="+mn-ea"/>
-                <a:cs typeface="+mn-cs"/>
-              </a:defRPr>
-            </a:lvl9pPr>
-          </a:lstStyle>
-          <a:p>
-            <a:pPr algn="ctr">
-              <a:buFont typeface="Arial" pitchFamily="34" charset="0"/>
-              <a:buNone/>
-            </a:pPr>
-            <a:r>
-              <a:rPr lang="en-CA" dirty="0" smtClean="0"/>
-              <a:t>fCal_3.0</a:t>
-            </a:r>
-            <a:endParaRPr lang="en-CA" dirty="0" smtClean="0"/>
-          </a:p>
-        </p:txBody>
-      </p:sp>
     </p:spTree>
     <p:extLst>
       <p:ext uri="{BB962C8B-B14F-4D97-AF65-F5344CB8AC3E}">
-        <p14:creationId xmlns:p14="http://schemas.microsoft.com/office/powerpoint/2010/main" val="2239487779"/>
+        <p14:creationId xmlns:p14="http://schemas.microsoft.com/office/powerpoint/2010/main" val="750608840"/>
       </p:ext>
     </p:extLst>
   </p:cSld>
@@ -7041,7 +6343,7 @@
 </p:sld>
 </file>
 
-<file path=ppt/slides/slide6.xml><?xml version="1.0" encoding="utf-8"?>
+<file path=ppt/slides/slide8.xml><?xml version="1.0" encoding="utf-8"?>
 <p:sld xmlns:a="http://schemas.openxmlformats.org/drawingml/2006/main" xmlns:r="http://schemas.openxmlformats.org/officeDocument/2006/relationships" xmlns:p="http://schemas.openxmlformats.org/presentationml/2006/main">
   <p:cSld>
     <p:spTree>
@@ -7105,23 +6407,15 @@
           <a:p>
             <a:r>
               <a:rPr lang="en-US" dirty="0" smtClean="0"/>
-              <a:t>Line alignment is only an issue for </a:t>
+              <a:t>Line alignment is </a:t>
+            </a:r>
+            <a:r>
+              <a:rPr lang="en-US" b="1" dirty="0" smtClean="0"/>
+              <a:t>only an issue for fCal_1.x phantoms</a:t>
             </a:r>
             <a:r>
               <a:rPr lang="en-US" dirty="0" smtClean="0"/>
-              <a:t>fCal_1.x </a:t>
-            </a:r>
-            <a:r>
-              <a:rPr lang="en-US" dirty="0" smtClean="0"/>
-              <a:t>phantoms. Slanted holes in </a:t>
-            </a:r>
-            <a:r>
-              <a:rPr lang="en-US" dirty="0" smtClean="0"/>
-              <a:t>fCal_2.x </a:t>
-            </a:r>
-            <a:r>
-              <a:rPr lang="en-US" dirty="0" smtClean="0"/>
-              <a:t>and later phantoms take care of line alignment within a hole.</a:t>
+              <a:t>. Slanted holes in fCal_2.x and later phantoms take care of line alignment within a hole.</a:t>
             </a:r>
             <a:endParaRPr lang="en-US" dirty="0"/>
           </a:p>
@@ -8169,7 +7463,7 @@
 </p:sld>
 </file>
 
-<file path=ppt/slides/slide7.xml><?xml version="1.0" encoding="utf-8"?>
+<file path=ppt/slides/slide9.xml><?xml version="1.0" encoding="utf-8"?>
 <p:sld xmlns:a="http://schemas.openxmlformats.org/drawingml/2006/main" xmlns:r="http://schemas.openxmlformats.org/officeDocument/2006/relationships" xmlns:p="http://schemas.openxmlformats.org/presentationml/2006/main">
   <p:cSld>
     <p:spTree>
@@ -8198,14 +7492,16 @@
         </p:nvSpPr>
         <p:spPr/>
         <p:txBody>
-          <a:bodyPr/>
-          <a:lstStyle/>
-          <a:p>
-            <a:r>
-              <a:rPr lang="en-US" dirty="0" smtClean="0"/>
-              <a:t>Line stretching</a:t>
-            </a:r>
-            <a:endParaRPr lang="en-US" dirty="0"/>
+          <a:bodyPr>
+            <a:normAutofit/>
+          </a:bodyPr>
+          <a:lstStyle/>
+          <a:p>
+            <a:r>
+              <a:rPr lang="en-CA" dirty="0" smtClean="0"/>
+              <a:t>Example</a:t>
+            </a:r>
+            <a:endParaRPr lang="en-CA" dirty="0"/>
           </a:p>
         </p:txBody>
       </p:sp>
@@ -8221,8 +7517,8 @@
         </p:nvSpPr>
         <p:spPr>
           <a:xfrm>
-            <a:off x="533400" y="990601"/>
-            <a:ext cx="8153400" cy="2438400"/>
+            <a:off x="457200" y="1295400"/>
+            <a:ext cx="8229600" cy="4830763"/>
           </a:xfrm>
         </p:spPr>
         <p:txBody>
@@ -8231,34 +7527,23 @@
           </a:bodyPr>
           <a:lstStyle/>
           <a:p>
-            <a:r>
-              <a:rPr lang="en-US" dirty="0" smtClean="0"/>
-              <a:t>The fiducial lines should be stretched enough to be completely straight (the stretching has negligible effect on the line visibility, so it is enough to stretch it just so that it is straight)</a:t>
-            </a:r>
-          </a:p>
-          <a:p>
-            <a:r>
-              <a:rPr lang="en-US" dirty="0" smtClean="0"/>
-              <a:t>You can stretch the fiducial lines by using a rubber band as it is shown in the picture below</a:t>
-            </a:r>
-          </a:p>
-          <a:p>
-            <a:endParaRPr lang="en-US" dirty="0" smtClean="0"/>
-          </a:p>
-          <a:p>
-            <a:endParaRPr lang="en-US" dirty="0" smtClean="0"/>
-          </a:p>
-          <a:p>
-            <a:endParaRPr lang="en-US" dirty="0" smtClean="0"/>
-          </a:p>
-          <a:p>
-            <a:endParaRPr lang="en-US" dirty="0"/>
-          </a:p>
-        </p:txBody>
-      </p:sp>
-      <p:sp>
-        <p:nvSpPr>
-          <p:cNvPr id="6" name="Footer Placeholder 5"/>
+            <a:pPr algn="ctr">
+              <a:buNone/>
+            </a:pPr>
+            <a:r>
+              <a:rPr lang="en-CA" dirty="0" smtClean="0"/>
+              <a:t>Phantom model: fCal_1.0, Wiring: </a:t>
+            </a:r>
+            <a:r>
+              <a:rPr lang="en-CA" dirty="0" smtClean="0"/>
+              <a:t>wiring_1.0</a:t>
+            </a:r>
+          </a:p>
+        </p:txBody>
+      </p:sp>
+      <p:sp>
+        <p:nvSpPr>
+          <p:cNvPr id="4" name="Footer Placeholder 3"/>
           <p:cNvSpPr>
             <a:spLocks noGrp="1"/>
           </p:cNvSpPr>
@@ -8283,7 +7568,7 @@
       </p:sp>
       <p:pic>
         <p:nvPicPr>
-          <p:cNvPr id="4098" name="Picture 2" descr="H:\DCIM\100OLYMP\PA250552.JPG"/>
+          <p:cNvPr id="2050" name="Picture 2" descr="H:\DCIM\100OLYMP\PA250546.JPG"/>
           <p:cNvPicPr>
             <a:picLocks noChangeAspect="1" noChangeArrowheads="1"/>
           </p:cNvPicPr>
@@ -8291,15 +7576,15 @@
         </p:nvPicPr>
         <p:blipFill>
           <a:blip r:embed="rId2" cstate="print"/>
-          <a:srcRect l="6438" t="28465" r="3436" b="18599"/>
+          <a:srcRect l="4354" t="20319" r="7483" b="8564"/>
           <a:stretch>
             <a:fillRect/>
           </a:stretch>
         </p:blipFill>
         <p:spPr bwMode="auto">
           <a:xfrm>
-            <a:off x="1371600" y="3429000"/>
-            <a:ext cx="6400800" cy="2819400"/>
+            <a:off x="1045030" y="1905000"/>
+            <a:ext cx="7053940" cy="4267200"/>
           </a:xfrm>
           <a:prstGeom prst="rect">
             <a:avLst/>
@@ -8307,21 +7592,79 @@
           <a:noFill/>
         </p:spPr>
       </p:pic>
+      <p:sp>
+        <p:nvSpPr>
+          <p:cNvPr id="7" name="Content Placeholder 2"/>
+          <p:cNvSpPr txBox="1">
+            <a:spLocks/>
+          </p:cNvSpPr>
+          <p:nvPr/>
+        </p:nvSpPr>
+        <p:spPr>
+          <a:xfrm>
+            <a:off x="2667000" y="4267200"/>
+            <a:ext cx="914400" cy="381000"/>
+          </a:xfrm>
+          <a:prstGeom prst="rect">
+            <a:avLst/>
+          </a:prstGeom>
+        </p:spPr>
+        <p:txBody>
+          <a:bodyPr vert="horz" lIns="91440" tIns="45720" rIns="91440" bIns="45720" rtlCol="0">
+            <a:normAutofit fontScale="55000" lnSpcReduction="20000"/>
+          </a:bodyPr>
+          <a:lstStyle/>
+          <a:p>
+            <a:pPr marL="342900" marR="0" lvl="0" indent="-342900" algn="l" defTabSz="914400" rtl="0" eaLnBrk="1" fontAlgn="auto" latinLnBrk="0" hangingPunct="1">
+              <a:lnSpc>
+                <a:spcPct val="100000"/>
+              </a:lnSpc>
+              <a:spcBef>
+                <a:spcPct val="20000"/>
+              </a:spcBef>
+              <a:spcAft>
+                <a:spcPts val="0"/>
+              </a:spcAft>
+              <a:buClrTx/>
+              <a:buSzTx/>
+              <a:tabLst/>
+              <a:defRPr/>
+            </a:pPr>
+            <a:r>
+              <a:rPr kumimoji="0" lang="en-US" sz="2400" b="0" i="0" u="none" strike="noStrike" kern="1200" cap="none" spc="0" normalizeH="0" baseline="0" noProof="0" dirty="0" smtClean="0">
+                <a:ln>
+                  <a:noFill/>
+                </a:ln>
+                <a:solidFill>
+                  <a:srgbClr val="FF0000"/>
+                </a:solidFill>
+                <a:effectLst/>
+                <a:uLnTx/>
+                <a:uFillTx/>
+                <a:latin typeface="+mn-lt"/>
+                <a:ea typeface="+mn-ea"/>
+                <a:cs typeface="+mn-cs"/>
+              </a:rPr>
+              <a:t>E3 (wire 1)</a:t>
+            </a:r>
+          </a:p>
+        </p:txBody>
+      </p:sp>
       <p:cxnSp>
         <p:nvCxnSpPr>
-          <p:cNvPr id="26" name="Straight Arrow Connector 25"/>
+          <p:cNvPr id="9" name="Straight Arrow Connector 8"/>
           <p:cNvCxnSpPr/>
           <p:nvPr/>
         </p:nvCxnSpPr>
         <p:spPr>
-          <a:xfrm flipH="1" flipV="1">
-            <a:off x="3886200" y="5410200"/>
-            <a:ext cx="1447800" cy="228600"/>
+          <a:xfrm>
+            <a:off x="3276600" y="4495800"/>
+            <a:ext cx="241300" cy="431800"/>
           </a:xfrm>
           <a:prstGeom prst="straightConnector1">
             <a:avLst/>
           </a:prstGeom>
-          <a:ln w="38100">
+          <a:ln>
             <a:solidFill>
               <a:srgbClr val="FF0000"/>
             </a:solidFill>
@@ -8343,9 +7686,45 @@
           </a:fontRef>
         </p:style>
       </p:cxnSp>
-      <p:sp>
-        <p:nvSpPr>
-          <p:cNvPr id="27" name="Content Placeholder 2"/>
+      <p:cxnSp>
+        <p:nvCxnSpPr>
+          <p:cNvPr id="15" name="Straight Arrow Connector 14"/>
+          <p:cNvCxnSpPr/>
+          <p:nvPr/>
+        </p:nvCxnSpPr>
+        <p:spPr>
+          <a:xfrm>
+            <a:off x="3860800" y="2927350"/>
+            <a:ext cx="298450" cy="177800"/>
+          </a:xfrm>
+          <a:prstGeom prst="straightConnector1">
+            <a:avLst/>
+          </a:prstGeom>
+          <a:ln>
+            <a:solidFill>
+              <a:srgbClr val="FF0000"/>
+            </a:solidFill>
+            <a:tailEnd type="arrow"/>
+          </a:ln>
+        </p:spPr>
+        <p:style>
+          <a:lnRef idx="1">
+            <a:schemeClr val="accent1"/>
+          </a:lnRef>
+          <a:fillRef idx="0">
+            <a:schemeClr val="accent1"/>
+          </a:fillRef>
+          <a:effectRef idx="0">
+            <a:schemeClr val="accent1"/>
+          </a:effectRef>
+          <a:fontRef idx="minor">
+            <a:schemeClr val="tx1"/>
+          </a:fontRef>
+        </p:style>
+      </p:cxnSp>
+      <p:sp>
+        <p:nvSpPr>
+          <p:cNvPr id="17" name="Content Placeholder 2"/>
           <p:cNvSpPr txBox="1">
             <a:spLocks/>
           </p:cNvSpPr>
@@ -8353,8 +7732,8 @@
         </p:nvSpPr>
         <p:spPr>
           <a:xfrm>
-            <a:off x="3581400" y="5082540"/>
-            <a:ext cx="1074420" cy="480060"/>
+            <a:off x="3022600" y="2781300"/>
+            <a:ext cx="914400" cy="381000"/>
           </a:xfrm>
           <a:prstGeom prst="rect">
             <a:avLst/>
@@ -8362,11 +7741,11 @@
         </p:spPr>
         <p:txBody>
           <a:bodyPr vert="horz" lIns="91440" tIns="45720" rIns="91440" bIns="45720" rtlCol="0">
-            <a:normAutofit/>
+            <a:normAutofit fontScale="55000" lnSpcReduction="20000"/>
           </a:bodyPr>
           <a:lstStyle/>
           <a:p>
-            <a:pPr marL="342900" marR="0" lvl="0" indent="-342900" algn="ctr" defTabSz="914400" rtl="0" eaLnBrk="1" fontAlgn="auto" latinLnBrk="0" hangingPunct="1">
+            <a:pPr marL="342900" marR="0" lvl="0" indent="-342900" algn="l" defTabSz="914400" rtl="0" eaLnBrk="1" fontAlgn="auto" latinLnBrk="0" hangingPunct="1">
               <a:lnSpc>
                 <a:spcPct val="100000"/>
               </a:lnSpc>
@@ -8382,34 +7761,1066 @@
               <a:defRPr/>
             </a:pPr>
             <a:r>
-              <a:rPr lang="en-US" sz="1600" dirty="0" smtClean="0">
+              <a:rPr kumimoji="0" lang="en-US" sz="2400" b="0" i="0" u="none" strike="noStrike" kern="1200" cap="none" spc="0" normalizeH="0" baseline="0" noProof="0" dirty="0" smtClean="0">
+                <a:ln>
+                  <a:noFill/>
+                </a:ln>
                 <a:solidFill>
                   <a:srgbClr val="FF0000"/>
                 </a:solidFill>
-              </a:rPr>
-              <a:t>Stretching</a:t>
-            </a:r>
-            <a:endParaRPr kumimoji="0" lang="en-US" sz="1600" b="0" i="0" u="none" strike="noStrike" kern="1200" cap="none" spc="0" normalizeH="0" baseline="0" noProof="0" dirty="0" smtClean="0">
-              <a:ln>
-                <a:noFill/>
-              </a:ln>
-              <a:solidFill>
-                <a:srgbClr val="FF0000"/>
-              </a:solidFill>
-              <a:effectLst/>
-              <a:uLnTx/>
-              <a:uFillTx/>
-              <a:latin typeface="+mn-lt"/>
-              <a:ea typeface="+mn-ea"/>
-              <a:cs typeface="+mn-cs"/>
-            </a:endParaRPr>
+                <a:effectLst/>
+                <a:uLnTx/>
+                <a:uFillTx/>
+                <a:latin typeface="+mn-lt"/>
+                <a:ea typeface="+mn-ea"/>
+                <a:cs typeface="+mn-cs"/>
+              </a:rPr>
+              <a:t>e3 (wire 1)</a:t>
+            </a:r>
+          </a:p>
+        </p:txBody>
+      </p:sp>
+      <p:cxnSp>
+        <p:nvCxnSpPr>
+          <p:cNvPr id="18" name="Straight Arrow Connector 17"/>
+          <p:cNvCxnSpPr/>
+          <p:nvPr/>
+        </p:nvCxnSpPr>
+        <p:spPr>
+          <a:xfrm flipH="1">
+            <a:off x="3765550" y="4648200"/>
+            <a:ext cx="44450" cy="342900"/>
+          </a:xfrm>
+          <a:prstGeom prst="straightConnector1">
+            <a:avLst/>
+          </a:prstGeom>
+          <a:ln>
+            <a:solidFill>
+              <a:srgbClr val="FF0000"/>
+            </a:solidFill>
+            <a:tailEnd type="arrow"/>
+          </a:ln>
+        </p:spPr>
+        <p:style>
+          <a:lnRef idx="1">
+            <a:schemeClr val="accent1"/>
+          </a:lnRef>
+          <a:fillRef idx="0">
+            <a:schemeClr val="accent1"/>
+          </a:fillRef>
+          <a:effectRef idx="0">
+            <a:schemeClr val="accent1"/>
+          </a:effectRef>
+          <a:fontRef idx="minor">
+            <a:schemeClr val="tx1"/>
+          </a:fontRef>
+        </p:style>
+      </p:cxnSp>
+      <p:sp>
+        <p:nvSpPr>
+          <p:cNvPr id="21" name="Content Placeholder 2"/>
+          <p:cNvSpPr txBox="1">
+            <a:spLocks/>
+          </p:cNvSpPr>
+          <p:nvPr/>
+        </p:nvSpPr>
+        <p:spPr>
+          <a:xfrm>
+            <a:off x="3429000" y="4419600"/>
+            <a:ext cx="914400" cy="381000"/>
+          </a:xfrm>
+          <a:prstGeom prst="rect">
+            <a:avLst/>
+          </a:prstGeom>
+        </p:spPr>
+        <p:txBody>
+          <a:bodyPr vert="horz" lIns="91440" tIns="45720" rIns="91440" bIns="45720" rtlCol="0">
+            <a:normAutofit fontScale="55000" lnSpcReduction="20000"/>
+          </a:bodyPr>
+          <a:lstStyle/>
+          <a:p>
+            <a:pPr marL="342900" marR="0" lvl="0" indent="-342900" algn="l" defTabSz="914400" rtl="0" eaLnBrk="1" fontAlgn="auto" latinLnBrk="0" hangingPunct="1">
+              <a:lnSpc>
+                <a:spcPct val="100000"/>
+              </a:lnSpc>
+              <a:spcBef>
+                <a:spcPct val="20000"/>
+              </a:spcBef>
+              <a:spcAft>
+                <a:spcPts val="0"/>
+              </a:spcAft>
+              <a:buClrTx/>
+              <a:buSzTx/>
+              <a:tabLst/>
+              <a:defRPr/>
+            </a:pPr>
+            <a:r>
+              <a:rPr lang="en-US" sz="2400" dirty="0" smtClean="0">
+                <a:solidFill>
+                  <a:srgbClr val="FF0000"/>
+                </a:solidFill>
+              </a:rPr>
+              <a:t>F</a:t>
+            </a:r>
+            <a:r>
+              <a:rPr kumimoji="0" lang="en-US" sz="2400" b="0" i="0" u="none" strike="noStrike" kern="1200" cap="none" spc="0" normalizeH="0" baseline="0" noProof="0" dirty="0" smtClean="0">
+                <a:ln>
+                  <a:noFill/>
+                </a:ln>
+                <a:solidFill>
+                  <a:srgbClr val="FF0000"/>
+                </a:solidFill>
+                <a:effectLst/>
+                <a:uLnTx/>
+                <a:uFillTx/>
+                <a:latin typeface="+mn-lt"/>
+                <a:ea typeface="+mn-ea"/>
+                <a:cs typeface="+mn-cs"/>
+              </a:rPr>
+              <a:t>3 (wire 2)</a:t>
+            </a:r>
+          </a:p>
+        </p:txBody>
+      </p:sp>
+      <p:cxnSp>
+        <p:nvCxnSpPr>
+          <p:cNvPr id="23" name="Straight Arrow Connector 22"/>
+          <p:cNvCxnSpPr/>
+          <p:nvPr/>
+        </p:nvCxnSpPr>
+        <p:spPr>
+          <a:xfrm flipH="1">
+            <a:off x="5270500" y="3003550"/>
+            <a:ext cx="44450" cy="342900"/>
+          </a:xfrm>
+          <a:prstGeom prst="straightConnector1">
+            <a:avLst/>
+          </a:prstGeom>
+          <a:ln>
+            <a:solidFill>
+              <a:srgbClr val="FF0000"/>
+            </a:solidFill>
+            <a:tailEnd type="arrow"/>
+          </a:ln>
+        </p:spPr>
+        <p:style>
+          <a:lnRef idx="1">
+            <a:schemeClr val="accent1"/>
+          </a:lnRef>
+          <a:fillRef idx="0">
+            <a:schemeClr val="accent1"/>
+          </a:fillRef>
+          <a:effectRef idx="0">
+            <a:schemeClr val="accent1"/>
+          </a:effectRef>
+          <a:fontRef idx="minor">
+            <a:schemeClr val="tx1"/>
+          </a:fontRef>
+        </p:style>
+      </p:cxnSp>
+      <p:sp>
+        <p:nvSpPr>
+          <p:cNvPr id="24" name="Content Placeholder 2"/>
+          <p:cNvSpPr txBox="1">
+            <a:spLocks/>
+          </p:cNvSpPr>
+          <p:nvPr/>
+        </p:nvSpPr>
+        <p:spPr>
+          <a:xfrm>
+            <a:off x="4953000" y="2743200"/>
+            <a:ext cx="914400" cy="381000"/>
+          </a:xfrm>
+          <a:prstGeom prst="rect">
+            <a:avLst/>
+          </a:prstGeom>
+        </p:spPr>
+        <p:txBody>
+          <a:bodyPr vert="horz" lIns="91440" tIns="45720" rIns="91440" bIns="45720" rtlCol="0">
+            <a:normAutofit fontScale="55000" lnSpcReduction="20000"/>
+          </a:bodyPr>
+          <a:lstStyle/>
+          <a:p>
+            <a:pPr marL="342900" marR="0" lvl="0" indent="-342900" algn="l" defTabSz="914400" rtl="0" eaLnBrk="1" fontAlgn="auto" latinLnBrk="0" hangingPunct="1">
+              <a:lnSpc>
+                <a:spcPct val="100000"/>
+              </a:lnSpc>
+              <a:spcBef>
+                <a:spcPct val="20000"/>
+              </a:spcBef>
+              <a:spcAft>
+                <a:spcPts val="0"/>
+              </a:spcAft>
+              <a:buClrTx/>
+              <a:buSzTx/>
+              <a:tabLst/>
+              <a:defRPr/>
+            </a:pPr>
+            <a:r>
+              <a:rPr lang="en-US" sz="2400" noProof="0" dirty="0" smtClean="0">
+                <a:solidFill>
+                  <a:srgbClr val="FF0000"/>
+                </a:solidFill>
+              </a:rPr>
+              <a:t>j</a:t>
+            </a:r>
+            <a:r>
+              <a:rPr kumimoji="0" lang="en-US" sz="2400" b="0" i="0" u="none" strike="noStrike" kern="1200" cap="none" spc="0" normalizeH="0" baseline="0" noProof="0" dirty="0" smtClean="0">
+                <a:ln>
+                  <a:noFill/>
+                </a:ln>
+                <a:solidFill>
+                  <a:srgbClr val="FF0000"/>
+                </a:solidFill>
+                <a:effectLst/>
+                <a:uLnTx/>
+                <a:uFillTx/>
+                <a:latin typeface="+mn-lt"/>
+                <a:ea typeface="+mn-ea"/>
+                <a:cs typeface="+mn-cs"/>
+              </a:rPr>
+              <a:t>3 (wire 2)</a:t>
+            </a:r>
+          </a:p>
+        </p:txBody>
+      </p:sp>
+      <p:sp>
+        <p:nvSpPr>
+          <p:cNvPr id="25" name="Content Placeholder 2"/>
+          <p:cNvSpPr txBox="1">
+            <a:spLocks/>
+          </p:cNvSpPr>
+          <p:nvPr/>
+        </p:nvSpPr>
+        <p:spPr>
+          <a:xfrm>
+            <a:off x="4876800" y="4724400"/>
+            <a:ext cx="914400" cy="381000"/>
+          </a:xfrm>
+          <a:prstGeom prst="rect">
+            <a:avLst/>
+          </a:prstGeom>
+        </p:spPr>
+        <p:txBody>
+          <a:bodyPr vert="horz" lIns="91440" tIns="45720" rIns="91440" bIns="45720" rtlCol="0">
+            <a:normAutofit fontScale="55000" lnSpcReduction="20000"/>
+          </a:bodyPr>
+          <a:lstStyle/>
+          <a:p>
+            <a:pPr marL="342900" marR="0" lvl="0" indent="-342900" algn="l" defTabSz="914400" rtl="0" eaLnBrk="1" fontAlgn="auto" latinLnBrk="0" hangingPunct="1">
+              <a:lnSpc>
+                <a:spcPct val="100000"/>
+              </a:lnSpc>
+              <a:spcBef>
+                <a:spcPct val="20000"/>
+              </a:spcBef>
+              <a:spcAft>
+                <a:spcPts val="0"/>
+              </a:spcAft>
+              <a:buClrTx/>
+              <a:buSzTx/>
+              <a:tabLst/>
+              <a:defRPr/>
+            </a:pPr>
+            <a:r>
+              <a:rPr lang="en-US" sz="2400" dirty="0" smtClean="0">
+                <a:solidFill>
+                  <a:srgbClr val="FF0000"/>
+                </a:solidFill>
+              </a:rPr>
+              <a:t>K</a:t>
+            </a:r>
+            <a:r>
+              <a:rPr kumimoji="0" lang="en-US" sz="2400" b="0" i="0" u="none" strike="noStrike" kern="1200" cap="none" spc="0" normalizeH="0" baseline="0" noProof="0" dirty="0" smtClean="0">
+                <a:ln>
+                  <a:noFill/>
+                </a:ln>
+                <a:solidFill>
+                  <a:srgbClr val="FF0000"/>
+                </a:solidFill>
+                <a:effectLst/>
+                <a:uLnTx/>
+                <a:uFillTx/>
+                <a:latin typeface="+mn-lt"/>
+                <a:ea typeface="+mn-ea"/>
+                <a:cs typeface="+mn-cs"/>
+              </a:rPr>
+              <a:t>3 (wire 3)</a:t>
+            </a:r>
+          </a:p>
+        </p:txBody>
+      </p:sp>
+      <p:cxnSp>
+        <p:nvCxnSpPr>
+          <p:cNvPr id="26" name="Straight Arrow Connector 25"/>
+          <p:cNvCxnSpPr/>
+          <p:nvPr/>
+        </p:nvCxnSpPr>
+        <p:spPr>
+          <a:xfrm flipH="1">
+            <a:off x="4889500" y="4953000"/>
+            <a:ext cx="139700" cy="298450"/>
+          </a:xfrm>
+          <a:prstGeom prst="straightConnector1">
+            <a:avLst/>
+          </a:prstGeom>
+          <a:ln>
+            <a:solidFill>
+              <a:srgbClr val="FF0000"/>
+            </a:solidFill>
+            <a:tailEnd type="arrow"/>
+          </a:ln>
+        </p:spPr>
+        <p:style>
+          <a:lnRef idx="1">
+            <a:schemeClr val="accent1"/>
+          </a:lnRef>
+          <a:fillRef idx="0">
+            <a:schemeClr val="accent1"/>
+          </a:fillRef>
+          <a:effectRef idx="0">
+            <a:schemeClr val="accent1"/>
+          </a:effectRef>
+          <a:fontRef idx="minor">
+            <a:schemeClr val="tx1"/>
+          </a:fontRef>
+        </p:style>
+      </p:cxnSp>
+      <p:sp>
+        <p:nvSpPr>
+          <p:cNvPr id="28" name="Content Placeholder 2"/>
+          <p:cNvSpPr txBox="1">
+            <a:spLocks/>
+          </p:cNvSpPr>
+          <p:nvPr/>
+        </p:nvSpPr>
+        <p:spPr>
+          <a:xfrm>
+            <a:off x="5638800" y="3048000"/>
+            <a:ext cx="914400" cy="381000"/>
+          </a:xfrm>
+          <a:prstGeom prst="rect">
+            <a:avLst/>
+          </a:prstGeom>
+        </p:spPr>
+        <p:txBody>
+          <a:bodyPr vert="horz" lIns="91440" tIns="45720" rIns="91440" bIns="45720" rtlCol="0">
+            <a:normAutofit fontScale="55000" lnSpcReduction="20000"/>
+          </a:bodyPr>
+          <a:lstStyle/>
+          <a:p>
+            <a:pPr marL="342900" marR="0" lvl="0" indent="-342900" algn="l" defTabSz="914400" rtl="0" eaLnBrk="1" fontAlgn="auto" latinLnBrk="0" hangingPunct="1">
+              <a:lnSpc>
+                <a:spcPct val="100000"/>
+              </a:lnSpc>
+              <a:spcBef>
+                <a:spcPct val="20000"/>
+              </a:spcBef>
+              <a:spcAft>
+                <a:spcPts val="0"/>
+              </a:spcAft>
+              <a:buClrTx/>
+              <a:buSzTx/>
+              <a:tabLst/>
+              <a:defRPr/>
+            </a:pPr>
+            <a:r>
+              <a:rPr lang="en-US" sz="2400" noProof="0" dirty="0" smtClean="0">
+                <a:solidFill>
+                  <a:srgbClr val="FF0000"/>
+                </a:solidFill>
+              </a:rPr>
+              <a:t>k</a:t>
+            </a:r>
+            <a:r>
+              <a:rPr kumimoji="0" lang="en-US" sz="2400" b="0" i="0" u="none" strike="noStrike" kern="1200" cap="none" spc="0" normalizeH="0" baseline="0" noProof="0" dirty="0" smtClean="0">
+                <a:ln>
+                  <a:noFill/>
+                </a:ln>
+                <a:solidFill>
+                  <a:srgbClr val="FF0000"/>
+                </a:solidFill>
+                <a:effectLst/>
+                <a:uLnTx/>
+                <a:uFillTx/>
+                <a:latin typeface="+mn-lt"/>
+                <a:ea typeface="+mn-ea"/>
+                <a:cs typeface="+mn-cs"/>
+              </a:rPr>
+              <a:t>3 (wire 3)</a:t>
+            </a:r>
+          </a:p>
+        </p:txBody>
+      </p:sp>
+      <p:cxnSp>
+        <p:nvCxnSpPr>
+          <p:cNvPr id="29" name="Straight Arrow Connector 28"/>
+          <p:cNvCxnSpPr/>
+          <p:nvPr/>
+        </p:nvCxnSpPr>
+        <p:spPr>
+          <a:xfrm flipH="1">
+            <a:off x="5499100" y="3200400"/>
+            <a:ext cx="215900" cy="203200"/>
+          </a:xfrm>
+          <a:prstGeom prst="straightConnector1">
+            <a:avLst/>
+          </a:prstGeom>
+          <a:ln>
+            <a:solidFill>
+              <a:srgbClr val="FF0000"/>
+            </a:solidFill>
+            <a:tailEnd type="arrow"/>
+          </a:ln>
+        </p:spPr>
+        <p:style>
+          <a:lnRef idx="1">
+            <a:schemeClr val="accent1"/>
+          </a:lnRef>
+          <a:fillRef idx="0">
+            <a:schemeClr val="accent1"/>
+          </a:fillRef>
+          <a:effectRef idx="0">
+            <a:schemeClr val="accent1"/>
+          </a:effectRef>
+          <a:fontRef idx="minor">
+            <a:schemeClr val="tx1"/>
+          </a:fontRef>
+        </p:style>
+      </p:cxnSp>
+      <p:sp>
+        <p:nvSpPr>
+          <p:cNvPr id="31" name="Content Placeholder 2"/>
+          <p:cNvSpPr txBox="1">
+            <a:spLocks/>
+          </p:cNvSpPr>
+          <p:nvPr/>
+        </p:nvSpPr>
+        <p:spPr>
+          <a:xfrm>
+            <a:off x="2667000" y="5486400"/>
+            <a:ext cx="914400" cy="381000"/>
+          </a:xfrm>
+          <a:prstGeom prst="rect">
+            <a:avLst/>
+          </a:prstGeom>
+        </p:spPr>
+        <p:txBody>
+          <a:bodyPr vert="horz" lIns="91440" tIns="45720" rIns="91440" bIns="45720" rtlCol="0">
+            <a:normAutofit fontScale="55000" lnSpcReduction="20000"/>
+          </a:bodyPr>
+          <a:lstStyle/>
+          <a:p>
+            <a:pPr marL="342900" marR="0" lvl="0" indent="-342900" algn="l" defTabSz="914400" rtl="0" eaLnBrk="1" fontAlgn="auto" latinLnBrk="0" hangingPunct="1">
+              <a:lnSpc>
+                <a:spcPct val="100000"/>
+              </a:lnSpc>
+              <a:spcBef>
+                <a:spcPct val="20000"/>
+              </a:spcBef>
+              <a:spcAft>
+                <a:spcPts val="0"/>
+              </a:spcAft>
+              <a:buClrTx/>
+              <a:buSzTx/>
+              <a:tabLst/>
+              <a:defRPr/>
+            </a:pPr>
+            <a:r>
+              <a:rPr kumimoji="0" lang="en-US" sz="2400" b="0" i="0" u="none" strike="noStrike" kern="1200" cap="none" spc="0" normalizeH="0" baseline="0" noProof="0" dirty="0" smtClean="0">
+                <a:ln>
+                  <a:noFill/>
+                </a:ln>
+                <a:solidFill>
+                  <a:srgbClr val="FF0000"/>
+                </a:solidFill>
+                <a:effectLst/>
+                <a:uLnTx/>
+                <a:uFillTx/>
+                <a:latin typeface="+mn-lt"/>
+                <a:ea typeface="+mn-ea"/>
+                <a:cs typeface="+mn-cs"/>
+              </a:rPr>
+              <a:t>E4 (wire 4)</a:t>
+            </a:r>
+          </a:p>
+        </p:txBody>
+      </p:sp>
+      <p:cxnSp>
+        <p:nvCxnSpPr>
+          <p:cNvPr id="32" name="Straight Arrow Connector 31"/>
+          <p:cNvCxnSpPr/>
+          <p:nvPr/>
+        </p:nvCxnSpPr>
+        <p:spPr>
+          <a:xfrm flipV="1">
+            <a:off x="3352800" y="5022850"/>
+            <a:ext cx="184150" cy="463550"/>
+          </a:xfrm>
+          <a:prstGeom prst="straightConnector1">
+            <a:avLst/>
+          </a:prstGeom>
+          <a:ln>
+            <a:solidFill>
+              <a:srgbClr val="FF0000"/>
+            </a:solidFill>
+            <a:tailEnd type="arrow"/>
+          </a:ln>
+        </p:spPr>
+        <p:style>
+          <a:lnRef idx="1">
+            <a:schemeClr val="accent1"/>
+          </a:lnRef>
+          <a:fillRef idx="0">
+            <a:schemeClr val="accent1"/>
+          </a:fillRef>
+          <a:effectRef idx="0">
+            <a:schemeClr val="accent1"/>
+          </a:effectRef>
+          <a:fontRef idx="minor">
+            <a:schemeClr val="tx1"/>
+          </a:fontRef>
+        </p:style>
+      </p:cxnSp>
+      <p:sp>
+        <p:nvSpPr>
+          <p:cNvPr id="35" name="Content Placeholder 2"/>
+          <p:cNvSpPr txBox="1">
+            <a:spLocks/>
+          </p:cNvSpPr>
+          <p:nvPr/>
+        </p:nvSpPr>
+        <p:spPr>
+          <a:xfrm>
+            <a:off x="3124200" y="3238500"/>
+            <a:ext cx="914400" cy="381000"/>
+          </a:xfrm>
+          <a:prstGeom prst="rect">
+            <a:avLst/>
+          </a:prstGeom>
+        </p:spPr>
+        <p:txBody>
+          <a:bodyPr vert="horz" lIns="91440" tIns="45720" rIns="91440" bIns="45720" rtlCol="0">
+            <a:normAutofit fontScale="55000" lnSpcReduction="20000"/>
+          </a:bodyPr>
+          <a:lstStyle/>
+          <a:p>
+            <a:pPr marL="342900" marR="0" lvl="0" indent="-342900" algn="l" defTabSz="914400" rtl="0" eaLnBrk="1" fontAlgn="auto" latinLnBrk="0" hangingPunct="1">
+              <a:lnSpc>
+                <a:spcPct val="100000"/>
+              </a:lnSpc>
+              <a:spcBef>
+                <a:spcPct val="20000"/>
+              </a:spcBef>
+              <a:spcAft>
+                <a:spcPts val="0"/>
+              </a:spcAft>
+              <a:buClrTx/>
+              <a:buSzTx/>
+              <a:tabLst/>
+              <a:defRPr/>
+            </a:pPr>
+            <a:r>
+              <a:rPr kumimoji="0" lang="en-US" sz="2400" b="0" i="0" u="none" strike="noStrike" kern="1200" cap="none" spc="0" normalizeH="0" baseline="0" noProof="0" dirty="0" smtClean="0">
+                <a:ln>
+                  <a:noFill/>
+                </a:ln>
+                <a:solidFill>
+                  <a:srgbClr val="FF0000"/>
+                </a:solidFill>
+                <a:effectLst/>
+                <a:uLnTx/>
+                <a:uFillTx/>
+                <a:latin typeface="+mn-lt"/>
+                <a:ea typeface="+mn-ea"/>
+                <a:cs typeface="+mn-cs"/>
+              </a:rPr>
+              <a:t>e4 (wire 4)</a:t>
+            </a:r>
+          </a:p>
+        </p:txBody>
+      </p:sp>
+      <p:cxnSp>
+        <p:nvCxnSpPr>
+          <p:cNvPr id="36" name="Straight Arrow Connector 35"/>
+          <p:cNvCxnSpPr/>
+          <p:nvPr/>
+        </p:nvCxnSpPr>
+        <p:spPr>
+          <a:xfrm flipV="1">
+            <a:off x="3937000" y="3232150"/>
+            <a:ext cx="247650" cy="120650"/>
+          </a:xfrm>
+          <a:prstGeom prst="straightConnector1">
+            <a:avLst/>
+          </a:prstGeom>
+          <a:ln>
+            <a:solidFill>
+              <a:srgbClr val="FF0000"/>
+            </a:solidFill>
+            <a:tailEnd type="arrow"/>
+          </a:ln>
+        </p:spPr>
+        <p:style>
+          <a:lnRef idx="1">
+            <a:schemeClr val="accent1"/>
+          </a:lnRef>
+          <a:fillRef idx="0">
+            <a:schemeClr val="accent1"/>
+          </a:fillRef>
+          <a:effectRef idx="0">
+            <a:schemeClr val="accent1"/>
+          </a:effectRef>
+          <a:fontRef idx="minor">
+            <a:schemeClr val="tx1"/>
+          </a:fontRef>
+        </p:style>
+      </p:cxnSp>
+      <p:cxnSp>
+        <p:nvCxnSpPr>
+          <p:cNvPr id="40" name="Straight Arrow Connector 39"/>
+          <p:cNvCxnSpPr>
+            <a:stCxn id="41" idx="0"/>
+          </p:cNvCxnSpPr>
+          <p:nvPr/>
+        </p:nvCxnSpPr>
+        <p:spPr>
+          <a:xfrm flipV="1">
+            <a:off x="4343400" y="5308600"/>
+            <a:ext cx="333375" cy="330200"/>
+          </a:xfrm>
+          <a:prstGeom prst="straightConnector1">
+            <a:avLst/>
+          </a:prstGeom>
+          <a:ln>
+            <a:solidFill>
+              <a:srgbClr val="FF0000"/>
+            </a:solidFill>
+            <a:tailEnd type="arrow"/>
+          </a:ln>
+        </p:spPr>
+        <p:style>
+          <a:lnRef idx="1">
+            <a:schemeClr val="accent1"/>
+          </a:lnRef>
+          <a:fillRef idx="0">
+            <a:schemeClr val="accent1"/>
+          </a:fillRef>
+          <a:effectRef idx="0">
+            <a:schemeClr val="accent1"/>
+          </a:effectRef>
+          <a:fontRef idx="minor">
+            <a:schemeClr val="tx1"/>
+          </a:fontRef>
+        </p:style>
+      </p:cxnSp>
+      <p:sp>
+        <p:nvSpPr>
+          <p:cNvPr id="41" name="Content Placeholder 2"/>
+          <p:cNvSpPr txBox="1">
+            <a:spLocks/>
+          </p:cNvSpPr>
+          <p:nvPr/>
+        </p:nvSpPr>
+        <p:spPr>
+          <a:xfrm>
+            <a:off x="3886200" y="5638800"/>
+            <a:ext cx="914400" cy="381000"/>
+          </a:xfrm>
+          <a:prstGeom prst="rect">
+            <a:avLst/>
+          </a:prstGeom>
+        </p:spPr>
+        <p:txBody>
+          <a:bodyPr vert="horz" lIns="91440" tIns="45720" rIns="91440" bIns="45720" rtlCol="0">
+            <a:normAutofit fontScale="55000" lnSpcReduction="20000"/>
+          </a:bodyPr>
+          <a:lstStyle/>
+          <a:p>
+            <a:pPr marL="342900" marR="0" lvl="0" indent="-342900" algn="l" defTabSz="914400" rtl="0" eaLnBrk="1" fontAlgn="auto" latinLnBrk="0" hangingPunct="1">
+              <a:lnSpc>
+                <a:spcPct val="100000"/>
+              </a:lnSpc>
+              <a:spcBef>
+                <a:spcPct val="20000"/>
+              </a:spcBef>
+              <a:spcAft>
+                <a:spcPts val="0"/>
+              </a:spcAft>
+              <a:buClrTx/>
+              <a:buSzTx/>
+              <a:tabLst/>
+              <a:defRPr/>
+            </a:pPr>
+            <a:r>
+              <a:rPr lang="en-US" sz="2400" dirty="0" smtClean="0">
+                <a:solidFill>
+                  <a:srgbClr val="FF0000"/>
+                </a:solidFill>
+              </a:rPr>
+              <a:t>J</a:t>
+            </a:r>
+            <a:r>
+              <a:rPr kumimoji="0" lang="en-US" sz="2400" b="0" i="0" u="none" strike="noStrike" kern="1200" cap="none" spc="0" normalizeH="0" baseline="0" noProof="0" dirty="0" smtClean="0">
+                <a:ln>
+                  <a:noFill/>
+                </a:ln>
+                <a:solidFill>
+                  <a:srgbClr val="FF0000"/>
+                </a:solidFill>
+                <a:effectLst/>
+                <a:uLnTx/>
+                <a:uFillTx/>
+                <a:latin typeface="+mn-lt"/>
+                <a:ea typeface="+mn-ea"/>
+                <a:cs typeface="+mn-cs"/>
+              </a:rPr>
+              <a:t>4 (wire 5)</a:t>
+            </a:r>
+          </a:p>
+        </p:txBody>
+      </p:sp>
+      <p:sp>
+        <p:nvSpPr>
+          <p:cNvPr id="43" name="Content Placeholder 2"/>
+          <p:cNvSpPr txBox="1">
+            <a:spLocks/>
+          </p:cNvSpPr>
+          <p:nvPr/>
+        </p:nvSpPr>
+        <p:spPr>
+          <a:xfrm>
+            <a:off x="4114800" y="3581400"/>
+            <a:ext cx="914400" cy="381000"/>
+          </a:xfrm>
+          <a:prstGeom prst="rect">
+            <a:avLst/>
+          </a:prstGeom>
+        </p:spPr>
+        <p:txBody>
+          <a:bodyPr vert="horz" lIns="91440" tIns="45720" rIns="91440" bIns="45720" rtlCol="0">
+            <a:normAutofit fontScale="55000" lnSpcReduction="20000"/>
+          </a:bodyPr>
+          <a:lstStyle/>
+          <a:p>
+            <a:pPr marL="342900" marR="0" lvl="0" indent="-342900" algn="l" defTabSz="914400" rtl="0" eaLnBrk="1" fontAlgn="auto" latinLnBrk="0" hangingPunct="1">
+              <a:lnSpc>
+                <a:spcPct val="100000"/>
+              </a:lnSpc>
+              <a:spcBef>
+                <a:spcPct val="20000"/>
+              </a:spcBef>
+              <a:spcAft>
+                <a:spcPts val="0"/>
+              </a:spcAft>
+              <a:buClrTx/>
+              <a:buSzTx/>
+              <a:tabLst/>
+              <a:defRPr/>
+            </a:pPr>
+            <a:r>
+              <a:rPr kumimoji="0" lang="en-US" sz="2400" b="0" i="0" u="none" strike="noStrike" kern="1200" cap="none" spc="0" normalizeH="0" baseline="0" noProof="0" dirty="0" smtClean="0">
+                <a:ln>
+                  <a:noFill/>
+                </a:ln>
+                <a:solidFill>
+                  <a:srgbClr val="FF0000"/>
+                </a:solidFill>
+                <a:effectLst/>
+                <a:uLnTx/>
+                <a:uFillTx/>
+                <a:latin typeface="+mn-lt"/>
+                <a:ea typeface="+mn-ea"/>
+                <a:cs typeface="+mn-cs"/>
+              </a:rPr>
+              <a:t>f4 (wire 5)</a:t>
+            </a:r>
+          </a:p>
+        </p:txBody>
+      </p:sp>
+      <p:cxnSp>
+        <p:nvCxnSpPr>
+          <p:cNvPr id="44" name="Straight Arrow Connector 43"/>
+          <p:cNvCxnSpPr/>
+          <p:nvPr/>
+        </p:nvCxnSpPr>
+        <p:spPr>
+          <a:xfrm flipV="1">
+            <a:off x="4343400" y="3289300"/>
+            <a:ext cx="76200" cy="292100"/>
+          </a:xfrm>
+          <a:prstGeom prst="straightConnector1">
+            <a:avLst/>
+          </a:prstGeom>
+          <a:ln>
+            <a:solidFill>
+              <a:srgbClr val="FF0000"/>
+            </a:solidFill>
+            <a:tailEnd type="arrow"/>
+          </a:ln>
+        </p:spPr>
+        <p:style>
+          <a:lnRef idx="1">
+            <a:schemeClr val="accent1"/>
+          </a:lnRef>
+          <a:fillRef idx="0">
+            <a:schemeClr val="accent1"/>
+          </a:fillRef>
+          <a:effectRef idx="0">
+            <a:schemeClr val="accent1"/>
+          </a:effectRef>
+          <a:fontRef idx="minor">
+            <a:schemeClr val="tx1"/>
+          </a:fontRef>
+        </p:style>
+      </p:cxnSp>
+      <p:sp>
+        <p:nvSpPr>
+          <p:cNvPr id="47" name="Content Placeholder 2"/>
+          <p:cNvSpPr txBox="1">
+            <a:spLocks/>
+          </p:cNvSpPr>
+          <p:nvPr/>
+        </p:nvSpPr>
+        <p:spPr>
+          <a:xfrm>
+            <a:off x="4800600" y="5638800"/>
+            <a:ext cx="914400" cy="381000"/>
+          </a:xfrm>
+          <a:prstGeom prst="rect">
+            <a:avLst/>
+          </a:prstGeom>
+        </p:spPr>
+        <p:txBody>
+          <a:bodyPr vert="horz" lIns="91440" tIns="45720" rIns="91440" bIns="45720" rtlCol="0">
+            <a:normAutofit fontScale="55000" lnSpcReduction="20000"/>
+          </a:bodyPr>
+          <a:lstStyle/>
+          <a:p>
+            <a:pPr marL="342900" marR="0" lvl="0" indent="-342900" algn="l" defTabSz="914400" rtl="0" eaLnBrk="1" fontAlgn="auto" latinLnBrk="0" hangingPunct="1">
+              <a:lnSpc>
+                <a:spcPct val="100000"/>
+              </a:lnSpc>
+              <a:spcBef>
+                <a:spcPct val="20000"/>
+              </a:spcBef>
+              <a:spcAft>
+                <a:spcPts val="0"/>
+              </a:spcAft>
+              <a:buClrTx/>
+              <a:buSzTx/>
+              <a:tabLst/>
+              <a:defRPr/>
+            </a:pPr>
+            <a:r>
+              <a:rPr kumimoji="0" lang="en-US" sz="2400" b="0" i="0" u="none" strike="noStrike" kern="1200" cap="none" spc="0" normalizeH="0" baseline="0" noProof="0" dirty="0" smtClean="0">
+                <a:ln>
+                  <a:noFill/>
+                </a:ln>
+                <a:solidFill>
+                  <a:srgbClr val="FF0000"/>
+                </a:solidFill>
+                <a:effectLst/>
+                <a:uLnTx/>
+                <a:uFillTx/>
+                <a:latin typeface="+mn-lt"/>
+                <a:ea typeface="+mn-ea"/>
+                <a:cs typeface="+mn-cs"/>
+              </a:rPr>
+              <a:t>K4 (wire 6)</a:t>
+            </a:r>
+          </a:p>
+        </p:txBody>
+      </p:sp>
+      <p:cxnSp>
+        <p:nvCxnSpPr>
+          <p:cNvPr id="48" name="Straight Arrow Connector 47"/>
+          <p:cNvCxnSpPr/>
+          <p:nvPr/>
+        </p:nvCxnSpPr>
+        <p:spPr>
+          <a:xfrm flipH="1" flipV="1">
+            <a:off x="4895850" y="5353050"/>
+            <a:ext cx="165100" cy="260350"/>
+          </a:xfrm>
+          <a:prstGeom prst="straightConnector1">
+            <a:avLst/>
+          </a:prstGeom>
+          <a:ln>
+            <a:solidFill>
+              <a:srgbClr val="FF0000"/>
+            </a:solidFill>
+            <a:tailEnd type="arrow"/>
+          </a:ln>
+        </p:spPr>
+        <p:style>
+          <a:lnRef idx="1">
+            <a:schemeClr val="accent1"/>
+          </a:lnRef>
+          <a:fillRef idx="0">
+            <a:schemeClr val="accent1"/>
+          </a:fillRef>
+          <a:effectRef idx="0">
+            <a:schemeClr val="accent1"/>
+          </a:effectRef>
+          <a:fontRef idx="minor">
+            <a:schemeClr val="tx1"/>
+          </a:fontRef>
+        </p:style>
+      </p:cxnSp>
+      <p:sp>
+        <p:nvSpPr>
+          <p:cNvPr id="51" name="Content Placeholder 2"/>
+          <p:cNvSpPr txBox="1">
+            <a:spLocks/>
+          </p:cNvSpPr>
+          <p:nvPr/>
+        </p:nvSpPr>
+        <p:spPr>
+          <a:xfrm>
+            <a:off x="5410200" y="3810000"/>
+            <a:ext cx="914400" cy="381000"/>
+          </a:xfrm>
+          <a:prstGeom prst="rect">
+            <a:avLst/>
+          </a:prstGeom>
+        </p:spPr>
+        <p:txBody>
+          <a:bodyPr vert="horz" lIns="91440" tIns="45720" rIns="91440" bIns="45720" rtlCol="0">
+            <a:normAutofit fontScale="55000" lnSpcReduction="20000"/>
+          </a:bodyPr>
+          <a:lstStyle/>
+          <a:p>
+            <a:pPr marL="342900" marR="0" lvl="0" indent="-342900" algn="l" defTabSz="914400" rtl="0" eaLnBrk="1" fontAlgn="auto" latinLnBrk="0" hangingPunct="1">
+              <a:lnSpc>
+                <a:spcPct val="100000"/>
+              </a:lnSpc>
+              <a:spcBef>
+                <a:spcPct val="20000"/>
+              </a:spcBef>
+              <a:spcAft>
+                <a:spcPts val="0"/>
+              </a:spcAft>
+              <a:buClrTx/>
+              <a:buSzTx/>
+              <a:tabLst/>
+              <a:defRPr/>
+            </a:pPr>
+            <a:r>
+              <a:rPr kumimoji="0" lang="en-US" sz="2400" b="0" i="0" u="none" strike="noStrike" kern="1200" cap="none" spc="0" normalizeH="0" baseline="0" noProof="0" dirty="0" smtClean="0">
+                <a:ln>
+                  <a:noFill/>
+                </a:ln>
+                <a:solidFill>
+                  <a:srgbClr val="FF0000"/>
+                </a:solidFill>
+                <a:effectLst/>
+                <a:uLnTx/>
+                <a:uFillTx/>
+                <a:latin typeface="+mn-lt"/>
+                <a:ea typeface="+mn-ea"/>
+                <a:cs typeface="+mn-cs"/>
+              </a:rPr>
+              <a:t>k4 (wire 6)</a:t>
+            </a:r>
+          </a:p>
+        </p:txBody>
+      </p:sp>
+      <p:cxnSp>
+        <p:nvCxnSpPr>
+          <p:cNvPr id="52" name="Straight Arrow Connector 51"/>
+          <p:cNvCxnSpPr/>
+          <p:nvPr/>
+        </p:nvCxnSpPr>
+        <p:spPr>
+          <a:xfrm flipH="1" flipV="1">
+            <a:off x="5505450" y="3524250"/>
+            <a:ext cx="165100" cy="260350"/>
+          </a:xfrm>
+          <a:prstGeom prst="straightConnector1">
+            <a:avLst/>
+          </a:prstGeom>
+          <a:ln>
+            <a:solidFill>
+              <a:srgbClr val="FF0000"/>
+            </a:solidFill>
+            <a:tailEnd type="arrow"/>
+          </a:ln>
+        </p:spPr>
+        <p:style>
+          <a:lnRef idx="1">
+            <a:schemeClr val="accent1"/>
+          </a:lnRef>
+          <a:fillRef idx="0">
+            <a:schemeClr val="accent1"/>
+          </a:fillRef>
+          <a:effectRef idx="0">
+            <a:schemeClr val="accent1"/>
+          </a:effectRef>
+          <a:fontRef idx="minor">
+            <a:schemeClr val="tx1"/>
+          </a:fontRef>
+        </p:style>
+      </p:cxnSp>
+      <p:sp>
+        <p:nvSpPr>
+          <p:cNvPr id="53" name="Content Placeholder 2"/>
+          <p:cNvSpPr txBox="1">
+            <a:spLocks/>
+          </p:cNvSpPr>
+          <p:nvPr/>
+        </p:nvSpPr>
+        <p:spPr>
+          <a:xfrm>
+            <a:off x="1447800" y="4343400"/>
+            <a:ext cx="838200" cy="381000"/>
+          </a:xfrm>
+          <a:prstGeom prst="rect">
+            <a:avLst/>
+          </a:prstGeom>
+        </p:spPr>
+        <p:txBody>
+          <a:bodyPr vert="horz" lIns="91440" tIns="45720" rIns="91440" bIns="45720" rtlCol="0">
+            <a:normAutofit fontScale="92500" lnSpcReduction="20000"/>
+          </a:bodyPr>
+          <a:lstStyle/>
+          <a:p>
+            <a:pPr marL="342900" marR="0" lvl="0" indent="-342900" algn="l" defTabSz="914400" rtl="0" eaLnBrk="1" fontAlgn="auto" latinLnBrk="0" hangingPunct="1">
+              <a:lnSpc>
+                <a:spcPct val="100000"/>
+              </a:lnSpc>
+              <a:spcBef>
+                <a:spcPct val="20000"/>
+              </a:spcBef>
+              <a:spcAft>
+                <a:spcPts val="0"/>
+              </a:spcAft>
+              <a:buClrTx/>
+              <a:buSzTx/>
+              <a:tabLst/>
+              <a:defRPr/>
+            </a:pPr>
+            <a:r>
+              <a:rPr kumimoji="0" lang="en-US" sz="2400" b="0" i="0" u="none" strike="noStrike" kern="1200" cap="none" spc="0" normalizeH="0" baseline="0" noProof="0" dirty="0" smtClean="0">
+                <a:ln>
+                  <a:noFill/>
+                </a:ln>
+                <a:effectLst/>
+                <a:uLnTx/>
+                <a:uFillTx/>
+                <a:latin typeface="+mn-lt"/>
+                <a:ea typeface="+mn-ea"/>
+                <a:cs typeface="+mn-cs"/>
+              </a:rPr>
+              <a:t>Front</a:t>
+            </a:r>
           </a:p>
         </p:txBody>
       </p:sp>
     </p:spTree>
     <p:extLst>
       <p:ext uri="{BB962C8B-B14F-4D97-AF65-F5344CB8AC3E}">
-        <p14:creationId xmlns:p14="http://schemas.microsoft.com/office/powerpoint/2010/main" val="1352437256"/>
+        <p14:creationId xmlns:p14="http://schemas.microsoft.com/office/powerpoint/2010/main" val="843286459"/>
       </p:ext>
     </p:extLst>
   </p:cSld>

--- a/trunk/doc/tutorials/PlusTutorialBuildingfCalPhantom.pptx
+++ b/trunk/doc/tutorials/PlusTutorialBuildingfCalPhantom.pptx
@@ -201,7 +201,7 @@
             <a:fld id="{08AE2C8F-80C9-49EC-8D3E-1E16295FA588}" type="datetimeFigureOut">
               <a:rPr lang="en-US" smtClean="0"/>
               <a:pPr/>
-              <a:t>5/16/2013</a:t>
+              <a:t>1/16/2014</a:t>
             </a:fld>
             <a:endParaRPr lang="en-US"/>
           </a:p>
@@ -4256,26 +4256,18 @@
         <p:spPr>
           <a:xfrm>
             <a:off x="457200" y="1066800"/>
-            <a:ext cx="8229600" cy="5105400"/>
+            <a:ext cx="8229600" cy="5181600"/>
           </a:xfrm>
         </p:spPr>
         <p:txBody>
           <a:bodyPr>
-            <a:normAutofit/>
+            <a:normAutofit fontScale="92500" lnSpcReduction="10000"/>
           </a:bodyPr>
           <a:lstStyle/>
           <a:p>
             <a:r>
               <a:rPr lang="en-CA" dirty="0" smtClean="0"/>
-              <a:t>Download the phantom model </a:t>
-            </a:r>
-            <a:r>
-              <a:rPr lang="en-CA" dirty="0" smtClean="0"/>
-              <a:t>in STL format from </a:t>
-            </a:r>
-            <a:r>
-              <a:rPr lang="en-CA" dirty="0" smtClean="0"/>
-              <a:t>the repository:</a:t>
+              <a:t>Download the phantom model in STL format from the repository:</a:t>
             </a:r>
           </a:p>
           <a:p>
@@ -4299,95 +4291,181 @@
           <a:p>
             <a:r>
               <a:rPr lang="en-CA" dirty="0" smtClean="0"/>
-              <a:t>You can have a look at the model if you open it in </a:t>
-            </a:r>
-            <a:r>
-              <a:rPr lang="en-CA" dirty="0" err="1" smtClean="0"/>
+              <a:t>You can have a look at the </a:t>
+            </a:r>
+            <a:r>
+              <a:rPr lang="en-CA" dirty="0" smtClean="0"/>
+              <a:t>model file in </a:t>
+            </a:r>
+            <a:r>
+              <a:rPr lang="en-CA" dirty="0" smtClean="0">
+                <a:hlinkClick r:id="rId3"/>
+              </a:rPr>
+              <a:t>3D Slicer</a:t>
+            </a:r>
+            <a:r>
+              <a:rPr lang="en-CA" dirty="0" smtClean="0"/>
+              <a:t> or </a:t>
+            </a:r>
+            <a:r>
+              <a:rPr lang="en-CA" dirty="0" smtClean="0">
+                <a:hlinkClick r:id="rId4"/>
+              </a:rPr>
               <a:t>Paraview</a:t>
             </a:r>
+            <a:endParaRPr lang="en-CA" dirty="0" smtClean="0"/>
+          </a:p>
+          <a:p>
             <a:r>
               <a:rPr lang="en-CA" dirty="0" smtClean="0"/>
-              <a:t> or 3D Slicer</a:t>
-            </a:r>
-          </a:p>
-          <a:p>
-            <a:r>
-              <a:rPr lang="en-CA" dirty="0" smtClean="0"/>
-              <a:t>Print the STL file using </a:t>
-            </a:r>
-            <a:r>
-              <a:rPr lang="en-CA" dirty="0" smtClean="0"/>
-              <a:t>a regular </a:t>
+              <a:t>Print the STL file using a regular </a:t>
             </a:r>
             <a:br>
               <a:rPr lang="en-CA" dirty="0" smtClean="0"/>
             </a:br>
             <a:r>
               <a:rPr lang="en-CA" dirty="0" smtClean="0"/>
-              <a:t>3D </a:t>
+              <a:t>3D rapid prototyping printer</a:t>
+            </a:r>
+          </a:p>
+          <a:p>
+            <a:pPr lvl="1"/>
+            <a:r>
+              <a:rPr lang="en-CA" dirty="0"/>
+              <a:t>FDM printing of dense ABS </a:t>
             </a:r>
             <a:r>
               <a:rPr lang="en-CA" dirty="0" smtClean="0"/>
-              <a:t>rapid </a:t>
-            </a:r>
-            <a:r>
-              <a:rPr lang="en-CA" dirty="0" smtClean="0"/>
-              <a:t>prototyping printer </a:t>
+              <a:t>plastic</a:t>
             </a:r>
             <a:br>
               <a:rPr lang="en-CA" dirty="0" smtClean="0"/>
             </a:br>
             <a:r>
               <a:rPr lang="en-CA" dirty="0" smtClean="0"/>
-              <a:t>(if you do not know any local</a:t>
+              <a:t>is </a:t>
+            </a:r>
+            <a:r>
+              <a:rPr lang="en-CA" dirty="0"/>
+              <a:t>recommended</a:t>
+            </a:r>
+          </a:p>
+          <a:p>
+            <a:pPr lvl="1"/>
+            <a:r>
+              <a:rPr lang="en-CA" dirty="0"/>
+              <a:t>The cost should be </a:t>
+            </a:r>
+            <a:r>
+              <a:rPr lang="en-CA" dirty="0" smtClean="0"/>
+              <a:t>around $30-$150</a:t>
+            </a:r>
+          </a:p>
+          <a:p>
+            <a:pPr lvl="1">
+              <a:lnSpc>
+                <a:spcPct val="110000"/>
+              </a:lnSpc>
+            </a:pPr>
+            <a:r>
+              <a:rPr lang="en-CA" dirty="0" smtClean="0"/>
+              <a:t>If </a:t>
+            </a:r>
+            <a:r>
+              <a:rPr lang="en-CA" dirty="0"/>
+              <a:t>you do not </a:t>
+            </a:r>
+            <a:r>
+              <a:rPr lang="en-CA" dirty="0" smtClean="0"/>
+              <a:t>have access to a</a:t>
             </a:r>
             <a:br>
               <a:rPr lang="en-CA" dirty="0" smtClean="0"/>
             </a:br>
             <a:r>
               <a:rPr lang="en-CA" dirty="0" smtClean="0"/>
-              <a:t>3D printing company, you can </a:t>
+              <a:t>3D printer know or the local</a:t>
             </a:r>
             <a:br>
               <a:rPr lang="en-CA" dirty="0" smtClean="0"/>
             </a:br>
             <a:r>
               <a:rPr lang="en-CA" dirty="0" smtClean="0"/>
-              <a:t>just send your model to an </a:t>
+              <a:t>3D </a:t>
+            </a:r>
+            <a:r>
+              <a:rPr lang="en-CA" dirty="0"/>
+              <a:t>printing </a:t>
+            </a:r>
+            <a:r>
+              <a:rPr lang="en-CA" dirty="0" smtClean="0"/>
+              <a:t>shops are expensive</a:t>
             </a:r>
             <a:br>
               <a:rPr lang="en-CA" dirty="0" smtClean="0"/>
             </a:br>
             <a:r>
               <a:rPr lang="en-CA" dirty="0" smtClean="0"/>
-              <a:t>on-line 3D printing company: </a:t>
+              <a:t>then </a:t>
+            </a:r>
+            <a:r>
+              <a:rPr lang="en-CA" dirty="0"/>
+              <a:t>you can </a:t>
+            </a:r>
+            <a:r>
+              <a:rPr lang="en-CA" dirty="0" smtClean="0"/>
+              <a:t>just upload </a:t>
+            </a:r>
+            <a:r>
+              <a:rPr lang="en-CA" dirty="0"/>
+              <a:t>your </a:t>
+            </a:r>
+            <a:r>
+              <a:rPr lang="en-CA" dirty="0" smtClean="0"/>
+              <a:t>model</a:t>
             </a:r>
             <a:br>
               <a:rPr lang="en-CA" dirty="0" smtClean="0"/>
             </a:br>
             <a:r>
+              <a:rPr lang="en-CA" dirty="0" smtClean="0"/>
+              <a:t>and get it by post within a couple of days:</a:t>
+            </a:r>
+            <a:br>
+              <a:rPr lang="en-CA" dirty="0" smtClean="0"/>
+            </a:br>
+            <a:r>
+              <a:rPr lang="en-CA" dirty="0" smtClean="0">
+                <a:hlinkClick r:id="rId5"/>
+              </a:rPr>
+              <a:t>http</a:t>
+            </a:r>
+            <a:r>
+              <a:rPr lang="en-CA" dirty="0">
+                <a:hlinkClick r:id="rId5"/>
+              </a:rPr>
+              <a:t>://3dprintingpricecheck.com/</a:t>
+            </a:r>
+            <a:r>
+              <a:rPr lang="en-CA" dirty="0"/>
+              <a:t/>
+            </a:r>
+            <a:br>
+              <a:rPr lang="en-CA" dirty="0"/>
+            </a:br>
+            <a:r>
+              <a:rPr lang="en-US" dirty="0">
+                <a:hlinkClick r:id="rId6"/>
+              </a:rPr>
+              <a:t>http://</a:t>
+            </a:r>
+            <a:r>
               <a:rPr lang="en-US" dirty="0" smtClean="0">
-                <a:hlinkClick r:id="rId3"/>
-              </a:rPr>
-              <a:t>http</a:t>
-            </a:r>
-            <a:r>
-              <a:rPr lang="en-US" dirty="0">
-                <a:hlinkClick r:id="rId3"/>
-              </a:rPr>
-              <a:t>://</a:t>
-            </a:r>
-            <a:r>
-              <a:rPr lang="en-US" dirty="0" smtClean="0">
-                <a:hlinkClick r:id="rId3"/>
+                <a:hlinkClick r:id="rId6"/>
               </a:rPr>
               <a:t>www.3ders.org/3d-printing/3d-print-services.html</a:t>
             </a:r>
-            <a:r>
-              <a:rPr lang="en-US" dirty="0" smtClean="0"/>
-              <a:t>)</a:t>
-            </a:r>
-            <a:endParaRPr lang="en-CA" dirty="0" smtClean="0"/>
+            <a:endParaRPr lang="en-CA" dirty="0"/>
           </a:p>
         </p:txBody>
       </p:sp>
@@ -4425,7 +4503,7 @@
           <p:nvPr/>
         </p:nvPicPr>
         <p:blipFill>
-          <a:blip r:embed="rId4" cstate="print">
+          <a:blip r:embed="rId7" cstate="print">
             <a:extLst>
               <a:ext uri="{28A0092B-C50C-407E-A947-70E740481C1C}">
                 <a14:useLocalDpi xmlns:a14="http://schemas.microsoft.com/office/drawing/2010/main" val="0"/>
@@ -4439,7 +4517,7 @@
         </p:blipFill>
         <p:spPr bwMode="auto">
           <a:xfrm>
-            <a:off x="5029200" y="3020145"/>
+            <a:off x="5029200" y="2743200"/>
             <a:ext cx="3810000" cy="2161455"/>
           </a:xfrm>
           <a:prstGeom prst="rect">
@@ -4556,13 +4634,8 @@
           <a:p>
             <a:r>
               <a:rPr lang="en-CA" sz="1400" dirty="0" smtClean="0"/>
-              <a:t>Fiducial line material: regular fishing </a:t>
-            </a:r>
-            <a:r>
-              <a:rPr lang="en-CA" sz="1400" dirty="0" smtClean="0"/>
-              <a:t>line, about 0.2-0.3 mm diameter</a:t>
-            </a:r>
-            <a:endParaRPr lang="en-CA" sz="1400" dirty="0" smtClean="0"/>
+              <a:t>Fiducial line material: regular fishing line, about 0.2-0.3 mm diameter</a:t>
+            </a:r>
           </a:p>
           <a:p>
             <a:r>
@@ -4623,11 +4696,7 @@
           <a:p>
             <a:r>
               <a:rPr lang="en-CA" sz="1400" dirty="0" smtClean="0"/>
-              <a:t>The </a:t>
-            </a:r>
-            <a:r>
-              <a:rPr lang="en-CA" sz="1400" dirty="0" smtClean="0"/>
-              <a:t>automatic calibration method in </a:t>
+              <a:t>The automatic calibration method in </a:t>
             </a:r>
             <a:r>
               <a:rPr lang="en-CA" sz="1400" dirty="0" err="1" smtClean="0"/>
@@ -4898,7 +4967,19 @@
                 <a:ea typeface="+mn-ea"/>
                 <a:cs typeface="+mn-cs"/>
               </a:rPr>
-              <a:t> coordinate </a:t>
+              <a:t> coordinate system’s origin is the endpoint of the bottom </a:t>
+            </a:r>
+            <a:r>
+              <a:rPr lang="en-US" sz="1400" dirty="0"/>
+              <a:t>left hole (on fCal-2.x it is the A5</a:t>
+            </a:r>
+            <a:r>
+              <a:rPr lang="en-US" sz="1400" dirty="0" smtClean="0"/>
+              <a:t>), </a:t>
+            </a:r>
+            <a:r>
+              <a:rPr lang="en-US" sz="1400" dirty="0"/>
+              <a:t>inside </a:t>
             </a:r>
             <a:r>
               <a:rPr kumimoji="0" lang="en-US" sz="1400" b="0" i="0" u="none" strike="noStrike" kern="1200" cap="none" spc="0" normalizeH="0" baseline="0" noProof="0" dirty="0" smtClean="0">
@@ -4915,8 +4996,16 @@
                 <a:ea typeface="+mn-ea"/>
                 <a:cs typeface="+mn-cs"/>
               </a:rPr>
-              <a:t>system’s </a:t>
-            </a:r>
+              <a:t>the box.</a:t>
+            </a:r>
+          </a:p>
+          <a:p>
+            <a:pPr lvl="0">
+              <a:spcBef>
+                <a:spcPct val="20000"/>
+              </a:spcBef>
+              <a:defRPr/>
+            </a:pPr>
             <a:r>
               <a:rPr kumimoji="0" lang="en-US" sz="1400" b="0" i="0" u="none" strike="noStrike" kern="1200" cap="none" spc="0" normalizeH="0" baseline="0" noProof="0" dirty="0" smtClean="0">
                 <a:ln>
@@ -4932,112 +5021,7 @@
                 <a:ea typeface="+mn-ea"/>
                 <a:cs typeface="+mn-cs"/>
               </a:rPr>
-              <a:t>origin is the endpoint of the </a:t>
-            </a:r>
-            <a:r>
-              <a:rPr kumimoji="0" lang="en-US" sz="1400" b="0" i="0" u="none" strike="noStrike" kern="1200" cap="none" spc="0" normalizeH="0" baseline="0" noProof="0" dirty="0" smtClean="0">
-                <a:ln>
-                  <a:noFill/>
-                </a:ln>
-                <a:solidFill>
-                  <a:schemeClr val="tx1"/>
-                </a:solidFill>
-                <a:effectLst/>
-                <a:uLnTx/>
-                <a:uFillTx/>
-                <a:latin typeface="+mn-lt"/>
-                <a:ea typeface="+mn-ea"/>
-                <a:cs typeface="+mn-cs"/>
-              </a:rPr>
-              <a:t>bottom </a:t>
-            </a:r>
-            <a:r>
-              <a:rPr lang="en-US" sz="1400" dirty="0"/>
-              <a:t>left hole (on fCal-2.x it is the A5</a:t>
-            </a:r>
-            <a:r>
-              <a:rPr lang="en-US" sz="1400" dirty="0" smtClean="0"/>
-              <a:t>), </a:t>
-            </a:r>
-            <a:r>
-              <a:rPr lang="en-US" sz="1400" dirty="0"/>
-              <a:t>inside </a:t>
-            </a:r>
-            <a:r>
-              <a:rPr kumimoji="0" lang="en-US" sz="1400" b="0" i="0" u="none" strike="noStrike" kern="1200" cap="none" spc="0" normalizeH="0" baseline="0" noProof="0" dirty="0" smtClean="0">
-                <a:ln>
-                  <a:noFill/>
-                </a:ln>
-                <a:solidFill>
-                  <a:schemeClr val="tx1"/>
-                </a:solidFill>
-                <a:effectLst/>
-                <a:uLnTx/>
-                <a:uFillTx/>
-                <a:latin typeface="+mn-lt"/>
-                <a:ea typeface="+mn-ea"/>
-                <a:cs typeface="+mn-cs"/>
-              </a:rPr>
-              <a:t>the </a:t>
-            </a:r>
-            <a:r>
-              <a:rPr kumimoji="0" lang="en-US" sz="1400" b="0" i="0" u="none" strike="noStrike" kern="1200" cap="none" spc="0" normalizeH="0" baseline="0" noProof="0" dirty="0" smtClean="0">
-                <a:ln>
-                  <a:noFill/>
-                </a:ln>
-                <a:solidFill>
-                  <a:schemeClr val="tx1"/>
-                </a:solidFill>
-                <a:effectLst/>
-                <a:uLnTx/>
-                <a:uFillTx/>
-                <a:latin typeface="+mn-lt"/>
-                <a:ea typeface="+mn-ea"/>
-                <a:cs typeface="+mn-cs"/>
-              </a:rPr>
-              <a:t>box.</a:t>
-            </a:r>
-          </a:p>
-          <a:p>
-            <a:pPr lvl="0">
-              <a:spcBef>
-                <a:spcPct val="20000"/>
-              </a:spcBef>
-              <a:defRPr/>
-            </a:pPr>
-            <a:r>
-              <a:rPr kumimoji="0" lang="en-US" sz="1400" b="0" i="0" u="none" strike="noStrike" kern="1200" cap="none" spc="0" normalizeH="0" baseline="0" noProof="0" dirty="0" smtClean="0">
-                <a:ln>
-                  <a:noFill/>
-                </a:ln>
-                <a:solidFill>
-                  <a:schemeClr val="tx1"/>
-                </a:solidFill>
-                <a:effectLst/>
-                <a:uLnTx/>
-                <a:uFillTx/>
-                <a:latin typeface="+mn-lt"/>
-                <a:ea typeface="+mn-ea"/>
-                <a:cs typeface="+mn-cs"/>
-              </a:rPr>
-              <a:t>See </a:t>
-            </a:r>
-            <a:r>
-              <a:rPr kumimoji="0" lang="en-US" sz="1400" b="0" i="0" u="none" strike="noStrike" kern="1200" cap="none" spc="0" normalizeH="0" baseline="0" noProof="0" dirty="0" smtClean="0">
-                <a:ln>
-                  <a:noFill/>
-                </a:ln>
-                <a:solidFill>
-                  <a:schemeClr val="tx1"/>
-                </a:solidFill>
-                <a:effectLst/>
-                <a:uLnTx/>
-                <a:uFillTx/>
-                <a:latin typeface="+mn-lt"/>
-                <a:ea typeface="+mn-ea"/>
-                <a:cs typeface="+mn-cs"/>
-              </a:rPr>
-              <a:t>the image on the right or the coordinate system definition model here for more information:</a:t>
+              <a:t>See the image on the right or the coordinate system definition model here for more information:</a:t>
             </a:r>
             <a:br>
               <a:rPr kumimoji="0" lang="en-US" sz="1400" b="0" i="0" u="none" strike="noStrike" kern="1200" cap="none" spc="0" normalizeH="0" baseline="0" noProof="0" dirty="0" smtClean="0">
@@ -5874,11 +5858,7 @@
           <a:p>
             <a:r>
               <a:rPr lang="en-US" dirty="0" smtClean="0"/>
-              <a:t>You can stretch the fiducial lines by using a rubber band as it is shown in the picture </a:t>
-            </a:r>
-            <a:r>
-              <a:rPr lang="en-US" dirty="0" smtClean="0"/>
-              <a:t>below</a:t>
+              <a:t>You can stretch the fiducial lines by using a rubber band as it is shown in the picture below</a:t>
             </a:r>
           </a:p>
           <a:p>
@@ -5890,7 +5870,6 @@
               <a:rPr lang="en-US" dirty="0" smtClean="0"/>
               <a:t>hole.</a:t>
             </a:r>
-            <a:endParaRPr lang="en-US" dirty="0" smtClean="0"/>
           </a:p>
           <a:p>
             <a:endParaRPr lang="en-US" dirty="0" smtClean="0"/>
@@ -6241,13 +6220,8 @@
             <a:pPr lvl="1"/>
             <a:r>
               <a:rPr lang="en-CA" dirty="0" smtClean="0"/>
-              <a:t>obsolete, use </a:t>
-            </a:r>
-            <a:r>
-              <a:rPr lang="en-CA" dirty="0" smtClean="0"/>
-              <a:t>fCal_2.0 instead</a:t>
-            </a:r>
-            <a:endParaRPr lang="en-CA" dirty="0" smtClean="0"/>
+              <a:t>obsolete, use fCal_2.0 instead</a:t>
+            </a:r>
           </a:p>
         </p:txBody>
       </p:sp>
@@ -7532,11 +7506,7 @@
             </a:pPr>
             <a:r>
               <a:rPr lang="en-CA" dirty="0" smtClean="0"/>
-              <a:t>Phantom model: fCal_1.0, Wiring: </a:t>
-            </a:r>
-            <a:r>
-              <a:rPr lang="en-CA" dirty="0" smtClean="0"/>
-              <a:t>wiring_1.0</a:t>
+              <a:t>Phantom model: fCal_1.0, Wiring: wiring_1.0</a:t>
             </a:r>
           </a:p>
         </p:txBody>
